--- a/p02/A-frame-geometric-objects.pptx
+++ b/p02/A-frame-geometric-objects.pptx
@@ -5,27 +5,25 @@
     <p:sldMasterId id="2147483660" r:id="rId1"/>
   </p:sldMasterIdLst>
   <p:notesMasterIdLst>
-    <p:notesMasterId r:id="rId20"/>
+    <p:notesMasterId r:id="rId18"/>
   </p:notesMasterIdLst>
   <p:sldIdLst>
-    <p:sldId id="256" r:id="rId2"/>
-    <p:sldId id="258" r:id="rId3"/>
-    <p:sldId id="259" r:id="rId4"/>
-    <p:sldId id="290" r:id="rId5"/>
-    <p:sldId id="282" r:id="rId6"/>
-    <p:sldId id="270" r:id="rId7"/>
-    <p:sldId id="280" r:id="rId8"/>
-    <p:sldId id="284" r:id="rId9"/>
-    <p:sldId id="274" r:id="rId10"/>
-    <p:sldId id="272" r:id="rId11"/>
-    <p:sldId id="277" r:id="rId12"/>
-    <p:sldId id="285" r:id="rId13"/>
-    <p:sldId id="287" r:id="rId14"/>
-    <p:sldId id="288" r:id="rId15"/>
-    <p:sldId id="279" r:id="rId16"/>
-    <p:sldId id="283" r:id="rId17"/>
-    <p:sldId id="293" r:id="rId18"/>
-    <p:sldId id="268" r:id="rId19"/>
+    <p:sldId id="296" r:id="rId2"/>
+    <p:sldId id="259" r:id="rId3"/>
+    <p:sldId id="290" r:id="rId4"/>
+    <p:sldId id="282" r:id="rId5"/>
+    <p:sldId id="270" r:id="rId6"/>
+    <p:sldId id="280" r:id="rId7"/>
+    <p:sldId id="284" r:id="rId8"/>
+    <p:sldId id="274" r:id="rId9"/>
+    <p:sldId id="272" r:id="rId10"/>
+    <p:sldId id="277" r:id="rId11"/>
+    <p:sldId id="285" r:id="rId12"/>
+    <p:sldId id="287" r:id="rId13"/>
+    <p:sldId id="288" r:id="rId14"/>
+    <p:sldId id="279" r:id="rId15"/>
+    <p:sldId id="283" r:id="rId16"/>
+    <p:sldId id="297" r:id="rId17"/>
   </p:sldIdLst>
   <p:sldSz cx="12192000" cy="6858000"/>
   <p:notesSz cx="7019925" cy="9305925"/>
@@ -222,7 +220,7 @@
           <a:p>
             <a:fld id="{FA1E3CD0-6E24-4AC0-945A-82AEC1490673}" type="datetimeFigureOut">
               <a:rPr lang="en-US" smtClean="0"/>
-              <a:t>5/31/2024</a:t>
+              <a:t>6/19/2024</a:t>
             </a:fld>
             <a:endParaRPr lang="en-US"/>
           </a:p>
@@ -557,7 +555,7 @@
           <a:p>
             <a:fld id="{9BA6B424-CA33-4A3E-9131-9279D1BF9385}" type="slidenum">
               <a:rPr lang="en-US" smtClean="0"/>
-              <a:t>8</a:t>
+              <a:t>7</a:t>
             </a:fld>
             <a:endParaRPr lang="en-US"/>
           </a:p>
@@ -715,7 +713,7 @@
           <a:p>
             <a:fld id="{C168DB89-C76A-451A-996D-4E290BC9251E}" type="slidenum">
               <a:rPr lang="en-US" smtClean="0"/>
-              <a:t>13</a:t>
+              <a:t>12</a:t>
             </a:fld>
             <a:endParaRPr lang="en-US"/>
           </a:p>
@@ -873,7 +871,7 @@
           <a:p>
             <a:fld id="{C168DB89-C76A-451A-996D-4E290BC9251E}" type="slidenum">
               <a:rPr lang="en-US" smtClean="0"/>
-              <a:t>14</a:t>
+              <a:t>13</a:t>
             </a:fld>
             <a:endParaRPr lang="en-US"/>
           </a:p>
@@ -1023,7 +1021,7 @@
           <a:p>
             <a:fld id="{846CE7D5-CF57-46EF-B807-FDD0502418D4}" type="datetimeFigureOut">
               <a:rPr lang="en-US" smtClean="0"/>
-              <a:t>5/31/2024</a:t>
+              <a:t>6/19/2024</a:t>
             </a:fld>
             <a:endParaRPr lang="en-US"/>
           </a:p>
@@ -1193,7 +1191,7 @@
           <a:p>
             <a:fld id="{846CE7D5-CF57-46EF-B807-FDD0502418D4}" type="datetimeFigureOut">
               <a:rPr lang="en-US" smtClean="0"/>
-              <a:t>5/31/2024</a:t>
+              <a:t>6/19/2024</a:t>
             </a:fld>
             <a:endParaRPr lang="en-US"/>
           </a:p>
@@ -1373,7 +1371,7 @@
           <a:p>
             <a:fld id="{846CE7D5-CF57-46EF-B807-FDD0502418D4}" type="datetimeFigureOut">
               <a:rPr lang="en-US" smtClean="0"/>
-              <a:t>5/31/2024</a:t>
+              <a:t>6/19/2024</a:t>
             </a:fld>
             <a:endParaRPr lang="en-US"/>
           </a:p>
@@ -1543,7 +1541,7 @@
           <a:p>
             <a:fld id="{846CE7D5-CF57-46EF-B807-FDD0502418D4}" type="datetimeFigureOut">
               <a:rPr lang="en-US" smtClean="0"/>
-              <a:t>5/31/2024</a:t>
+              <a:t>6/19/2024</a:t>
             </a:fld>
             <a:endParaRPr lang="en-US"/>
           </a:p>
@@ -1789,7 +1787,7 @@
           <a:p>
             <a:fld id="{846CE7D5-CF57-46EF-B807-FDD0502418D4}" type="datetimeFigureOut">
               <a:rPr lang="en-US" smtClean="0"/>
-              <a:t>5/31/2024</a:t>
+              <a:t>6/19/2024</a:t>
             </a:fld>
             <a:endParaRPr lang="en-US"/>
           </a:p>
@@ -2021,7 +2019,7 @@
           <a:p>
             <a:fld id="{846CE7D5-CF57-46EF-B807-FDD0502418D4}" type="datetimeFigureOut">
               <a:rPr lang="en-US" smtClean="0"/>
-              <a:t>5/31/2024</a:t>
+              <a:t>6/19/2024</a:t>
             </a:fld>
             <a:endParaRPr lang="en-US"/>
           </a:p>
@@ -2388,7 +2386,7 @@
           <a:p>
             <a:fld id="{846CE7D5-CF57-46EF-B807-FDD0502418D4}" type="datetimeFigureOut">
               <a:rPr lang="en-US" smtClean="0"/>
-              <a:t>5/31/2024</a:t>
+              <a:t>6/19/2024</a:t>
             </a:fld>
             <a:endParaRPr lang="en-US"/>
           </a:p>
@@ -2506,7 +2504,7 @@
           <a:p>
             <a:fld id="{846CE7D5-CF57-46EF-B807-FDD0502418D4}" type="datetimeFigureOut">
               <a:rPr lang="en-US" smtClean="0"/>
-              <a:t>5/31/2024</a:t>
+              <a:t>6/19/2024</a:t>
             </a:fld>
             <a:endParaRPr lang="en-US"/>
           </a:p>
@@ -2601,7 +2599,7 @@
           <a:p>
             <a:fld id="{846CE7D5-CF57-46EF-B807-FDD0502418D4}" type="datetimeFigureOut">
               <a:rPr lang="en-US" smtClean="0"/>
-              <a:t>5/31/2024</a:t>
+              <a:t>6/19/2024</a:t>
             </a:fld>
             <a:endParaRPr lang="en-US"/>
           </a:p>
@@ -2878,7 +2876,7 @@
           <a:p>
             <a:fld id="{846CE7D5-CF57-46EF-B807-FDD0502418D4}" type="datetimeFigureOut">
               <a:rPr lang="en-US" smtClean="0"/>
-              <a:t>5/31/2024</a:t>
+              <a:t>6/19/2024</a:t>
             </a:fld>
             <a:endParaRPr lang="en-US"/>
           </a:p>
@@ -3135,7 +3133,7 @@
           <a:p>
             <a:fld id="{846CE7D5-CF57-46EF-B807-FDD0502418D4}" type="datetimeFigureOut">
               <a:rPr lang="en-US" smtClean="0"/>
-              <a:t>5/31/2024</a:t>
+              <a:t>6/19/2024</a:t>
             </a:fld>
             <a:endParaRPr lang="en-US"/>
           </a:p>
@@ -3348,7 +3346,7 @@
           <a:p>
             <a:fld id="{846CE7D5-CF57-46EF-B807-FDD0502418D4}" type="datetimeFigureOut">
               <a:rPr lang="en-US" smtClean="0"/>
-              <a:t>5/31/2024</a:t>
+              <a:t>6/19/2024</a:t>
             </a:fld>
             <a:endParaRPr lang="en-US"/>
           </a:p>
@@ -3739,6 +3737,14 @@
 <file path=ppt/slides/slide1.xml><?xml version="1.0" encoding="utf-8"?>
 <p:sld xmlns:a="http://schemas.openxmlformats.org/drawingml/2006/main" xmlns:r="http://schemas.openxmlformats.org/officeDocument/2006/relationships" xmlns:p="http://schemas.openxmlformats.org/presentationml/2006/main">
   <p:cSld>
+    <p:bg>
+      <p:bgPr>
+        <a:solidFill>
+          <a:schemeClr val="bg1"/>
+        </a:solidFill>
+        <a:effectLst/>
+      </p:bgPr>
+    </p:bg>
     <p:spTree>
       <p:nvGrpSpPr>
         <p:cNvPr id="1" name=""/>
@@ -3753,43 +3759,978 @@
           <a:chExt cx="0" cy="0"/>
         </a:xfrm>
       </p:grpSpPr>
-      <p:sp>
-        <p:nvSpPr>
-          <p:cNvPr id="2" name="Title 1"/>
-          <p:cNvSpPr>
-            <a:spLocks noGrp="1"/>
-          </p:cNvSpPr>
-          <p:nvPr>
-            <p:ph type="ctrTitle"/>
-          </p:nvPr>
-        </p:nvSpPr>
-        <p:spPr/>
-        <p:txBody>
-          <a:bodyPr>
-            <a:normAutofit fontScale="90000"/>
+      <p:sp useBgFill="1">
+        <p:nvSpPr>
+          <p:cNvPr id="42" name="Rectangle 41">
+            <a:extLst>
+              <a:ext uri="{FF2B5EF4-FFF2-40B4-BE49-F238E27FC236}">
+                <a16:creationId xmlns:a16="http://schemas.microsoft.com/office/drawing/2014/main" id="{F3E416D2-D994-4F7A-8F62-B28B11BEBA65}"/>
+              </a:ext>
+              <a:ext uri="{C183D7F6-B498-43B3-948B-1728B52AA6E4}">
+                <adec:decorative xmlns:adec="http://schemas.microsoft.com/office/drawing/2017/decorative" val="1"/>
+              </a:ext>
+            </a:extLst>
+          </p:cNvPr>
+          <p:cNvSpPr>
+            <a:spLocks noGrp="1" noRot="1" noChangeAspect="1" noMove="1" noResize="1" noEditPoints="1" noAdjustHandles="1" noChangeArrowheads="1" noChangeShapeType="1" noTextEdit="1"/>
+          </p:cNvSpPr>
+          <p:nvPr>
+            <p:extLst>
+              <p:ext uri="{386F3935-93C4-4BCD-93E2-E3B085C9AB24}">
+                <p16:designElem xmlns:p16="http://schemas.microsoft.com/office/powerpoint/2015/main" val="1"/>
+              </p:ext>
+            </p:extLst>
+          </p:nvPr>
+        </p:nvSpPr>
+        <p:spPr>
+          <a:xfrm>
+            <a:off x="305" y="0"/>
+            <a:ext cx="12191695" cy="6858000"/>
+          </a:xfrm>
+          <a:prstGeom prst="rect">
+            <a:avLst/>
+          </a:prstGeom>
+          <a:ln>
+            <a:noFill/>
+          </a:ln>
+        </p:spPr>
+        <p:style>
+          <a:lnRef idx="2">
+            <a:schemeClr val="accent1">
+              <a:shade val="50000"/>
+            </a:schemeClr>
+          </a:lnRef>
+          <a:fillRef idx="1">
+            <a:schemeClr val="accent1"/>
+          </a:fillRef>
+          <a:effectRef idx="0">
+            <a:schemeClr val="accent1"/>
+          </a:effectRef>
+          <a:fontRef idx="minor">
+            <a:schemeClr val="lt1"/>
+          </a:fontRef>
+        </p:style>
+        <p:txBody>
+          <a:bodyPr rtlCol="0" anchor="ctr"/>
+          <a:lstStyle/>
+          <a:p>
+            <a:pPr marL="0" marR="0" lvl="0" indent="0" algn="ctr" defTabSz="457200" rtl="0" eaLnBrk="1" fontAlgn="auto" latinLnBrk="0" hangingPunct="1">
+              <a:lnSpc>
+                <a:spcPct val="100000"/>
+              </a:lnSpc>
+              <a:spcBef>
+                <a:spcPts val="0"/>
+              </a:spcBef>
+              <a:spcAft>
+                <a:spcPts val="0"/>
+              </a:spcAft>
+              <a:buClrTx/>
+              <a:buSzTx/>
+              <a:buFontTx/>
+              <a:buNone/>
+              <a:tabLst/>
+              <a:defRPr/>
+            </a:pPr>
+            <a:endParaRPr kumimoji="0" lang="en-US" sz="1800" b="0" i="0" u="none" strike="noStrike" kern="1200" cap="none" spc="0" normalizeH="0" baseline="0" noProof="0">
+              <a:ln>
+                <a:noFill/>
+              </a:ln>
+              <a:solidFill>
+                <a:prstClr val="white"/>
+              </a:solidFill>
+              <a:effectLst/>
+              <a:uLnTx/>
+              <a:uFillTx/>
+              <a:latin typeface="Meiryo"/>
+              <a:ea typeface="+mn-ea"/>
+              <a:cs typeface="+mn-cs"/>
+            </a:endParaRPr>
+          </a:p>
+        </p:txBody>
+      </p:sp>
+      <p:pic>
+        <p:nvPicPr>
+          <p:cNvPr id="38" name="Picture 37" descr="A colorful squares and lines&#10;&#10;Description automatically generated">
+            <a:extLst>
+              <a:ext uri="{FF2B5EF4-FFF2-40B4-BE49-F238E27FC236}">
+                <a16:creationId xmlns:a16="http://schemas.microsoft.com/office/drawing/2014/main" id="{F19E26CD-2E53-0914-FE6B-3EE538E80FA9}"/>
+              </a:ext>
+            </a:extLst>
+          </p:cNvPr>
+          <p:cNvPicPr>
+            <a:picLocks noChangeAspect="1"/>
+          </p:cNvPicPr>
+          <p:nvPr/>
+        </p:nvPicPr>
+        <p:blipFill rotWithShape="1">
+          <a:blip r:embed="rId2"/>
+          <a:srcRect t="20475" r="-1" b="-1"/>
+          <a:stretch/>
+        </p:blipFill>
+        <p:spPr>
+          <a:xfrm>
+            <a:off x="3048" y="77283"/>
+            <a:ext cx="12188952" cy="6857990"/>
+          </a:xfrm>
+          <a:prstGeom prst="rect">
+            <a:avLst/>
+          </a:prstGeom>
+        </p:spPr>
+      </p:pic>
+      <p:sp>
+        <p:nvSpPr>
+          <p:cNvPr id="47" name="Freeform: Shape 46">
+            <a:extLst>
+              <a:ext uri="{FF2B5EF4-FFF2-40B4-BE49-F238E27FC236}">
+                <a16:creationId xmlns:a16="http://schemas.microsoft.com/office/drawing/2014/main" id="{FB27C166-470E-467E-9E9E-E235EEF3C01B}"/>
+              </a:ext>
+              <a:ext uri="{C183D7F6-B498-43B3-948B-1728B52AA6E4}">
+                <adec:decorative xmlns:adec="http://schemas.microsoft.com/office/drawing/2017/decorative" val="1"/>
+              </a:ext>
+            </a:extLst>
+          </p:cNvPr>
+          <p:cNvSpPr>
+            <a:spLocks noGrp="1" noRot="1" noChangeAspect="1" noMove="1" noResize="1" noEditPoints="1" noAdjustHandles="1" noChangeArrowheads="1" noChangeShapeType="1" noTextEdit="1"/>
+          </p:cNvSpPr>
+          <p:nvPr>
+            <p:extLst>
+              <p:ext uri="{386F3935-93C4-4BCD-93E2-E3B085C9AB24}">
+                <p16:designElem xmlns:p16="http://schemas.microsoft.com/office/powerpoint/2015/main" val="1"/>
+              </p:ext>
+            </p:extLst>
+          </p:nvPr>
+        </p:nvSpPr>
+        <p:spPr>
+          <a:xfrm flipH="1">
+            <a:off x="4824691" y="0"/>
+            <a:ext cx="7365784" cy="6858000"/>
+          </a:xfrm>
+          <a:custGeom>
+            <a:avLst/>
+            <a:gdLst>
+              <a:gd name="connsiteX0" fmla="*/ 5742761 w 7365784"/>
+              <a:gd name="connsiteY0" fmla="*/ 0 h 6858000"/>
+              <a:gd name="connsiteX1" fmla="*/ 3076369 w 7365784"/>
+              <a:gd name="connsiteY1" fmla="*/ 0 h 6858000"/>
+              <a:gd name="connsiteX2" fmla="*/ 1949196 w 7365784"/>
+              <a:gd name="connsiteY2" fmla="*/ 0 h 6858000"/>
+              <a:gd name="connsiteX3" fmla="*/ 1583228 w 7365784"/>
+              <a:gd name="connsiteY3" fmla="*/ 0 h 6858000"/>
+              <a:gd name="connsiteX4" fmla="*/ 1457787 w 7365784"/>
+              <a:gd name="connsiteY4" fmla="*/ 0 h 6858000"/>
+              <a:gd name="connsiteX5" fmla="*/ 1445578 w 7365784"/>
+              <a:gd name="connsiteY5" fmla="*/ 0 h 6858000"/>
+              <a:gd name="connsiteX6" fmla="*/ 571708 w 7365784"/>
+              <a:gd name="connsiteY6" fmla="*/ 0 h 6858000"/>
+              <a:gd name="connsiteX7" fmla="*/ 237757 w 7365784"/>
+              <a:gd name="connsiteY7" fmla="*/ 0 h 6858000"/>
+              <a:gd name="connsiteX8" fmla="*/ 205161 w 7365784"/>
+              <a:gd name="connsiteY8" fmla="*/ 0 h 6858000"/>
+              <a:gd name="connsiteX9" fmla="*/ 0 w 7365784"/>
+              <a:gd name="connsiteY9" fmla="*/ 0 h 6858000"/>
+              <a:gd name="connsiteX10" fmla="*/ 0 w 7365784"/>
+              <a:gd name="connsiteY10" fmla="*/ 6858000 h 6858000"/>
+              <a:gd name="connsiteX11" fmla="*/ 205161 w 7365784"/>
+              <a:gd name="connsiteY11" fmla="*/ 6858000 h 6858000"/>
+              <a:gd name="connsiteX12" fmla="*/ 237757 w 7365784"/>
+              <a:gd name="connsiteY12" fmla="*/ 6858000 h 6858000"/>
+              <a:gd name="connsiteX13" fmla="*/ 571708 w 7365784"/>
+              <a:gd name="connsiteY13" fmla="*/ 6858000 h 6858000"/>
+              <a:gd name="connsiteX14" fmla="*/ 1274834 w 7365784"/>
+              <a:gd name="connsiteY14" fmla="*/ 6858000 h 6858000"/>
+              <a:gd name="connsiteX15" fmla="*/ 1445578 w 7365784"/>
+              <a:gd name="connsiteY15" fmla="*/ 6858000 h 6858000"/>
+              <a:gd name="connsiteX16" fmla="*/ 1457787 w 7365784"/>
+              <a:gd name="connsiteY16" fmla="*/ 6858000 h 6858000"/>
+              <a:gd name="connsiteX17" fmla="*/ 1949196 w 7365784"/>
+              <a:gd name="connsiteY17" fmla="*/ 6858000 h 6858000"/>
+              <a:gd name="connsiteX18" fmla="*/ 3076369 w 7365784"/>
+              <a:gd name="connsiteY18" fmla="*/ 6858000 h 6858000"/>
+              <a:gd name="connsiteX19" fmla="*/ 4863030 w 7365784"/>
+              <a:gd name="connsiteY19" fmla="*/ 6858000 h 6858000"/>
+              <a:gd name="connsiteX20" fmla="*/ 4974786 w 7365784"/>
+              <a:gd name="connsiteY20" fmla="*/ 6780599 h 6858000"/>
+              <a:gd name="connsiteX21" fmla="*/ 5491434 w 7365784"/>
+              <a:gd name="connsiteY21" fmla="*/ 6374814 h 6858000"/>
+              <a:gd name="connsiteX22" fmla="*/ 7365784 w 7365784"/>
+              <a:gd name="connsiteY22" fmla="*/ 3621656 h 6858000"/>
+              <a:gd name="connsiteX23" fmla="*/ 5764885 w 7365784"/>
+              <a:gd name="connsiteY23" fmla="*/ 14997 h 6858000"/>
+            </a:gdLst>
+            <a:ahLst/>
+            <a:cxnLst>
+              <a:cxn ang="0">
+                <a:pos x="connsiteX0" y="connsiteY0"/>
+              </a:cxn>
+              <a:cxn ang="0">
+                <a:pos x="connsiteX1" y="connsiteY1"/>
+              </a:cxn>
+              <a:cxn ang="0">
+                <a:pos x="connsiteX2" y="connsiteY2"/>
+              </a:cxn>
+              <a:cxn ang="0">
+                <a:pos x="connsiteX3" y="connsiteY3"/>
+              </a:cxn>
+              <a:cxn ang="0">
+                <a:pos x="connsiteX4" y="connsiteY4"/>
+              </a:cxn>
+              <a:cxn ang="0">
+                <a:pos x="connsiteX5" y="connsiteY5"/>
+              </a:cxn>
+              <a:cxn ang="0">
+                <a:pos x="connsiteX6" y="connsiteY6"/>
+              </a:cxn>
+              <a:cxn ang="0">
+                <a:pos x="connsiteX7" y="connsiteY7"/>
+              </a:cxn>
+              <a:cxn ang="0">
+                <a:pos x="connsiteX8" y="connsiteY8"/>
+              </a:cxn>
+              <a:cxn ang="0">
+                <a:pos x="connsiteX9" y="connsiteY9"/>
+              </a:cxn>
+              <a:cxn ang="0">
+                <a:pos x="connsiteX10" y="connsiteY10"/>
+              </a:cxn>
+              <a:cxn ang="0">
+                <a:pos x="connsiteX11" y="connsiteY11"/>
+              </a:cxn>
+              <a:cxn ang="0">
+                <a:pos x="connsiteX12" y="connsiteY12"/>
+              </a:cxn>
+              <a:cxn ang="0">
+                <a:pos x="connsiteX13" y="connsiteY13"/>
+              </a:cxn>
+              <a:cxn ang="0">
+                <a:pos x="connsiteX14" y="connsiteY14"/>
+              </a:cxn>
+              <a:cxn ang="0">
+                <a:pos x="connsiteX15" y="connsiteY15"/>
+              </a:cxn>
+              <a:cxn ang="0">
+                <a:pos x="connsiteX16" y="connsiteY16"/>
+              </a:cxn>
+              <a:cxn ang="0">
+                <a:pos x="connsiteX17" y="connsiteY17"/>
+              </a:cxn>
+              <a:cxn ang="0">
+                <a:pos x="connsiteX18" y="connsiteY18"/>
+              </a:cxn>
+              <a:cxn ang="0">
+                <a:pos x="connsiteX19" y="connsiteY19"/>
+              </a:cxn>
+              <a:cxn ang="0">
+                <a:pos x="connsiteX20" y="connsiteY20"/>
+              </a:cxn>
+              <a:cxn ang="0">
+                <a:pos x="connsiteX21" y="connsiteY21"/>
+              </a:cxn>
+              <a:cxn ang="0">
+                <a:pos x="connsiteX22" y="connsiteY22"/>
+              </a:cxn>
+              <a:cxn ang="0">
+                <a:pos x="connsiteX23" y="connsiteY23"/>
+              </a:cxn>
+            </a:cxnLst>
+            <a:rect l="l" t="t" r="r" b="b"/>
+            <a:pathLst>
+              <a:path w="7365784" h="6858000">
+                <a:moveTo>
+                  <a:pt x="5742761" y="0"/>
+                </a:moveTo>
+                <a:lnTo>
+                  <a:pt x="3076369" y="0"/>
+                </a:lnTo>
+                <a:lnTo>
+                  <a:pt x="1949196" y="0"/>
+                </a:lnTo>
+                <a:lnTo>
+                  <a:pt x="1583228" y="0"/>
+                </a:lnTo>
+                <a:lnTo>
+                  <a:pt x="1457787" y="0"/>
+                </a:lnTo>
+                <a:lnTo>
+                  <a:pt x="1445578" y="0"/>
+                </a:lnTo>
+                <a:lnTo>
+                  <a:pt x="571708" y="0"/>
+                </a:lnTo>
+                <a:lnTo>
+                  <a:pt x="237757" y="0"/>
+                </a:lnTo>
+                <a:lnTo>
+                  <a:pt x="205161" y="0"/>
+                </a:lnTo>
+                <a:lnTo>
+                  <a:pt x="0" y="0"/>
+                </a:lnTo>
+                <a:lnTo>
+                  <a:pt x="0" y="6858000"/>
+                </a:lnTo>
+                <a:lnTo>
+                  <a:pt x="205161" y="6858000"/>
+                </a:lnTo>
+                <a:lnTo>
+                  <a:pt x="237757" y="6858000"/>
+                </a:lnTo>
+                <a:lnTo>
+                  <a:pt x="571708" y="6858000"/>
+                </a:lnTo>
+                <a:lnTo>
+                  <a:pt x="1274834" y="6858000"/>
+                </a:lnTo>
+                <a:lnTo>
+                  <a:pt x="1445578" y="6858000"/>
+                </a:lnTo>
+                <a:lnTo>
+                  <a:pt x="1457787" y="6858000"/>
+                </a:lnTo>
+                <a:lnTo>
+                  <a:pt x="1949196" y="6858000"/>
+                </a:lnTo>
+                <a:lnTo>
+                  <a:pt x="3076369" y="6858000"/>
+                </a:lnTo>
+                <a:lnTo>
+                  <a:pt x="4863030" y="6858000"/>
+                </a:lnTo>
+                <a:lnTo>
+                  <a:pt x="4974786" y="6780599"/>
+                </a:lnTo>
+                <a:cubicBezTo>
+                  <a:pt x="5148604" y="6653108"/>
+                  <a:pt x="5319231" y="6515397"/>
+                  <a:pt x="5491434" y="6374814"/>
+                </a:cubicBezTo>
+                <a:cubicBezTo>
+                  <a:pt x="6437059" y="5602839"/>
+                  <a:pt x="7365784" y="4969131"/>
+                  <a:pt x="7365784" y="3621656"/>
+                </a:cubicBezTo>
+                <a:cubicBezTo>
+                  <a:pt x="7365784" y="2093192"/>
+                  <a:pt x="6792048" y="754641"/>
+                  <a:pt x="5764885" y="14997"/>
+                </a:cubicBezTo>
+                <a:close/>
+              </a:path>
+            </a:pathLst>
+          </a:custGeom>
+          <a:solidFill>
+            <a:srgbClr val="FFFFFF">
+              <a:alpha val="50000"/>
+            </a:srgbClr>
+          </a:solidFill>
+          <a:ln>
+            <a:noFill/>
+          </a:ln>
+        </p:spPr>
+        <p:style>
+          <a:lnRef idx="2">
+            <a:schemeClr val="accent1">
+              <a:shade val="50000"/>
+            </a:schemeClr>
+          </a:lnRef>
+          <a:fillRef idx="1">
+            <a:schemeClr val="accent1"/>
+          </a:fillRef>
+          <a:effectRef idx="0">
+            <a:schemeClr val="accent1"/>
+          </a:effectRef>
+          <a:fontRef idx="minor">
+            <a:schemeClr val="lt1"/>
+          </a:fontRef>
+        </p:style>
+        <p:txBody>
+          <a:bodyPr wrap="square" rtlCol="0" anchor="ctr">
+            <a:noAutofit/>
           </a:bodyPr>
           <a:lstStyle/>
           <a:p>
+            <a:pPr marL="0" marR="0" lvl="0" indent="0" algn="ctr" defTabSz="914400" rtl="0" eaLnBrk="1" fontAlgn="auto" latinLnBrk="0" hangingPunct="1">
+              <a:lnSpc>
+                <a:spcPct val="100000"/>
+              </a:lnSpc>
+              <a:spcBef>
+                <a:spcPts val="0"/>
+              </a:spcBef>
+              <a:spcAft>
+                <a:spcPts val="0"/>
+              </a:spcAft>
+              <a:buClrTx/>
+              <a:buSzTx/>
+              <a:buFontTx/>
+              <a:buNone/>
+              <a:tabLst/>
+              <a:defRPr/>
+            </a:pPr>
+            <a:endParaRPr kumimoji="0" lang="en-US" sz="1800" b="0" i="0" u="none" strike="noStrike" kern="1200" cap="none" spc="0" normalizeH="0" baseline="0" noProof="0" dirty="0">
+              <a:ln>
+                <a:noFill/>
+              </a:ln>
+              <a:solidFill>
+                <a:prstClr val="white"/>
+              </a:solidFill>
+              <a:effectLst/>
+              <a:uLnTx/>
+              <a:uFillTx/>
+              <a:latin typeface="Calibri" panose="020F0502020204030204"/>
+              <a:ea typeface="+mn-ea"/>
+              <a:cs typeface="+mn-cs"/>
+            </a:endParaRPr>
+          </a:p>
+        </p:txBody>
+      </p:sp>
+      <p:sp>
+        <p:nvSpPr>
+          <p:cNvPr id="46" name="Freeform: Shape 45">
+            <a:extLst>
+              <a:ext uri="{FF2B5EF4-FFF2-40B4-BE49-F238E27FC236}">
+                <a16:creationId xmlns:a16="http://schemas.microsoft.com/office/drawing/2014/main" id="{673636C8-1392-483A-8A7A-CA259E806C54}"/>
+              </a:ext>
+              <a:ext uri="{C183D7F6-B498-43B3-948B-1728B52AA6E4}">
+                <adec:decorative xmlns:adec="http://schemas.microsoft.com/office/drawing/2017/decorative" val="1"/>
+              </a:ext>
+            </a:extLst>
+          </p:cNvPr>
+          <p:cNvSpPr>
+            <a:spLocks noGrp="1" noRot="1" noChangeAspect="1" noMove="1" noResize="1" noEditPoints="1" noAdjustHandles="1" noChangeArrowheads="1" noChangeShapeType="1" noTextEdit="1"/>
+          </p:cNvSpPr>
+          <p:nvPr>
+            <p:extLst>
+              <p:ext uri="{386F3935-93C4-4BCD-93E2-E3B085C9AB24}">
+                <p16:designElem xmlns:p16="http://schemas.microsoft.com/office/powerpoint/2015/main" val="1"/>
+              </p:ext>
+            </p:extLst>
+          </p:nvPr>
+        </p:nvSpPr>
+        <p:spPr>
+          <a:xfrm flipH="1">
+            <a:off x="4983671" y="0"/>
+            <a:ext cx="7208329" cy="6858000"/>
+          </a:xfrm>
+          <a:custGeom>
+            <a:avLst/>
+            <a:gdLst>
+              <a:gd name="connsiteX0" fmla="*/ 5585306 w 7208329"/>
+              <a:gd name="connsiteY0" fmla="*/ 0 h 6858000"/>
+              <a:gd name="connsiteX1" fmla="*/ 2918914 w 7208329"/>
+              <a:gd name="connsiteY1" fmla="*/ 0 h 6858000"/>
+              <a:gd name="connsiteX2" fmla="*/ 1592911 w 7208329"/>
+              <a:gd name="connsiteY2" fmla="*/ 0 h 6858000"/>
+              <a:gd name="connsiteX3" fmla="*/ 1425773 w 7208329"/>
+              <a:gd name="connsiteY3" fmla="*/ 0 h 6858000"/>
+              <a:gd name="connsiteX4" fmla="*/ 1300332 w 7208329"/>
+              <a:gd name="connsiteY4" fmla="*/ 0 h 6858000"/>
+              <a:gd name="connsiteX5" fmla="*/ 1288123 w 7208329"/>
+              <a:gd name="connsiteY5" fmla="*/ 0 h 6858000"/>
+              <a:gd name="connsiteX6" fmla="*/ 414253 w 7208329"/>
+              <a:gd name="connsiteY6" fmla="*/ 0 h 6858000"/>
+              <a:gd name="connsiteX7" fmla="*/ 80302 w 7208329"/>
+              <a:gd name="connsiteY7" fmla="*/ 0 h 6858000"/>
+              <a:gd name="connsiteX8" fmla="*/ 47706 w 7208329"/>
+              <a:gd name="connsiteY8" fmla="*/ 0 h 6858000"/>
+              <a:gd name="connsiteX9" fmla="*/ 0 w 7208329"/>
+              <a:gd name="connsiteY9" fmla="*/ 0 h 6858000"/>
+              <a:gd name="connsiteX10" fmla="*/ 0 w 7208329"/>
+              <a:gd name="connsiteY10" fmla="*/ 6858000 h 6858000"/>
+              <a:gd name="connsiteX11" fmla="*/ 47706 w 7208329"/>
+              <a:gd name="connsiteY11" fmla="*/ 6858000 h 6858000"/>
+              <a:gd name="connsiteX12" fmla="*/ 80302 w 7208329"/>
+              <a:gd name="connsiteY12" fmla="*/ 6858000 h 6858000"/>
+              <a:gd name="connsiteX13" fmla="*/ 414253 w 7208329"/>
+              <a:gd name="connsiteY13" fmla="*/ 6858000 h 6858000"/>
+              <a:gd name="connsiteX14" fmla="*/ 1117379 w 7208329"/>
+              <a:gd name="connsiteY14" fmla="*/ 6858000 h 6858000"/>
+              <a:gd name="connsiteX15" fmla="*/ 1288123 w 7208329"/>
+              <a:gd name="connsiteY15" fmla="*/ 6858000 h 6858000"/>
+              <a:gd name="connsiteX16" fmla="*/ 1300332 w 7208329"/>
+              <a:gd name="connsiteY16" fmla="*/ 6858000 h 6858000"/>
+              <a:gd name="connsiteX17" fmla="*/ 1592911 w 7208329"/>
+              <a:gd name="connsiteY17" fmla="*/ 6858000 h 6858000"/>
+              <a:gd name="connsiteX18" fmla="*/ 2918914 w 7208329"/>
+              <a:gd name="connsiteY18" fmla="*/ 6858000 h 6858000"/>
+              <a:gd name="connsiteX19" fmla="*/ 4705575 w 7208329"/>
+              <a:gd name="connsiteY19" fmla="*/ 6858000 h 6858000"/>
+              <a:gd name="connsiteX20" fmla="*/ 4817331 w 7208329"/>
+              <a:gd name="connsiteY20" fmla="*/ 6780599 h 6858000"/>
+              <a:gd name="connsiteX21" fmla="*/ 5333979 w 7208329"/>
+              <a:gd name="connsiteY21" fmla="*/ 6374814 h 6858000"/>
+              <a:gd name="connsiteX22" fmla="*/ 7208329 w 7208329"/>
+              <a:gd name="connsiteY22" fmla="*/ 3621656 h 6858000"/>
+              <a:gd name="connsiteX23" fmla="*/ 5607430 w 7208329"/>
+              <a:gd name="connsiteY23" fmla="*/ 14997 h 6858000"/>
+            </a:gdLst>
+            <a:ahLst/>
+            <a:cxnLst>
+              <a:cxn ang="0">
+                <a:pos x="connsiteX0" y="connsiteY0"/>
+              </a:cxn>
+              <a:cxn ang="0">
+                <a:pos x="connsiteX1" y="connsiteY1"/>
+              </a:cxn>
+              <a:cxn ang="0">
+                <a:pos x="connsiteX2" y="connsiteY2"/>
+              </a:cxn>
+              <a:cxn ang="0">
+                <a:pos x="connsiteX3" y="connsiteY3"/>
+              </a:cxn>
+              <a:cxn ang="0">
+                <a:pos x="connsiteX4" y="connsiteY4"/>
+              </a:cxn>
+              <a:cxn ang="0">
+                <a:pos x="connsiteX5" y="connsiteY5"/>
+              </a:cxn>
+              <a:cxn ang="0">
+                <a:pos x="connsiteX6" y="connsiteY6"/>
+              </a:cxn>
+              <a:cxn ang="0">
+                <a:pos x="connsiteX7" y="connsiteY7"/>
+              </a:cxn>
+              <a:cxn ang="0">
+                <a:pos x="connsiteX8" y="connsiteY8"/>
+              </a:cxn>
+              <a:cxn ang="0">
+                <a:pos x="connsiteX9" y="connsiteY9"/>
+              </a:cxn>
+              <a:cxn ang="0">
+                <a:pos x="connsiteX10" y="connsiteY10"/>
+              </a:cxn>
+              <a:cxn ang="0">
+                <a:pos x="connsiteX11" y="connsiteY11"/>
+              </a:cxn>
+              <a:cxn ang="0">
+                <a:pos x="connsiteX12" y="connsiteY12"/>
+              </a:cxn>
+              <a:cxn ang="0">
+                <a:pos x="connsiteX13" y="connsiteY13"/>
+              </a:cxn>
+              <a:cxn ang="0">
+                <a:pos x="connsiteX14" y="connsiteY14"/>
+              </a:cxn>
+              <a:cxn ang="0">
+                <a:pos x="connsiteX15" y="connsiteY15"/>
+              </a:cxn>
+              <a:cxn ang="0">
+                <a:pos x="connsiteX16" y="connsiteY16"/>
+              </a:cxn>
+              <a:cxn ang="0">
+                <a:pos x="connsiteX17" y="connsiteY17"/>
+              </a:cxn>
+              <a:cxn ang="0">
+                <a:pos x="connsiteX18" y="connsiteY18"/>
+              </a:cxn>
+              <a:cxn ang="0">
+                <a:pos x="connsiteX19" y="connsiteY19"/>
+              </a:cxn>
+              <a:cxn ang="0">
+                <a:pos x="connsiteX20" y="connsiteY20"/>
+              </a:cxn>
+              <a:cxn ang="0">
+                <a:pos x="connsiteX21" y="connsiteY21"/>
+              </a:cxn>
+              <a:cxn ang="0">
+                <a:pos x="connsiteX22" y="connsiteY22"/>
+              </a:cxn>
+              <a:cxn ang="0">
+                <a:pos x="connsiteX23" y="connsiteY23"/>
+              </a:cxn>
+            </a:cxnLst>
+            <a:rect l="l" t="t" r="r" b="b"/>
+            <a:pathLst>
+              <a:path w="7208329" h="6858000">
+                <a:moveTo>
+                  <a:pt x="5585306" y="0"/>
+                </a:moveTo>
+                <a:lnTo>
+                  <a:pt x="2918914" y="0"/>
+                </a:lnTo>
+                <a:lnTo>
+                  <a:pt x="1592911" y="0"/>
+                </a:lnTo>
+                <a:lnTo>
+                  <a:pt x="1425773" y="0"/>
+                </a:lnTo>
+                <a:lnTo>
+                  <a:pt x="1300332" y="0"/>
+                </a:lnTo>
+                <a:lnTo>
+                  <a:pt x="1288123" y="0"/>
+                </a:lnTo>
+                <a:lnTo>
+                  <a:pt x="414253" y="0"/>
+                </a:lnTo>
+                <a:lnTo>
+                  <a:pt x="80302" y="0"/>
+                </a:lnTo>
+                <a:lnTo>
+                  <a:pt x="47706" y="0"/>
+                </a:lnTo>
+                <a:lnTo>
+                  <a:pt x="0" y="0"/>
+                </a:lnTo>
+                <a:lnTo>
+                  <a:pt x="0" y="6858000"/>
+                </a:lnTo>
+                <a:lnTo>
+                  <a:pt x="47706" y="6858000"/>
+                </a:lnTo>
+                <a:lnTo>
+                  <a:pt x="80302" y="6858000"/>
+                </a:lnTo>
+                <a:lnTo>
+                  <a:pt x="414253" y="6858000"/>
+                </a:lnTo>
+                <a:lnTo>
+                  <a:pt x="1117379" y="6858000"/>
+                </a:lnTo>
+                <a:lnTo>
+                  <a:pt x="1288123" y="6858000"/>
+                </a:lnTo>
+                <a:lnTo>
+                  <a:pt x="1300332" y="6858000"/>
+                </a:lnTo>
+                <a:lnTo>
+                  <a:pt x="1592911" y="6858000"/>
+                </a:lnTo>
+                <a:lnTo>
+                  <a:pt x="2918914" y="6858000"/>
+                </a:lnTo>
+                <a:lnTo>
+                  <a:pt x="4705575" y="6858000"/>
+                </a:lnTo>
+                <a:lnTo>
+                  <a:pt x="4817331" y="6780599"/>
+                </a:lnTo>
+                <a:cubicBezTo>
+                  <a:pt x="4991149" y="6653108"/>
+                  <a:pt x="5161776" y="6515397"/>
+                  <a:pt x="5333979" y="6374814"/>
+                </a:cubicBezTo>
+                <a:cubicBezTo>
+                  <a:pt x="6279604" y="5602839"/>
+                  <a:pt x="7208329" y="4969131"/>
+                  <a:pt x="7208329" y="3621656"/>
+                </a:cubicBezTo>
+                <a:cubicBezTo>
+                  <a:pt x="7208329" y="2093192"/>
+                  <a:pt x="6634593" y="754641"/>
+                  <a:pt x="5607430" y="14997"/>
+                </a:cubicBezTo>
+                <a:close/>
+              </a:path>
+            </a:pathLst>
+          </a:custGeom>
+          <a:solidFill>
+            <a:schemeClr val="bg1">
+              <a:alpha val="70000"/>
+            </a:schemeClr>
+          </a:solidFill>
+          <a:ln>
+            <a:noFill/>
+          </a:ln>
+        </p:spPr>
+        <p:style>
+          <a:lnRef idx="2">
+            <a:schemeClr val="accent1">
+              <a:shade val="50000"/>
+            </a:schemeClr>
+          </a:lnRef>
+          <a:fillRef idx="1">
+            <a:schemeClr val="accent1"/>
+          </a:fillRef>
+          <a:effectRef idx="0">
+            <a:schemeClr val="accent1"/>
+          </a:effectRef>
+          <a:fontRef idx="minor">
+            <a:schemeClr val="lt1"/>
+          </a:fontRef>
+        </p:style>
+        <p:txBody>
+          <a:bodyPr wrap="square" rtlCol="0" anchor="ctr">
+            <a:noAutofit/>
+          </a:bodyPr>
+          <a:lstStyle/>
+          <a:p>
+            <a:pPr marL="0" marR="0" lvl="0" indent="0" algn="ctr" defTabSz="914400" rtl="0" eaLnBrk="1" fontAlgn="auto" latinLnBrk="0" hangingPunct="1">
+              <a:lnSpc>
+                <a:spcPct val="100000"/>
+              </a:lnSpc>
+              <a:spcBef>
+                <a:spcPts val="0"/>
+              </a:spcBef>
+              <a:spcAft>
+                <a:spcPts val="0"/>
+              </a:spcAft>
+              <a:buClrTx/>
+              <a:buSzTx/>
+              <a:buFontTx/>
+              <a:buNone/>
+              <a:tabLst/>
+              <a:defRPr/>
+            </a:pPr>
+            <a:endParaRPr kumimoji="0" lang="en-US" sz="1800" b="0" i="0" u="none" strike="noStrike" kern="1200" cap="none" spc="0" normalizeH="0" baseline="0" noProof="0" dirty="0">
+              <a:ln>
+                <a:noFill/>
+              </a:ln>
+              <a:solidFill>
+                <a:prstClr val="white"/>
+              </a:solidFill>
+              <a:effectLst/>
+              <a:uLnTx/>
+              <a:uFillTx/>
+              <a:latin typeface="Calibri" panose="020F0502020204030204"/>
+              <a:ea typeface="+mn-ea"/>
+              <a:cs typeface="+mn-cs"/>
+            </a:endParaRPr>
+          </a:p>
+        </p:txBody>
+      </p:sp>
+      <p:sp>
+        <p:nvSpPr>
+          <p:cNvPr id="48" name="Freeform: Shape 47">
+            <a:extLst>
+              <a:ext uri="{FF2B5EF4-FFF2-40B4-BE49-F238E27FC236}">
+                <a16:creationId xmlns:a16="http://schemas.microsoft.com/office/drawing/2014/main" id="{7539A79B-DFBA-4781-B0DE-4044B072261B}"/>
+              </a:ext>
+              <a:ext uri="{C183D7F6-B498-43B3-948B-1728B52AA6E4}">
+                <adec:decorative xmlns:adec="http://schemas.microsoft.com/office/drawing/2017/decorative" val="1"/>
+              </a:ext>
+            </a:extLst>
+          </p:cNvPr>
+          <p:cNvSpPr>
+            <a:spLocks noGrp="1" noRot="1" noChangeAspect="1" noMove="1" noResize="1" noEditPoints="1" noAdjustHandles="1" noChangeArrowheads="1" noChangeShapeType="1" noTextEdit="1"/>
+          </p:cNvSpPr>
+          <p:nvPr>
+            <p:extLst>
+              <p:ext uri="{386F3935-93C4-4BCD-93E2-E3B085C9AB24}">
+                <p16:designElem xmlns:p16="http://schemas.microsoft.com/office/powerpoint/2015/main" val="1"/>
+              </p:ext>
+            </p:extLst>
+          </p:nvPr>
+        </p:nvSpPr>
+        <p:spPr>
+          <a:xfrm flipH="1">
+            <a:off x="4611396" y="0"/>
+            <a:ext cx="2529723" cy="6858000"/>
+          </a:xfrm>
+          <a:custGeom>
+            <a:avLst/>
+            <a:gdLst>
+              <a:gd name="connsiteX0" fmla="*/ 1258269 w 2529723"/>
+              <a:gd name="connsiteY0" fmla="*/ 0 h 6858000"/>
+              <a:gd name="connsiteX1" fmla="*/ 1275627 w 2529723"/>
+              <a:gd name="connsiteY1" fmla="*/ 0 h 6858000"/>
+              <a:gd name="connsiteX2" fmla="*/ 1302560 w 2529723"/>
+              <a:gd name="connsiteY2" fmla="*/ 24338 h 6858000"/>
+              <a:gd name="connsiteX3" fmla="*/ 2522825 w 2529723"/>
+              <a:gd name="connsiteY3" fmla="*/ 3678515 h 6858000"/>
+              <a:gd name="connsiteX4" fmla="*/ 557500 w 2529723"/>
+              <a:gd name="connsiteY4" fmla="*/ 6451411 h 6858000"/>
+              <a:gd name="connsiteX5" fmla="*/ 32482 w 2529723"/>
+              <a:gd name="connsiteY5" fmla="*/ 6849373 h 6858000"/>
+              <a:gd name="connsiteX6" fmla="*/ 19531 w 2529723"/>
+              <a:gd name="connsiteY6" fmla="*/ 6858000 h 6858000"/>
+              <a:gd name="connsiteX7" fmla="*/ 0 w 2529723"/>
+              <a:gd name="connsiteY7" fmla="*/ 6858000 h 6858000"/>
+              <a:gd name="connsiteX8" fmla="*/ 14202 w 2529723"/>
+              <a:gd name="connsiteY8" fmla="*/ 6848540 h 6858000"/>
+              <a:gd name="connsiteX9" fmla="*/ 539221 w 2529723"/>
+              <a:gd name="connsiteY9" fmla="*/ 6450578 h 6858000"/>
+              <a:gd name="connsiteX10" fmla="*/ 2504546 w 2529723"/>
+              <a:gd name="connsiteY10" fmla="*/ 3677682 h 6858000"/>
+              <a:gd name="connsiteX11" fmla="*/ 1284280 w 2529723"/>
+              <a:gd name="connsiteY11" fmla="*/ 23504 h 6858000"/>
+            </a:gdLst>
+            <a:ahLst/>
+            <a:cxnLst>
+              <a:cxn ang="0">
+                <a:pos x="connsiteX0" y="connsiteY0"/>
+              </a:cxn>
+              <a:cxn ang="0">
+                <a:pos x="connsiteX1" y="connsiteY1"/>
+              </a:cxn>
+              <a:cxn ang="0">
+                <a:pos x="connsiteX2" y="connsiteY2"/>
+              </a:cxn>
+              <a:cxn ang="0">
+                <a:pos x="connsiteX3" y="connsiteY3"/>
+              </a:cxn>
+              <a:cxn ang="0">
+                <a:pos x="connsiteX4" y="connsiteY4"/>
+              </a:cxn>
+              <a:cxn ang="0">
+                <a:pos x="connsiteX5" y="connsiteY5"/>
+              </a:cxn>
+              <a:cxn ang="0">
+                <a:pos x="connsiteX6" y="connsiteY6"/>
+              </a:cxn>
+              <a:cxn ang="0">
+                <a:pos x="connsiteX7" y="connsiteY7"/>
+              </a:cxn>
+              <a:cxn ang="0">
+                <a:pos x="connsiteX8" y="connsiteY8"/>
+              </a:cxn>
+              <a:cxn ang="0">
+                <a:pos x="connsiteX9" y="connsiteY9"/>
+              </a:cxn>
+              <a:cxn ang="0">
+                <a:pos x="connsiteX10" y="connsiteY10"/>
+              </a:cxn>
+              <a:cxn ang="0">
+                <a:pos x="connsiteX11" y="connsiteY11"/>
+              </a:cxn>
+            </a:cxnLst>
+            <a:rect l="l" t="t" r="r" b="b"/>
+            <a:pathLst>
+              <a:path w="2529723" h="6858000">
+                <a:moveTo>
+                  <a:pt x="1258269" y="0"/>
+                </a:moveTo>
+                <a:lnTo>
+                  <a:pt x="1275627" y="0"/>
+                </a:lnTo>
+                <a:lnTo>
+                  <a:pt x="1302560" y="24338"/>
+                </a:lnTo>
+                <a:cubicBezTo>
+                  <a:pt x="2156831" y="855667"/>
+                  <a:pt x="2590622" y="2191755"/>
+                  <a:pt x="2522825" y="3678515"/>
+                </a:cubicBezTo>
+                <a:cubicBezTo>
+                  <a:pt x="2459072" y="5076606"/>
+                  <a:pt x="1519830" y="5692656"/>
+                  <a:pt x="557500" y="6451411"/>
+                </a:cubicBezTo>
+                <a:cubicBezTo>
+                  <a:pt x="382255" y="6589587"/>
+                  <a:pt x="208689" y="6724853"/>
+                  <a:pt x="32482" y="6849373"/>
+                </a:cubicBezTo>
+                <a:lnTo>
+                  <a:pt x="19531" y="6858000"/>
+                </a:lnTo>
+                <a:lnTo>
+                  <a:pt x="0" y="6858000"/>
+                </a:lnTo>
+                <a:lnTo>
+                  <a:pt x="14202" y="6848540"/>
+                </a:lnTo>
+                <a:cubicBezTo>
+                  <a:pt x="190409" y="6724020"/>
+                  <a:pt x="363976" y="6588754"/>
+                  <a:pt x="539221" y="6450578"/>
+                </a:cubicBezTo>
+                <a:cubicBezTo>
+                  <a:pt x="1501550" y="5691822"/>
+                  <a:pt x="2440792" y="5075773"/>
+                  <a:pt x="2504546" y="3677682"/>
+                </a:cubicBezTo>
+                <a:cubicBezTo>
+                  <a:pt x="2572343" y="2190921"/>
+                  <a:pt x="2138551" y="854834"/>
+                  <a:pt x="1284280" y="23504"/>
+                </a:cubicBezTo>
+                <a:close/>
+              </a:path>
+            </a:pathLst>
+          </a:custGeom>
+          <a:solidFill>
+            <a:srgbClr val="FFFFFF">
+              <a:alpha val="70000"/>
+            </a:srgbClr>
+          </a:solidFill>
+          <a:ln>
+            <a:noFill/>
+          </a:ln>
+        </p:spPr>
+        <p:style>
+          <a:lnRef idx="2">
+            <a:schemeClr val="accent1">
+              <a:shade val="50000"/>
+            </a:schemeClr>
+          </a:lnRef>
+          <a:fillRef idx="1">
+            <a:schemeClr val="accent1"/>
+          </a:fillRef>
+          <a:effectRef idx="0">
+            <a:schemeClr val="accent1"/>
+          </a:effectRef>
+          <a:fontRef idx="minor">
+            <a:schemeClr val="lt1"/>
+          </a:fontRef>
+        </p:style>
+        <p:txBody>
+          <a:bodyPr wrap="square" rtlCol="0" anchor="ctr">
+            <a:noAutofit/>
+          </a:bodyPr>
+          <a:lstStyle/>
+          <a:p>
+            <a:pPr marL="0" marR="0" lvl="0" indent="0" algn="ctr" defTabSz="457200" rtl="0" eaLnBrk="1" fontAlgn="auto" latinLnBrk="0" hangingPunct="1">
+              <a:lnSpc>
+                <a:spcPct val="100000"/>
+              </a:lnSpc>
+              <a:spcBef>
+                <a:spcPts val="0"/>
+              </a:spcBef>
+              <a:spcAft>
+                <a:spcPts val="0"/>
+              </a:spcAft>
+              <a:buClrTx/>
+              <a:buSzTx/>
+              <a:buFontTx/>
+              <a:buNone/>
+              <a:tabLst/>
+              <a:defRPr/>
+            </a:pPr>
+            <a:endParaRPr kumimoji="0" lang="en-US" sz="1800" b="0" i="0" u="none" strike="noStrike" kern="1200" cap="none" spc="0" normalizeH="0" baseline="0" noProof="0" dirty="0">
+              <a:ln>
+                <a:noFill/>
+              </a:ln>
+              <a:solidFill>
+                <a:prstClr val="white"/>
+              </a:solidFill>
+              <a:effectLst/>
+              <a:uLnTx/>
+              <a:uFillTx/>
+              <a:latin typeface="Meiryo"/>
+              <a:ea typeface="+mn-ea"/>
+              <a:cs typeface="+mn-cs"/>
+            </a:endParaRPr>
+          </a:p>
+        </p:txBody>
+      </p:sp>
+      <p:sp>
+        <p:nvSpPr>
+          <p:cNvPr id="2" name="Title 1"/>
+          <p:cNvSpPr>
+            <a:spLocks noGrp="1"/>
+          </p:cNvSpPr>
+          <p:nvPr>
+            <p:ph type="ctrTitle"/>
+          </p:nvPr>
+        </p:nvSpPr>
+        <p:spPr>
+          <a:xfrm>
+            <a:off x="5970897" y="1346268"/>
+            <a:ext cx="5568285" cy="2809475"/>
+          </a:xfrm>
+        </p:spPr>
+        <p:txBody>
+          <a:bodyPr>
+            <a:normAutofit/>
+          </a:bodyPr>
+          <a:lstStyle/>
+          <a:p>
+            <a:pPr algn="l"/>
             <a:r>
               <a:rPr lang="en-US" dirty="0">
                 <a:ea typeface="Calibri Light"/>
                 <a:cs typeface="Calibri Light"/>
               </a:rPr>
               <a:t>AR/VR Workshop</a:t>
-            </a:r>
-            <a:br>
-              <a:rPr lang="en-US" dirty="0">
-                <a:ea typeface="Calibri Light"/>
-                <a:cs typeface="Calibri Light"/>
-              </a:rPr>
-            </a:br>
-            <a:r>
-              <a:rPr lang="en-US" b="1" dirty="0">
-                <a:latin typeface="Calibri"/>
-                <a:ea typeface="Calibri"/>
-                <a:cs typeface="Calibri"/>
-              </a:rPr>
-              <a:t>A-Frame </a:t>
             </a:r>
             <a:br>
               <a:rPr lang="en-US" b="1" dirty="0">
@@ -3823,22 +4764,19 @@
             <p:ph type="subTitle" idx="1"/>
           </p:nvPr>
         </p:nvSpPr>
-        <p:spPr/>
-        <p:txBody>
-          <a:bodyPr vert="horz" lIns="91440" tIns="45720" rIns="91440" bIns="45720" rtlCol="0" anchor="t">
+        <p:spPr>
+          <a:xfrm>
+            <a:off x="5969341" y="4251279"/>
+            <a:ext cx="5569714" cy="1037228"/>
+          </a:xfrm>
+        </p:spPr>
+        <p:txBody>
+          <a:bodyPr vert="horz" lIns="91440" tIns="45720" rIns="91440" bIns="45720" rtlCol="0">
             <a:normAutofit/>
           </a:bodyPr>
           <a:lstStyle/>
           <a:p>
-            <a:endParaRPr lang="en-US" b="1" dirty="0">
-              <a:solidFill>
-                <a:srgbClr val="0070C0"/>
-              </a:solidFill>
-              <a:ea typeface="Calibri"/>
-              <a:cs typeface="Calibri"/>
-            </a:endParaRPr>
-          </a:p>
-          <a:p>
+            <a:pPr algn="l"/>
             <a:r>
               <a:rPr lang="en-US" b="1" dirty="0">
                 <a:solidFill>
@@ -3851,6 +4789,7 @@
             </a:r>
           </a:p>
           <a:p>
+            <a:pPr algn="l"/>
             <a:r>
               <a:rPr lang="en-US" b="1" dirty="0">
                 <a:solidFill>
@@ -3867,12 +4806,637 @@
               </a:solidFill>
             </a:endParaRPr>
           </a:p>
+          <a:p>
+            <a:pPr algn="l"/>
+            <a:endParaRPr lang="en-US" dirty="0"/>
+          </a:p>
+        </p:txBody>
+      </p:sp>
+      <p:sp>
+        <p:nvSpPr>
+          <p:cNvPr id="4" name="Subtitle 2">
+            <a:extLst>
+              <a:ext uri="{FF2B5EF4-FFF2-40B4-BE49-F238E27FC236}">
+                <a16:creationId xmlns:a16="http://schemas.microsoft.com/office/drawing/2014/main" id="{27A72887-186A-8CCC-90D3-CBCF5C6A2FEF}"/>
+              </a:ext>
+            </a:extLst>
+          </p:cNvPr>
+          <p:cNvSpPr txBox="1">
+            <a:spLocks/>
+          </p:cNvSpPr>
+          <p:nvPr/>
+        </p:nvSpPr>
+        <p:spPr>
+          <a:xfrm>
+            <a:off x="2099256" y="4318962"/>
+            <a:ext cx="9144000" cy="1655762"/>
+          </a:xfrm>
+          <a:prstGeom prst="rect">
+            <a:avLst/>
+          </a:prstGeom>
+        </p:spPr>
+        <p:txBody>
+          <a:bodyPr vert="horz" lIns="91440" tIns="45720" rIns="91440" bIns="45720" rtlCol="0" anchor="t">
+            <a:normAutofit/>
+          </a:bodyPr>
+          <a:lstStyle>
+            <a:lvl1pPr marL="0" indent="0" algn="ctr" defTabSz="914400" rtl="0" eaLnBrk="1" latinLnBrk="0" hangingPunct="1">
+              <a:lnSpc>
+                <a:spcPct val="90000"/>
+              </a:lnSpc>
+              <a:spcBef>
+                <a:spcPts val="1000"/>
+              </a:spcBef>
+              <a:buFont typeface="Arial" panose="020B0604020202020204" pitchFamily="34" charset="0"/>
+              <a:buNone/>
+              <a:defRPr sz="2400" kern="1200">
+                <a:solidFill>
+                  <a:schemeClr val="tx1"/>
+                </a:solidFill>
+                <a:latin typeface="+mn-lt"/>
+                <a:ea typeface="+mn-ea"/>
+                <a:cs typeface="+mn-cs"/>
+              </a:defRPr>
+            </a:lvl1pPr>
+            <a:lvl2pPr marL="457200" indent="0" algn="ctr" defTabSz="914400" rtl="0" eaLnBrk="1" latinLnBrk="0" hangingPunct="1">
+              <a:lnSpc>
+                <a:spcPct val="90000"/>
+              </a:lnSpc>
+              <a:spcBef>
+                <a:spcPts val="500"/>
+              </a:spcBef>
+              <a:buFont typeface="Arial" panose="020B0604020202020204" pitchFamily="34" charset="0"/>
+              <a:buNone/>
+              <a:defRPr sz="2000" kern="1200">
+                <a:solidFill>
+                  <a:schemeClr val="tx1"/>
+                </a:solidFill>
+                <a:latin typeface="+mn-lt"/>
+                <a:ea typeface="+mn-ea"/>
+                <a:cs typeface="+mn-cs"/>
+              </a:defRPr>
+            </a:lvl2pPr>
+            <a:lvl3pPr marL="914400" indent="0" algn="ctr" defTabSz="914400" rtl="0" eaLnBrk="1" latinLnBrk="0" hangingPunct="1">
+              <a:lnSpc>
+                <a:spcPct val="90000"/>
+              </a:lnSpc>
+              <a:spcBef>
+                <a:spcPts val="500"/>
+              </a:spcBef>
+              <a:buFont typeface="Arial" panose="020B0604020202020204" pitchFamily="34" charset="0"/>
+              <a:buNone/>
+              <a:defRPr sz="1800" kern="1200">
+                <a:solidFill>
+                  <a:schemeClr val="tx1"/>
+                </a:solidFill>
+                <a:latin typeface="+mn-lt"/>
+                <a:ea typeface="+mn-ea"/>
+                <a:cs typeface="+mn-cs"/>
+              </a:defRPr>
+            </a:lvl3pPr>
+            <a:lvl4pPr marL="1371600" indent="0" algn="ctr" defTabSz="914400" rtl="0" eaLnBrk="1" latinLnBrk="0" hangingPunct="1">
+              <a:lnSpc>
+                <a:spcPct val="90000"/>
+              </a:lnSpc>
+              <a:spcBef>
+                <a:spcPts val="500"/>
+              </a:spcBef>
+              <a:buFont typeface="Arial" panose="020B0604020202020204" pitchFamily="34" charset="0"/>
+              <a:buNone/>
+              <a:defRPr sz="1600" kern="1200">
+                <a:solidFill>
+                  <a:schemeClr val="tx1"/>
+                </a:solidFill>
+                <a:latin typeface="+mn-lt"/>
+                <a:ea typeface="+mn-ea"/>
+                <a:cs typeface="+mn-cs"/>
+              </a:defRPr>
+            </a:lvl4pPr>
+            <a:lvl5pPr marL="1828800" indent="0" algn="ctr" defTabSz="914400" rtl="0" eaLnBrk="1" latinLnBrk="0" hangingPunct="1">
+              <a:lnSpc>
+                <a:spcPct val="90000"/>
+              </a:lnSpc>
+              <a:spcBef>
+                <a:spcPts val="500"/>
+              </a:spcBef>
+              <a:buFont typeface="Arial" panose="020B0604020202020204" pitchFamily="34" charset="0"/>
+              <a:buNone/>
+              <a:defRPr sz="1600" kern="1200">
+                <a:solidFill>
+                  <a:schemeClr val="tx1"/>
+                </a:solidFill>
+                <a:latin typeface="+mn-lt"/>
+                <a:ea typeface="+mn-ea"/>
+                <a:cs typeface="+mn-cs"/>
+              </a:defRPr>
+            </a:lvl5pPr>
+            <a:lvl6pPr marL="2286000" indent="0" algn="ctr" defTabSz="914400" rtl="0" eaLnBrk="1" latinLnBrk="0" hangingPunct="1">
+              <a:lnSpc>
+                <a:spcPct val="90000"/>
+              </a:lnSpc>
+              <a:spcBef>
+                <a:spcPts val="500"/>
+              </a:spcBef>
+              <a:buFont typeface="Arial" panose="020B0604020202020204" pitchFamily="34" charset="0"/>
+              <a:buNone/>
+              <a:defRPr sz="1600" kern="1200">
+                <a:solidFill>
+                  <a:schemeClr val="tx1"/>
+                </a:solidFill>
+                <a:latin typeface="+mn-lt"/>
+                <a:ea typeface="+mn-ea"/>
+                <a:cs typeface="+mn-cs"/>
+              </a:defRPr>
+            </a:lvl6pPr>
+            <a:lvl7pPr marL="2743200" indent="0" algn="ctr" defTabSz="914400" rtl="0" eaLnBrk="1" latinLnBrk="0" hangingPunct="1">
+              <a:lnSpc>
+                <a:spcPct val="90000"/>
+              </a:lnSpc>
+              <a:spcBef>
+                <a:spcPts val="500"/>
+              </a:spcBef>
+              <a:buFont typeface="Arial" panose="020B0604020202020204" pitchFamily="34" charset="0"/>
+              <a:buNone/>
+              <a:defRPr sz="1600" kern="1200">
+                <a:solidFill>
+                  <a:schemeClr val="tx1"/>
+                </a:solidFill>
+                <a:latin typeface="+mn-lt"/>
+                <a:ea typeface="+mn-ea"/>
+                <a:cs typeface="+mn-cs"/>
+              </a:defRPr>
+            </a:lvl7pPr>
+            <a:lvl8pPr marL="3200400" indent="0" algn="ctr" defTabSz="914400" rtl="0" eaLnBrk="1" latinLnBrk="0" hangingPunct="1">
+              <a:lnSpc>
+                <a:spcPct val="90000"/>
+              </a:lnSpc>
+              <a:spcBef>
+                <a:spcPts val="500"/>
+              </a:spcBef>
+              <a:buFont typeface="Arial" panose="020B0604020202020204" pitchFamily="34" charset="0"/>
+              <a:buNone/>
+              <a:defRPr sz="1600" kern="1200">
+                <a:solidFill>
+                  <a:schemeClr val="tx1"/>
+                </a:solidFill>
+                <a:latin typeface="+mn-lt"/>
+                <a:ea typeface="+mn-ea"/>
+                <a:cs typeface="+mn-cs"/>
+              </a:defRPr>
+            </a:lvl8pPr>
+            <a:lvl9pPr marL="3657600" indent="0" algn="ctr" defTabSz="914400" rtl="0" eaLnBrk="1" latinLnBrk="0" hangingPunct="1">
+              <a:lnSpc>
+                <a:spcPct val="90000"/>
+              </a:lnSpc>
+              <a:spcBef>
+                <a:spcPts val="500"/>
+              </a:spcBef>
+              <a:buFont typeface="Arial" panose="020B0604020202020204" pitchFamily="34" charset="0"/>
+              <a:buNone/>
+              <a:defRPr sz="1600" kern="1200">
+                <a:solidFill>
+                  <a:schemeClr val="tx1"/>
+                </a:solidFill>
+                <a:latin typeface="+mn-lt"/>
+                <a:ea typeface="+mn-ea"/>
+                <a:cs typeface="+mn-cs"/>
+              </a:defRPr>
+            </a:lvl9pPr>
+          </a:lstStyle>
+          <a:p>
+            <a:endParaRPr lang="en-US" b="1" dirty="0">
+              <a:solidFill>
+                <a:srgbClr val="0070C0"/>
+              </a:solidFill>
+              <a:ea typeface="Calibri"/>
+              <a:cs typeface="Calibri"/>
+            </a:endParaRPr>
+          </a:p>
         </p:txBody>
       </p:sp>
     </p:spTree>
     <p:extLst>
       <p:ext uri="{BB962C8B-B14F-4D97-AF65-F5344CB8AC3E}">
-        <p14:creationId xmlns:p14="http://schemas.microsoft.com/office/powerpoint/2010/main" val="109857222"/>
+        <p14:creationId xmlns:p14="http://schemas.microsoft.com/office/powerpoint/2010/main" val="4000038499"/>
+      </p:ext>
+    </p:extLst>
+  </p:cSld>
+  <p:clrMapOvr>
+    <a:masterClrMapping/>
+  </p:clrMapOvr>
+  <p:timing>
+    <p:tnLst>
+      <p:par>
+        <p:cTn id="1" dur="indefinite" restart="never" nodeType="tmRoot">
+          <p:childTnLst>
+            <p:seq concurrent="1" nextAc="seek">
+              <p:cTn id="2" dur="indefinite" nodeType="mainSeq">
+                <p:childTnLst>
+                  <p:par>
+                    <p:cTn id="3" fill="hold">
+                      <p:stCondLst>
+                        <p:cond delay="indefinite"/>
+                        <p:cond evt="onBegin" delay="0">
+                          <p:tn val="2"/>
+                        </p:cond>
+                      </p:stCondLst>
+                      <p:childTnLst>
+                        <p:par>
+                          <p:cTn id="4" fill="hold">
+                            <p:stCondLst>
+                              <p:cond delay="0"/>
+                            </p:stCondLst>
+                            <p:childTnLst>
+                              <p:par>
+                                <p:cTn id="5" presetID="10" presetClass="entr" presetSubtype="0" fill="hold" grpId="0" nodeType="withEffect">
+                                  <p:stCondLst>
+                                    <p:cond delay="500"/>
+                                  </p:stCondLst>
+                                  <p:iterate type="lt">
+                                    <p:tmPct val="10000"/>
+                                  </p:iterate>
+                                  <p:childTnLst>
+                                    <p:set>
+                                      <p:cBhvr>
+                                        <p:cTn id="6" dur="1" fill="hold">
+                                          <p:stCondLst>
+                                            <p:cond delay="0"/>
+                                          </p:stCondLst>
+                                        </p:cTn>
+                                        <p:tgtEl>
+                                          <p:spTgt spid="2"/>
+                                        </p:tgtEl>
+                                        <p:attrNameLst>
+                                          <p:attrName>style.visibility</p:attrName>
+                                        </p:attrNameLst>
+                                      </p:cBhvr>
+                                      <p:to>
+                                        <p:strVal val="visible"/>
+                                      </p:to>
+                                    </p:set>
+                                    <p:animEffect transition="in" filter="fade">
+                                      <p:cBhvr>
+                                        <p:cTn id="7" dur="400"/>
+                                        <p:tgtEl>
+                                          <p:spTgt spid="2"/>
+                                        </p:tgtEl>
+                                      </p:cBhvr>
+                                    </p:animEffect>
+                                  </p:childTnLst>
+                                </p:cTn>
+                              </p:par>
+                              <p:par>
+                                <p:cTn id="8" presetID="10" presetClass="entr" presetSubtype="0" fill="hold" grpId="0" nodeType="withEffect">
+                                  <p:stCondLst>
+                                    <p:cond delay="2000"/>
+                                  </p:stCondLst>
+                                  <p:iterate type="lt">
+                                    <p:tmPct val="10000"/>
+                                  </p:iterate>
+                                  <p:childTnLst>
+                                    <p:set>
+                                      <p:cBhvr>
+                                        <p:cTn id="9" dur="1" fill="hold">
+                                          <p:stCondLst>
+                                            <p:cond delay="0"/>
+                                          </p:stCondLst>
+                                        </p:cTn>
+                                        <p:tgtEl>
+                                          <p:spTgt spid="3">
+                                            <p:txEl>
+                                              <p:pRg st="0" end="0"/>
+                                            </p:txEl>
+                                          </p:spTgt>
+                                        </p:tgtEl>
+                                        <p:attrNameLst>
+                                          <p:attrName>style.visibility</p:attrName>
+                                        </p:attrNameLst>
+                                      </p:cBhvr>
+                                      <p:to>
+                                        <p:strVal val="visible"/>
+                                      </p:to>
+                                    </p:set>
+                                    <p:animEffect transition="in" filter="fade">
+                                      <p:cBhvr>
+                                        <p:cTn id="10" dur="400"/>
+                                        <p:tgtEl>
+                                          <p:spTgt spid="3">
+                                            <p:txEl>
+                                              <p:pRg st="0" end="0"/>
+                                            </p:txEl>
+                                          </p:spTgt>
+                                        </p:tgtEl>
+                                      </p:cBhvr>
+                                    </p:animEffect>
+                                  </p:childTnLst>
+                                </p:cTn>
+                              </p:par>
+                              <p:par>
+                                <p:cTn id="11" presetID="10" presetClass="entr" presetSubtype="0" fill="hold" grpId="0" nodeType="withEffect">
+                                  <p:stCondLst>
+                                    <p:cond delay="2000"/>
+                                  </p:stCondLst>
+                                  <p:iterate type="lt">
+                                    <p:tmPct val="10000"/>
+                                  </p:iterate>
+                                  <p:childTnLst>
+                                    <p:set>
+                                      <p:cBhvr>
+                                        <p:cTn id="12" dur="1" fill="hold">
+                                          <p:stCondLst>
+                                            <p:cond delay="0"/>
+                                          </p:stCondLst>
+                                        </p:cTn>
+                                        <p:tgtEl>
+                                          <p:spTgt spid="3">
+                                            <p:txEl>
+                                              <p:pRg st="1" end="1"/>
+                                            </p:txEl>
+                                          </p:spTgt>
+                                        </p:tgtEl>
+                                        <p:attrNameLst>
+                                          <p:attrName>style.visibility</p:attrName>
+                                        </p:attrNameLst>
+                                      </p:cBhvr>
+                                      <p:to>
+                                        <p:strVal val="visible"/>
+                                      </p:to>
+                                    </p:set>
+                                    <p:animEffect transition="in" filter="fade">
+                                      <p:cBhvr>
+                                        <p:cTn id="13" dur="400"/>
+                                        <p:tgtEl>
+                                          <p:spTgt spid="3">
+                                            <p:txEl>
+                                              <p:pRg st="1" end="1"/>
+                                            </p:txEl>
+                                          </p:spTgt>
+                                        </p:tgtEl>
+                                      </p:cBhvr>
+                                    </p:animEffect>
+                                  </p:childTnLst>
+                                </p:cTn>
+                              </p:par>
+                            </p:childTnLst>
+                          </p:cTn>
+                        </p:par>
+                      </p:childTnLst>
+                    </p:cTn>
+                  </p:par>
+                </p:childTnLst>
+              </p:cTn>
+              <p:prevCondLst>
+                <p:cond evt="onPrev" delay="0">
+                  <p:tgtEl>
+                    <p:sldTgt/>
+                  </p:tgtEl>
+                </p:cond>
+              </p:prevCondLst>
+              <p:nextCondLst>
+                <p:cond evt="onNext" delay="0">
+                  <p:tgtEl>
+                    <p:sldTgt/>
+                  </p:tgtEl>
+                </p:cond>
+              </p:nextCondLst>
+            </p:seq>
+          </p:childTnLst>
+        </p:cTn>
+      </p:par>
+    </p:tnLst>
+    <p:bldLst>
+      <p:bldP spid="2" grpId="0"/>
+      <p:bldP spid="3" grpId="0" build="p"/>
+    </p:bldLst>
+  </p:timing>
+</p:sld>
+</file>
+
+<file path=ppt/slides/slide10.xml><?xml version="1.0" encoding="utf-8"?>
+<p:sld xmlns:a="http://schemas.openxmlformats.org/drawingml/2006/main" xmlns:r="http://schemas.openxmlformats.org/officeDocument/2006/relationships" xmlns:p="http://schemas.openxmlformats.org/presentationml/2006/main">
+  <p:cSld>
+    <p:spTree>
+      <p:nvGrpSpPr>
+        <p:cNvPr id="1" name=""/>
+        <p:cNvGrpSpPr/>
+        <p:nvPr/>
+      </p:nvGrpSpPr>
+      <p:grpSpPr>
+        <a:xfrm>
+          <a:off x="0" y="0"/>
+          <a:ext cx="0" cy="0"/>
+          <a:chOff x="0" y="0"/>
+          <a:chExt cx="0" cy="0"/>
+        </a:xfrm>
+      </p:grpSpPr>
+      <p:sp>
+        <p:nvSpPr>
+          <p:cNvPr id="2" name="Title 1">
+            <a:extLst>
+              <a:ext uri="{FF2B5EF4-FFF2-40B4-BE49-F238E27FC236}">
+                <a16:creationId xmlns:a16="http://schemas.microsoft.com/office/drawing/2014/main" id="{2E3AF7C0-61C7-630C-2CFE-867FCA196582}"/>
+              </a:ext>
+            </a:extLst>
+          </p:cNvPr>
+          <p:cNvSpPr>
+            <a:spLocks noGrp="1"/>
+          </p:cNvSpPr>
+          <p:nvPr>
+            <p:ph type="title"/>
+          </p:nvPr>
+        </p:nvSpPr>
+        <p:spPr/>
+        <p:txBody>
+          <a:bodyPr/>
+          <a:lstStyle/>
+          <a:p>
+            <a:r>
+              <a:rPr lang="en-US" b="1" dirty="0">
+                <a:solidFill>
+                  <a:srgbClr val="0070C0"/>
+                </a:solidFill>
+              </a:rPr>
+              <a:t>A-box</a:t>
+            </a:r>
+          </a:p>
+        </p:txBody>
+      </p:sp>
+      <p:sp>
+        <p:nvSpPr>
+          <p:cNvPr id="3" name="Content Placeholder 2">
+            <a:extLst>
+              <a:ext uri="{FF2B5EF4-FFF2-40B4-BE49-F238E27FC236}">
+                <a16:creationId xmlns:a16="http://schemas.microsoft.com/office/drawing/2014/main" id="{6AAC67BA-BB43-8852-DE38-9E906D9918E4}"/>
+              </a:ext>
+            </a:extLst>
+          </p:cNvPr>
+          <p:cNvSpPr>
+            <a:spLocks noGrp="1"/>
+          </p:cNvSpPr>
+          <p:nvPr>
+            <p:ph idx="1"/>
+          </p:nvPr>
+        </p:nvSpPr>
+        <p:spPr/>
+        <p:txBody>
+          <a:bodyPr>
+            <a:normAutofit fontScale="92500" lnSpcReduction="20000"/>
+          </a:bodyPr>
+          <a:lstStyle/>
+          <a:p>
+            <a:pPr marL="0" indent="0">
+              <a:buNone/>
+            </a:pPr>
+            <a:r>
+              <a:rPr lang="en-US" dirty="0"/>
+              <a:t>&lt;html&gt;</a:t>
+            </a:r>
+          </a:p>
+          <a:p>
+            <a:pPr marL="0" indent="0">
+              <a:buNone/>
+            </a:pPr>
+            <a:r>
+              <a:rPr lang="en-US" dirty="0"/>
+              <a:t>  &lt;head&gt;</a:t>
+            </a:r>
+          </a:p>
+          <a:p>
+            <a:pPr marL="0" indent="0">
+              <a:buNone/>
+            </a:pPr>
+            <a:r>
+              <a:rPr lang="en-US" dirty="0"/>
+              <a:t>    &lt;script </a:t>
+            </a:r>
+            <a:r>
+              <a:rPr lang="en-US" dirty="0" err="1"/>
+              <a:t>src</a:t>
+            </a:r>
+            <a:r>
+              <a:rPr lang="en-US" dirty="0"/>
+              <a:t>="https://aframe.io/releases/1.4.1/aframe.min.js"&gt;&lt;/script&gt;</a:t>
+            </a:r>
+          </a:p>
+          <a:p>
+            <a:pPr marL="0" indent="0">
+              <a:buNone/>
+            </a:pPr>
+            <a:r>
+              <a:rPr lang="en-US" dirty="0"/>
+              <a:t>  &lt;/head&gt;</a:t>
+            </a:r>
+          </a:p>
+          <a:p>
+            <a:pPr marL="0" indent="0">
+              <a:buNone/>
+            </a:pPr>
+            <a:r>
+              <a:rPr lang="en-US" dirty="0"/>
+              <a:t>  &lt;body&gt;</a:t>
+            </a:r>
+          </a:p>
+          <a:p>
+            <a:pPr marL="0" indent="0">
+              <a:buNone/>
+            </a:pPr>
+            <a:r>
+              <a:rPr lang="en-US" dirty="0"/>
+              <a:t>    &lt;a-scene&gt;</a:t>
+            </a:r>
+          </a:p>
+          <a:p>
+            <a:pPr marL="0" indent="0">
+              <a:buNone/>
+            </a:pPr>
+            <a:r>
+              <a:rPr lang="en-US" dirty="0"/>
+              <a:t>      </a:t>
+            </a:r>
+            <a:r>
+              <a:rPr lang="en-US" b="1" dirty="0">
+                <a:solidFill>
+                  <a:srgbClr val="0070C0"/>
+                </a:solidFill>
+              </a:rPr>
+              <a:t>&lt;a-box position="</a:t>
+            </a:r>
+            <a:r>
+              <a:rPr lang="en-US" dirty="0">
+                <a:solidFill>
+                  <a:srgbClr val="FF0000"/>
+                </a:solidFill>
+              </a:rPr>
+              <a:t>1.5   </a:t>
+            </a:r>
+            <a:r>
+              <a:rPr lang="en-US" dirty="0">
+                <a:solidFill>
+                  <a:srgbClr val="7030A0"/>
+                </a:solidFill>
+              </a:rPr>
+              <a:t>1</a:t>
+            </a:r>
+            <a:r>
+              <a:rPr lang="en-US" dirty="0"/>
+              <a:t>   </a:t>
+            </a:r>
+            <a:r>
+              <a:rPr lang="en-US" dirty="0">
+                <a:solidFill>
+                  <a:schemeClr val="accent1"/>
+                </a:solidFill>
+              </a:rPr>
+              <a:t>-2.0</a:t>
+            </a:r>
+            <a:r>
+              <a:rPr lang="en-US" b="1" dirty="0">
+                <a:solidFill>
+                  <a:srgbClr val="0070C0"/>
+                </a:solidFill>
+              </a:rPr>
+              <a:t>" color=“red"&gt;&lt;/a-box&gt;</a:t>
+            </a:r>
+          </a:p>
+          <a:p>
+            <a:pPr marL="0" indent="0">
+              <a:buNone/>
+            </a:pPr>
+            <a:r>
+              <a:rPr lang="en-US" dirty="0"/>
+              <a:t>    &lt;/a-scene&gt;</a:t>
+            </a:r>
+          </a:p>
+          <a:p>
+            <a:pPr marL="0" indent="0">
+              <a:buNone/>
+            </a:pPr>
+            <a:r>
+              <a:rPr lang="en-US" dirty="0"/>
+              <a:t>  &lt;/body&gt;</a:t>
+            </a:r>
+          </a:p>
+          <a:p>
+            <a:pPr marL="0" indent="0">
+              <a:buNone/>
+            </a:pPr>
+            <a:r>
+              <a:rPr lang="en-US" dirty="0"/>
+              <a:t>&lt;/html&gt;</a:t>
+            </a:r>
+          </a:p>
+          <a:p>
+            <a:pPr marL="0" indent="0">
+              <a:buNone/>
+            </a:pPr>
+            <a:endParaRPr lang="en-US" dirty="0"/>
+          </a:p>
+        </p:txBody>
+      </p:sp>
+    </p:spTree>
+    <p:extLst>
+      <p:ext uri="{BB962C8B-B14F-4D97-AF65-F5344CB8AC3E}">
+        <p14:creationId xmlns:p14="http://schemas.microsoft.com/office/powerpoint/2010/main" val="524013220"/>
       </p:ext>
     </p:extLst>
   </p:cSld>
@@ -3882,7 +5446,2192 @@
 </p:sld>
 </file>
 
-<file path=ppt/slides/slide10.xml><?xml version="1.0" encoding="utf-8"?>
+<file path=ppt/slides/slide11.xml><?xml version="1.0" encoding="utf-8"?>
+<p:sld xmlns:a="http://schemas.openxmlformats.org/drawingml/2006/main" xmlns:r="http://schemas.openxmlformats.org/officeDocument/2006/relationships" xmlns:p="http://schemas.openxmlformats.org/presentationml/2006/main">
+  <p:cSld>
+    <p:spTree>
+      <p:nvGrpSpPr>
+        <p:cNvPr id="1" name=""/>
+        <p:cNvGrpSpPr/>
+        <p:nvPr/>
+      </p:nvGrpSpPr>
+      <p:grpSpPr>
+        <a:xfrm>
+          <a:off x="0" y="0"/>
+          <a:ext cx="0" cy="0"/>
+          <a:chOff x="0" y="0"/>
+          <a:chExt cx="0" cy="0"/>
+        </a:xfrm>
+      </p:grpSpPr>
+      <p:sp>
+        <p:nvSpPr>
+          <p:cNvPr id="2" name="Title 1">
+            <a:extLst>
+              <a:ext uri="{FF2B5EF4-FFF2-40B4-BE49-F238E27FC236}">
+                <a16:creationId xmlns:a16="http://schemas.microsoft.com/office/drawing/2014/main" id="{B280A489-0DE0-2146-07AC-716FE366EB05}"/>
+              </a:ext>
+            </a:extLst>
+          </p:cNvPr>
+          <p:cNvSpPr>
+            <a:spLocks noGrp="1"/>
+          </p:cNvSpPr>
+          <p:nvPr>
+            <p:ph type="title"/>
+          </p:nvPr>
+        </p:nvSpPr>
+        <p:spPr/>
+        <p:txBody>
+          <a:bodyPr/>
+          <a:lstStyle/>
+          <a:p>
+            <a:r>
+              <a:rPr lang="en-US" dirty="0"/>
+              <a:t>Design/debug</a:t>
+            </a:r>
+          </a:p>
+        </p:txBody>
+      </p:sp>
+      <p:sp>
+        <p:nvSpPr>
+          <p:cNvPr id="4" name="Content Placeholder 3">
+            <a:extLst>
+              <a:ext uri="{FF2B5EF4-FFF2-40B4-BE49-F238E27FC236}">
+                <a16:creationId xmlns:a16="http://schemas.microsoft.com/office/drawing/2014/main" id="{66E58437-F02E-527F-5695-8726A6DF8F79}"/>
+              </a:ext>
+            </a:extLst>
+          </p:cNvPr>
+          <p:cNvSpPr txBox="1">
+            <a:spLocks noGrp="1"/>
+          </p:cNvSpPr>
+          <p:nvPr>
+            <p:ph idx="1"/>
+          </p:nvPr>
+        </p:nvSpPr>
+        <p:spPr>
+          <a:xfrm>
+            <a:off x="838200" y="1825625"/>
+            <a:ext cx="5818581" cy="480131"/>
+          </a:xfrm>
+          <a:prstGeom prst="rect">
+            <a:avLst/>
+          </a:prstGeom>
+          <a:noFill/>
+        </p:spPr>
+        <p:txBody>
+          <a:bodyPr wrap="none" rtlCol="0">
+            <a:spAutoFit/>
+          </a:bodyPr>
+          <a:lstStyle/>
+          <a:p>
+            <a:pPr marL="0" indent="0">
+              <a:buNone/>
+            </a:pPr>
+            <a:r>
+              <a:rPr lang="en-US" dirty="0">
+                <a:highlight>
+                  <a:srgbClr val="00FFFF"/>
+                </a:highlight>
+              </a:rPr>
+              <a:t>CTRL-ALT-I in browser</a:t>
+            </a:r>
+            <a:r>
+              <a:rPr lang="en-US" dirty="0"/>
+              <a:t>    for debugging</a:t>
+            </a:r>
+          </a:p>
+        </p:txBody>
+      </p:sp>
+      <p:pic>
+        <p:nvPicPr>
+          <p:cNvPr id="6" name="Picture 5">
+            <a:extLst>
+              <a:ext uri="{FF2B5EF4-FFF2-40B4-BE49-F238E27FC236}">
+                <a16:creationId xmlns:a16="http://schemas.microsoft.com/office/drawing/2014/main" id="{76C58D49-968F-F404-3361-8E985E5306EC}"/>
+              </a:ext>
+            </a:extLst>
+          </p:cNvPr>
+          <p:cNvPicPr>
+            <a:picLocks noChangeAspect="1"/>
+          </p:cNvPicPr>
+          <p:nvPr/>
+        </p:nvPicPr>
+        <p:blipFill>
+          <a:blip r:embed="rId2"/>
+          <a:stretch>
+            <a:fillRect/>
+          </a:stretch>
+        </p:blipFill>
+        <p:spPr>
+          <a:xfrm>
+            <a:off x="7276395" y="2909479"/>
+            <a:ext cx="3861612" cy="2754474"/>
+          </a:xfrm>
+          <a:prstGeom prst="rect">
+            <a:avLst/>
+          </a:prstGeom>
+        </p:spPr>
+      </p:pic>
+    </p:spTree>
+    <p:extLst>
+      <p:ext uri="{BB962C8B-B14F-4D97-AF65-F5344CB8AC3E}">
+        <p14:creationId xmlns:p14="http://schemas.microsoft.com/office/powerpoint/2010/main" val="1100561325"/>
+      </p:ext>
+    </p:extLst>
+  </p:cSld>
+  <p:clrMapOvr>
+    <a:masterClrMapping/>
+  </p:clrMapOvr>
+</p:sld>
+</file>
+
+<file path=ppt/slides/slide12.xml><?xml version="1.0" encoding="utf-8"?>
+<p:sld xmlns:a="http://schemas.openxmlformats.org/drawingml/2006/main" xmlns:r="http://schemas.openxmlformats.org/officeDocument/2006/relationships" xmlns:p="http://schemas.openxmlformats.org/presentationml/2006/main">
+  <p:cSld>
+    <p:spTree>
+      <p:nvGrpSpPr>
+        <p:cNvPr id="1" name=""/>
+        <p:cNvGrpSpPr/>
+        <p:nvPr/>
+      </p:nvGrpSpPr>
+      <p:grpSpPr>
+        <a:xfrm>
+          <a:off x="0" y="0"/>
+          <a:ext cx="0" cy="0"/>
+          <a:chOff x="0" y="0"/>
+          <a:chExt cx="0" cy="0"/>
+        </a:xfrm>
+      </p:grpSpPr>
+      <p:sp>
+        <p:nvSpPr>
+          <p:cNvPr id="2" name="Title 1">
+            <a:extLst>
+              <a:ext uri="{FF2B5EF4-FFF2-40B4-BE49-F238E27FC236}">
+                <a16:creationId xmlns:a16="http://schemas.microsoft.com/office/drawing/2014/main" id="{E6260739-36CE-BC4A-27C4-4FF2F0C3FBC4}"/>
+              </a:ext>
+            </a:extLst>
+          </p:cNvPr>
+          <p:cNvSpPr>
+            <a:spLocks noGrp="1"/>
+          </p:cNvSpPr>
+          <p:nvPr>
+            <p:ph type="title"/>
+          </p:nvPr>
+        </p:nvSpPr>
+        <p:spPr/>
+        <p:txBody>
+          <a:bodyPr/>
+          <a:lstStyle/>
+          <a:p>
+            <a:r>
+              <a:rPr lang="en-US" dirty="0"/>
+              <a:t>Full visual representation = mesh + texture</a:t>
+            </a:r>
+          </a:p>
+        </p:txBody>
+      </p:sp>
+      <p:sp>
+        <p:nvSpPr>
+          <p:cNvPr id="3" name="Content Placeholder 2">
+            <a:extLst>
+              <a:ext uri="{FF2B5EF4-FFF2-40B4-BE49-F238E27FC236}">
+                <a16:creationId xmlns:a16="http://schemas.microsoft.com/office/drawing/2014/main" id="{EB703B64-77DE-A506-1049-74E3492B36E0}"/>
+              </a:ext>
+            </a:extLst>
+          </p:cNvPr>
+          <p:cNvSpPr>
+            <a:spLocks noGrp="1"/>
+          </p:cNvSpPr>
+          <p:nvPr>
+            <p:ph idx="1"/>
+          </p:nvPr>
+        </p:nvSpPr>
+        <p:spPr/>
+        <p:txBody>
+          <a:bodyPr>
+            <a:normAutofit lnSpcReduction="10000"/>
+          </a:bodyPr>
+          <a:lstStyle/>
+          <a:p>
+            <a:pPr marL="0" indent="0">
+              <a:buNone/>
+            </a:pPr>
+            <a:r>
+              <a:rPr lang="en-US" dirty="0"/>
+              <a:t>https://www.shadedrelief.com/natural3/pages/textures.html</a:t>
+            </a:r>
+          </a:p>
+          <a:p>
+            <a:pPr marL="0" indent="0">
+              <a:buNone/>
+            </a:pPr>
+            <a:endParaRPr lang="en-US" dirty="0"/>
+          </a:p>
+          <a:p>
+            <a:pPr marL="0" indent="0">
+              <a:buNone/>
+            </a:pPr>
+            <a:r>
+              <a:rPr lang="en-US" u="sng" dirty="0"/>
+              <a:t>a-sphere.html</a:t>
+            </a:r>
+          </a:p>
+          <a:p>
+            <a:pPr marL="0" indent="0">
+              <a:buNone/>
+            </a:pPr>
+            <a:endParaRPr lang="en-US" dirty="0"/>
+          </a:p>
+          <a:p>
+            <a:pPr marL="0" indent="0">
+              <a:buNone/>
+            </a:pPr>
+            <a:r>
+              <a:rPr lang="en-US" dirty="0"/>
+              <a:t>&lt;a-scene&gt;</a:t>
+            </a:r>
+          </a:p>
+          <a:p>
+            <a:pPr marL="0" indent="0">
+              <a:buNone/>
+            </a:pPr>
+            <a:r>
+              <a:rPr lang="en-US" dirty="0"/>
+              <a:t>      &lt;a-sphere position="0 3 -5" </a:t>
+            </a:r>
+            <a:r>
+              <a:rPr lang="en-US" dirty="0" err="1"/>
+              <a:t>src</a:t>
+            </a:r>
+            <a:r>
+              <a:rPr lang="en-US" dirty="0"/>
+              <a:t>="./IMAGES/waternormals.jpg" 			  radius="1"&gt;</a:t>
+            </a:r>
+          </a:p>
+          <a:p>
+            <a:pPr marL="0" indent="0">
+              <a:spcBef>
+                <a:spcPts val="0"/>
+              </a:spcBef>
+              <a:buNone/>
+            </a:pPr>
+            <a:r>
+              <a:rPr lang="en-US" dirty="0"/>
+              <a:t>      &lt;/a-sphere&gt;</a:t>
+            </a:r>
+          </a:p>
+          <a:p>
+            <a:pPr marL="0" indent="0">
+              <a:spcBef>
+                <a:spcPts val="0"/>
+              </a:spcBef>
+              <a:buNone/>
+            </a:pPr>
+            <a:endParaRPr lang="en-US" dirty="0"/>
+          </a:p>
+          <a:p>
+            <a:pPr marL="0" indent="0">
+              <a:buNone/>
+            </a:pPr>
+            <a:r>
+              <a:rPr lang="en-US" dirty="0"/>
+              <a:t>&lt;/a-scene&gt;</a:t>
+            </a:r>
+          </a:p>
+        </p:txBody>
+      </p:sp>
+    </p:spTree>
+    <p:extLst>
+      <p:ext uri="{BB962C8B-B14F-4D97-AF65-F5344CB8AC3E}">
+        <p14:creationId xmlns:p14="http://schemas.microsoft.com/office/powerpoint/2010/main" val="3023118603"/>
+      </p:ext>
+    </p:extLst>
+  </p:cSld>
+  <p:clrMapOvr>
+    <a:masterClrMapping/>
+  </p:clrMapOvr>
+</p:sld>
+</file>
+
+<file path=ppt/slides/slide13.xml><?xml version="1.0" encoding="utf-8"?>
+<p:sld xmlns:a="http://schemas.openxmlformats.org/drawingml/2006/main" xmlns:r="http://schemas.openxmlformats.org/officeDocument/2006/relationships" xmlns:p="http://schemas.openxmlformats.org/presentationml/2006/main">
+  <p:cSld>
+    <p:spTree>
+      <p:nvGrpSpPr>
+        <p:cNvPr id="1" name=""/>
+        <p:cNvGrpSpPr/>
+        <p:nvPr/>
+      </p:nvGrpSpPr>
+      <p:grpSpPr>
+        <a:xfrm>
+          <a:off x="0" y="0"/>
+          <a:ext cx="0" cy="0"/>
+          <a:chOff x="0" y="0"/>
+          <a:chExt cx="0" cy="0"/>
+        </a:xfrm>
+      </p:grpSpPr>
+      <p:sp>
+        <p:nvSpPr>
+          <p:cNvPr id="2" name="Title 1">
+            <a:extLst>
+              <a:ext uri="{FF2B5EF4-FFF2-40B4-BE49-F238E27FC236}">
+                <a16:creationId xmlns:a16="http://schemas.microsoft.com/office/drawing/2014/main" id="{E6260739-36CE-BC4A-27C4-4FF2F0C3FBC4}"/>
+              </a:ext>
+            </a:extLst>
+          </p:cNvPr>
+          <p:cNvSpPr>
+            <a:spLocks noGrp="1"/>
+          </p:cNvSpPr>
+          <p:nvPr>
+            <p:ph type="title"/>
+          </p:nvPr>
+        </p:nvSpPr>
+        <p:spPr/>
+        <p:txBody>
+          <a:bodyPr/>
+          <a:lstStyle/>
+          <a:p>
+            <a:r>
+              <a:rPr lang="en-US" dirty="0"/>
+              <a:t>Full visual representation = mesh + texture</a:t>
+            </a:r>
+          </a:p>
+        </p:txBody>
+      </p:sp>
+      <p:sp>
+        <p:nvSpPr>
+          <p:cNvPr id="3" name="Content Placeholder 2">
+            <a:extLst>
+              <a:ext uri="{FF2B5EF4-FFF2-40B4-BE49-F238E27FC236}">
+                <a16:creationId xmlns:a16="http://schemas.microsoft.com/office/drawing/2014/main" id="{EB703B64-77DE-A506-1049-74E3492B36E0}"/>
+              </a:ext>
+            </a:extLst>
+          </p:cNvPr>
+          <p:cNvSpPr>
+            <a:spLocks noGrp="1"/>
+          </p:cNvSpPr>
+          <p:nvPr>
+            <p:ph idx="1"/>
+          </p:nvPr>
+        </p:nvSpPr>
+        <p:spPr/>
+        <p:txBody>
+          <a:bodyPr>
+            <a:normAutofit/>
+          </a:bodyPr>
+          <a:lstStyle/>
+          <a:p>
+            <a:pPr marL="0" indent="0">
+              <a:buNone/>
+            </a:pPr>
+            <a:r>
+              <a:rPr lang="en-US" dirty="0">
+                <a:solidFill>
+                  <a:schemeClr val="accent5">
+                    <a:lumMod val="50000"/>
+                  </a:schemeClr>
+                </a:solidFill>
+              </a:rPr>
+              <a:t>A-box</a:t>
+            </a:r>
+          </a:p>
+          <a:p>
+            <a:pPr marL="0" indent="0">
+              <a:buNone/>
+            </a:pPr>
+            <a:endParaRPr lang="en-US" dirty="0"/>
+          </a:p>
+          <a:p>
+            <a:pPr marL="0" indent="0">
+              <a:buNone/>
+            </a:pPr>
+            <a:r>
+              <a:rPr lang="en-US" dirty="0"/>
+              <a:t>&lt;a-scene&gt;</a:t>
+            </a:r>
+          </a:p>
+          <a:p>
+            <a:pPr marL="0" indent="0">
+              <a:lnSpc>
+                <a:spcPct val="100000"/>
+              </a:lnSpc>
+              <a:spcBef>
+                <a:spcPts val="0"/>
+              </a:spcBef>
+              <a:buNone/>
+            </a:pPr>
+            <a:r>
+              <a:rPr lang="en-US" sz="2800" dirty="0"/>
+              <a:t> &lt;a-assets&gt;</a:t>
+            </a:r>
+          </a:p>
+          <a:p>
+            <a:pPr marL="0" indent="0">
+              <a:lnSpc>
+                <a:spcPct val="100000"/>
+              </a:lnSpc>
+              <a:spcBef>
+                <a:spcPts val="0"/>
+              </a:spcBef>
+              <a:buNone/>
+            </a:pPr>
+            <a:r>
+              <a:rPr lang="en-US" sz="2800" dirty="0"/>
+              <a:t>	&lt;</a:t>
+            </a:r>
+            <a:r>
+              <a:rPr lang="en-US" sz="2800" dirty="0" err="1"/>
+              <a:t>img</a:t>
+            </a:r>
+            <a:r>
+              <a:rPr lang="en-US" sz="2800" dirty="0"/>
+              <a:t> id="</a:t>
+            </a:r>
+            <a:r>
+              <a:rPr lang="en-US" sz="2800" dirty="0" err="1"/>
+              <a:t>boxTexture</a:t>
+            </a:r>
+            <a:r>
+              <a:rPr lang="en-US" sz="2800" dirty="0"/>
+              <a:t>" </a:t>
+            </a:r>
+            <a:r>
+              <a:rPr lang="en-US" sz="2800" dirty="0" err="1"/>
+              <a:t>src</a:t>
+            </a:r>
+            <a:r>
+              <a:rPr lang="en-US" sz="2800" dirty="0"/>
+              <a:t>="</a:t>
+            </a:r>
+            <a:r>
+              <a:rPr lang="en-US" sz="2800" dirty="0">
+                <a:hlinkClick r:id="rId3"/>
+              </a:rPr>
+              <a:t>https://i.imgur.com/mYmmbrp.jpg</a:t>
+            </a:r>
+            <a:r>
+              <a:rPr lang="en-US" sz="2800" dirty="0"/>
+              <a:t>"</a:t>
+            </a:r>
+          </a:p>
+          <a:p>
+            <a:pPr marL="0" indent="0">
+              <a:lnSpc>
+                <a:spcPct val="100000"/>
+              </a:lnSpc>
+              <a:spcBef>
+                <a:spcPts val="0"/>
+              </a:spcBef>
+              <a:buNone/>
+            </a:pPr>
+            <a:r>
+              <a:rPr lang="en-US" sz="2800" dirty="0"/>
+              <a:t>&lt;/a-assets&gt;</a:t>
+            </a:r>
+            <a:endParaRPr lang="en-US" dirty="0"/>
+          </a:p>
+          <a:p>
+            <a:pPr marL="0" indent="0">
+              <a:buNone/>
+            </a:pPr>
+            <a:r>
+              <a:rPr lang="en-US" dirty="0"/>
+              <a:t>&lt;a-box position="0 3 -5" </a:t>
+            </a:r>
+            <a:r>
+              <a:rPr lang="en-US" dirty="0" err="1"/>
+              <a:t>src</a:t>
+            </a:r>
+            <a:r>
+              <a:rPr lang="en-US" dirty="0"/>
+              <a:t>= “#</a:t>
+            </a:r>
+            <a:r>
+              <a:rPr lang="en-US" sz="2800" dirty="0" err="1"/>
+              <a:t>boxTexture</a:t>
+            </a:r>
+            <a:r>
+              <a:rPr lang="en-US" dirty="0"/>
+              <a:t>" radius="1"&gt;&lt;/a-box&gt;</a:t>
+            </a:r>
+          </a:p>
+          <a:p>
+            <a:pPr marL="0" indent="0">
+              <a:spcBef>
+                <a:spcPts val="0"/>
+              </a:spcBef>
+              <a:buNone/>
+            </a:pPr>
+            <a:endParaRPr lang="en-US" dirty="0"/>
+          </a:p>
+          <a:p>
+            <a:pPr marL="0" indent="0">
+              <a:buNone/>
+            </a:pPr>
+            <a:r>
+              <a:rPr lang="en-US" dirty="0"/>
+              <a:t>&lt;/a-scene&gt;</a:t>
+            </a:r>
+          </a:p>
+        </p:txBody>
+      </p:sp>
+    </p:spTree>
+    <p:extLst>
+      <p:ext uri="{BB962C8B-B14F-4D97-AF65-F5344CB8AC3E}">
+        <p14:creationId xmlns:p14="http://schemas.microsoft.com/office/powerpoint/2010/main" val="968820903"/>
+      </p:ext>
+    </p:extLst>
+  </p:cSld>
+  <p:clrMapOvr>
+    <a:masterClrMapping/>
+  </p:clrMapOvr>
+</p:sld>
+</file>
+
+<file path=ppt/slides/slide14.xml><?xml version="1.0" encoding="utf-8"?>
+<p:sld xmlns:a="http://schemas.openxmlformats.org/drawingml/2006/main" xmlns:r="http://schemas.openxmlformats.org/officeDocument/2006/relationships" xmlns:p="http://schemas.openxmlformats.org/presentationml/2006/main">
+  <p:cSld>
+    <p:spTree>
+      <p:nvGrpSpPr>
+        <p:cNvPr id="1" name=""/>
+        <p:cNvGrpSpPr/>
+        <p:nvPr/>
+      </p:nvGrpSpPr>
+      <p:grpSpPr>
+        <a:xfrm>
+          <a:off x="0" y="0"/>
+          <a:ext cx="0" cy="0"/>
+          <a:chOff x="0" y="0"/>
+          <a:chExt cx="0" cy="0"/>
+        </a:xfrm>
+      </p:grpSpPr>
+      <p:sp>
+        <p:nvSpPr>
+          <p:cNvPr id="2" name="Title 1">
+            <a:extLst>
+              <a:ext uri="{FF2B5EF4-FFF2-40B4-BE49-F238E27FC236}">
+                <a16:creationId xmlns:a16="http://schemas.microsoft.com/office/drawing/2014/main" id="{DE859745-9910-DD37-8812-5CD4D7F20FC6}"/>
+              </a:ext>
+            </a:extLst>
+          </p:cNvPr>
+          <p:cNvSpPr>
+            <a:spLocks noGrp="1"/>
+          </p:cNvSpPr>
+          <p:nvPr>
+            <p:ph type="title"/>
+          </p:nvPr>
+        </p:nvSpPr>
+        <p:spPr/>
+        <p:txBody>
+          <a:bodyPr/>
+          <a:lstStyle/>
+          <a:p>
+            <a:r>
+              <a:rPr lang="en-US" b="1" dirty="0">
+                <a:solidFill>
+                  <a:srgbClr val="0070C0"/>
+                </a:solidFill>
+              </a:rPr>
+              <a:t>Several geometric components</a:t>
+            </a:r>
+          </a:p>
+        </p:txBody>
+      </p:sp>
+      <p:sp>
+        <p:nvSpPr>
+          <p:cNvPr id="3" name="Content Placeholder 2">
+            <a:extLst>
+              <a:ext uri="{FF2B5EF4-FFF2-40B4-BE49-F238E27FC236}">
+                <a16:creationId xmlns:a16="http://schemas.microsoft.com/office/drawing/2014/main" id="{8C1F06FB-1A25-3FB9-145E-D9CEB945C343}"/>
+              </a:ext>
+            </a:extLst>
+          </p:cNvPr>
+          <p:cNvSpPr>
+            <a:spLocks noGrp="1"/>
+          </p:cNvSpPr>
+          <p:nvPr>
+            <p:ph idx="1"/>
+          </p:nvPr>
+        </p:nvSpPr>
+        <p:spPr>
+          <a:xfrm>
+            <a:off x="419100" y="1838151"/>
+            <a:ext cx="11353800" cy="4654724"/>
+          </a:xfrm>
+        </p:spPr>
+        <p:txBody>
+          <a:bodyPr>
+            <a:normAutofit/>
+          </a:bodyPr>
+          <a:lstStyle/>
+          <a:p>
+            <a:pPr marL="0" indent="0">
+              <a:buNone/>
+            </a:pPr>
+            <a:r>
+              <a:rPr lang="en-US" dirty="0"/>
+              <a:t>&lt;a-box position="-1 0.5 -3" rotation="0 45 0" color=“red"&gt;&lt;/a-box&gt;</a:t>
+            </a:r>
+          </a:p>
+          <a:p>
+            <a:pPr marL="0" indent="0">
+              <a:buNone/>
+            </a:pPr>
+            <a:endParaRPr lang="en-US" dirty="0"/>
+          </a:p>
+          <a:p>
+            <a:pPr marL="0" indent="0">
+              <a:buNone/>
+            </a:pPr>
+            <a:r>
+              <a:rPr lang="en-US" dirty="0"/>
+              <a:t>&lt;a-sphere position="0 1.25 -5" radius="1.25" color=“blue“&gt;&lt;/a-sphere&gt;</a:t>
+            </a:r>
+          </a:p>
+          <a:p>
+            <a:pPr marL="0" indent="0">
+              <a:buNone/>
+            </a:pPr>
+            <a:endParaRPr lang="en-US" dirty="0"/>
+          </a:p>
+          <a:p>
+            <a:pPr marL="0" indent="0">
+              <a:buNone/>
+            </a:pPr>
+            <a:r>
+              <a:rPr lang="en-US" dirty="0"/>
+              <a:t>&lt;a-sky color="#e9f7ff "&gt;&lt;/a-sky&gt;</a:t>
+            </a:r>
+          </a:p>
+        </p:txBody>
+      </p:sp>
+    </p:spTree>
+    <p:extLst>
+      <p:ext uri="{BB962C8B-B14F-4D97-AF65-F5344CB8AC3E}">
+        <p14:creationId xmlns:p14="http://schemas.microsoft.com/office/powerpoint/2010/main" val="2157119807"/>
+      </p:ext>
+    </p:extLst>
+  </p:cSld>
+  <p:clrMapOvr>
+    <a:masterClrMapping/>
+  </p:clrMapOvr>
+</p:sld>
+</file>
+
+<file path=ppt/slides/slide15.xml><?xml version="1.0" encoding="utf-8"?>
+<p:sld xmlns:a="http://schemas.openxmlformats.org/drawingml/2006/main" xmlns:r="http://schemas.openxmlformats.org/officeDocument/2006/relationships" xmlns:p="http://schemas.openxmlformats.org/presentationml/2006/main">
+  <p:cSld>
+    <p:spTree>
+      <p:nvGrpSpPr>
+        <p:cNvPr id="1" name=""/>
+        <p:cNvGrpSpPr/>
+        <p:nvPr/>
+      </p:nvGrpSpPr>
+      <p:grpSpPr>
+        <a:xfrm>
+          <a:off x="0" y="0"/>
+          <a:ext cx="0" cy="0"/>
+          <a:chOff x="0" y="0"/>
+          <a:chExt cx="0" cy="0"/>
+        </a:xfrm>
+      </p:grpSpPr>
+      <p:sp>
+        <p:nvSpPr>
+          <p:cNvPr id="2" name="Title 1">
+            <a:extLst>
+              <a:ext uri="{FF2B5EF4-FFF2-40B4-BE49-F238E27FC236}">
+                <a16:creationId xmlns:a16="http://schemas.microsoft.com/office/drawing/2014/main" id="{DE859745-9910-DD37-8812-5CD4D7F20FC6}"/>
+              </a:ext>
+            </a:extLst>
+          </p:cNvPr>
+          <p:cNvSpPr>
+            <a:spLocks noGrp="1"/>
+          </p:cNvSpPr>
+          <p:nvPr>
+            <p:ph type="title"/>
+          </p:nvPr>
+        </p:nvSpPr>
+        <p:spPr/>
+        <p:txBody>
+          <a:bodyPr/>
+          <a:lstStyle/>
+          <a:p>
+            <a:r>
+              <a:rPr lang="en-US" b="1">
+                <a:solidFill>
+                  <a:srgbClr val="0070C0"/>
+                </a:solidFill>
+              </a:rPr>
+              <a:t>Famous: Several </a:t>
+            </a:r>
+            <a:r>
+              <a:rPr lang="en-US" b="1" dirty="0">
+                <a:solidFill>
+                  <a:srgbClr val="0070C0"/>
+                </a:solidFill>
+              </a:rPr>
+              <a:t>geometric components</a:t>
+            </a:r>
+          </a:p>
+        </p:txBody>
+      </p:sp>
+      <p:sp>
+        <p:nvSpPr>
+          <p:cNvPr id="3" name="Content Placeholder 2">
+            <a:extLst>
+              <a:ext uri="{FF2B5EF4-FFF2-40B4-BE49-F238E27FC236}">
+                <a16:creationId xmlns:a16="http://schemas.microsoft.com/office/drawing/2014/main" id="{8C1F06FB-1A25-3FB9-145E-D9CEB945C343}"/>
+              </a:ext>
+            </a:extLst>
+          </p:cNvPr>
+          <p:cNvSpPr>
+            <a:spLocks noGrp="1"/>
+          </p:cNvSpPr>
+          <p:nvPr>
+            <p:ph idx="1"/>
+          </p:nvPr>
+        </p:nvSpPr>
+        <p:spPr>
+          <a:xfrm>
+            <a:off x="419100" y="1838151"/>
+            <a:ext cx="11353800" cy="4654724"/>
+          </a:xfrm>
+        </p:spPr>
+        <p:txBody>
+          <a:bodyPr>
+            <a:normAutofit lnSpcReduction="10000"/>
+          </a:bodyPr>
+          <a:lstStyle/>
+          <a:p>
+            <a:pPr marL="0" indent="0">
+              <a:buNone/>
+            </a:pPr>
+            <a:r>
+              <a:rPr lang="en-US" dirty="0"/>
+              <a:t>&lt;a-box position="-1 0.5 -3" rotation="0 45 0" color=“red"&gt;</a:t>
+            </a:r>
+          </a:p>
+          <a:p>
+            <a:pPr marL="0" indent="0">
+              <a:buNone/>
+            </a:pPr>
+            <a:r>
+              <a:rPr lang="en-US" dirty="0"/>
+              <a:t>&lt;/a-box&gt;</a:t>
+            </a:r>
+          </a:p>
+          <a:p>
+            <a:pPr marL="0" indent="0">
+              <a:buNone/>
+            </a:pPr>
+            <a:r>
+              <a:rPr lang="en-US" dirty="0"/>
+              <a:t>&lt;a-sphere position="0 1.25 -5" radius="1.25" color=“blue“&gt;</a:t>
+            </a:r>
+          </a:p>
+          <a:p>
+            <a:pPr marL="0" indent="0">
+              <a:buNone/>
+            </a:pPr>
+            <a:r>
+              <a:rPr lang="en-US" dirty="0"/>
+              <a:t>&lt;/a-sphere&gt;</a:t>
+            </a:r>
+          </a:p>
+          <a:p>
+            <a:pPr marL="0" indent="0">
+              <a:buNone/>
+            </a:pPr>
+            <a:r>
+              <a:rPr lang="en-US" dirty="0"/>
+              <a:t>&lt;a-cylinder position="1 0.75 -3" radius="0.5" height="1.5" color=“purple"&gt;</a:t>
+            </a:r>
+          </a:p>
+          <a:p>
+            <a:pPr marL="0" indent="0">
+              <a:buNone/>
+            </a:pPr>
+            <a:r>
+              <a:rPr lang="en-US" dirty="0"/>
+              <a:t>&lt;/a-cylinder&gt;</a:t>
+            </a:r>
+          </a:p>
+          <a:p>
+            <a:pPr marL="0" indent="0">
+              <a:buNone/>
+            </a:pPr>
+            <a:r>
+              <a:rPr lang="en-US" dirty="0"/>
+              <a:t>&lt;a-plane position="0 0 -4" </a:t>
+            </a:r>
+            <a:r>
+              <a:rPr lang="en-US" dirty="0">
+                <a:solidFill>
+                  <a:schemeClr val="accent1"/>
+                </a:solidFill>
+              </a:rPr>
+              <a:t>rotation="-90 0 0" </a:t>
+            </a:r>
+            <a:r>
+              <a:rPr lang="en-US" dirty="0"/>
+              <a:t>width="4" height="4" color=“3cb371"&gt;&lt;/a-plane&gt;</a:t>
+            </a:r>
+          </a:p>
+          <a:p>
+            <a:pPr marL="0" indent="0">
+              <a:buNone/>
+            </a:pPr>
+            <a:endParaRPr lang="en-US" dirty="0"/>
+          </a:p>
+          <a:p>
+            <a:pPr marL="0" indent="0">
+              <a:buNone/>
+            </a:pPr>
+            <a:r>
+              <a:rPr lang="en-US" dirty="0"/>
+              <a:t>&lt;a-sky color="#e9f7ff "&gt;&lt;/a-sky&gt;</a:t>
+            </a:r>
+          </a:p>
+        </p:txBody>
+      </p:sp>
+    </p:spTree>
+    <p:extLst>
+      <p:ext uri="{BB962C8B-B14F-4D97-AF65-F5344CB8AC3E}">
+        <p14:creationId xmlns:p14="http://schemas.microsoft.com/office/powerpoint/2010/main" val="437460358"/>
+      </p:ext>
+    </p:extLst>
+  </p:cSld>
+  <p:clrMapOvr>
+    <a:masterClrMapping/>
+  </p:clrMapOvr>
+</p:sld>
+</file>
+
+<file path=ppt/slides/slide16.xml><?xml version="1.0" encoding="utf-8"?>
+<p:sld xmlns:a="http://schemas.openxmlformats.org/drawingml/2006/main" xmlns:r="http://schemas.openxmlformats.org/officeDocument/2006/relationships" xmlns:p="http://schemas.openxmlformats.org/presentationml/2006/main">
+  <p:cSld>
+    <p:spTree>
+      <p:nvGrpSpPr>
+        <p:cNvPr id="1" name=""/>
+        <p:cNvGrpSpPr/>
+        <p:nvPr/>
+      </p:nvGrpSpPr>
+      <p:grpSpPr>
+        <a:xfrm>
+          <a:off x="0" y="0"/>
+          <a:ext cx="0" cy="0"/>
+          <a:chOff x="0" y="0"/>
+          <a:chExt cx="0" cy="0"/>
+        </a:xfrm>
+      </p:grpSpPr>
+      <p:pic>
+        <p:nvPicPr>
+          <p:cNvPr id="2" name="Picture 1">
+            <a:extLst>
+              <a:ext uri="{FF2B5EF4-FFF2-40B4-BE49-F238E27FC236}">
+                <a16:creationId xmlns:a16="http://schemas.microsoft.com/office/drawing/2014/main" id="{CCC53F79-2BE7-9D02-E76B-9170C74561D1}"/>
+              </a:ext>
+            </a:extLst>
+          </p:cNvPr>
+          <p:cNvPicPr>
+            <a:picLocks noChangeAspect="1"/>
+          </p:cNvPicPr>
+          <p:nvPr/>
+        </p:nvPicPr>
+        <p:blipFill rotWithShape="1">
+          <a:blip r:embed="rId2"/>
+          <a:srcRect t="20475" r="-1" b="-1"/>
+          <a:stretch/>
+        </p:blipFill>
+        <p:spPr>
+          <a:xfrm>
+            <a:off x="1524" y="10"/>
+            <a:ext cx="12188952" cy="6857990"/>
+          </a:xfrm>
+          <a:prstGeom prst="rect">
+            <a:avLst/>
+          </a:prstGeom>
+        </p:spPr>
+      </p:pic>
+    </p:spTree>
+    <p:extLst>
+      <p:ext uri="{BB962C8B-B14F-4D97-AF65-F5344CB8AC3E}">
+        <p14:creationId xmlns:p14="http://schemas.microsoft.com/office/powerpoint/2010/main" val="1758179659"/>
+      </p:ext>
+    </p:extLst>
+  </p:cSld>
+  <p:clrMapOvr>
+    <a:masterClrMapping/>
+  </p:clrMapOvr>
+</p:sld>
+</file>
+
+<file path=ppt/slides/slide2.xml><?xml version="1.0" encoding="utf-8"?>
+<p:sld xmlns:a="http://schemas.openxmlformats.org/drawingml/2006/main" xmlns:r="http://schemas.openxmlformats.org/officeDocument/2006/relationships" xmlns:p="http://schemas.openxmlformats.org/presentationml/2006/main">
+  <p:cSld>
+    <p:spTree>
+      <p:nvGrpSpPr>
+        <p:cNvPr id="1" name=""/>
+        <p:cNvGrpSpPr/>
+        <p:nvPr/>
+      </p:nvGrpSpPr>
+      <p:grpSpPr>
+        <a:xfrm>
+          <a:off x="0" y="0"/>
+          <a:ext cx="0" cy="0"/>
+          <a:chOff x="0" y="0"/>
+          <a:chExt cx="0" cy="0"/>
+        </a:xfrm>
+      </p:grpSpPr>
+      <p:sp>
+        <p:nvSpPr>
+          <p:cNvPr id="2" name="Title 1">
+            <a:extLst>
+              <a:ext uri="{FF2B5EF4-FFF2-40B4-BE49-F238E27FC236}">
+                <a16:creationId xmlns:a16="http://schemas.microsoft.com/office/drawing/2014/main" id="{D0A32E1B-304C-70CA-4FE2-121036B45BBD}"/>
+              </a:ext>
+            </a:extLst>
+          </p:cNvPr>
+          <p:cNvSpPr>
+            <a:spLocks noGrp="1"/>
+          </p:cNvSpPr>
+          <p:nvPr>
+            <p:ph type="title"/>
+          </p:nvPr>
+        </p:nvSpPr>
+        <p:spPr/>
+        <p:txBody>
+          <a:bodyPr/>
+          <a:lstStyle/>
+          <a:p>
+            <a:r>
+              <a:rPr lang="en-US" dirty="0">
+                <a:solidFill>
+                  <a:srgbClr val="0070C0"/>
+                </a:solidFill>
+                <a:ea typeface="Calibri Light"/>
+                <a:cs typeface="Calibri Light"/>
+              </a:rPr>
+              <a:t>Outline</a:t>
+            </a:r>
+            <a:endParaRPr lang="en-US">
+              <a:solidFill>
+                <a:srgbClr val="0070C0"/>
+              </a:solidFill>
+              <a:ea typeface="Calibri Light"/>
+              <a:cs typeface="Calibri Light"/>
+            </a:endParaRPr>
+          </a:p>
+        </p:txBody>
+      </p:sp>
+      <p:sp>
+        <p:nvSpPr>
+          <p:cNvPr id="3" name="Content Placeholder 2">
+            <a:extLst>
+              <a:ext uri="{FF2B5EF4-FFF2-40B4-BE49-F238E27FC236}">
+                <a16:creationId xmlns:a16="http://schemas.microsoft.com/office/drawing/2014/main" id="{0F80D594-86CE-1ED4-994C-042A2971ED94}"/>
+              </a:ext>
+            </a:extLst>
+          </p:cNvPr>
+          <p:cNvSpPr>
+            <a:spLocks noGrp="1"/>
+          </p:cNvSpPr>
+          <p:nvPr>
+            <p:ph idx="1"/>
+          </p:nvPr>
+        </p:nvSpPr>
+        <p:spPr/>
+        <p:txBody>
+          <a:bodyPr vert="horz" lIns="91440" tIns="45720" rIns="91440" bIns="45720" rtlCol="0" anchor="t">
+            <a:normAutofit/>
+          </a:bodyPr>
+          <a:lstStyle/>
+          <a:p>
+            <a:pPr marL="0" indent="0">
+              <a:buNone/>
+            </a:pPr>
+            <a:endParaRPr lang="en-US" dirty="0">
+              <a:ea typeface="Calibri" panose="020F0502020204030204"/>
+              <a:cs typeface="Calibri" panose="020F0502020204030204"/>
+            </a:endParaRPr>
+          </a:p>
+          <a:p>
+            <a:pPr marL="0" indent="0">
+              <a:buNone/>
+            </a:pPr>
+            <a:r>
+              <a:rPr lang="en-US" dirty="0">
+                <a:ea typeface="Calibri" panose="020F0502020204030204"/>
+                <a:cs typeface="Calibri" panose="020F0502020204030204"/>
+              </a:rPr>
+              <a:t>A-frame scenes</a:t>
+            </a:r>
+          </a:p>
+          <a:p>
+            <a:pPr marL="0" indent="0">
+              <a:buNone/>
+            </a:pPr>
+            <a:endParaRPr lang="en-US" dirty="0">
+              <a:ea typeface="Calibri" panose="020F0502020204030204"/>
+              <a:cs typeface="Calibri" panose="020F0502020204030204"/>
+            </a:endParaRPr>
+          </a:p>
+          <a:p>
+            <a:pPr marL="0" indent="0">
+              <a:buNone/>
+            </a:pPr>
+            <a:r>
+              <a:rPr lang="en-US" dirty="0">
+                <a:ea typeface="Calibri" panose="020F0502020204030204"/>
+                <a:cs typeface="Calibri" panose="020F0502020204030204"/>
+              </a:rPr>
+              <a:t>Basic A-frame geometric objects</a:t>
+            </a:r>
+          </a:p>
+          <a:p>
+            <a:pPr marL="0" indent="0">
+              <a:buNone/>
+            </a:pPr>
+            <a:endParaRPr lang="en-US" dirty="0">
+              <a:ea typeface="Calibri" panose="020F0502020204030204"/>
+              <a:cs typeface="Calibri" panose="020F0502020204030204"/>
+            </a:endParaRPr>
+          </a:p>
+          <a:p>
+            <a:pPr marL="0" indent="0">
+              <a:buNone/>
+            </a:pPr>
+            <a:r>
+              <a:rPr lang="en-US" b="1" dirty="0">
+                <a:ea typeface="Calibri" panose="020F0502020204030204"/>
+                <a:cs typeface="Calibri" panose="020F0502020204030204"/>
+              </a:rPr>
+              <a:t>New web tab</a:t>
+            </a:r>
+            <a:r>
+              <a:rPr lang="en-US" dirty="0">
+                <a:ea typeface="Calibri" panose="020F0502020204030204"/>
+                <a:cs typeface="Calibri" panose="020F0502020204030204"/>
+              </a:rPr>
+              <a:t>:</a:t>
+            </a:r>
+          </a:p>
+          <a:p>
+            <a:pPr marL="0" indent="0">
+              <a:buNone/>
+            </a:pPr>
+            <a:r>
+              <a:rPr lang="en-US" dirty="0">
+                <a:ea typeface="Calibri" panose="020F0502020204030204"/>
+                <a:cs typeface="Calibri" panose="020F0502020204030204"/>
+              </a:rPr>
+              <a:t>https://www.w3schools.com/colors/colors_picker.asp</a:t>
+            </a:r>
+          </a:p>
+        </p:txBody>
+      </p:sp>
+    </p:spTree>
+    <p:extLst>
+      <p:ext uri="{BB962C8B-B14F-4D97-AF65-F5344CB8AC3E}">
+        <p14:creationId xmlns:p14="http://schemas.microsoft.com/office/powerpoint/2010/main" val="1169712265"/>
+      </p:ext>
+    </p:extLst>
+  </p:cSld>
+  <p:clrMapOvr>
+    <a:masterClrMapping/>
+  </p:clrMapOvr>
+</p:sld>
+</file>
+
+<file path=ppt/slides/slide3.xml><?xml version="1.0" encoding="utf-8"?>
+<p:sld xmlns:a="http://schemas.openxmlformats.org/drawingml/2006/main" xmlns:r="http://schemas.openxmlformats.org/officeDocument/2006/relationships" xmlns:p="http://schemas.openxmlformats.org/presentationml/2006/main">
+  <p:cSld>
+    <p:spTree>
+      <p:nvGrpSpPr>
+        <p:cNvPr id="1" name=""/>
+        <p:cNvGrpSpPr/>
+        <p:nvPr/>
+      </p:nvGrpSpPr>
+      <p:grpSpPr>
+        <a:xfrm>
+          <a:off x="0" y="0"/>
+          <a:ext cx="0" cy="0"/>
+          <a:chOff x="0" y="0"/>
+          <a:chExt cx="0" cy="0"/>
+        </a:xfrm>
+      </p:grpSpPr>
+      <p:sp>
+        <p:nvSpPr>
+          <p:cNvPr id="2" name="Title 1">
+            <a:extLst>
+              <a:ext uri="{FF2B5EF4-FFF2-40B4-BE49-F238E27FC236}">
+                <a16:creationId xmlns:a16="http://schemas.microsoft.com/office/drawing/2014/main" id="{E8A0CACB-31AD-38B8-D51C-B346653D6543}"/>
+              </a:ext>
+            </a:extLst>
+          </p:cNvPr>
+          <p:cNvSpPr>
+            <a:spLocks noGrp="1"/>
+          </p:cNvSpPr>
+          <p:nvPr>
+            <p:ph type="title"/>
+          </p:nvPr>
+        </p:nvSpPr>
+        <p:spPr/>
+        <p:txBody>
+          <a:bodyPr/>
+          <a:lstStyle/>
+          <a:p>
+            <a:r>
+              <a:rPr lang="en-US" dirty="0"/>
+              <a:t>3D images</a:t>
+            </a:r>
+          </a:p>
+        </p:txBody>
+      </p:sp>
+      <p:sp>
+        <p:nvSpPr>
+          <p:cNvPr id="3" name="Content Placeholder 2">
+            <a:extLst>
+              <a:ext uri="{FF2B5EF4-FFF2-40B4-BE49-F238E27FC236}">
+                <a16:creationId xmlns:a16="http://schemas.microsoft.com/office/drawing/2014/main" id="{BEC1C0D6-8B17-C175-C78B-DAA3DB295DB5}"/>
+              </a:ext>
+            </a:extLst>
+          </p:cNvPr>
+          <p:cNvSpPr>
+            <a:spLocks noGrp="1"/>
+          </p:cNvSpPr>
+          <p:nvPr>
+            <p:ph idx="1"/>
+          </p:nvPr>
+        </p:nvSpPr>
+        <p:spPr/>
+        <p:txBody>
+          <a:bodyPr/>
+          <a:lstStyle/>
+          <a:p>
+            <a:pPr marL="0" indent="0">
+              <a:buNone/>
+            </a:pPr>
+            <a:r>
+              <a:rPr lang="en-US" dirty="0"/>
+              <a:t>2D images most common</a:t>
+            </a:r>
+          </a:p>
+          <a:p>
+            <a:pPr marL="0" indent="0">
+              <a:buNone/>
+            </a:pPr>
+            <a:endParaRPr lang="en-US" dirty="0"/>
+          </a:p>
+          <a:p>
+            <a:pPr marL="0" indent="0">
+              <a:buNone/>
+            </a:pPr>
+            <a:r>
+              <a:rPr lang="en-US" dirty="0"/>
+              <a:t>https://en.wikipedia.org/wiki/VR_photography</a:t>
+            </a:r>
+          </a:p>
+          <a:p>
+            <a:pPr marL="0" indent="0">
+              <a:buNone/>
+            </a:pPr>
+            <a:endParaRPr lang="en-US" dirty="0"/>
+          </a:p>
+          <a:p>
+            <a:pPr marL="0" indent="0">
+              <a:buNone/>
+            </a:pPr>
+            <a:endParaRPr lang="en-US" dirty="0"/>
+          </a:p>
+        </p:txBody>
+      </p:sp>
+    </p:spTree>
+    <p:extLst>
+      <p:ext uri="{BB962C8B-B14F-4D97-AF65-F5344CB8AC3E}">
+        <p14:creationId xmlns:p14="http://schemas.microsoft.com/office/powerpoint/2010/main" val="1865343453"/>
+      </p:ext>
+    </p:extLst>
+  </p:cSld>
+  <p:clrMapOvr>
+    <a:masterClrMapping/>
+  </p:clrMapOvr>
+</p:sld>
+</file>
+
+<file path=ppt/slides/slide4.xml><?xml version="1.0" encoding="utf-8"?>
+<p:sld xmlns:a="http://schemas.openxmlformats.org/drawingml/2006/main" xmlns:r="http://schemas.openxmlformats.org/officeDocument/2006/relationships" xmlns:p="http://schemas.openxmlformats.org/presentationml/2006/main">
+  <p:cSld>
+    <p:spTree>
+      <p:nvGrpSpPr>
+        <p:cNvPr id="1" name=""/>
+        <p:cNvGrpSpPr/>
+        <p:nvPr/>
+      </p:nvGrpSpPr>
+      <p:grpSpPr>
+        <a:xfrm>
+          <a:off x="0" y="0"/>
+          <a:ext cx="0" cy="0"/>
+          <a:chOff x="0" y="0"/>
+          <a:chExt cx="0" cy="0"/>
+        </a:xfrm>
+      </p:grpSpPr>
+      <p:sp>
+        <p:nvSpPr>
+          <p:cNvPr id="2" name="Title 1">
+            <a:extLst>
+              <a:ext uri="{FF2B5EF4-FFF2-40B4-BE49-F238E27FC236}">
+                <a16:creationId xmlns:a16="http://schemas.microsoft.com/office/drawing/2014/main" id="{ABA6EE94-498E-8079-366A-C6321F49CAF0}"/>
+              </a:ext>
+            </a:extLst>
+          </p:cNvPr>
+          <p:cNvSpPr>
+            <a:spLocks noGrp="1"/>
+          </p:cNvSpPr>
+          <p:nvPr>
+            <p:ph type="title"/>
+          </p:nvPr>
+        </p:nvSpPr>
+        <p:spPr/>
+        <p:txBody>
+          <a:bodyPr/>
+          <a:lstStyle/>
+          <a:p>
+            <a:r>
+              <a:rPr lang="en-US" dirty="0">
+                <a:solidFill>
+                  <a:srgbClr val="0070C0"/>
+                </a:solidFill>
+              </a:rPr>
+              <a:t>VR Images</a:t>
+            </a:r>
+          </a:p>
+        </p:txBody>
+      </p:sp>
+      <p:pic>
+        <p:nvPicPr>
+          <p:cNvPr id="5" name="Picture 4">
+            <a:extLst>
+              <a:ext uri="{FF2B5EF4-FFF2-40B4-BE49-F238E27FC236}">
+                <a16:creationId xmlns:a16="http://schemas.microsoft.com/office/drawing/2014/main" id="{C6284B10-7BA7-B1B6-0679-5BE1F81814E6}"/>
+              </a:ext>
+            </a:extLst>
+          </p:cNvPr>
+          <p:cNvPicPr>
+            <a:picLocks noChangeAspect="1"/>
+          </p:cNvPicPr>
+          <p:nvPr/>
+        </p:nvPicPr>
+        <p:blipFill>
+          <a:blip r:embed="rId2"/>
+          <a:stretch>
+            <a:fillRect/>
+          </a:stretch>
+        </p:blipFill>
+        <p:spPr>
+          <a:xfrm>
+            <a:off x="2680855" y="2461739"/>
+            <a:ext cx="7367579" cy="3592079"/>
+          </a:xfrm>
+          <a:prstGeom prst="rect">
+            <a:avLst/>
+          </a:prstGeom>
+        </p:spPr>
+      </p:pic>
+    </p:spTree>
+    <p:extLst>
+      <p:ext uri="{BB962C8B-B14F-4D97-AF65-F5344CB8AC3E}">
+        <p14:creationId xmlns:p14="http://schemas.microsoft.com/office/powerpoint/2010/main" val="2106641008"/>
+      </p:ext>
+    </p:extLst>
+  </p:cSld>
+  <p:clrMapOvr>
+    <a:masterClrMapping/>
+  </p:clrMapOvr>
+</p:sld>
+</file>
+
+<file path=ppt/slides/slide5.xml><?xml version="1.0" encoding="utf-8"?>
+<p:sld xmlns:a="http://schemas.openxmlformats.org/drawingml/2006/main" xmlns:r="http://schemas.openxmlformats.org/officeDocument/2006/relationships" xmlns:p="http://schemas.openxmlformats.org/presentationml/2006/main">
+  <p:cSld>
+    <p:spTree>
+      <p:nvGrpSpPr>
+        <p:cNvPr id="1" name=""/>
+        <p:cNvGrpSpPr/>
+        <p:nvPr/>
+      </p:nvGrpSpPr>
+      <p:grpSpPr>
+        <a:xfrm>
+          <a:off x="0" y="0"/>
+          <a:ext cx="0" cy="0"/>
+          <a:chOff x="0" y="0"/>
+          <a:chExt cx="0" cy="0"/>
+        </a:xfrm>
+      </p:grpSpPr>
+      <p:sp>
+        <p:nvSpPr>
+          <p:cNvPr id="2" name="Title 1">
+            <a:extLst>
+              <a:ext uri="{FF2B5EF4-FFF2-40B4-BE49-F238E27FC236}">
+                <a16:creationId xmlns:a16="http://schemas.microsoft.com/office/drawing/2014/main" id="{44E42908-EAB8-F93F-3DF5-E3FEC9B1C03C}"/>
+              </a:ext>
+            </a:extLst>
+          </p:cNvPr>
+          <p:cNvSpPr>
+            <a:spLocks noGrp="1"/>
+          </p:cNvSpPr>
+          <p:nvPr>
+            <p:ph type="title"/>
+          </p:nvPr>
+        </p:nvSpPr>
+        <p:spPr/>
+        <p:txBody>
+          <a:bodyPr/>
+          <a:lstStyle/>
+          <a:p>
+            <a:r>
+              <a:rPr lang="en-US" dirty="0">
+                <a:solidFill>
+                  <a:srgbClr val="0070C0"/>
+                </a:solidFill>
+              </a:rPr>
+              <a:t>Scenes and geometric objects</a:t>
+            </a:r>
+          </a:p>
+        </p:txBody>
+      </p:sp>
+      <p:graphicFrame>
+        <p:nvGraphicFramePr>
+          <p:cNvPr id="3" name="Table 2">
+            <a:extLst>
+              <a:ext uri="{FF2B5EF4-FFF2-40B4-BE49-F238E27FC236}">
+                <a16:creationId xmlns:a16="http://schemas.microsoft.com/office/drawing/2014/main" id="{ABF39CF6-740C-F2D1-8FCE-DCD896246D3A}"/>
+              </a:ext>
+            </a:extLst>
+          </p:cNvPr>
+          <p:cNvGraphicFramePr>
+            <a:graphicFrameLocks noGrp="1"/>
+          </p:cNvGraphicFramePr>
+          <p:nvPr>
+            <p:extLst>
+              <p:ext uri="{D42A27DB-BD31-4B8C-83A1-F6EECF244321}">
+                <p14:modId xmlns:p14="http://schemas.microsoft.com/office/powerpoint/2010/main" val="3021981825"/>
+              </p:ext>
+            </p:extLst>
+          </p:nvPr>
+        </p:nvGraphicFramePr>
+        <p:xfrm>
+          <a:off x="446391" y="1690688"/>
+          <a:ext cx="11299218" cy="3845560"/>
+        </p:xfrm>
+        <a:graphic>
+          <a:graphicData uri="http://schemas.openxmlformats.org/drawingml/2006/table">
+            <a:tbl>
+              <a:tblPr firstRow="1" bandRow="1">
+                <a:tableStyleId>{5C22544A-7EE6-4342-B048-85BDC9FD1C3A}</a:tableStyleId>
+              </a:tblPr>
+              <a:tblGrid>
+                <a:gridCol w="1564313">
+                  <a:extLst>
+                    <a:ext uri="{9D8B030D-6E8A-4147-A177-3AD203B41FA5}">
+                      <a16:colId xmlns:a16="http://schemas.microsoft.com/office/drawing/2014/main" val="3046300315"/>
+                    </a:ext>
+                  </a:extLst>
+                </a:gridCol>
+                <a:gridCol w="2549986">
+                  <a:extLst>
+                    <a:ext uri="{9D8B030D-6E8A-4147-A177-3AD203B41FA5}">
+                      <a16:colId xmlns:a16="http://schemas.microsoft.com/office/drawing/2014/main" val="3310798745"/>
+                    </a:ext>
+                  </a:extLst>
+                </a:gridCol>
+                <a:gridCol w="7184919">
+                  <a:extLst>
+                    <a:ext uri="{9D8B030D-6E8A-4147-A177-3AD203B41FA5}">
+                      <a16:colId xmlns:a16="http://schemas.microsoft.com/office/drawing/2014/main" val="3908140871"/>
+                    </a:ext>
+                  </a:extLst>
+                </a:gridCol>
+              </a:tblGrid>
+              <a:tr h="370840">
+                <a:tc>
+                  <a:txBody>
+                    <a:bodyPr/>
+                    <a:lstStyle/>
+                    <a:p>
+                      <a:r>
+                        <a:rPr lang="en-US" dirty="0"/>
+                        <a:t>Primitive</a:t>
+                      </a:r>
+                    </a:p>
+                  </a:txBody>
+                  <a:tcPr/>
+                </a:tc>
+                <a:tc>
+                  <a:txBody>
+                    <a:bodyPr/>
+                    <a:lstStyle/>
+                    <a:p>
+                      <a:r>
+                        <a:rPr lang="en-US" dirty="0"/>
+                        <a:t>What</a:t>
+                      </a:r>
+                    </a:p>
+                  </a:txBody>
+                  <a:tcPr/>
+                </a:tc>
+                <a:tc>
+                  <a:txBody>
+                    <a:bodyPr/>
+                    <a:lstStyle/>
+                    <a:p>
+                      <a:r>
+                        <a:rPr lang="en-US" dirty="0"/>
+                        <a:t>Link</a:t>
+                      </a:r>
+                    </a:p>
+                  </a:txBody>
+                  <a:tcPr/>
+                </a:tc>
+                <a:extLst>
+                  <a:ext uri="{0D108BD9-81ED-4DB2-BD59-A6C34878D82A}">
+                    <a16:rowId xmlns:a16="http://schemas.microsoft.com/office/drawing/2014/main" val="2258720979"/>
+                  </a:ext>
+                </a:extLst>
+              </a:tr>
+              <a:tr h="370840">
+                <a:tc>
+                  <a:txBody>
+                    <a:bodyPr/>
+                    <a:lstStyle/>
+                    <a:p>
+                      <a:r>
+                        <a:rPr lang="en-US" sz="2400" dirty="0"/>
+                        <a:t>a-scene</a:t>
+                      </a:r>
+                    </a:p>
+                  </a:txBody>
+                  <a:tcPr/>
+                </a:tc>
+                <a:tc>
+                  <a:txBody>
+                    <a:bodyPr/>
+                    <a:lstStyle/>
+                    <a:p>
+                      <a:r>
+                        <a:rPr lang="en-US" sz="2400" dirty="0"/>
+                        <a:t>Global root object contains all entities </a:t>
+                      </a:r>
+                    </a:p>
+                  </a:txBody>
+                  <a:tcPr/>
+                </a:tc>
+                <a:tc>
+                  <a:txBody>
+                    <a:bodyPr/>
+                    <a:lstStyle/>
+                    <a:p>
+                      <a:pPr marL="0" marR="0" lvl="0" indent="0" algn="l" defTabSz="914400" rtl="0" eaLnBrk="1" fontAlgn="auto" latinLnBrk="0" hangingPunct="1">
+                        <a:lnSpc>
+                          <a:spcPct val="100000"/>
+                        </a:lnSpc>
+                        <a:spcBef>
+                          <a:spcPts val="0"/>
+                        </a:spcBef>
+                        <a:spcAft>
+                          <a:spcPts val="0"/>
+                        </a:spcAft>
+                        <a:buClrTx/>
+                        <a:buSzTx/>
+                        <a:buFontTx/>
+                        <a:buNone/>
+                        <a:tabLst/>
+                        <a:defRPr/>
+                      </a:pPr>
+                      <a:r>
+                        <a:rPr lang="en-US" sz="2400" dirty="0"/>
+                        <a:t>https://aframe.io/docs/1.4.0/core/scene.html</a:t>
+                      </a:r>
+                    </a:p>
+                  </a:txBody>
+                  <a:tcPr/>
+                </a:tc>
+                <a:extLst>
+                  <a:ext uri="{0D108BD9-81ED-4DB2-BD59-A6C34878D82A}">
+                    <a16:rowId xmlns:a16="http://schemas.microsoft.com/office/drawing/2014/main" val="3004776711"/>
+                  </a:ext>
+                </a:extLst>
+              </a:tr>
+              <a:tr h="370840">
+                <a:tc>
+                  <a:txBody>
+                    <a:bodyPr/>
+                    <a:lstStyle/>
+                    <a:p>
+                      <a:r>
+                        <a:rPr lang="en-US" sz="2400" dirty="0"/>
+                        <a:t>a-text</a:t>
+                      </a:r>
+                    </a:p>
+                  </a:txBody>
+                  <a:tcPr/>
+                </a:tc>
+                <a:tc>
+                  <a:txBody>
+                    <a:bodyPr/>
+                    <a:lstStyle/>
+                    <a:p>
+                      <a:r>
+                        <a:rPr lang="en-US" sz="2400" dirty="0"/>
+                        <a:t>Text</a:t>
+                      </a:r>
+                    </a:p>
+                  </a:txBody>
+                  <a:tcPr/>
+                </a:tc>
+                <a:tc>
+                  <a:txBody>
+                    <a:bodyPr/>
+                    <a:lstStyle/>
+                    <a:p>
+                      <a:r>
+                        <a:rPr lang="en-US" sz="2400" dirty="0"/>
+                        <a:t>https://aframe.io/docs/1.4.0/primitives/a-text.html</a:t>
+                      </a:r>
+                    </a:p>
+                  </a:txBody>
+                  <a:tcPr/>
+                </a:tc>
+                <a:extLst>
+                  <a:ext uri="{0D108BD9-81ED-4DB2-BD59-A6C34878D82A}">
+                    <a16:rowId xmlns:a16="http://schemas.microsoft.com/office/drawing/2014/main" val="3764464277"/>
+                  </a:ext>
+                </a:extLst>
+              </a:tr>
+              <a:tr h="370840">
+                <a:tc>
+                  <a:txBody>
+                    <a:bodyPr/>
+                    <a:lstStyle/>
+                    <a:p>
+                      <a:r>
+                        <a:rPr lang="en-US" sz="2400" dirty="0"/>
+                        <a:t>a-box</a:t>
+                      </a:r>
+                    </a:p>
+                  </a:txBody>
+                  <a:tcPr/>
+                </a:tc>
+                <a:tc>
+                  <a:txBody>
+                    <a:bodyPr/>
+                    <a:lstStyle/>
+                    <a:p>
+                      <a:r>
+                        <a:rPr lang="en-US" sz="2400" dirty="0"/>
+                        <a:t>3D Box</a:t>
+                      </a:r>
+                    </a:p>
+                  </a:txBody>
+                  <a:tcPr/>
+                </a:tc>
+                <a:tc>
+                  <a:txBody>
+                    <a:bodyPr/>
+                    <a:lstStyle/>
+                    <a:p>
+                      <a:r>
+                        <a:rPr lang="en-US" sz="2400" dirty="0"/>
+                        <a:t>https://aframe.io/docs/1.4.0/primitives/a-box.html</a:t>
+                      </a:r>
+                    </a:p>
+                  </a:txBody>
+                  <a:tcPr/>
+                </a:tc>
+                <a:extLst>
+                  <a:ext uri="{0D108BD9-81ED-4DB2-BD59-A6C34878D82A}">
+                    <a16:rowId xmlns:a16="http://schemas.microsoft.com/office/drawing/2014/main" val="2308483662"/>
+                  </a:ext>
+                </a:extLst>
+              </a:tr>
+              <a:tr h="370840">
+                <a:tc>
+                  <a:txBody>
+                    <a:bodyPr/>
+                    <a:lstStyle/>
+                    <a:p>
+                      <a:r>
+                        <a:rPr lang="en-US" sz="2400" dirty="0"/>
+                        <a:t>a-cylinder </a:t>
+                      </a:r>
+                    </a:p>
+                  </a:txBody>
+                  <a:tcPr/>
+                </a:tc>
+                <a:tc>
+                  <a:txBody>
+                    <a:bodyPr/>
+                    <a:lstStyle/>
+                    <a:p>
+                      <a:r>
+                        <a:rPr lang="en-US" sz="2400" dirty="0"/>
+                        <a:t>3D cylinder</a:t>
+                      </a:r>
+                    </a:p>
+                  </a:txBody>
+                  <a:tcPr/>
+                </a:tc>
+                <a:tc>
+                  <a:txBody>
+                    <a:bodyPr/>
+                    <a:lstStyle/>
+                    <a:p>
+                      <a:r>
+                        <a:rPr lang="en-US" sz="2400" dirty="0"/>
+                        <a:t>https://aframe.io/docs/1.5.0/primitives/a-cylinder.html</a:t>
+                      </a:r>
+                    </a:p>
+                  </a:txBody>
+                  <a:tcPr/>
+                </a:tc>
+                <a:extLst>
+                  <a:ext uri="{0D108BD9-81ED-4DB2-BD59-A6C34878D82A}">
+                    <a16:rowId xmlns:a16="http://schemas.microsoft.com/office/drawing/2014/main" val="4261858362"/>
+                  </a:ext>
+                </a:extLst>
+              </a:tr>
+              <a:tr h="370840">
+                <a:tc>
+                  <a:txBody>
+                    <a:bodyPr/>
+                    <a:lstStyle/>
+                    <a:p>
+                      <a:r>
+                        <a:rPr lang="en-US" sz="2400" dirty="0"/>
+                        <a:t>a-plane</a:t>
+                      </a:r>
+                    </a:p>
+                  </a:txBody>
+                  <a:tcPr/>
+                </a:tc>
+                <a:tc>
+                  <a:txBody>
+                    <a:bodyPr/>
+                    <a:lstStyle/>
+                    <a:p>
+                      <a:r>
+                        <a:rPr lang="en-US" sz="2400" dirty="0"/>
+                        <a:t>2D plane</a:t>
+                      </a:r>
+                    </a:p>
+                  </a:txBody>
+                  <a:tcPr/>
+                </a:tc>
+                <a:tc>
+                  <a:txBody>
+                    <a:bodyPr/>
+                    <a:lstStyle/>
+                    <a:p>
+                      <a:r>
+                        <a:rPr lang="en-US" sz="2400" dirty="0"/>
+                        <a:t>https://aframe.io/docs/1.5.0/primitives/a-plane.html</a:t>
+                      </a:r>
+                    </a:p>
+                  </a:txBody>
+                  <a:tcPr/>
+                </a:tc>
+                <a:extLst>
+                  <a:ext uri="{0D108BD9-81ED-4DB2-BD59-A6C34878D82A}">
+                    <a16:rowId xmlns:a16="http://schemas.microsoft.com/office/drawing/2014/main" val="914741282"/>
+                  </a:ext>
+                </a:extLst>
+              </a:tr>
+              <a:tr h="370840">
+                <a:tc>
+                  <a:txBody>
+                    <a:bodyPr/>
+                    <a:lstStyle/>
+                    <a:p>
+                      <a:r>
+                        <a:rPr lang="en-US" sz="2400" dirty="0"/>
+                        <a:t>a-sphere</a:t>
+                      </a:r>
+                    </a:p>
+                  </a:txBody>
+                  <a:tcPr/>
+                </a:tc>
+                <a:tc>
+                  <a:txBody>
+                    <a:bodyPr/>
+                    <a:lstStyle/>
+                    <a:p>
+                      <a:r>
+                        <a:rPr lang="en-US" sz="2400" dirty="0"/>
+                        <a:t>3D Sphere</a:t>
+                      </a:r>
+                    </a:p>
+                  </a:txBody>
+                  <a:tcPr/>
+                </a:tc>
+                <a:tc>
+                  <a:txBody>
+                    <a:bodyPr/>
+                    <a:lstStyle/>
+                    <a:p>
+                      <a:r>
+                        <a:rPr lang="en-US" sz="2400" dirty="0"/>
+                        <a:t>https://aframe.io/docs/1.4.0/primitives/a-sphere.html</a:t>
+                      </a:r>
+                    </a:p>
+                  </a:txBody>
+                  <a:tcPr/>
+                </a:tc>
+                <a:extLst>
+                  <a:ext uri="{0D108BD9-81ED-4DB2-BD59-A6C34878D82A}">
+                    <a16:rowId xmlns:a16="http://schemas.microsoft.com/office/drawing/2014/main" val="1058105725"/>
+                  </a:ext>
+                </a:extLst>
+              </a:tr>
+            </a:tbl>
+          </a:graphicData>
+        </a:graphic>
+      </p:graphicFrame>
+    </p:spTree>
+    <p:extLst>
+      <p:ext uri="{BB962C8B-B14F-4D97-AF65-F5344CB8AC3E}">
+        <p14:creationId xmlns:p14="http://schemas.microsoft.com/office/powerpoint/2010/main" val="2474904001"/>
+      </p:ext>
+    </p:extLst>
+  </p:cSld>
+  <p:clrMapOvr>
+    <a:masterClrMapping/>
+  </p:clrMapOvr>
+</p:sld>
+</file>
+
+<file path=ppt/slides/slide6.xml><?xml version="1.0" encoding="utf-8"?>
+<p:sld xmlns:a="http://schemas.openxmlformats.org/drawingml/2006/main" xmlns:r="http://schemas.openxmlformats.org/officeDocument/2006/relationships" xmlns:p="http://schemas.openxmlformats.org/presentationml/2006/main">
+  <p:cSld>
+    <p:spTree>
+      <p:nvGrpSpPr>
+        <p:cNvPr id="1" name=""/>
+        <p:cNvGrpSpPr/>
+        <p:nvPr/>
+      </p:nvGrpSpPr>
+      <p:grpSpPr>
+        <a:xfrm>
+          <a:off x="0" y="0"/>
+          <a:ext cx="0" cy="0"/>
+          <a:chOff x="0" y="0"/>
+          <a:chExt cx="0" cy="0"/>
+        </a:xfrm>
+      </p:grpSpPr>
+      <p:sp>
+        <p:nvSpPr>
+          <p:cNvPr id="2" name="Title 1">
+            <a:extLst>
+              <a:ext uri="{FF2B5EF4-FFF2-40B4-BE49-F238E27FC236}">
+                <a16:creationId xmlns:a16="http://schemas.microsoft.com/office/drawing/2014/main" id="{474B9155-D35B-C848-17BB-F51527874F46}"/>
+              </a:ext>
+            </a:extLst>
+          </p:cNvPr>
+          <p:cNvSpPr>
+            <a:spLocks noGrp="1"/>
+          </p:cNvSpPr>
+          <p:nvPr>
+            <p:ph type="title"/>
+          </p:nvPr>
+        </p:nvSpPr>
+        <p:spPr/>
+        <p:txBody>
+          <a:bodyPr/>
+          <a:lstStyle/>
+          <a:p>
+            <a:r>
+              <a:rPr lang="en-US" dirty="0">
+                <a:solidFill>
+                  <a:srgbClr val="0070C0"/>
+                </a:solidFill>
+              </a:rPr>
+              <a:t>Geometric terms</a:t>
+            </a:r>
+          </a:p>
+        </p:txBody>
+      </p:sp>
+      <p:sp>
+        <p:nvSpPr>
+          <p:cNvPr id="3" name="Content Placeholder 2">
+            <a:extLst>
+              <a:ext uri="{FF2B5EF4-FFF2-40B4-BE49-F238E27FC236}">
+                <a16:creationId xmlns:a16="http://schemas.microsoft.com/office/drawing/2014/main" id="{4BEC752A-9015-7C62-6AE4-AEB20169DA17}"/>
+              </a:ext>
+            </a:extLst>
+          </p:cNvPr>
+          <p:cNvSpPr>
+            <a:spLocks noGrp="1"/>
+          </p:cNvSpPr>
+          <p:nvPr>
+            <p:ph idx="1"/>
+          </p:nvPr>
+        </p:nvSpPr>
+        <p:spPr/>
+        <p:txBody>
+          <a:bodyPr/>
+          <a:lstStyle/>
+          <a:p>
+            <a:pPr marL="0" indent="0">
+              <a:buNone/>
+            </a:pPr>
+            <a:endParaRPr lang="en-US" dirty="0"/>
+          </a:p>
+          <a:p>
+            <a:pPr marL="0" indent="0">
+              <a:buNone/>
+            </a:pPr>
+            <a:r>
+              <a:rPr lang="en-US" dirty="0"/>
+              <a:t>Mesh or geometry</a:t>
+            </a:r>
+          </a:p>
+          <a:p>
+            <a:pPr marL="0" indent="0">
+              <a:buNone/>
+            </a:pPr>
+            <a:r>
+              <a:rPr lang="en-US" dirty="0"/>
+              <a:t>         Vertices, edges and faces defining a 3D object</a:t>
+            </a:r>
+          </a:p>
+          <a:p>
+            <a:pPr marL="0" indent="0">
+              <a:buNone/>
+            </a:pPr>
+            <a:endParaRPr lang="en-US" dirty="0"/>
+          </a:p>
+          <a:p>
+            <a:pPr marL="0" indent="0">
+              <a:buNone/>
+            </a:pPr>
+            <a:r>
+              <a:rPr lang="en-US" dirty="0"/>
+              <a:t>Texture</a:t>
+            </a:r>
+          </a:p>
+          <a:p>
+            <a:pPr marL="0" indent="0">
+              <a:buNone/>
+            </a:pPr>
+            <a:r>
+              <a:rPr lang="en-US" dirty="0"/>
+              <a:t>         Color and appearance of a surface</a:t>
+            </a:r>
+          </a:p>
+          <a:p>
+            <a:pPr marL="0" indent="0">
+              <a:buNone/>
+            </a:pPr>
+            <a:endParaRPr lang="en-US" dirty="0"/>
+          </a:p>
+          <a:p>
+            <a:pPr marL="0" indent="0">
+              <a:buNone/>
+            </a:pPr>
+            <a:r>
+              <a:rPr lang="en-US" dirty="0"/>
+              <a:t>Full representation: mesh and texture</a:t>
+            </a:r>
+          </a:p>
+          <a:p>
+            <a:pPr marL="0" indent="0">
+              <a:buNone/>
+            </a:pPr>
+            <a:endParaRPr lang="en-US" dirty="0"/>
+          </a:p>
+        </p:txBody>
+      </p:sp>
+    </p:spTree>
+    <p:extLst>
+      <p:ext uri="{BB962C8B-B14F-4D97-AF65-F5344CB8AC3E}">
+        <p14:creationId xmlns:p14="http://schemas.microsoft.com/office/powerpoint/2010/main" val="331694600"/>
+      </p:ext>
+    </p:extLst>
+  </p:cSld>
+  <p:clrMapOvr>
+    <a:masterClrMapping/>
+  </p:clrMapOvr>
+</p:sld>
+</file>
+
+<file path=ppt/slides/slide7.xml><?xml version="1.0" encoding="utf-8"?>
+<p:sld xmlns:a="http://schemas.openxmlformats.org/drawingml/2006/main" xmlns:r="http://schemas.openxmlformats.org/officeDocument/2006/relationships" xmlns:p="http://schemas.openxmlformats.org/presentationml/2006/main">
+  <p:cSld>
+    <p:spTree>
+      <p:nvGrpSpPr>
+        <p:cNvPr id="1" name=""/>
+        <p:cNvGrpSpPr/>
+        <p:nvPr/>
+      </p:nvGrpSpPr>
+      <p:grpSpPr>
+        <a:xfrm>
+          <a:off x="0" y="0"/>
+          <a:ext cx="0" cy="0"/>
+          <a:chOff x="0" y="0"/>
+          <a:chExt cx="0" cy="0"/>
+        </a:xfrm>
+      </p:grpSpPr>
+      <p:sp>
+        <p:nvSpPr>
+          <p:cNvPr id="2" name="Title 1">
+            <a:extLst>
+              <a:ext uri="{FF2B5EF4-FFF2-40B4-BE49-F238E27FC236}">
+                <a16:creationId xmlns:a16="http://schemas.microsoft.com/office/drawing/2014/main" id="{86A57BC5-3FDD-1DAF-88C5-EAEC45FEF576}"/>
+              </a:ext>
+            </a:extLst>
+          </p:cNvPr>
+          <p:cNvSpPr>
+            <a:spLocks noGrp="1"/>
+          </p:cNvSpPr>
+          <p:nvPr>
+            <p:ph type="title"/>
+          </p:nvPr>
+        </p:nvSpPr>
+        <p:spPr/>
+        <p:txBody>
+          <a:bodyPr/>
+          <a:lstStyle/>
+          <a:p>
+            <a:r>
+              <a:rPr lang="en-US" dirty="0"/>
+              <a:t>Pre-defined A-Frame geometries </a:t>
+            </a:r>
+          </a:p>
+        </p:txBody>
+      </p:sp>
+      <p:sp>
+        <p:nvSpPr>
+          <p:cNvPr id="3" name="Content Placeholder 2">
+            <a:extLst>
+              <a:ext uri="{FF2B5EF4-FFF2-40B4-BE49-F238E27FC236}">
+                <a16:creationId xmlns:a16="http://schemas.microsoft.com/office/drawing/2014/main" id="{D4698390-75C6-9012-6E4C-1D6177CC45BA}"/>
+              </a:ext>
+            </a:extLst>
+          </p:cNvPr>
+          <p:cNvSpPr>
+            <a:spLocks noGrp="1"/>
+          </p:cNvSpPr>
+          <p:nvPr>
+            <p:ph idx="1"/>
+          </p:nvPr>
+        </p:nvSpPr>
+        <p:spPr/>
+        <p:txBody>
+          <a:bodyPr/>
+          <a:lstStyle/>
+          <a:p>
+            <a:pPr marL="0" indent="0">
+              <a:buNone/>
+            </a:pPr>
+            <a:endParaRPr lang="en-US" dirty="0"/>
+          </a:p>
+          <a:p>
+            <a:pPr marL="0" indent="0">
+              <a:buNone/>
+            </a:pPr>
+            <a:endParaRPr lang="en-US" dirty="0"/>
+          </a:p>
+          <a:p>
+            <a:pPr marL="0" indent="0">
+              <a:buNone/>
+            </a:pPr>
+            <a:endParaRPr lang="en-US" dirty="0"/>
+          </a:p>
+        </p:txBody>
+      </p:sp>
+      <p:pic>
+        <p:nvPicPr>
+          <p:cNvPr id="5" name="Picture 4">
+            <a:extLst>
+              <a:ext uri="{FF2B5EF4-FFF2-40B4-BE49-F238E27FC236}">
+                <a16:creationId xmlns:a16="http://schemas.microsoft.com/office/drawing/2014/main" id="{E0ABA5CA-1762-AD6A-A287-464540917C0D}"/>
+              </a:ext>
+            </a:extLst>
+          </p:cNvPr>
+          <p:cNvPicPr>
+            <a:picLocks noChangeAspect="1"/>
+          </p:cNvPicPr>
+          <p:nvPr/>
+        </p:nvPicPr>
+        <p:blipFill>
+          <a:blip r:embed="rId3"/>
+          <a:stretch>
+            <a:fillRect/>
+          </a:stretch>
+        </p:blipFill>
+        <p:spPr>
+          <a:xfrm>
+            <a:off x="506027" y="2270341"/>
+            <a:ext cx="10447594" cy="4431220"/>
+          </a:xfrm>
+          <a:prstGeom prst="rect">
+            <a:avLst/>
+          </a:prstGeom>
+        </p:spPr>
+      </p:pic>
+    </p:spTree>
+    <p:extLst>
+      <p:ext uri="{BB962C8B-B14F-4D97-AF65-F5344CB8AC3E}">
+        <p14:creationId xmlns:p14="http://schemas.microsoft.com/office/powerpoint/2010/main" val="2035281295"/>
+      </p:ext>
+    </p:extLst>
+  </p:cSld>
+  <p:clrMapOvr>
+    <a:masterClrMapping/>
+  </p:clrMapOvr>
+</p:sld>
+</file>
+
+<file path=ppt/slides/slide8.xml><?xml version="1.0" encoding="utf-8"?>
+<p:sld xmlns:a="http://schemas.openxmlformats.org/drawingml/2006/main" xmlns:r="http://schemas.openxmlformats.org/officeDocument/2006/relationships" xmlns:p="http://schemas.openxmlformats.org/presentationml/2006/main">
+  <p:cSld>
+    <p:spTree>
+      <p:nvGrpSpPr>
+        <p:cNvPr id="1" name=""/>
+        <p:cNvGrpSpPr/>
+        <p:nvPr/>
+      </p:nvGrpSpPr>
+      <p:grpSpPr>
+        <a:xfrm>
+          <a:off x="0" y="0"/>
+          <a:ext cx="0" cy="0"/>
+          <a:chOff x="0" y="0"/>
+          <a:chExt cx="0" cy="0"/>
+        </a:xfrm>
+      </p:grpSpPr>
+      <p:sp>
+        <p:nvSpPr>
+          <p:cNvPr id="2" name="Title 1">
+            <a:extLst>
+              <a:ext uri="{FF2B5EF4-FFF2-40B4-BE49-F238E27FC236}">
+                <a16:creationId xmlns:a16="http://schemas.microsoft.com/office/drawing/2014/main" id="{E745A866-15E2-DE3C-5CE2-86809B89384A}"/>
+              </a:ext>
+            </a:extLst>
+          </p:cNvPr>
+          <p:cNvSpPr>
+            <a:spLocks noGrp="1"/>
+          </p:cNvSpPr>
+          <p:nvPr>
+            <p:ph type="title"/>
+          </p:nvPr>
+        </p:nvSpPr>
+        <p:spPr/>
+        <p:txBody>
+          <a:bodyPr/>
+          <a:lstStyle/>
+          <a:p>
+            <a:r>
+              <a:rPr lang="en-US" dirty="0">
+                <a:solidFill>
+                  <a:srgbClr val="0070C0"/>
+                </a:solidFill>
+              </a:rPr>
+              <a:t>Textures</a:t>
+            </a:r>
+          </a:p>
+        </p:txBody>
+      </p:sp>
+      <p:sp>
+        <p:nvSpPr>
+          <p:cNvPr id="3" name="Content Placeholder 2">
+            <a:extLst>
+              <a:ext uri="{FF2B5EF4-FFF2-40B4-BE49-F238E27FC236}">
+                <a16:creationId xmlns:a16="http://schemas.microsoft.com/office/drawing/2014/main" id="{0043848A-4F1B-16BA-1750-A6ACDC7FE72A}"/>
+              </a:ext>
+            </a:extLst>
+          </p:cNvPr>
+          <p:cNvSpPr>
+            <a:spLocks noGrp="1"/>
+          </p:cNvSpPr>
+          <p:nvPr>
+            <p:ph idx="1"/>
+          </p:nvPr>
+        </p:nvSpPr>
+        <p:spPr/>
+        <p:txBody>
+          <a:bodyPr>
+            <a:normAutofit/>
+          </a:bodyPr>
+          <a:lstStyle/>
+          <a:p>
+            <a:pPr marL="0" indent="0">
+              <a:buNone/>
+            </a:pPr>
+            <a:r>
+              <a:rPr lang="en-US" sz="2400" dirty="0"/>
+              <a:t>Another tab</a:t>
+            </a:r>
+          </a:p>
+          <a:p>
+            <a:pPr marL="0" indent="0">
+              <a:buNone/>
+            </a:pPr>
+            <a:endParaRPr lang="en-US" sz="2400" dirty="0"/>
+          </a:p>
+          <a:p>
+            <a:pPr marL="0" indent="0">
+              <a:buNone/>
+            </a:pPr>
+            <a:r>
+              <a:rPr lang="en-US" sz="2400" dirty="0">
+                <a:hlinkClick r:id="rId2"/>
+              </a:rPr>
+              <a:t>https://github.com/aframevr/sample-assets/tree/master/assets/images</a:t>
+            </a:r>
+            <a:endParaRPr lang="en-US" sz="2400" dirty="0"/>
+          </a:p>
+          <a:p>
+            <a:pPr marL="0" indent="0">
+              <a:buNone/>
+            </a:pPr>
+            <a:endParaRPr lang="en-US" sz="2400" dirty="0"/>
+          </a:p>
+          <a:p>
+            <a:pPr marL="0" indent="0">
+              <a:buNone/>
+            </a:pPr>
+            <a:endParaRPr lang="en-US" sz="2400" dirty="0"/>
+          </a:p>
+          <a:p>
+            <a:pPr marL="0" indent="0">
+              <a:buNone/>
+            </a:pPr>
+            <a:r>
+              <a:rPr lang="en-US" sz="2400" dirty="0"/>
+              <a:t>Make our own </a:t>
+            </a:r>
+            <a:r>
+              <a:rPr lang="en-US" sz="2400" dirty="0" err="1"/>
+              <a:t>src</a:t>
+            </a:r>
+            <a:r>
+              <a:rPr lang="en-US" sz="2400" dirty="0"/>
+              <a:t>=“…”</a:t>
+            </a:r>
+          </a:p>
+        </p:txBody>
+      </p:sp>
+    </p:spTree>
+    <p:extLst>
+      <p:ext uri="{BB962C8B-B14F-4D97-AF65-F5344CB8AC3E}">
+        <p14:creationId xmlns:p14="http://schemas.microsoft.com/office/powerpoint/2010/main" val="3508056237"/>
+      </p:ext>
+    </p:extLst>
+  </p:cSld>
+  <p:clrMapOvr>
+    <a:masterClrMapping/>
+  </p:clrMapOvr>
+</p:sld>
+</file>
+
+<file path=ppt/slides/slide9.xml><?xml version="1.0" encoding="utf-8"?>
 <p:sld xmlns:a="http://schemas.openxmlformats.org/drawingml/2006/main" xmlns:r="http://schemas.openxmlformats.org/officeDocument/2006/relationships" xmlns:p="http://schemas.openxmlformats.org/presentationml/2006/main">
   <p:cSld>
     <p:spTree>
@@ -4538,3765 +8287,6 @@
     <p:extLst>
       <p:ext uri="{BB962C8B-B14F-4D97-AF65-F5344CB8AC3E}">
         <p14:creationId xmlns:p14="http://schemas.microsoft.com/office/powerpoint/2010/main" val="1607885500"/>
-      </p:ext>
-    </p:extLst>
-  </p:cSld>
-  <p:clrMapOvr>
-    <a:masterClrMapping/>
-  </p:clrMapOvr>
-</p:sld>
-</file>
-
-<file path=ppt/slides/slide11.xml><?xml version="1.0" encoding="utf-8"?>
-<p:sld xmlns:a="http://schemas.openxmlformats.org/drawingml/2006/main" xmlns:r="http://schemas.openxmlformats.org/officeDocument/2006/relationships" xmlns:p="http://schemas.openxmlformats.org/presentationml/2006/main">
-  <p:cSld>
-    <p:spTree>
-      <p:nvGrpSpPr>
-        <p:cNvPr id="1" name=""/>
-        <p:cNvGrpSpPr/>
-        <p:nvPr/>
-      </p:nvGrpSpPr>
-      <p:grpSpPr>
-        <a:xfrm>
-          <a:off x="0" y="0"/>
-          <a:ext cx="0" cy="0"/>
-          <a:chOff x="0" y="0"/>
-          <a:chExt cx="0" cy="0"/>
-        </a:xfrm>
-      </p:grpSpPr>
-      <p:sp>
-        <p:nvSpPr>
-          <p:cNvPr id="2" name="Title 1">
-            <a:extLst>
-              <a:ext uri="{FF2B5EF4-FFF2-40B4-BE49-F238E27FC236}">
-                <a16:creationId xmlns:a16="http://schemas.microsoft.com/office/drawing/2014/main" id="{2E3AF7C0-61C7-630C-2CFE-867FCA196582}"/>
-              </a:ext>
-            </a:extLst>
-          </p:cNvPr>
-          <p:cNvSpPr>
-            <a:spLocks noGrp="1"/>
-          </p:cNvSpPr>
-          <p:nvPr>
-            <p:ph type="title"/>
-          </p:nvPr>
-        </p:nvSpPr>
-        <p:spPr/>
-        <p:txBody>
-          <a:bodyPr/>
-          <a:lstStyle/>
-          <a:p>
-            <a:r>
-              <a:rPr lang="en-US" b="1" dirty="0">
-                <a:solidFill>
-                  <a:srgbClr val="0070C0"/>
-                </a:solidFill>
-              </a:rPr>
-              <a:t>A-box</a:t>
-            </a:r>
-          </a:p>
-        </p:txBody>
-      </p:sp>
-      <p:sp>
-        <p:nvSpPr>
-          <p:cNvPr id="3" name="Content Placeholder 2">
-            <a:extLst>
-              <a:ext uri="{FF2B5EF4-FFF2-40B4-BE49-F238E27FC236}">
-                <a16:creationId xmlns:a16="http://schemas.microsoft.com/office/drawing/2014/main" id="{6AAC67BA-BB43-8852-DE38-9E906D9918E4}"/>
-              </a:ext>
-            </a:extLst>
-          </p:cNvPr>
-          <p:cNvSpPr>
-            <a:spLocks noGrp="1"/>
-          </p:cNvSpPr>
-          <p:nvPr>
-            <p:ph idx="1"/>
-          </p:nvPr>
-        </p:nvSpPr>
-        <p:spPr/>
-        <p:txBody>
-          <a:bodyPr>
-            <a:normAutofit fontScale="92500" lnSpcReduction="20000"/>
-          </a:bodyPr>
-          <a:lstStyle/>
-          <a:p>
-            <a:pPr marL="0" indent="0">
-              <a:buNone/>
-            </a:pPr>
-            <a:r>
-              <a:rPr lang="en-US" dirty="0"/>
-              <a:t>&lt;html&gt;</a:t>
-            </a:r>
-          </a:p>
-          <a:p>
-            <a:pPr marL="0" indent="0">
-              <a:buNone/>
-            </a:pPr>
-            <a:r>
-              <a:rPr lang="en-US" dirty="0"/>
-              <a:t>  &lt;head&gt;</a:t>
-            </a:r>
-          </a:p>
-          <a:p>
-            <a:pPr marL="0" indent="0">
-              <a:buNone/>
-            </a:pPr>
-            <a:r>
-              <a:rPr lang="en-US" dirty="0"/>
-              <a:t>    &lt;script </a:t>
-            </a:r>
-            <a:r>
-              <a:rPr lang="en-US" dirty="0" err="1"/>
-              <a:t>src</a:t>
-            </a:r>
-            <a:r>
-              <a:rPr lang="en-US" dirty="0"/>
-              <a:t>="https://aframe.io/releases/1.4.1/aframe.min.js"&gt;&lt;/script&gt;</a:t>
-            </a:r>
-          </a:p>
-          <a:p>
-            <a:pPr marL="0" indent="0">
-              <a:buNone/>
-            </a:pPr>
-            <a:r>
-              <a:rPr lang="en-US" dirty="0"/>
-              <a:t>  &lt;/head&gt;</a:t>
-            </a:r>
-          </a:p>
-          <a:p>
-            <a:pPr marL="0" indent="0">
-              <a:buNone/>
-            </a:pPr>
-            <a:r>
-              <a:rPr lang="en-US" dirty="0"/>
-              <a:t>  &lt;body&gt;</a:t>
-            </a:r>
-          </a:p>
-          <a:p>
-            <a:pPr marL="0" indent="0">
-              <a:buNone/>
-            </a:pPr>
-            <a:r>
-              <a:rPr lang="en-US" dirty="0"/>
-              <a:t>    &lt;a-scene&gt;</a:t>
-            </a:r>
-          </a:p>
-          <a:p>
-            <a:pPr marL="0" indent="0">
-              <a:buNone/>
-            </a:pPr>
-            <a:r>
-              <a:rPr lang="en-US" dirty="0"/>
-              <a:t>      </a:t>
-            </a:r>
-            <a:r>
-              <a:rPr lang="en-US" b="1" dirty="0">
-                <a:solidFill>
-                  <a:srgbClr val="0070C0"/>
-                </a:solidFill>
-              </a:rPr>
-              <a:t>&lt;a-box position="</a:t>
-            </a:r>
-            <a:r>
-              <a:rPr lang="en-US" dirty="0">
-                <a:solidFill>
-                  <a:srgbClr val="FF0000"/>
-                </a:solidFill>
-              </a:rPr>
-              <a:t>1.5   </a:t>
-            </a:r>
-            <a:r>
-              <a:rPr lang="en-US" dirty="0">
-                <a:solidFill>
-                  <a:srgbClr val="7030A0"/>
-                </a:solidFill>
-              </a:rPr>
-              <a:t>1</a:t>
-            </a:r>
-            <a:r>
-              <a:rPr lang="en-US" dirty="0"/>
-              <a:t>   </a:t>
-            </a:r>
-            <a:r>
-              <a:rPr lang="en-US" dirty="0">
-                <a:solidFill>
-                  <a:schemeClr val="accent1"/>
-                </a:solidFill>
-              </a:rPr>
-              <a:t>-2.0</a:t>
-            </a:r>
-            <a:r>
-              <a:rPr lang="en-US" b="1" dirty="0">
-                <a:solidFill>
-                  <a:srgbClr val="0070C0"/>
-                </a:solidFill>
-              </a:rPr>
-              <a:t>" color=“red"&gt;&lt;/a-box&gt;</a:t>
-            </a:r>
-          </a:p>
-          <a:p>
-            <a:pPr marL="0" indent="0">
-              <a:buNone/>
-            </a:pPr>
-            <a:r>
-              <a:rPr lang="en-US" dirty="0"/>
-              <a:t>    &lt;/a-scene&gt;</a:t>
-            </a:r>
-          </a:p>
-          <a:p>
-            <a:pPr marL="0" indent="0">
-              <a:buNone/>
-            </a:pPr>
-            <a:r>
-              <a:rPr lang="en-US" dirty="0"/>
-              <a:t>  &lt;/body&gt;</a:t>
-            </a:r>
-          </a:p>
-          <a:p>
-            <a:pPr marL="0" indent="0">
-              <a:buNone/>
-            </a:pPr>
-            <a:r>
-              <a:rPr lang="en-US" dirty="0"/>
-              <a:t>&lt;/html&gt;</a:t>
-            </a:r>
-          </a:p>
-          <a:p>
-            <a:pPr marL="0" indent="0">
-              <a:buNone/>
-            </a:pPr>
-            <a:endParaRPr lang="en-US" dirty="0"/>
-          </a:p>
-        </p:txBody>
-      </p:sp>
-    </p:spTree>
-    <p:extLst>
-      <p:ext uri="{BB962C8B-B14F-4D97-AF65-F5344CB8AC3E}">
-        <p14:creationId xmlns:p14="http://schemas.microsoft.com/office/powerpoint/2010/main" val="524013220"/>
-      </p:ext>
-    </p:extLst>
-  </p:cSld>
-  <p:clrMapOvr>
-    <a:masterClrMapping/>
-  </p:clrMapOvr>
-</p:sld>
-</file>
-
-<file path=ppt/slides/slide12.xml><?xml version="1.0" encoding="utf-8"?>
-<p:sld xmlns:a="http://schemas.openxmlformats.org/drawingml/2006/main" xmlns:r="http://schemas.openxmlformats.org/officeDocument/2006/relationships" xmlns:p="http://schemas.openxmlformats.org/presentationml/2006/main">
-  <p:cSld>
-    <p:spTree>
-      <p:nvGrpSpPr>
-        <p:cNvPr id="1" name=""/>
-        <p:cNvGrpSpPr/>
-        <p:nvPr/>
-      </p:nvGrpSpPr>
-      <p:grpSpPr>
-        <a:xfrm>
-          <a:off x="0" y="0"/>
-          <a:ext cx="0" cy="0"/>
-          <a:chOff x="0" y="0"/>
-          <a:chExt cx="0" cy="0"/>
-        </a:xfrm>
-      </p:grpSpPr>
-      <p:sp>
-        <p:nvSpPr>
-          <p:cNvPr id="2" name="Title 1">
-            <a:extLst>
-              <a:ext uri="{FF2B5EF4-FFF2-40B4-BE49-F238E27FC236}">
-                <a16:creationId xmlns:a16="http://schemas.microsoft.com/office/drawing/2014/main" id="{B280A489-0DE0-2146-07AC-716FE366EB05}"/>
-              </a:ext>
-            </a:extLst>
-          </p:cNvPr>
-          <p:cNvSpPr>
-            <a:spLocks noGrp="1"/>
-          </p:cNvSpPr>
-          <p:nvPr>
-            <p:ph type="title"/>
-          </p:nvPr>
-        </p:nvSpPr>
-        <p:spPr/>
-        <p:txBody>
-          <a:bodyPr/>
-          <a:lstStyle/>
-          <a:p>
-            <a:r>
-              <a:rPr lang="en-US" dirty="0"/>
-              <a:t>Design/debug</a:t>
-            </a:r>
-          </a:p>
-        </p:txBody>
-      </p:sp>
-      <p:sp>
-        <p:nvSpPr>
-          <p:cNvPr id="4" name="Content Placeholder 3">
-            <a:extLst>
-              <a:ext uri="{FF2B5EF4-FFF2-40B4-BE49-F238E27FC236}">
-                <a16:creationId xmlns:a16="http://schemas.microsoft.com/office/drawing/2014/main" id="{66E58437-F02E-527F-5695-8726A6DF8F79}"/>
-              </a:ext>
-            </a:extLst>
-          </p:cNvPr>
-          <p:cNvSpPr txBox="1">
-            <a:spLocks noGrp="1"/>
-          </p:cNvSpPr>
-          <p:nvPr>
-            <p:ph idx="1"/>
-          </p:nvPr>
-        </p:nvSpPr>
-        <p:spPr>
-          <a:xfrm>
-            <a:off x="838200" y="1825625"/>
-            <a:ext cx="5818581" cy="480131"/>
-          </a:xfrm>
-          <a:prstGeom prst="rect">
-            <a:avLst/>
-          </a:prstGeom>
-          <a:noFill/>
-        </p:spPr>
-        <p:txBody>
-          <a:bodyPr wrap="none" rtlCol="0">
-            <a:spAutoFit/>
-          </a:bodyPr>
-          <a:lstStyle/>
-          <a:p>
-            <a:pPr marL="0" indent="0">
-              <a:buNone/>
-            </a:pPr>
-            <a:r>
-              <a:rPr lang="en-US" dirty="0">
-                <a:highlight>
-                  <a:srgbClr val="00FFFF"/>
-                </a:highlight>
-              </a:rPr>
-              <a:t>CTRL-ALT-I in browser</a:t>
-            </a:r>
-            <a:r>
-              <a:rPr lang="en-US" dirty="0"/>
-              <a:t>    for debugging</a:t>
-            </a:r>
-          </a:p>
-        </p:txBody>
-      </p:sp>
-      <p:pic>
-        <p:nvPicPr>
-          <p:cNvPr id="6" name="Picture 5">
-            <a:extLst>
-              <a:ext uri="{FF2B5EF4-FFF2-40B4-BE49-F238E27FC236}">
-                <a16:creationId xmlns:a16="http://schemas.microsoft.com/office/drawing/2014/main" id="{76C58D49-968F-F404-3361-8E985E5306EC}"/>
-              </a:ext>
-            </a:extLst>
-          </p:cNvPr>
-          <p:cNvPicPr>
-            <a:picLocks noChangeAspect="1"/>
-          </p:cNvPicPr>
-          <p:nvPr/>
-        </p:nvPicPr>
-        <p:blipFill>
-          <a:blip r:embed="rId2"/>
-          <a:stretch>
-            <a:fillRect/>
-          </a:stretch>
-        </p:blipFill>
-        <p:spPr>
-          <a:xfrm>
-            <a:off x="7276395" y="2909479"/>
-            <a:ext cx="3861612" cy="2754474"/>
-          </a:xfrm>
-          <a:prstGeom prst="rect">
-            <a:avLst/>
-          </a:prstGeom>
-        </p:spPr>
-      </p:pic>
-    </p:spTree>
-    <p:extLst>
-      <p:ext uri="{BB962C8B-B14F-4D97-AF65-F5344CB8AC3E}">
-        <p14:creationId xmlns:p14="http://schemas.microsoft.com/office/powerpoint/2010/main" val="1100561325"/>
-      </p:ext>
-    </p:extLst>
-  </p:cSld>
-  <p:clrMapOvr>
-    <a:masterClrMapping/>
-  </p:clrMapOvr>
-</p:sld>
-</file>
-
-<file path=ppt/slides/slide13.xml><?xml version="1.0" encoding="utf-8"?>
-<p:sld xmlns:a="http://schemas.openxmlformats.org/drawingml/2006/main" xmlns:r="http://schemas.openxmlformats.org/officeDocument/2006/relationships" xmlns:p="http://schemas.openxmlformats.org/presentationml/2006/main">
-  <p:cSld>
-    <p:spTree>
-      <p:nvGrpSpPr>
-        <p:cNvPr id="1" name=""/>
-        <p:cNvGrpSpPr/>
-        <p:nvPr/>
-      </p:nvGrpSpPr>
-      <p:grpSpPr>
-        <a:xfrm>
-          <a:off x="0" y="0"/>
-          <a:ext cx="0" cy="0"/>
-          <a:chOff x="0" y="0"/>
-          <a:chExt cx="0" cy="0"/>
-        </a:xfrm>
-      </p:grpSpPr>
-      <p:sp>
-        <p:nvSpPr>
-          <p:cNvPr id="2" name="Title 1">
-            <a:extLst>
-              <a:ext uri="{FF2B5EF4-FFF2-40B4-BE49-F238E27FC236}">
-                <a16:creationId xmlns:a16="http://schemas.microsoft.com/office/drawing/2014/main" id="{E6260739-36CE-BC4A-27C4-4FF2F0C3FBC4}"/>
-              </a:ext>
-            </a:extLst>
-          </p:cNvPr>
-          <p:cNvSpPr>
-            <a:spLocks noGrp="1"/>
-          </p:cNvSpPr>
-          <p:nvPr>
-            <p:ph type="title"/>
-          </p:nvPr>
-        </p:nvSpPr>
-        <p:spPr/>
-        <p:txBody>
-          <a:bodyPr/>
-          <a:lstStyle/>
-          <a:p>
-            <a:r>
-              <a:rPr lang="en-US" dirty="0"/>
-              <a:t>Full visual representation = mesh + texture</a:t>
-            </a:r>
-          </a:p>
-        </p:txBody>
-      </p:sp>
-      <p:sp>
-        <p:nvSpPr>
-          <p:cNvPr id="3" name="Content Placeholder 2">
-            <a:extLst>
-              <a:ext uri="{FF2B5EF4-FFF2-40B4-BE49-F238E27FC236}">
-                <a16:creationId xmlns:a16="http://schemas.microsoft.com/office/drawing/2014/main" id="{EB703B64-77DE-A506-1049-74E3492B36E0}"/>
-              </a:ext>
-            </a:extLst>
-          </p:cNvPr>
-          <p:cNvSpPr>
-            <a:spLocks noGrp="1"/>
-          </p:cNvSpPr>
-          <p:nvPr>
-            <p:ph idx="1"/>
-          </p:nvPr>
-        </p:nvSpPr>
-        <p:spPr/>
-        <p:txBody>
-          <a:bodyPr>
-            <a:normAutofit lnSpcReduction="10000"/>
-          </a:bodyPr>
-          <a:lstStyle/>
-          <a:p>
-            <a:pPr marL="0" indent="0">
-              <a:buNone/>
-            </a:pPr>
-            <a:r>
-              <a:rPr lang="en-US" dirty="0"/>
-              <a:t>https://www.shadedrelief.com/natural3/pages/textures.html</a:t>
-            </a:r>
-          </a:p>
-          <a:p>
-            <a:pPr marL="0" indent="0">
-              <a:buNone/>
-            </a:pPr>
-            <a:endParaRPr lang="en-US" dirty="0"/>
-          </a:p>
-          <a:p>
-            <a:pPr marL="0" indent="0">
-              <a:buNone/>
-            </a:pPr>
-            <a:r>
-              <a:rPr lang="en-US" u="sng" dirty="0"/>
-              <a:t>a-sphere.html</a:t>
-            </a:r>
-          </a:p>
-          <a:p>
-            <a:pPr marL="0" indent="0">
-              <a:buNone/>
-            </a:pPr>
-            <a:endParaRPr lang="en-US" dirty="0"/>
-          </a:p>
-          <a:p>
-            <a:pPr marL="0" indent="0">
-              <a:buNone/>
-            </a:pPr>
-            <a:r>
-              <a:rPr lang="en-US" dirty="0"/>
-              <a:t>&lt;a-scene&gt;</a:t>
-            </a:r>
-          </a:p>
-          <a:p>
-            <a:pPr marL="0" indent="0">
-              <a:buNone/>
-            </a:pPr>
-            <a:r>
-              <a:rPr lang="en-US" dirty="0"/>
-              <a:t>      &lt;a-sphere position="0 3 -5" </a:t>
-            </a:r>
-            <a:r>
-              <a:rPr lang="en-US" dirty="0" err="1"/>
-              <a:t>src</a:t>
-            </a:r>
-            <a:r>
-              <a:rPr lang="en-US" dirty="0"/>
-              <a:t>="./IMAGES/waternormals.jpg" 			  radius="1"&gt;</a:t>
-            </a:r>
-          </a:p>
-          <a:p>
-            <a:pPr marL="0" indent="0">
-              <a:spcBef>
-                <a:spcPts val="0"/>
-              </a:spcBef>
-              <a:buNone/>
-            </a:pPr>
-            <a:r>
-              <a:rPr lang="en-US" dirty="0"/>
-              <a:t>      &lt;/a-sphere&gt;</a:t>
-            </a:r>
-          </a:p>
-          <a:p>
-            <a:pPr marL="0" indent="0">
-              <a:spcBef>
-                <a:spcPts val="0"/>
-              </a:spcBef>
-              <a:buNone/>
-            </a:pPr>
-            <a:endParaRPr lang="en-US" dirty="0"/>
-          </a:p>
-          <a:p>
-            <a:pPr marL="0" indent="0">
-              <a:buNone/>
-            </a:pPr>
-            <a:r>
-              <a:rPr lang="en-US" dirty="0"/>
-              <a:t>&lt;/a-scene&gt;</a:t>
-            </a:r>
-          </a:p>
-        </p:txBody>
-      </p:sp>
-    </p:spTree>
-    <p:extLst>
-      <p:ext uri="{BB962C8B-B14F-4D97-AF65-F5344CB8AC3E}">
-        <p14:creationId xmlns:p14="http://schemas.microsoft.com/office/powerpoint/2010/main" val="3023118603"/>
-      </p:ext>
-    </p:extLst>
-  </p:cSld>
-  <p:clrMapOvr>
-    <a:masterClrMapping/>
-  </p:clrMapOvr>
-</p:sld>
-</file>
-
-<file path=ppt/slides/slide14.xml><?xml version="1.0" encoding="utf-8"?>
-<p:sld xmlns:a="http://schemas.openxmlformats.org/drawingml/2006/main" xmlns:r="http://schemas.openxmlformats.org/officeDocument/2006/relationships" xmlns:p="http://schemas.openxmlformats.org/presentationml/2006/main">
-  <p:cSld>
-    <p:spTree>
-      <p:nvGrpSpPr>
-        <p:cNvPr id="1" name=""/>
-        <p:cNvGrpSpPr/>
-        <p:nvPr/>
-      </p:nvGrpSpPr>
-      <p:grpSpPr>
-        <a:xfrm>
-          <a:off x="0" y="0"/>
-          <a:ext cx="0" cy="0"/>
-          <a:chOff x="0" y="0"/>
-          <a:chExt cx="0" cy="0"/>
-        </a:xfrm>
-      </p:grpSpPr>
-      <p:sp>
-        <p:nvSpPr>
-          <p:cNvPr id="2" name="Title 1">
-            <a:extLst>
-              <a:ext uri="{FF2B5EF4-FFF2-40B4-BE49-F238E27FC236}">
-                <a16:creationId xmlns:a16="http://schemas.microsoft.com/office/drawing/2014/main" id="{E6260739-36CE-BC4A-27C4-4FF2F0C3FBC4}"/>
-              </a:ext>
-            </a:extLst>
-          </p:cNvPr>
-          <p:cNvSpPr>
-            <a:spLocks noGrp="1"/>
-          </p:cNvSpPr>
-          <p:nvPr>
-            <p:ph type="title"/>
-          </p:nvPr>
-        </p:nvSpPr>
-        <p:spPr/>
-        <p:txBody>
-          <a:bodyPr/>
-          <a:lstStyle/>
-          <a:p>
-            <a:r>
-              <a:rPr lang="en-US" dirty="0"/>
-              <a:t>Full visual representation = mesh + texture</a:t>
-            </a:r>
-          </a:p>
-        </p:txBody>
-      </p:sp>
-      <p:sp>
-        <p:nvSpPr>
-          <p:cNvPr id="3" name="Content Placeholder 2">
-            <a:extLst>
-              <a:ext uri="{FF2B5EF4-FFF2-40B4-BE49-F238E27FC236}">
-                <a16:creationId xmlns:a16="http://schemas.microsoft.com/office/drawing/2014/main" id="{EB703B64-77DE-A506-1049-74E3492B36E0}"/>
-              </a:ext>
-            </a:extLst>
-          </p:cNvPr>
-          <p:cNvSpPr>
-            <a:spLocks noGrp="1"/>
-          </p:cNvSpPr>
-          <p:nvPr>
-            <p:ph idx="1"/>
-          </p:nvPr>
-        </p:nvSpPr>
-        <p:spPr/>
-        <p:txBody>
-          <a:bodyPr>
-            <a:normAutofit/>
-          </a:bodyPr>
-          <a:lstStyle/>
-          <a:p>
-            <a:pPr marL="0" indent="0">
-              <a:buNone/>
-            </a:pPr>
-            <a:r>
-              <a:rPr lang="en-US" dirty="0">
-                <a:solidFill>
-                  <a:schemeClr val="accent5">
-                    <a:lumMod val="50000"/>
-                  </a:schemeClr>
-                </a:solidFill>
-              </a:rPr>
-              <a:t>A-box</a:t>
-            </a:r>
-          </a:p>
-          <a:p>
-            <a:pPr marL="0" indent="0">
-              <a:buNone/>
-            </a:pPr>
-            <a:endParaRPr lang="en-US" dirty="0"/>
-          </a:p>
-          <a:p>
-            <a:pPr marL="0" indent="0">
-              <a:buNone/>
-            </a:pPr>
-            <a:r>
-              <a:rPr lang="en-US" dirty="0"/>
-              <a:t>&lt;a-scene&gt;</a:t>
-            </a:r>
-          </a:p>
-          <a:p>
-            <a:pPr marL="0" indent="0">
-              <a:lnSpc>
-                <a:spcPct val="100000"/>
-              </a:lnSpc>
-              <a:spcBef>
-                <a:spcPts val="0"/>
-              </a:spcBef>
-              <a:buNone/>
-            </a:pPr>
-            <a:r>
-              <a:rPr lang="en-US" sz="2800" dirty="0"/>
-              <a:t> &lt;a-assets&gt;</a:t>
-            </a:r>
-          </a:p>
-          <a:p>
-            <a:pPr marL="0" indent="0">
-              <a:lnSpc>
-                <a:spcPct val="100000"/>
-              </a:lnSpc>
-              <a:spcBef>
-                <a:spcPts val="0"/>
-              </a:spcBef>
-              <a:buNone/>
-            </a:pPr>
-            <a:r>
-              <a:rPr lang="en-US" sz="2800" dirty="0"/>
-              <a:t>	&lt;</a:t>
-            </a:r>
-            <a:r>
-              <a:rPr lang="en-US" sz="2800" dirty="0" err="1"/>
-              <a:t>img</a:t>
-            </a:r>
-            <a:r>
-              <a:rPr lang="en-US" sz="2800" dirty="0"/>
-              <a:t> id="</a:t>
-            </a:r>
-            <a:r>
-              <a:rPr lang="en-US" sz="2800" dirty="0" err="1"/>
-              <a:t>boxTexture</a:t>
-            </a:r>
-            <a:r>
-              <a:rPr lang="en-US" sz="2800" dirty="0"/>
-              <a:t>" </a:t>
-            </a:r>
-            <a:r>
-              <a:rPr lang="en-US" sz="2800" dirty="0" err="1"/>
-              <a:t>src</a:t>
-            </a:r>
-            <a:r>
-              <a:rPr lang="en-US" sz="2800" dirty="0"/>
-              <a:t>="</a:t>
-            </a:r>
-            <a:r>
-              <a:rPr lang="en-US" sz="2800" dirty="0">
-                <a:hlinkClick r:id="rId3"/>
-              </a:rPr>
-              <a:t>https://i.imgur.com/mYmmbrp.jpg</a:t>
-            </a:r>
-            <a:r>
-              <a:rPr lang="en-US" sz="2800" dirty="0"/>
-              <a:t>"</a:t>
-            </a:r>
-          </a:p>
-          <a:p>
-            <a:pPr marL="0" indent="0">
-              <a:lnSpc>
-                <a:spcPct val="100000"/>
-              </a:lnSpc>
-              <a:spcBef>
-                <a:spcPts val="0"/>
-              </a:spcBef>
-              <a:buNone/>
-            </a:pPr>
-            <a:r>
-              <a:rPr lang="en-US" sz="2800" dirty="0"/>
-              <a:t>&lt;/a-assets&gt;</a:t>
-            </a:r>
-            <a:endParaRPr lang="en-US" dirty="0"/>
-          </a:p>
-          <a:p>
-            <a:pPr marL="0" indent="0">
-              <a:buNone/>
-            </a:pPr>
-            <a:r>
-              <a:rPr lang="en-US" dirty="0"/>
-              <a:t>&lt;a-box position="0 3 -5" </a:t>
-            </a:r>
-            <a:r>
-              <a:rPr lang="en-US" dirty="0" err="1"/>
-              <a:t>src</a:t>
-            </a:r>
-            <a:r>
-              <a:rPr lang="en-US" dirty="0"/>
-              <a:t>= “#</a:t>
-            </a:r>
-            <a:r>
-              <a:rPr lang="en-US" sz="2800" dirty="0" err="1"/>
-              <a:t>boxTexture</a:t>
-            </a:r>
-            <a:r>
-              <a:rPr lang="en-US" dirty="0"/>
-              <a:t>" radius="1"&gt;&lt;/a-box&gt;</a:t>
-            </a:r>
-          </a:p>
-          <a:p>
-            <a:pPr marL="0" indent="0">
-              <a:spcBef>
-                <a:spcPts val="0"/>
-              </a:spcBef>
-              <a:buNone/>
-            </a:pPr>
-            <a:endParaRPr lang="en-US" dirty="0"/>
-          </a:p>
-          <a:p>
-            <a:pPr marL="0" indent="0">
-              <a:buNone/>
-            </a:pPr>
-            <a:r>
-              <a:rPr lang="en-US" dirty="0"/>
-              <a:t>&lt;/a-scene&gt;</a:t>
-            </a:r>
-          </a:p>
-        </p:txBody>
-      </p:sp>
-    </p:spTree>
-    <p:extLst>
-      <p:ext uri="{BB962C8B-B14F-4D97-AF65-F5344CB8AC3E}">
-        <p14:creationId xmlns:p14="http://schemas.microsoft.com/office/powerpoint/2010/main" val="968820903"/>
-      </p:ext>
-    </p:extLst>
-  </p:cSld>
-  <p:clrMapOvr>
-    <a:masterClrMapping/>
-  </p:clrMapOvr>
-</p:sld>
-</file>
-
-<file path=ppt/slides/slide15.xml><?xml version="1.0" encoding="utf-8"?>
-<p:sld xmlns:a="http://schemas.openxmlformats.org/drawingml/2006/main" xmlns:r="http://schemas.openxmlformats.org/officeDocument/2006/relationships" xmlns:p="http://schemas.openxmlformats.org/presentationml/2006/main">
-  <p:cSld>
-    <p:spTree>
-      <p:nvGrpSpPr>
-        <p:cNvPr id="1" name=""/>
-        <p:cNvGrpSpPr/>
-        <p:nvPr/>
-      </p:nvGrpSpPr>
-      <p:grpSpPr>
-        <a:xfrm>
-          <a:off x="0" y="0"/>
-          <a:ext cx="0" cy="0"/>
-          <a:chOff x="0" y="0"/>
-          <a:chExt cx="0" cy="0"/>
-        </a:xfrm>
-      </p:grpSpPr>
-      <p:sp>
-        <p:nvSpPr>
-          <p:cNvPr id="2" name="Title 1">
-            <a:extLst>
-              <a:ext uri="{FF2B5EF4-FFF2-40B4-BE49-F238E27FC236}">
-                <a16:creationId xmlns:a16="http://schemas.microsoft.com/office/drawing/2014/main" id="{DE859745-9910-DD37-8812-5CD4D7F20FC6}"/>
-              </a:ext>
-            </a:extLst>
-          </p:cNvPr>
-          <p:cNvSpPr>
-            <a:spLocks noGrp="1"/>
-          </p:cNvSpPr>
-          <p:nvPr>
-            <p:ph type="title"/>
-          </p:nvPr>
-        </p:nvSpPr>
-        <p:spPr/>
-        <p:txBody>
-          <a:bodyPr/>
-          <a:lstStyle/>
-          <a:p>
-            <a:r>
-              <a:rPr lang="en-US" b="1" dirty="0">
-                <a:solidFill>
-                  <a:srgbClr val="0070C0"/>
-                </a:solidFill>
-              </a:rPr>
-              <a:t>Several geometric components</a:t>
-            </a:r>
-          </a:p>
-        </p:txBody>
-      </p:sp>
-      <p:sp>
-        <p:nvSpPr>
-          <p:cNvPr id="3" name="Content Placeholder 2">
-            <a:extLst>
-              <a:ext uri="{FF2B5EF4-FFF2-40B4-BE49-F238E27FC236}">
-                <a16:creationId xmlns:a16="http://schemas.microsoft.com/office/drawing/2014/main" id="{8C1F06FB-1A25-3FB9-145E-D9CEB945C343}"/>
-              </a:ext>
-            </a:extLst>
-          </p:cNvPr>
-          <p:cNvSpPr>
-            <a:spLocks noGrp="1"/>
-          </p:cNvSpPr>
-          <p:nvPr>
-            <p:ph idx="1"/>
-          </p:nvPr>
-        </p:nvSpPr>
-        <p:spPr>
-          <a:xfrm>
-            <a:off x="419100" y="1838151"/>
-            <a:ext cx="11353800" cy="4654724"/>
-          </a:xfrm>
-        </p:spPr>
-        <p:txBody>
-          <a:bodyPr>
-            <a:normAutofit/>
-          </a:bodyPr>
-          <a:lstStyle/>
-          <a:p>
-            <a:pPr marL="0" indent="0">
-              <a:buNone/>
-            </a:pPr>
-            <a:r>
-              <a:rPr lang="en-US" dirty="0"/>
-              <a:t>&lt;a-box position="-1 0.5 -3" rotation="0 45 0" color=“red"&gt;&lt;/a-box&gt;</a:t>
-            </a:r>
-          </a:p>
-          <a:p>
-            <a:pPr marL="0" indent="0">
-              <a:buNone/>
-            </a:pPr>
-            <a:endParaRPr lang="en-US" dirty="0"/>
-          </a:p>
-          <a:p>
-            <a:pPr marL="0" indent="0">
-              <a:buNone/>
-            </a:pPr>
-            <a:r>
-              <a:rPr lang="en-US" dirty="0"/>
-              <a:t>&lt;a-sphere position="0 1.25 -5" radius="1.25" color=“blue“&gt;&lt;/a-sphere&gt;</a:t>
-            </a:r>
-          </a:p>
-          <a:p>
-            <a:pPr marL="0" indent="0">
-              <a:buNone/>
-            </a:pPr>
-            <a:endParaRPr lang="en-US" dirty="0"/>
-          </a:p>
-          <a:p>
-            <a:pPr marL="0" indent="0">
-              <a:buNone/>
-            </a:pPr>
-            <a:r>
-              <a:rPr lang="en-US" dirty="0"/>
-              <a:t>&lt;a-sky color="#e9f7ff "&gt;&lt;/a-sky&gt;</a:t>
-            </a:r>
-          </a:p>
-        </p:txBody>
-      </p:sp>
-    </p:spTree>
-    <p:extLst>
-      <p:ext uri="{BB962C8B-B14F-4D97-AF65-F5344CB8AC3E}">
-        <p14:creationId xmlns:p14="http://schemas.microsoft.com/office/powerpoint/2010/main" val="2157119807"/>
-      </p:ext>
-    </p:extLst>
-  </p:cSld>
-  <p:clrMapOvr>
-    <a:masterClrMapping/>
-  </p:clrMapOvr>
-</p:sld>
-</file>
-
-<file path=ppt/slides/slide16.xml><?xml version="1.0" encoding="utf-8"?>
-<p:sld xmlns:a="http://schemas.openxmlformats.org/drawingml/2006/main" xmlns:r="http://schemas.openxmlformats.org/officeDocument/2006/relationships" xmlns:p="http://schemas.openxmlformats.org/presentationml/2006/main">
-  <p:cSld>
-    <p:spTree>
-      <p:nvGrpSpPr>
-        <p:cNvPr id="1" name=""/>
-        <p:cNvGrpSpPr/>
-        <p:nvPr/>
-      </p:nvGrpSpPr>
-      <p:grpSpPr>
-        <a:xfrm>
-          <a:off x="0" y="0"/>
-          <a:ext cx="0" cy="0"/>
-          <a:chOff x="0" y="0"/>
-          <a:chExt cx="0" cy="0"/>
-        </a:xfrm>
-      </p:grpSpPr>
-      <p:sp>
-        <p:nvSpPr>
-          <p:cNvPr id="2" name="Title 1">
-            <a:extLst>
-              <a:ext uri="{FF2B5EF4-FFF2-40B4-BE49-F238E27FC236}">
-                <a16:creationId xmlns:a16="http://schemas.microsoft.com/office/drawing/2014/main" id="{DE859745-9910-DD37-8812-5CD4D7F20FC6}"/>
-              </a:ext>
-            </a:extLst>
-          </p:cNvPr>
-          <p:cNvSpPr>
-            <a:spLocks noGrp="1"/>
-          </p:cNvSpPr>
-          <p:nvPr>
-            <p:ph type="title"/>
-          </p:nvPr>
-        </p:nvSpPr>
-        <p:spPr/>
-        <p:txBody>
-          <a:bodyPr/>
-          <a:lstStyle/>
-          <a:p>
-            <a:r>
-              <a:rPr lang="en-US" b="1">
-                <a:solidFill>
-                  <a:srgbClr val="0070C0"/>
-                </a:solidFill>
-              </a:rPr>
-              <a:t>Famous: Several </a:t>
-            </a:r>
-            <a:r>
-              <a:rPr lang="en-US" b="1" dirty="0">
-                <a:solidFill>
-                  <a:srgbClr val="0070C0"/>
-                </a:solidFill>
-              </a:rPr>
-              <a:t>geometric components</a:t>
-            </a:r>
-          </a:p>
-        </p:txBody>
-      </p:sp>
-      <p:sp>
-        <p:nvSpPr>
-          <p:cNvPr id="3" name="Content Placeholder 2">
-            <a:extLst>
-              <a:ext uri="{FF2B5EF4-FFF2-40B4-BE49-F238E27FC236}">
-                <a16:creationId xmlns:a16="http://schemas.microsoft.com/office/drawing/2014/main" id="{8C1F06FB-1A25-3FB9-145E-D9CEB945C343}"/>
-              </a:ext>
-            </a:extLst>
-          </p:cNvPr>
-          <p:cNvSpPr>
-            <a:spLocks noGrp="1"/>
-          </p:cNvSpPr>
-          <p:nvPr>
-            <p:ph idx="1"/>
-          </p:nvPr>
-        </p:nvSpPr>
-        <p:spPr>
-          <a:xfrm>
-            <a:off x="419100" y="1838151"/>
-            <a:ext cx="11353800" cy="4654724"/>
-          </a:xfrm>
-        </p:spPr>
-        <p:txBody>
-          <a:bodyPr>
-            <a:normAutofit lnSpcReduction="10000"/>
-          </a:bodyPr>
-          <a:lstStyle/>
-          <a:p>
-            <a:pPr marL="0" indent="0">
-              <a:buNone/>
-            </a:pPr>
-            <a:r>
-              <a:rPr lang="en-US" dirty="0"/>
-              <a:t>&lt;a-box position="-1 0.5 -3" rotation="0 45 0" color=“red"&gt;</a:t>
-            </a:r>
-          </a:p>
-          <a:p>
-            <a:pPr marL="0" indent="0">
-              <a:buNone/>
-            </a:pPr>
-            <a:r>
-              <a:rPr lang="en-US" dirty="0"/>
-              <a:t>&lt;/a-box&gt;</a:t>
-            </a:r>
-          </a:p>
-          <a:p>
-            <a:pPr marL="0" indent="0">
-              <a:buNone/>
-            </a:pPr>
-            <a:r>
-              <a:rPr lang="en-US" dirty="0"/>
-              <a:t>&lt;a-sphere position="0 1.25 -5" radius="1.25" color=“blue“&gt;</a:t>
-            </a:r>
-          </a:p>
-          <a:p>
-            <a:pPr marL="0" indent="0">
-              <a:buNone/>
-            </a:pPr>
-            <a:r>
-              <a:rPr lang="en-US" dirty="0"/>
-              <a:t>&lt;/a-sphere&gt;</a:t>
-            </a:r>
-          </a:p>
-          <a:p>
-            <a:pPr marL="0" indent="0">
-              <a:buNone/>
-            </a:pPr>
-            <a:r>
-              <a:rPr lang="en-US" dirty="0"/>
-              <a:t>&lt;a-cylinder position="1 0.75 -3" radius="0.5" height="1.5" color=“purple"&gt;</a:t>
-            </a:r>
-          </a:p>
-          <a:p>
-            <a:pPr marL="0" indent="0">
-              <a:buNone/>
-            </a:pPr>
-            <a:r>
-              <a:rPr lang="en-US" dirty="0"/>
-              <a:t>&lt;/a-cylinder&gt;</a:t>
-            </a:r>
-          </a:p>
-          <a:p>
-            <a:pPr marL="0" indent="0">
-              <a:buNone/>
-            </a:pPr>
-            <a:r>
-              <a:rPr lang="en-US" dirty="0"/>
-              <a:t>&lt;a-plane position="0 0 -4" </a:t>
-            </a:r>
-            <a:r>
-              <a:rPr lang="en-US" dirty="0">
-                <a:solidFill>
-                  <a:schemeClr val="accent1"/>
-                </a:solidFill>
-              </a:rPr>
-              <a:t>rotation="-90 0 0" </a:t>
-            </a:r>
-            <a:r>
-              <a:rPr lang="en-US" dirty="0"/>
-              <a:t>width="4" height="4" color=“3cb371"&gt;&lt;/a-plane&gt;</a:t>
-            </a:r>
-          </a:p>
-          <a:p>
-            <a:pPr marL="0" indent="0">
-              <a:buNone/>
-            </a:pPr>
-            <a:endParaRPr lang="en-US" dirty="0"/>
-          </a:p>
-          <a:p>
-            <a:pPr marL="0" indent="0">
-              <a:buNone/>
-            </a:pPr>
-            <a:r>
-              <a:rPr lang="en-US" dirty="0"/>
-              <a:t>&lt;a-sky color="#e9f7ff "&gt;&lt;/a-sky&gt;</a:t>
-            </a:r>
-          </a:p>
-        </p:txBody>
-      </p:sp>
-    </p:spTree>
-    <p:extLst>
-      <p:ext uri="{BB962C8B-B14F-4D97-AF65-F5344CB8AC3E}">
-        <p14:creationId xmlns:p14="http://schemas.microsoft.com/office/powerpoint/2010/main" val="437460358"/>
-      </p:ext>
-    </p:extLst>
-  </p:cSld>
-  <p:clrMapOvr>
-    <a:masterClrMapping/>
-  </p:clrMapOvr>
-</p:sld>
-</file>
-
-<file path=ppt/slides/slide17.xml><?xml version="1.0" encoding="utf-8"?>
-<p:sld xmlns:a="http://schemas.openxmlformats.org/drawingml/2006/main" xmlns:r="http://schemas.openxmlformats.org/officeDocument/2006/relationships" xmlns:p="http://schemas.openxmlformats.org/presentationml/2006/main">
-  <p:cSld>
-    <p:spTree>
-      <p:nvGrpSpPr>
-        <p:cNvPr id="1" name=""/>
-        <p:cNvGrpSpPr/>
-        <p:nvPr/>
-      </p:nvGrpSpPr>
-      <p:grpSpPr>
-        <a:xfrm>
-          <a:off x="0" y="0"/>
-          <a:ext cx="0" cy="0"/>
-          <a:chOff x="0" y="0"/>
-          <a:chExt cx="0" cy="0"/>
-        </a:xfrm>
-      </p:grpSpPr>
-    </p:spTree>
-    <p:extLst>
-      <p:ext uri="{BB962C8B-B14F-4D97-AF65-F5344CB8AC3E}">
-        <p14:creationId xmlns:p14="http://schemas.microsoft.com/office/powerpoint/2010/main" val="4133149029"/>
-      </p:ext>
-    </p:extLst>
-  </p:cSld>
-  <p:clrMapOvr>
-    <a:masterClrMapping/>
-  </p:clrMapOvr>
-</p:sld>
-</file>
-
-<file path=ppt/slides/slide18.xml><?xml version="1.0" encoding="utf-8"?>
-<p:sld xmlns:a="http://schemas.openxmlformats.org/drawingml/2006/main" xmlns:r="http://schemas.openxmlformats.org/officeDocument/2006/relationships" xmlns:p="http://schemas.openxmlformats.org/presentationml/2006/main">
-  <p:cSld>
-    <p:spTree>
-      <p:nvGrpSpPr>
-        <p:cNvPr id="1" name=""/>
-        <p:cNvGrpSpPr/>
-        <p:nvPr/>
-      </p:nvGrpSpPr>
-      <p:grpSpPr>
-        <a:xfrm>
-          <a:off x="0" y="0"/>
-          <a:ext cx="0" cy="0"/>
-          <a:chOff x="0" y="0"/>
-          <a:chExt cx="0" cy="0"/>
-        </a:xfrm>
-      </p:grpSpPr>
-      <p:sp>
-        <p:nvSpPr>
-          <p:cNvPr id="2" name="Title 1">
-            <a:extLst>
-              <a:ext uri="{FF2B5EF4-FFF2-40B4-BE49-F238E27FC236}">
-                <a16:creationId xmlns:a16="http://schemas.microsoft.com/office/drawing/2014/main" id="{208F7061-7CBC-ECE1-29BB-5EDD6CCDEE30}"/>
-              </a:ext>
-            </a:extLst>
-          </p:cNvPr>
-          <p:cNvSpPr>
-            <a:spLocks noGrp="1"/>
-          </p:cNvSpPr>
-          <p:nvPr>
-            <p:ph type="title"/>
-          </p:nvPr>
-        </p:nvSpPr>
-        <p:spPr/>
-        <p:txBody>
-          <a:bodyPr/>
-          <a:lstStyle/>
-          <a:p>
-            <a:r>
-              <a:rPr lang="en-US" dirty="0">
-                <a:solidFill>
-                  <a:srgbClr val="0070C0"/>
-                </a:solidFill>
-              </a:rPr>
-              <a:t>Getting a-frame from aframe.io</a:t>
-            </a:r>
-          </a:p>
-        </p:txBody>
-      </p:sp>
-      <p:sp>
-        <p:nvSpPr>
-          <p:cNvPr id="3" name="Content Placeholder 2">
-            <a:extLst>
-              <a:ext uri="{FF2B5EF4-FFF2-40B4-BE49-F238E27FC236}">
-                <a16:creationId xmlns:a16="http://schemas.microsoft.com/office/drawing/2014/main" id="{13F686B1-9CF4-722F-7A11-A790E25C3794}"/>
-              </a:ext>
-            </a:extLst>
-          </p:cNvPr>
-          <p:cNvSpPr>
-            <a:spLocks noGrp="1"/>
-          </p:cNvSpPr>
-          <p:nvPr>
-            <p:ph idx="1"/>
-          </p:nvPr>
-        </p:nvSpPr>
-        <p:spPr/>
-        <p:txBody>
-          <a:bodyPr/>
-          <a:lstStyle/>
-          <a:p>
-            <a:pPr marL="0" indent="0">
-              <a:buNone/>
-            </a:pPr>
-            <a:r>
-              <a:rPr lang="en-US" dirty="0"/>
-              <a:t>&lt;head&gt;</a:t>
-            </a:r>
-          </a:p>
-          <a:p>
-            <a:pPr marL="0" indent="0">
-              <a:buNone/>
-            </a:pPr>
-            <a:r>
-              <a:rPr lang="en-US" dirty="0"/>
-              <a:t>    </a:t>
-            </a:r>
-            <a:r>
-              <a:rPr lang="en-US" b="1" dirty="0">
-                <a:solidFill>
-                  <a:schemeClr val="accent5">
-                    <a:lumMod val="50000"/>
-                  </a:schemeClr>
-                </a:solidFill>
-              </a:rPr>
-              <a:t>&lt;script </a:t>
-            </a:r>
-            <a:r>
-              <a:rPr lang="en-US" b="1" dirty="0" err="1">
-                <a:solidFill>
-                  <a:schemeClr val="accent5">
-                    <a:lumMod val="50000"/>
-                  </a:schemeClr>
-                </a:solidFill>
-              </a:rPr>
-              <a:t>src</a:t>
-            </a:r>
-            <a:r>
-              <a:rPr lang="en-US" b="1" dirty="0">
-                <a:solidFill>
-                  <a:schemeClr val="accent5">
-                    <a:lumMod val="50000"/>
-                  </a:schemeClr>
-                </a:solidFill>
-              </a:rPr>
-              <a:t>="https://aframe.io/releases/1.4.1/aframe.min.js"&gt;</a:t>
-            </a:r>
-          </a:p>
-          <a:p>
-            <a:pPr marL="0" indent="0">
-              <a:buNone/>
-            </a:pPr>
-            <a:r>
-              <a:rPr lang="en-US" dirty="0"/>
-              <a:t>    &lt;/script&gt;</a:t>
-            </a:r>
-          </a:p>
-          <a:p>
-            <a:pPr marL="0" indent="0">
-              <a:buNone/>
-            </a:pPr>
-            <a:r>
-              <a:rPr lang="en-US" dirty="0"/>
-              <a:t>&lt;/head&gt;</a:t>
-            </a:r>
-          </a:p>
-          <a:p>
-            <a:pPr marL="0" indent="0">
-              <a:buNone/>
-            </a:pPr>
-            <a:endParaRPr lang="en-US" dirty="0"/>
-          </a:p>
-          <a:p>
-            <a:pPr marL="0" indent="0">
-              <a:buNone/>
-            </a:pPr>
-            <a:r>
-              <a:rPr lang="en-US" dirty="0">
-                <a:solidFill>
-                  <a:srgbClr val="FF0000"/>
-                </a:solidFill>
-              </a:rPr>
-              <a:t>Or to run outside of Glitch.com:</a:t>
-            </a:r>
-          </a:p>
-          <a:p>
-            <a:pPr marL="0" indent="0">
-              <a:buNone/>
-            </a:pPr>
-            <a:r>
-              <a:rPr lang="en-US" dirty="0"/>
-              <a:t> &lt;body&gt;</a:t>
-            </a:r>
-          </a:p>
-          <a:p>
-            <a:pPr marL="0" indent="0">
-              <a:buNone/>
-            </a:pPr>
-            <a:r>
-              <a:rPr lang="en-US" dirty="0"/>
-              <a:t>   &lt;script </a:t>
-            </a:r>
-            <a:r>
-              <a:rPr lang="en-US" dirty="0" err="1"/>
-              <a:t>src</a:t>
-            </a:r>
-            <a:r>
-              <a:rPr lang="en-US" dirty="0"/>
-              <a:t>="</a:t>
-            </a:r>
-            <a:r>
-              <a:rPr lang="en-US" dirty="0" err="1"/>
-              <a:t>js</a:t>
-            </a:r>
-            <a:r>
-              <a:rPr lang="en-US" dirty="0"/>
-              <a:t>/</a:t>
-            </a:r>
-            <a:r>
-              <a:rPr lang="en-US" b="1" dirty="0">
-                <a:solidFill>
-                  <a:schemeClr val="accent5">
-                    <a:lumMod val="50000"/>
-                  </a:schemeClr>
-                </a:solidFill>
-              </a:rPr>
-              <a:t>aframe.io_releases_1.4.1_aframe.min.js</a:t>
-            </a:r>
-            <a:r>
-              <a:rPr lang="en-US" dirty="0"/>
-              <a:t>"&gt;&lt;/script&gt;</a:t>
-            </a:r>
-          </a:p>
-        </p:txBody>
-      </p:sp>
-    </p:spTree>
-    <p:extLst>
-      <p:ext uri="{BB962C8B-B14F-4D97-AF65-F5344CB8AC3E}">
-        <p14:creationId xmlns:p14="http://schemas.microsoft.com/office/powerpoint/2010/main" val="2190072094"/>
-      </p:ext>
-    </p:extLst>
-  </p:cSld>
-  <p:clrMapOvr>
-    <a:masterClrMapping/>
-  </p:clrMapOvr>
-</p:sld>
-</file>
-
-<file path=ppt/slides/slide2.xml><?xml version="1.0" encoding="utf-8"?>
-<p:sld xmlns:a="http://schemas.openxmlformats.org/drawingml/2006/main" xmlns:r="http://schemas.openxmlformats.org/officeDocument/2006/relationships" xmlns:p="http://schemas.openxmlformats.org/presentationml/2006/main">
-  <p:cSld>
-    <p:spTree>
-      <p:nvGrpSpPr>
-        <p:cNvPr id="1" name=""/>
-        <p:cNvGrpSpPr/>
-        <p:nvPr/>
-      </p:nvGrpSpPr>
-      <p:grpSpPr>
-        <a:xfrm>
-          <a:off x="0" y="0"/>
-          <a:ext cx="0" cy="0"/>
-          <a:chOff x="0" y="0"/>
-          <a:chExt cx="0" cy="0"/>
-        </a:xfrm>
-      </p:grpSpPr>
-      <p:sp>
-        <p:nvSpPr>
-          <p:cNvPr id="2" name="Title 1">
-            <a:extLst>
-              <a:ext uri="{FF2B5EF4-FFF2-40B4-BE49-F238E27FC236}">
-                <a16:creationId xmlns:a16="http://schemas.microsoft.com/office/drawing/2014/main" id="{29D5BE20-677D-4B4F-44B7-9A84D1548C6C}"/>
-              </a:ext>
-            </a:extLst>
-          </p:cNvPr>
-          <p:cNvSpPr>
-            <a:spLocks noGrp="1"/>
-          </p:cNvSpPr>
-          <p:nvPr>
-            <p:ph type="title"/>
-          </p:nvPr>
-        </p:nvSpPr>
-        <p:spPr/>
-        <p:txBody>
-          <a:bodyPr/>
-          <a:lstStyle/>
-          <a:p>
-            <a:r>
-              <a:rPr lang="en-US" dirty="0">
-                <a:solidFill>
-                  <a:srgbClr val="0070C0"/>
-                </a:solidFill>
-                <a:ea typeface="Calibri Light"/>
-                <a:cs typeface="Calibri Light"/>
-              </a:rPr>
-              <a:t>Learning plan</a:t>
-            </a:r>
-            <a:endParaRPr lang="en-US" dirty="0">
-              <a:solidFill>
-                <a:srgbClr val="0070C0"/>
-              </a:solidFill>
-            </a:endParaRPr>
-          </a:p>
-        </p:txBody>
-      </p:sp>
-      <p:graphicFrame>
-        <p:nvGraphicFramePr>
-          <p:cNvPr id="5" name="Table 4">
-            <a:extLst>
-              <a:ext uri="{FF2B5EF4-FFF2-40B4-BE49-F238E27FC236}">
-                <a16:creationId xmlns:a16="http://schemas.microsoft.com/office/drawing/2014/main" id="{94CC263D-27AE-E86F-7091-6D2561F5BDDC}"/>
-              </a:ext>
-            </a:extLst>
-          </p:cNvPr>
-          <p:cNvGraphicFramePr>
-            <a:graphicFrameLocks noGrp="1"/>
-          </p:cNvGraphicFramePr>
-          <p:nvPr>
-            <p:extLst>
-              <p:ext uri="{D42A27DB-BD31-4B8C-83A1-F6EECF244321}">
-                <p14:modId xmlns:p14="http://schemas.microsoft.com/office/powerpoint/2010/main" val="378590830"/>
-              </p:ext>
-            </p:extLst>
-          </p:nvPr>
-        </p:nvGraphicFramePr>
-        <p:xfrm>
-          <a:off x="680528" y="1691735"/>
-          <a:ext cx="11128347" cy="3566160"/>
-        </p:xfrm>
-        <a:graphic>
-          <a:graphicData uri="http://schemas.openxmlformats.org/drawingml/2006/table">
-            <a:tbl>
-              <a:tblPr firstRow="1" bandRow="1">
-                <a:tableStyleId>{2D5ABB26-0587-4C30-8999-92F81FD0307C}</a:tableStyleId>
-              </a:tblPr>
-              <a:tblGrid>
-                <a:gridCol w="4113590">
-                  <a:extLst>
-                    <a:ext uri="{9D8B030D-6E8A-4147-A177-3AD203B41FA5}">
-                      <a16:colId xmlns:a16="http://schemas.microsoft.com/office/drawing/2014/main" val="1160588841"/>
-                    </a:ext>
-                  </a:extLst>
-                </a:gridCol>
-                <a:gridCol w="7014757">
-                  <a:extLst>
-                    <a:ext uri="{9D8B030D-6E8A-4147-A177-3AD203B41FA5}">
-                      <a16:colId xmlns:a16="http://schemas.microsoft.com/office/drawing/2014/main" val="2091583440"/>
-                    </a:ext>
-                  </a:extLst>
-                </a:gridCol>
-              </a:tblGrid>
-              <a:tr h="190500">
-                <a:tc>
-                  <a:txBody>
-                    <a:bodyPr/>
-                    <a:lstStyle/>
-                    <a:p>
-                      <a:pPr fontAlgn="t"/>
-                      <a:r>
-                        <a:rPr lang="en-US" sz="2000" b="1" dirty="0">
-                          <a:effectLst/>
-                        </a:rPr>
-                        <a:t>Introduction </a:t>
-                      </a:r>
-                      <a:endParaRPr lang="en-US" sz="2000" dirty="0">
-                        <a:effectLst/>
-                      </a:endParaRPr>
-                    </a:p>
-                  </a:txBody>
-                  <a:tcPr>
-                    <a:lnL w="12700" cap="flat" cmpd="sng" algn="ctr">
-                      <a:solidFill>
-                        <a:schemeClr val="tx1"/>
-                      </a:solidFill>
-                      <a:prstDash val="solid"/>
-                      <a:round/>
-                      <a:headEnd type="none" w="med" len="med"/>
-                      <a:tailEnd type="none" w="med" len="med"/>
-                    </a:lnL>
-                    <a:lnR w="12700" cap="flat" cmpd="sng" algn="ctr">
-                      <a:solidFill>
-                        <a:schemeClr val="tx1"/>
-                      </a:solidFill>
-                      <a:prstDash val="solid"/>
-                      <a:round/>
-                      <a:headEnd type="none" w="med" len="med"/>
-                      <a:tailEnd type="none" w="med" len="med"/>
-                    </a:lnR>
-                    <a:lnT w="12700" cap="flat" cmpd="sng" algn="ctr">
-                      <a:solidFill>
-                        <a:schemeClr val="tx1"/>
-                      </a:solidFill>
-                      <a:prstDash val="solid"/>
-                      <a:round/>
-                      <a:headEnd type="none" w="med" len="med"/>
-                      <a:tailEnd type="none" w="med" len="med"/>
-                    </a:lnT>
-                    <a:lnB w="12700" cap="flat" cmpd="sng" algn="ctr">
-                      <a:solidFill>
-                        <a:schemeClr val="tx1"/>
-                      </a:solidFill>
-                      <a:prstDash val="solid"/>
-                      <a:round/>
-                      <a:headEnd type="none" w="med" len="med"/>
-                      <a:tailEnd type="none" w="med" len="med"/>
-                    </a:lnB>
-                  </a:tcPr>
-                </a:tc>
-                <a:tc>
-                  <a:txBody>
-                    <a:bodyPr/>
-                    <a:lstStyle/>
-                    <a:p>
-                      <a:pPr fontAlgn="t"/>
-                      <a:endParaRPr lang="en-US" sz="2000" b="0" i="0" dirty="0">
-                        <a:effectLst/>
-                        <a:latin typeface="Calibri"/>
-                      </a:endParaRPr>
-                    </a:p>
-                  </a:txBody>
-                  <a:tcPr>
-                    <a:lnL w="12700" cap="flat" cmpd="sng" algn="ctr">
-                      <a:solidFill>
-                        <a:schemeClr val="tx1"/>
-                      </a:solidFill>
-                      <a:prstDash val="solid"/>
-                      <a:round/>
-                      <a:headEnd type="none" w="med" len="med"/>
-                      <a:tailEnd type="none" w="med" len="med"/>
-                    </a:lnL>
-                    <a:lnR w="12700" cap="flat" cmpd="sng" algn="ctr">
-                      <a:solidFill>
-                        <a:schemeClr val="tx1"/>
-                      </a:solidFill>
-                      <a:prstDash val="solid"/>
-                      <a:round/>
-                      <a:headEnd type="none" w="med" len="med"/>
-                      <a:tailEnd type="none" w="med" len="med"/>
-                    </a:lnR>
-                    <a:lnT w="12700" cap="flat" cmpd="sng" algn="ctr">
-                      <a:solidFill>
-                        <a:schemeClr val="tx1"/>
-                      </a:solidFill>
-                      <a:prstDash val="solid"/>
-                      <a:round/>
-                      <a:headEnd type="none" w="med" len="med"/>
-                      <a:tailEnd type="none" w="med" len="med"/>
-                    </a:lnT>
-                    <a:lnB w="12700" cap="flat" cmpd="sng" algn="ctr">
-                      <a:solidFill>
-                        <a:schemeClr val="tx1"/>
-                      </a:solidFill>
-                      <a:prstDash val="solid"/>
-                      <a:round/>
-                      <a:headEnd type="none" w="med" len="med"/>
-                      <a:tailEnd type="none" w="med" len="med"/>
-                    </a:lnB>
-                  </a:tcPr>
-                </a:tc>
-                <a:extLst>
-                  <a:ext uri="{0D108BD9-81ED-4DB2-BD59-A6C34878D82A}">
-                    <a16:rowId xmlns:a16="http://schemas.microsoft.com/office/drawing/2014/main" val="2623257747"/>
-                  </a:ext>
-                </a:extLst>
-              </a:tr>
-              <a:tr h="190500">
-                <a:tc>
-                  <a:txBody>
-                    <a:bodyPr/>
-                    <a:lstStyle/>
-                    <a:p>
-                      <a:pPr fontAlgn="t"/>
-                      <a:r>
-                        <a:rPr lang="en-US" sz="2000" b="1" dirty="0">
-                          <a:solidFill>
-                            <a:schemeClr val="bg1"/>
-                          </a:solidFill>
-                          <a:effectLst/>
-                        </a:rPr>
-                        <a:t>A-frame basics </a:t>
-                      </a:r>
-                      <a:endParaRPr lang="en-US" sz="2000" dirty="0">
-                        <a:solidFill>
-                          <a:schemeClr val="bg1"/>
-                        </a:solidFill>
-                        <a:effectLst/>
-                      </a:endParaRPr>
-                    </a:p>
-                  </a:txBody>
-                  <a:tcPr>
-                    <a:lnL w="12700" cap="flat" cmpd="sng" algn="ctr">
-                      <a:solidFill>
-                        <a:schemeClr val="tx1"/>
-                      </a:solidFill>
-                      <a:prstDash val="solid"/>
-                      <a:round/>
-                      <a:headEnd type="none" w="med" len="med"/>
-                      <a:tailEnd type="none" w="med" len="med"/>
-                    </a:lnL>
-                    <a:lnR w="12700" cap="flat" cmpd="sng" algn="ctr">
-                      <a:solidFill>
-                        <a:schemeClr val="tx1"/>
-                      </a:solidFill>
-                      <a:prstDash val="solid"/>
-                      <a:round/>
-                      <a:headEnd type="none" w="med" len="med"/>
-                      <a:tailEnd type="none" w="med" len="med"/>
-                    </a:lnR>
-                    <a:lnT w="12700" cap="flat" cmpd="sng" algn="ctr">
-                      <a:solidFill>
-                        <a:schemeClr val="tx1"/>
-                      </a:solidFill>
-                      <a:prstDash val="solid"/>
-                      <a:round/>
-                      <a:headEnd type="none" w="med" len="med"/>
-                      <a:tailEnd type="none" w="med" len="med"/>
-                    </a:lnT>
-                    <a:lnB w="12700" cap="flat" cmpd="sng" algn="ctr">
-                      <a:solidFill>
-                        <a:schemeClr val="tx1"/>
-                      </a:solidFill>
-                      <a:prstDash val="solid"/>
-                      <a:round/>
-                      <a:headEnd type="none" w="med" len="med"/>
-                      <a:tailEnd type="none" w="med" len="med"/>
-                    </a:lnB>
-                    <a:solidFill>
-                      <a:srgbClr val="0070C0"/>
-                    </a:solidFill>
-                  </a:tcPr>
-                </a:tc>
-                <a:tc>
-                  <a:txBody>
-                    <a:bodyPr/>
-                    <a:lstStyle/>
-                    <a:p>
-                      <a:pPr fontAlgn="t"/>
-                      <a:endParaRPr lang="en-US" sz="2000" b="0" i="0" dirty="0">
-                        <a:solidFill>
-                          <a:schemeClr val="bg1"/>
-                        </a:solidFill>
-                        <a:effectLst/>
-                        <a:latin typeface="Calibri"/>
-                      </a:endParaRPr>
-                    </a:p>
-                  </a:txBody>
-                  <a:tcPr>
-                    <a:lnL w="12700" cap="flat" cmpd="sng" algn="ctr">
-                      <a:solidFill>
-                        <a:schemeClr val="tx1"/>
-                      </a:solidFill>
-                      <a:prstDash val="solid"/>
-                      <a:round/>
-                      <a:headEnd type="none" w="med" len="med"/>
-                      <a:tailEnd type="none" w="med" len="med"/>
-                    </a:lnL>
-                    <a:lnR w="12700" cap="flat" cmpd="sng" algn="ctr">
-                      <a:solidFill>
-                        <a:schemeClr val="tx1"/>
-                      </a:solidFill>
-                      <a:prstDash val="solid"/>
-                      <a:round/>
-                      <a:headEnd type="none" w="med" len="med"/>
-                      <a:tailEnd type="none" w="med" len="med"/>
-                    </a:lnR>
-                    <a:lnT w="12700" cap="flat" cmpd="sng" algn="ctr">
-                      <a:solidFill>
-                        <a:schemeClr val="tx1"/>
-                      </a:solidFill>
-                      <a:prstDash val="solid"/>
-                      <a:round/>
-                      <a:headEnd type="none" w="med" len="med"/>
-                      <a:tailEnd type="none" w="med" len="med"/>
-                    </a:lnT>
-                    <a:lnB w="12700" cap="flat" cmpd="sng" algn="ctr">
-                      <a:solidFill>
-                        <a:schemeClr val="tx1"/>
-                      </a:solidFill>
-                      <a:prstDash val="solid"/>
-                      <a:round/>
-                      <a:headEnd type="none" w="med" len="med"/>
-                      <a:tailEnd type="none" w="med" len="med"/>
-                    </a:lnB>
-                    <a:solidFill>
-                      <a:srgbClr val="0070C0"/>
-                    </a:solidFill>
-                  </a:tcPr>
-                </a:tc>
-                <a:extLst>
-                  <a:ext uri="{0D108BD9-81ED-4DB2-BD59-A6C34878D82A}">
-                    <a16:rowId xmlns:a16="http://schemas.microsoft.com/office/drawing/2014/main" val="4127385376"/>
-                  </a:ext>
-                </a:extLst>
-              </a:tr>
-              <a:tr h="190500">
-                <a:tc>
-                  <a:txBody>
-                    <a:bodyPr/>
-                    <a:lstStyle/>
-                    <a:p>
-                      <a:pPr fontAlgn="t"/>
-                      <a:r>
-                        <a:rPr lang="en-US" sz="2000" b="1" dirty="0">
-                          <a:effectLst/>
-                        </a:rPr>
-                        <a:t>Foundations </a:t>
-                      </a:r>
-                      <a:endParaRPr lang="en-US" sz="2000" dirty="0">
-                        <a:effectLst/>
-                      </a:endParaRPr>
-                    </a:p>
-                  </a:txBody>
-                  <a:tcPr>
-                    <a:lnL w="12700" cap="flat" cmpd="sng" algn="ctr">
-                      <a:solidFill>
-                        <a:schemeClr val="tx1"/>
-                      </a:solidFill>
-                      <a:prstDash val="solid"/>
-                      <a:round/>
-                      <a:headEnd type="none" w="med" len="med"/>
-                      <a:tailEnd type="none" w="med" len="med"/>
-                    </a:lnL>
-                    <a:lnR w="12700" cap="flat" cmpd="sng" algn="ctr">
-                      <a:solidFill>
-                        <a:schemeClr val="tx1"/>
-                      </a:solidFill>
-                      <a:prstDash val="solid"/>
-                      <a:round/>
-                      <a:headEnd type="none" w="med" len="med"/>
-                      <a:tailEnd type="none" w="med" len="med"/>
-                    </a:lnR>
-                    <a:lnT w="12700" cap="flat" cmpd="sng" algn="ctr">
-                      <a:solidFill>
-                        <a:schemeClr val="tx1"/>
-                      </a:solidFill>
-                      <a:prstDash val="solid"/>
-                      <a:round/>
-                      <a:headEnd type="none" w="med" len="med"/>
-                      <a:tailEnd type="none" w="med" len="med"/>
-                    </a:lnT>
-                    <a:lnB w="12700" cap="flat" cmpd="sng" algn="ctr">
-                      <a:solidFill>
-                        <a:schemeClr val="tx1"/>
-                      </a:solidFill>
-                      <a:prstDash val="solid"/>
-                      <a:round/>
-                      <a:headEnd type="none" w="med" len="med"/>
-                      <a:tailEnd type="none" w="med" len="med"/>
-                    </a:lnB>
-                  </a:tcPr>
-                </a:tc>
-                <a:tc>
-                  <a:txBody>
-                    <a:bodyPr/>
-                    <a:lstStyle/>
-                    <a:p>
-                      <a:pPr fontAlgn="t"/>
-                      <a:endParaRPr lang="en-US" sz="2000" dirty="0">
-                        <a:effectLst/>
-                      </a:endParaRPr>
-                    </a:p>
-                  </a:txBody>
-                  <a:tcPr>
-                    <a:lnL w="12700" cap="flat" cmpd="sng" algn="ctr">
-                      <a:solidFill>
-                        <a:schemeClr val="tx1"/>
-                      </a:solidFill>
-                      <a:prstDash val="solid"/>
-                      <a:round/>
-                      <a:headEnd type="none" w="med" len="med"/>
-                      <a:tailEnd type="none" w="med" len="med"/>
-                    </a:lnL>
-                    <a:lnR w="12700" cap="flat" cmpd="sng" algn="ctr">
-                      <a:solidFill>
-                        <a:schemeClr val="tx1"/>
-                      </a:solidFill>
-                      <a:prstDash val="solid"/>
-                      <a:round/>
-                      <a:headEnd type="none" w="med" len="med"/>
-                      <a:tailEnd type="none" w="med" len="med"/>
-                    </a:lnR>
-                    <a:lnT w="12700" cap="flat" cmpd="sng" algn="ctr">
-                      <a:solidFill>
-                        <a:schemeClr val="tx1"/>
-                      </a:solidFill>
-                      <a:prstDash val="solid"/>
-                      <a:round/>
-                      <a:headEnd type="none" w="med" len="med"/>
-                      <a:tailEnd type="none" w="med" len="med"/>
-                    </a:lnT>
-                    <a:lnB w="12700" cap="flat" cmpd="sng" algn="ctr">
-                      <a:solidFill>
-                        <a:schemeClr val="tx1"/>
-                      </a:solidFill>
-                      <a:prstDash val="solid"/>
-                      <a:round/>
-                      <a:headEnd type="none" w="med" len="med"/>
-                      <a:tailEnd type="none" w="med" len="med"/>
-                    </a:lnB>
-                  </a:tcPr>
-                </a:tc>
-                <a:extLst>
-                  <a:ext uri="{0D108BD9-81ED-4DB2-BD59-A6C34878D82A}">
-                    <a16:rowId xmlns:a16="http://schemas.microsoft.com/office/drawing/2014/main" val="3532966366"/>
-                  </a:ext>
-                </a:extLst>
-              </a:tr>
-              <a:tr h="190500">
-                <a:tc>
-                  <a:txBody>
-                    <a:bodyPr/>
-                    <a:lstStyle/>
-                    <a:p>
-                      <a:pPr fontAlgn="t"/>
-                      <a:r>
-                        <a:rPr lang="en-US" sz="2000" b="1" dirty="0">
-                          <a:effectLst/>
-                        </a:rPr>
-                        <a:t>A-frame components  </a:t>
-                      </a:r>
-                      <a:endParaRPr lang="en-US" sz="2000" dirty="0">
-                        <a:effectLst/>
-                      </a:endParaRPr>
-                    </a:p>
-                  </a:txBody>
-                  <a:tcPr>
-                    <a:lnL w="12700" cap="flat" cmpd="sng" algn="ctr">
-                      <a:solidFill>
-                        <a:schemeClr val="tx1"/>
-                      </a:solidFill>
-                      <a:prstDash val="solid"/>
-                      <a:round/>
-                      <a:headEnd type="none" w="med" len="med"/>
-                      <a:tailEnd type="none" w="med" len="med"/>
-                    </a:lnL>
-                    <a:lnR w="12700" cap="flat" cmpd="sng" algn="ctr">
-                      <a:solidFill>
-                        <a:schemeClr val="tx1"/>
-                      </a:solidFill>
-                      <a:prstDash val="solid"/>
-                      <a:round/>
-                      <a:headEnd type="none" w="med" len="med"/>
-                      <a:tailEnd type="none" w="med" len="med"/>
-                    </a:lnR>
-                    <a:lnT w="12700" cap="flat" cmpd="sng" algn="ctr">
-                      <a:solidFill>
-                        <a:schemeClr val="tx1"/>
-                      </a:solidFill>
-                      <a:prstDash val="solid"/>
-                      <a:round/>
-                      <a:headEnd type="none" w="med" len="med"/>
-                      <a:tailEnd type="none" w="med" len="med"/>
-                    </a:lnT>
-                    <a:lnB w="12700" cap="flat" cmpd="sng" algn="ctr">
-                      <a:solidFill>
-                        <a:schemeClr val="tx1"/>
-                      </a:solidFill>
-                      <a:prstDash val="solid"/>
-                      <a:round/>
-                      <a:headEnd type="none" w="med" len="med"/>
-                      <a:tailEnd type="none" w="med" len="med"/>
-                    </a:lnB>
-                  </a:tcPr>
-                </a:tc>
-                <a:tc>
-                  <a:txBody>
-                    <a:bodyPr/>
-                    <a:lstStyle/>
-                    <a:p>
-                      <a:pPr fontAlgn="t"/>
-                      <a:endParaRPr lang="en-US" sz="2000" b="0" dirty="0">
-                        <a:effectLst/>
-                      </a:endParaRPr>
-                    </a:p>
-                  </a:txBody>
-                  <a:tcPr>
-                    <a:lnL w="12700" cap="flat" cmpd="sng" algn="ctr">
-                      <a:solidFill>
-                        <a:schemeClr val="tx1"/>
-                      </a:solidFill>
-                      <a:prstDash val="solid"/>
-                      <a:round/>
-                      <a:headEnd type="none" w="med" len="med"/>
-                      <a:tailEnd type="none" w="med" len="med"/>
-                    </a:lnL>
-                    <a:lnR w="12700" cap="flat" cmpd="sng" algn="ctr">
-                      <a:solidFill>
-                        <a:schemeClr val="tx1"/>
-                      </a:solidFill>
-                      <a:prstDash val="solid"/>
-                      <a:round/>
-                      <a:headEnd type="none" w="med" len="med"/>
-                      <a:tailEnd type="none" w="med" len="med"/>
-                    </a:lnR>
-                    <a:lnT w="12700" cap="flat" cmpd="sng" algn="ctr">
-                      <a:solidFill>
-                        <a:schemeClr val="tx1"/>
-                      </a:solidFill>
-                      <a:prstDash val="solid"/>
-                      <a:round/>
-                      <a:headEnd type="none" w="med" len="med"/>
-                      <a:tailEnd type="none" w="med" len="med"/>
-                    </a:lnT>
-                    <a:lnB w="12700" cap="flat" cmpd="sng" algn="ctr">
-                      <a:solidFill>
-                        <a:schemeClr val="tx1"/>
-                      </a:solidFill>
-                      <a:prstDash val="solid"/>
-                      <a:round/>
-                      <a:headEnd type="none" w="med" len="med"/>
-                      <a:tailEnd type="none" w="med" len="med"/>
-                    </a:lnB>
-                  </a:tcPr>
-                </a:tc>
-                <a:extLst>
-                  <a:ext uri="{0D108BD9-81ED-4DB2-BD59-A6C34878D82A}">
-                    <a16:rowId xmlns:a16="http://schemas.microsoft.com/office/drawing/2014/main" val="1519694425"/>
-                  </a:ext>
-                </a:extLst>
-              </a:tr>
-              <a:tr h="190500">
-                <a:tc>
-                  <a:txBody>
-                    <a:bodyPr/>
-                    <a:lstStyle/>
-                    <a:p>
-                      <a:pPr fontAlgn="t"/>
-                      <a:r>
-                        <a:rPr lang="en-US" sz="2000" b="1" dirty="0">
-                          <a:effectLst/>
-                        </a:rPr>
-                        <a:t>Three.JS and A-frame</a:t>
-                      </a:r>
-                    </a:p>
-                  </a:txBody>
-                  <a:tcPr>
-                    <a:lnL w="12700" cap="flat" cmpd="sng" algn="ctr">
-                      <a:solidFill>
-                        <a:schemeClr val="tx1"/>
-                      </a:solidFill>
-                      <a:prstDash val="solid"/>
-                      <a:round/>
-                      <a:headEnd type="none" w="med" len="med"/>
-                      <a:tailEnd type="none" w="med" len="med"/>
-                    </a:lnL>
-                    <a:lnR w="12700" cap="flat" cmpd="sng" algn="ctr">
-                      <a:solidFill>
-                        <a:schemeClr val="tx1"/>
-                      </a:solidFill>
-                      <a:prstDash val="solid"/>
-                      <a:round/>
-                      <a:headEnd type="none" w="med" len="med"/>
-                      <a:tailEnd type="none" w="med" len="med"/>
-                    </a:lnR>
-                    <a:lnT w="12700" cap="flat" cmpd="sng" algn="ctr">
-                      <a:solidFill>
-                        <a:schemeClr val="tx1"/>
-                      </a:solidFill>
-                      <a:prstDash val="solid"/>
-                      <a:round/>
-                      <a:headEnd type="none" w="med" len="med"/>
-                      <a:tailEnd type="none" w="med" len="med"/>
-                    </a:lnT>
-                    <a:lnB w="12700" cap="flat" cmpd="sng" algn="ctr">
-                      <a:solidFill>
-                        <a:schemeClr val="tx1"/>
-                      </a:solidFill>
-                      <a:prstDash val="solid"/>
-                      <a:round/>
-                      <a:headEnd type="none" w="med" len="med"/>
-                      <a:tailEnd type="none" w="med" len="med"/>
-                    </a:lnB>
-                  </a:tcPr>
-                </a:tc>
-                <a:tc>
-                  <a:txBody>
-                    <a:bodyPr/>
-                    <a:lstStyle/>
-                    <a:p>
-                      <a:pPr fontAlgn="t"/>
-                      <a:endParaRPr lang="en-US" sz="2000" dirty="0">
-                        <a:effectLst/>
-                      </a:endParaRPr>
-                    </a:p>
-                  </a:txBody>
-                  <a:tcPr>
-                    <a:lnL w="12700" cap="flat" cmpd="sng" algn="ctr">
-                      <a:solidFill>
-                        <a:schemeClr val="tx1"/>
-                      </a:solidFill>
-                      <a:prstDash val="solid"/>
-                      <a:round/>
-                      <a:headEnd type="none" w="med" len="med"/>
-                      <a:tailEnd type="none" w="med" len="med"/>
-                    </a:lnL>
-                    <a:lnR w="12700" cap="flat" cmpd="sng" algn="ctr">
-                      <a:solidFill>
-                        <a:schemeClr val="tx1"/>
-                      </a:solidFill>
-                      <a:prstDash val="solid"/>
-                      <a:round/>
-                      <a:headEnd type="none" w="med" len="med"/>
-                      <a:tailEnd type="none" w="med" len="med"/>
-                    </a:lnR>
-                    <a:lnT w="12700" cap="flat" cmpd="sng" algn="ctr">
-                      <a:solidFill>
-                        <a:schemeClr val="tx1"/>
-                      </a:solidFill>
-                      <a:prstDash val="solid"/>
-                      <a:round/>
-                      <a:headEnd type="none" w="med" len="med"/>
-                      <a:tailEnd type="none" w="med" len="med"/>
-                    </a:lnT>
-                    <a:lnB w="12700" cap="flat" cmpd="sng" algn="ctr">
-                      <a:solidFill>
-                        <a:schemeClr val="tx1"/>
-                      </a:solidFill>
-                      <a:prstDash val="solid"/>
-                      <a:round/>
-                      <a:headEnd type="none" w="med" len="med"/>
-                      <a:tailEnd type="none" w="med" len="med"/>
-                    </a:lnB>
-                  </a:tcPr>
-                </a:tc>
-                <a:extLst>
-                  <a:ext uri="{0D108BD9-81ED-4DB2-BD59-A6C34878D82A}">
-                    <a16:rowId xmlns:a16="http://schemas.microsoft.com/office/drawing/2014/main" val="1520704752"/>
-                  </a:ext>
-                </a:extLst>
-              </a:tr>
-              <a:tr h="190500">
-                <a:tc>
-                  <a:txBody>
-                    <a:bodyPr/>
-                    <a:lstStyle/>
-                    <a:p>
-                      <a:pPr fontAlgn="t"/>
-                      <a:r>
-                        <a:rPr lang="en-US" sz="2000" b="1" dirty="0">
-                          <a:effectLst/>
-                        </a:rPr>
-                        <a:t>Entity component architecture (ECA) </a:t>
-                      </a:r>
-                      <a:endParaRPr lang="en-US" sz="2000" dirty="0">
-                        <a:effectLst/>
-                      </a:endParaRPr>
-                    </a:p>
-                  </a:txBody>
-                  <a:tcPr>
-                    <a:lnL w="12700" cap="flat" cmpd="sng" algn="ctr">
-                      <a:solidFill>
-                        <a:schemeClr val="tx1"/>
-                      </a:solidFill>
-                      <a:prstDash val="solid"/>
-                      <a:round/>
-                      <a:headEnd type="none" w="med" len="med"/>
-                      <a:tailEnd type="none" w="med" len="med"/>
-                    </a:lnL>
-                    <a:lnR w="12700" cap="flat" cmpd="sng" algn="ctr">
-                      <a:solidFill>
-                        <a:schemeClr val="tx1"/>
-                      </a:solidFill>
-                      <a:prstDash val="solid"/>
-                      <a:round/>
-                      <a:headEnd type="none" w="med" len="med"/>
-                      <a:tailEnd type="none" w="med" len="med"/>
-                    </a:lnR>
-                    <a:lnT w="12700" cap="flat" cmpd="sng" algn="ctr">
-                      <a:solidFill>
-                        <a:schemeClr val="tx1"/>
-                      </a:solidFill>
-                      <a:prstDash val="solid"/>
-                      <a:round/>
-                      <a:headEnd type="none" w="med" len="med"/>
-                      <a:tailEnd type="none" w="med" len="med"/>
-                    </a:lnT>
-                    <a:lnB w="12700" cap="flat" cmpd="sng" algn="ctr">
-                      <a:solidFill>
-                        <a:schemeClr val="tx1"/>
-                      </a:solidFill>
-                      <a:prstDash val="solid"/>
-                      <a:round/>
-                      <a:headEnd type="none" w="med" len="med"/>
-                      <a:tailEnd type="none" w="med" len="med"/>
-                    </a:lnB>
-                  </a:tcPr>
-                </a:tc>
-                <a:tc>
-                  <a:txBody>
-                    <a:bodyPr/>
-                    <a:lstStyle/>
-                    <a:p>
-                      <a:pPr fontAlgn="t"/>
-                      <a:endParaRPr lang="en-US" sz="2000" dirty="0">
-                        <a:effectLst/>
-                      </a:endParaRPr>
-                    </a:p>
-                  </a:txBody>
-                  <a:tcPr>
-                    <a:lnL w="12700" cap="flat" cmpd="sng" algn="ctr">
-                      <a:solidFill>
-                        <a:schemeClr val="tx1"/>
-                      </a:solidFill>
-                      <a:prstDash val="solid"/>
-                      <a:round/>
-                      <a:headEnd type="none" w="med" len="med"/>
-                      <a:tailEnd type="none" w="med" len="med"/>
-                    </a:lnL>
-                    <a:lnR w="12700" cap="flat" cmpd="sng" algn="ctr">
-                      <a:solidFill>
-                        <a:schemeClr val="tx1"/>
-                      </a:solidFill>
-                      <a:prstDash val="solid"/>
-                      <a:round/>
-                      <a:headEnd type="none" w="med" len="med"/>
-                      <a:tailEnd type="none" w="med" len="med"/>
-                    </a:lnR>
-                    <a:lnT w="12700" cap="flat" cmpd="sng" algn="ctr">
-                      <a:solidFill>
-                        <a:schemeClr val="tx1"/>
-                      </a:solidFill>
-                      <a:prstDash val="solid"/>
-                      <a:round/>
-                      <a:headEnd type="none" w="med" len="med"/>
-                      <a:tailEnd type="none" w="med" len="med"/>
-                    </a:lnT>
-                    <a:lnB w="12700" cap="flat" cmpd="sng" algn="ctr">
-                      <a:solidFill>
-                        <a:schemeClr val="tx1"/>
-                      </a:solidFill>
-                      <a:prstDash val="solid"/>
-                      <a:round/>
-                      <a:headEnd type="none" w="med" len="med"/>
-                      <a:tailEnd type="none" w="med" len="med"/>
-                    </a:lnB>
-                  </a:tcPr>
-                </a:tc>
-                <a:extLst>
-                  <a:ext uri="{0D108BD9-81ED-4DB2-BD59-A6C34878D82A}">
-                    <a16:rowId xmlns:a16="http://schemas.microsoft.com/office/drawing/2014/main" val="43686111"/>
-                  </a:ext>
-                </a:extLst>
-              </a:tr>
-              <a:tr h="190500">
-                <a:tc>
-                  <a:txBody>
-                    <a:bodyPr/>
-                    <a:lstStyle/>
-                    <a:p>
-                      <a:pPr lvl="0">
-                        <a:buNone/>
-                      </a:pPr>
-                      <a:r>
-                        <a:rPr lang="en-US" sz="2000" b="1" dirty="0">
-                          <a:effectLst/>
-                        </a:rPr>
-                        <a:t>A-frame and planets </a:t>
-                      </a:r>
-                      <a:endParaRPr lang="en-US" sz="2000">
-                        <a:effectLst/>
-                      </a:endParaRPr>
-                    </a:p>
-                  </a:txBody>
-                  <a:tcPr>
-                    <a:lnL w="12700" cap="flat" cmpd="sng" algn="ctr">
-                      <a:solidFill>
-                        <a:schemeClr val="tx1"/>
-                      </a:solidFill>
-                      <a:prstDash val="solid"/>
-                      <a:round/>
-                      <a:headEnd type="none" w="med" len="med"/>
-                      <a:tailEnd type="none" w="med" len="med"/>
-                    </a:lnL>
-                    <a:lnR w="12700" cap="flat" cmpd="sng" algn="ctr">
-                      <a:solidFill>
-                        <a:schemeClr val="tx1"/>
-                      </a:solidFill>
-                      <a:prstDash val="solid"/>
-                      <a:round/>
-                      <a:headEnd type="none" w="med" len="med"/>
-                      <a:tailEnd type="none" w="med" len="med"/>
-                    </a:lnR>
-                    <a:lnT w="12700" cap="flat" cmpd="sng" algn="ctr">
-                      <a:solidFill>
-                        <a:schemeClr val="tx1"/>
-                      </a:solidFill>
-                      <a:prstDash val="solid"/>
-                      <a:round/>
-                      <a:headEnd type="none" w="med" len="med"/>
-                      <a:tailEnd type="none" w="med" len="med"/>
-                    </a:lnT>
-                    <a:lnB w="12700" cap="flat" cmpd="sng" algn="ctr">
-                      <a:solidFill>
-                        <a:schemeClr val="tx1"/>
-                      </a:solidFill>
-                      <a:prstDash val="solid"/>
-                      <a:round/>
-                      <a:headEnd type="none" w="med" len="med"/>
-                      <a:tailEnd type="none" w="med" len="med"/>
-                    </a:lnB>
-                  </a:tcPr>
-                </a:tc>
-                <a:tc>
-                  <a:txBody>
-                    <a:bodyPr/>
-                    <a:lstStyle/>
-                    <a:p>
-                      <a:pPr lvl="0">
-                        <a:buNone/>
-                      </a:pPr>
-                      <a:endParaRPr lang="en-US" dirty="0"/>
-                    </a:p>
-                  </a:txBody>
-                  <a:tcPr>
-                    <a:lnL w="12700" cap="flat" cmpd="sng" algn="ctr">
-                      <a:solidFill>
-                        <a:schemeClr val="tx1"/>
-                      </a:solidFill>
-                      <a:prstDash val="solid"/>
-                      <a:round/>
-                      <a:headEnd type="none" w="med" len="med"/>
-                      <a:tailEnd type="none" w="med" len="med"/>
-                    </a:lnL>
-                    <a:lnR w="12700" cap="flat" cmpd="sng" algn="ctr">
-                      <a:solidFill>
-                        <a:schemeClr val="tx1"/>
-                      </a:solidFill>
-                      <a:prstDash val="solid"/>
-                      <a:round/>
-                      <a:headEnd type="none" w="med" len="med"/>
-                      <a:tailEnd type="none" w="med" len="med"/>
-                    </a:lnR>
-                    <a:lnT w="12700" cap="flat" cmpd="sng" algn="ctr">
-                      <a:solidFill>
-                        <a:schemeClr val="tx1"/>
-                      </a:solidFill>
-                      <a:prstDash val="solid"/>
-                      <a:round/>
-                      <a:headEnd type="none" w="med" len="med"/>
-                      <a:tailEnd type="none" w="med" len="med"/>
-                    </a:lnT>
-                    <a:lnB w="12700" cap="flat" cmpd="sng" algn="ctr">
-                      <a:solidFill>
-                        <a:schemeClr val="tx1"/>
-                      </a:solidFill>
-                      <a:prstDash val="solid"/>
-                      <a:round/>
-                      <a:headEnd type="none" w="med" len="med"/>
-                      <a:tailEnd type="none" w="med" len="med"/>
-                    </a:lnB>
-                  </a:tcPr>
-                </a:tc>
-                <a:extLst>
-                  <a:ext uri="{0D108BD9-81ED-4DB2-BD59-A6C34878D82A}">
-                    <a16:rowId xmlns:a16="http://schemas.microsoft.com/office/drawing/2014/main" val="3391168925"/>
-                  </a:ext>
-                </a:extLst>
-              </a:tr>
-              <a:tr h="190500">
-                <a:tc>
-                  <a:txBody>
-                    <a:bodyPr/>
-                    <a:lstStyle/>
-                    <a:p>
-                      <a:pPr fontAlgn="t"/>
-                      <a:r>
-                        <a:rPr lang="en-US" sz="2000" b="1" dirty="0">
-                          <a:effectLst/>
-                        </a:rPr>
-                        <a:t>A-frame and animations </a:t>
-                      </a:r>
-                      <a:endParaRPr lang="en-US" sz="2000" dirty="0">
-                        <a:effectLst/>
-                      </a:endParaRPr>
-                    </a:p>
-                  </a:txBody>
-                  <a:tcPr>
-                    <a:lnL w="12700" cap="flat" cmpd="sng" algn="ctr">
-                      <a:solidFill>
-                        <a:schemeClr val="tx1"/>
-                      </a:solidFill>
-                      <a:prstDash val="solid"/>
-                      <a:round/>
-                      <a:headEnd type="none" w="med" len="med"/>
-                      <a:tailEnd type="none" w="med" len="med"/>
-                    </a:lnL>
-                    <a:lnR w="12700" cap="flat" cmpd="sng" algn="ctr">
-                      <a:solidFill>
-                        <a:schemeClr val="tx1"/>
-                      </a:solidFill>
-                      <a:prstDash val="solid"/>
-                      <a:round/>
-                      <a:headEnd type="none" w="med" len="med"/>
-                      <a:tailEnd type="none" w="med" len="med"/>
-                    </a:lnR>
-                    <a:lnT w="12700" cap="flat" cmpd="sng" algn="ctr">
-                      <a:solidFill>
-                        <a:schemeClr val="tx1"/>
-                      </a:solidFill>
-                      <a:prstDash val="solid"/>
-                      <a:round/>
-                      <a:headEnd type="none" w="med" len="med"/>
-                      <a:tailEnd type="none" w="med" len="med"/>
-                    </a:lnT>
-                    <a:lnB w="12700" cap="flat" cmpd="sng" algn="ctr">
-                      <a:solidFill>
-                        <a:schemeClr val="tx1"/>
-                      </a:solidFill>
-                      <a:prstDash val="solid"/>
-                      <a:round/>
-                      <a:headEnd type="none" w="med" len="med"/>
-                      <a:tailEnd type="none" w="med" len="med"/>
-                    </a:lnB>
-                  </a:tcPr>
-                </a:tc>
-                <a:tc>
-                  <a:txBody>
-                    <a:bodyPr/>
-                    <a:lstStyle/>
-                    <a:p>
-                      <a:pPr fontAlgn="t"/>
-                      <a:endParaRPr lang="en-US" sz="2000" dirty="0">
-                        <a:effectLst/>
-                      </a:endParaRPr>
-                    </a:p>
-                  </a:txBody>
-                  <a:tcPr>
-                    <a:lnL w="12700" cap="flat" cmpd="sng" algn="ctr">
-                      <a:solidFill>
-                        <a:schemeClr val="tx1"/>
-                      </a:solidFill>
-                      <a:prstDash val="solid"/>
-                      <a:round/>
-                      <a:headEnd type="none" w="med" len="med"/>
-                      <a:tailEnd type="none" w="med" len="med"/>
-                    </a:lnL>
-                    <a:lnR w="12700" cap="flat" cmpd="sng" algn="ctr">
-                      <a:solidFill>
-                        <a:schemeClr val="tx1"/>
-                      </a:solidFill>
-                      <a:prstDash val="solid"/>
-                      <a:round/>
-                      <a:headEnd type="none" w="med" len="med"/>
-                      <a:tailEnd type="none" w="med" len="med"/>
-                    </a:lnR>
-                    <a:lnT w="12700" cap="flat" cmpd="sng" algn="ctr">
-                      <a:solidFill>
-                        <a:schemeClr val="tx1"/>
-                      </a:solidFill>
-                      <a:prstDash val="solid"/>
-                      <a:round/>
-                      <a:headEnd type="none" w="med" len="med"/>
-                      <a:tailEnd type="none" w="med" len="med"/>
-                    </a:lnT>
-                    <a:lnB w="12700" cap="flat" cmpd="sng" algn="ctr">
-                      <a:solidFill>
-                        <a:schemeClr val="tx1"/>
-                      </a:solidFill>
-                      <a:prstDash val="solid"/>
-                      <a:round/>
-                      <a:headEnd type="none" w="med" len="med"/>
-                      <a:tailEnd type="none" w="med" len="med"/>
-                    </a:lnB>
-                  </a:tcPr>
-                </a:tc>
-                <a:extLst>
-                  <a:ext uri="{0D108BD9-81ED-4DB2-BD59-A6C34878D82A}">
-                    <a16:rowId xmlns:a16="http://schemas.microsoft.com/office/drawing/2014/main" val="2809005009"/>
-                  </a:ext>
-                </a:extLst>
-              </a:tr>
-              <a:tr h="190500">
-                <a:tc>
-                  <a:txBody>
-                    <a:bodyPr/>
-                    <a:lstStyle/>
-                    <a:p>
-                      <a:pPr fontAlgn="t"/>
-                      <a:r>
-                        <a:rPr lang="en-US" sz="2000" b="1" dirty="0">
-                          <a:effectLst/>
-                        </a:rPr>
-                        <a:t>Conclusion </a:t>
-                      </a:r>
-                      <a:endParaRPr lang="en-US" sz="2000" dirty="0">
-                        <a:effectLst/>
-                      </a:endParaRPr>
-                    </a:p>
-                  </a:txBody>
-                  <a:tcPr>
-                    <a:lnL w="12700" cap="flat" cmpd="sng" algn="ctr">
-                      <a:solidFill>
-                        <a:schemeClr val="tx1"/>
-                      </a:solidFill>
-                      <a:prstDash val="solid"/>
-                      <a:round/>
-                      <a:headEnd type="none" w="med" len="med"/>
-                      <a:tailEnd type="none" w="med" len="med"/>
-                    </a:lnL>
-                    <a:lnR w="12700" cap="flat" cmpd="sng" algn="ctr">
-                      <a:solidFill>
-                        <a:schemeClr val="tx1"/>
-                      </a:solidFill>
-                      <a:prstDash val="solid"/>
-                      <a:round/>
-                      <a:headEnd type="none" w="med" len="med"/>
-                      <a:tailEnd type="none" w="med" len="med"/>
-                    </a:lnR>
-                    <a:lnT w="12700" cap="flat" cmpd="sng" algn="ctr">
-                      <a:solidFill>
-                        <a:schemeClr val="tx1"/>
-                      </a:solidFill>
-                      <a:prstDash val="solid"/>
-                      <a:round/>
-                      <a:headEnd type="none" w="med" len="med"/>
-                      <a:tailEnd type="none" w="med" len="med"/>
-                    </a:lnT>
-                    <a:lnB w="12700" cap="flat" cmpd="sng" algn="ctr">
-                      <a:solidFill>
-                        <a:schemeClr val="tx1"/>
-                      </a:solidFill>
-                      <a:prstDash val="solid"/>
-                      <a:round/>
-                      <a:headEnd type="none" w="med" len="med"/>
-                      <a:tailEnd type="none" w="med" len="med"/>
-                    </a:lnB>
-                  </a:tcPr>
-                </a:tc>
-                <a:tc>
-                  <a:txBody>
-                    <a:bodyPr/>
-                    <a:lstStyle/>
-                    <a:p>
-                      <a:pPr fontAlgn="t"/>
-                      <a:endParaRPr lang="en-US" sz="2000" dirty="0">
-                        <a:effectLst/>
-                      </a:endParaRPr>
-                    </a:p>
-                  </a:txBody>
-                  <a:tcPr>
-                    <a:lnL w="12700" cap="flat" cmpd="sng" algn="ctr">
-                      <a:solidFill>
-                        <a:schemeClr val="tx1"/>
-                      </a:solidFill>
-                      <a:prstDash val="solid"/>
-                      <a:round/>
-                      <a:headEnd type="none" w="med" len="med"/>
-                      <a:tailEnd type="none" w="med" len="med"/>
-                    </a:lnL>
-                    <a:lnR w="12700" cap="flat" cmpd="sng" algn="ctr">
-                      <a:solidFill>
-                        <a:schemeClr val="tx1"/>
-                      </a:solidFill>
-                      <a:prstDash val="solid"/>
-                      <a:round/>
-                      <a:headEnd type="none" w="med" len="med"/>
-                      <a:tailEnd type="none" w="med" len="med"/>
-                    </a:lnR>
-                    <a:lnT w="12700" cap="flat" cmpd="sng" algn="ctr">
-                      <a:solidFill>
-                        <a:schemeClr val="tx1"/>
-                      </a:solidFill>
-                      <a:prstDash val="solid"/>
-                      <a:round/>
-                      <a:headEnd type="none" w="med" len="med"/>
-                      <a:tailEnd type="none" w="med" len="med"/>
-                    </a:lnT>
-                    <a:lnB w="12700" cap="flat" cmpd="sng" algn="ctr">
-                      <a:solidFill>
-                        <a:schemeClr val="tx1"/>
-                      </a:solidFill>
-                      <a:prstDash val="solid"/>
-                      <a:round/>
-                      <a:headEnd type="none" w="med" len="med"/>
-                      <a:tailEnd type="none" w="med" len="med"/>
-                    </a:lnB>
-                  </a:tcPr>
-                </a:tc>
-                <a:extLst>
-                  <a:ext uri="{0D108BD9-81ED-4DB2-BD59-A6C34878D82A}">
-                    <a16:rowId xmlns:a16="http://schemas.microsoft.com/office/drawing/2014/main" val="2632985617"/>
-                  </a:ext>
-                </a:extLst>
-              </a:tr>
-            </a:tbl>
-          </a:graphicData>
-        </a:graphic>
-      </p:graphicFrame>
-    </p:spTree>
-    <p:extLst>
-      <p:ext uri="{BB962C8B-B14F-4D97-AF65-F5344CB8AC3E}">
-        <p14:creationId xmlns:p14="http://schemas.microsoft.com/office/powerpoint/2010/main" val="3486731743"/>
-      </p:ext>
-    </p:extLst>
-  </p:cSld>
-  <p:clrMapOvr>
-    <a:masterClrMapping/>
-  </p:clrMapOvr>
-</p:sld>
-</file>
-
-<file path=ppt/slides/slide3.xml><?xml version="1.0" encoding="utf-8"?>
-<p:sld xmlns:a="http://schemas.openxmlformats.org/drawingml/2006/main" xmlns:r="http://schemas.openxmlformats.org/officeDocument/2006/relationships" xmlns:p="http://schemas.openxmlformats.org/presentationml/2006/main">
-  <p:cSld>
-    <p:spTree>
-      <p:nvGrpSpPr>
-        <p:cNvPr id="1" name=""/>
-        <p:cNvGrpSpPr/>
-        <p:nvPr/>
-      </p:nvGrpSpPr>
-      <p:grpSpPr>
-        <a:xfrm>
-          <a:off x="0" y="0"/>
-          <a:ext cx="0" cy="0"/>
-          <a:chOff x="0" y="0"/>
-          <a:chExt cx="0" cy="0"/>
-        </a:xfrm>
-      </p:grpSpPr>
-      <p:sp>
-        <p:nvSpPr>
-          <p:cNvPr id="2" name="Title 1">
-            <a:extLst>
-              <a:ext uri="{FF2B5EF4-FFF2-40B4-BE49-F238E27FC236}">
-                <a16:creationId xmlns:a16="http://schemas.microsoft.com/office/drawing/2014/main" id="{D0A32E1B-304C-70CA-4FE2-121036B45BBD}"/>
-              </a:ext>
-            </a:extLst>
-          </p:cNvPr>
-          <p:cNvSpPr>
-            <a:spLocks noGrp="1"/>
-          </p:cNvSpPr>
-          <p:nvPr>
-            <p:ph type="title"/>
-          </p:nvPr>
-        </p:nvSpPr>
-        <p:spPr/>
-        <p:txBody>
-          <a:bodyPr/>
-          <a:lstStyle/>
-          <a:p>
-            <a:r>
-              <a:rPr lang="en-US" dirty="0">
-                <a:solidFill>
-                  <a:srgbClr val="0070C0"/>
-                </a:solidFill>
-                <a:ea typeface="Calibri Light"/>
-                <a:cs typeface="Calibri Light"/>
-              </a:rPr>
-              <a:t>Outline</a:t>
-            </a:r>
-            <a:endParaRPr lang="en-US">
-              <a:solidFill>
-                <a:srgbClr val="0070C0"/>
-              </a:solidFill>
-              <a:ea typeface="Calibri Light"/>
-              <a:cs typeface="Calibri Light"/>
-            </a:endParaRPr>
-          </a:p>
-        </p:txBody>
-      </p:sp>
-      <p:sp>
-        <p:nvSpPr>
-          <p:cNvPr id="3" name="Content Placeholder 2">
-            <a:extLst>
-              <a:ext uri="{FF2B5EF4-FFF2-40B4-BE49-F238E27FC236}">
-                <a16:creationId xmlns:a16="http://schemas.microsoft.com/office/drawing/2014/main" id="{0F80D594-86CE-1ED4-994C-042A2971ED94}"/>
-              </a:ext>
-            </a:extLst>
-          </p:cNvPr>
-          <p:cNvSpPr>
-            <a:spLocks noGrp="1"/>
-          </p:cNvSpPr>
-          <p:nvPr>
-            <p:ph idx="1"/>
-          </p:nvPr>
-        </p:nvSpPr>
-        <p:spPr/>
-        <p:txBody>
-          <a:bodyPr vert="horz" lIns="91440" tIns="45720" rIns="91440" bIns="45720" rtlCol="0" anchor="t">
-            <a:normAutofit/>
-          </a:bodyPr>
-          <a:lstStyle/>
-          <a:p>
-            <a:pPr marL="0" indent="0">
-              <a:buNone/>
-            </a:pPr>
-            <a:endParaRPr lang="en-US" dirty="0">
-              <a:ea typeface="Calibri" panose="020F0502020204030204"/>
-              <a:cs typeface="Calibri" panose="020F0502020204030204"/>
-            </a:endParaRPr>
-          </a:p>
-          <a:p>
-            <a:pPr marL="0" indent="0">
-              <a:buNone/>
-            </a:pPr>
-            <a:r>
-              <a:rPr lang="en-US" dirty="0">
-                <a:ea typeface="Calibri" panose="020F0502020204030204"/>
-                <a:cs typeface="Calibri" panose="020F0502020204030204"/>
-              </a:rPr>
-              <a:t>A-frame scenes</a:t>
-            </a:r>
-          </a:p>
-          <a:p>
-            <a:pPr marL="0" indent="0">
-              <a:buNone/>
-            </a:pPr>
-            <a:endParaRPr lang="en-US" dirty="0">
-              <a:ea typeface="Calibri" panose="020F0502020204030204"/>
-              <a:cs typeface="Calibri" panose="020F0502020204030204"/>
-            </a:endParaRPr>
-          </a:p>
-          <a:p>
-            <a:pPr marL="0" indent="0">
-              <a:buNone/>
-            </a:pPr>
-            <a:r>
-              <a:rPr lang="en-US" dirty="0">
-                <a:ea typeface="Calibri" panose="020F0502020204030204"/>
-                <a:cs typeface="Calibri" panose="020F0502020204030204"/>
-              </a:rPr>
-              <a:t>Basic A-frame geometric objects</a:t>
-            </a:r>
-          </a:p>
-          <a:p>
-            <a:pPr marL="0" indent="0">
-              <a:buNone/>
-            </a:pPr>
-            <a:endParaRPr lang="en-US" dirty="0">
-              <a:ea typeface="Calibri" panose="020F0502020204030204"/>
-              <a:cs typeface="Calibri" panose="020F0502020204030204"/>
-            </a:endParaRPr>
-          </a:p>
-          <a:p>
-            <a:pPr marL="0" indent="0">
-              <a:buNone/>
-            </a:pPr>
-            <a:r>
-              <a:rPr lang="en-US" b="1" dirty="0">
-                <a:ea typeface="Calibri" panose="020F0502020204030204"/>
-                <a:cs typeface="Calibri" panose="020F0502020204030204"/>
-              </a:rPr>
-              <a:t>New web tab</a:t>
-            </a:r>
-            <a:r>
-              <a:rPr lang="en-US" dirty="0">
-                <a:ea typeface="Calibri" panose="020F0502020204030204"/>
-                <a:cs typeface="Calibri" panose="020F0502020204030204"/>
-              </a:rPr>
-              <a:t>:</a:t>
-            </a:r>
-          </a:p>
-          <a:p>
-            <a:pPr marL="0" indent="0">
-              <a:buNone/>
-            </a:pPr>
-            <a:r>
-              <a:rPr lang="en-US" dirty="0">
-                <a:ea typeface="Calibri" panose="020F0502020204030204"/>
-                <a:cs typeface="Calibri" panose="020F0502020204030204"/>
-              </a:rPr>
-              <a:t>https://www.w3schools.com/colors/colors_picker.asp</a:t>
-            </a:r>
-          </a:p>
-        </p:txBody>
-      </p:sp>
-    </p:spTree>
-    <p:extLst>
-      <p:ext uri="{BB962C8B-B14F-4D97-AF65-F5344CB8AC3E}">
-        <p14:creationId xmlns:p14="http://schemas.microsoft.com/office/powerpoint/2010/main" val="1169712265"/>
-      </p:ext>
-    </p:extLst>
-  </p:cSld>
-  <p:clrMapOvr>
-    <a:masterClrMapping/>
-  </p:clrMapOvr>
-</p:sld>
-</file>
-
-<file path=ppt/slides/slide4.xml><?xml version="1.0" encoding="utf-8"?>
-<p:sld xmlns:a="http://schemas.openxmlformats.org/drawingml/2006/main" xmlns:r="http://schemas.openxmlformats.org/officeDocument/2006/relationships" xmlns:p="http://schemas.openxmlformats.org/presentationml/2006/main">
-  <p:cSld>
-    <p:spTree>
-      <p:nvGrpSpPr>
-        <p:cNvPr id="1" name=""/>
-        <p:cNvGrpSpPr/>
-        <p:nvPr/>
-      </p:nvGrpSpPr>
-      <p:grpSpPr>
-        <a:xfrm>
-          <a:off x="0" y="0"/>
-          <a:ext cx="0" cy="0"/>
-          <a:chOff x="0" y="0"/>
-          <a:chExt cx="0" cy="0"/>
-        </a:xfrm>
-      </p:grpSpPr>
-      <p:sp>
-        <p:nvSpPr>
-          <p:cNvPr id="2" name="Title 1">
-            <a:extLst>
-              <a:ext uri="{FF2B5EF4-FFF2-40B4-BE49-F238E27FC236}">
-                <a16:creationId xmlns:a16="http://schemas.microsoft.com/office/drawing/2014/main" id="{E8A0CACB-31AD-38B8-D51C-B346653D6543}"/>
-              </a:ext>
-            </a:extLst>
-          </p:cNvPr>
-          <p:cNvSpPr>
-            <a:spLocks noGrp="1"/>
-          </p:cNvSpPr>
-          <p:nvPr>
-            <p:ph type="title"/>
-          </p:nvPr>
-        </p:nvSpPr>
-        <p:spPr/>
-        <p:txBody>
-          <a:bodyPr/>
-          <a:lstStyle/>
-          <a:p>
-            <a:r>
-              <a:rPr lang="en-US" dirty="0"/>
-              <a:t>3D images</a:t>
-            </a:r>
-          </a:p>
-        </p:txBody>
-      </p:sp>
-      <p:sp>
-        <p:nvSpPr>
-          <p:cNvPr id="3" name="Content Placeholder 2">
-            <a:extLst>
-              <a:ext uri="{FF2B5EF4-FFF2-40B4-BE49-F238E27FC236}">
-                <a16:creationId xmlns:a16="http://schemas.microsoft.com/office/drawing/2014/main" id="{BEC1C0D6-8B17-C175-C78B-DAA3DB295DB5}"/>
-              </a:ext>
-            </a:extLst>
-          </p:cNvPr>
-          <p:cNvSpPr>
-            <a:spLocks noGrp="1"/>
-          </p:cNvSpPr>
-          <p:nvPr>
-            <p:ph idx="1"/>
-          </p:nvPr>
-        </p:nvSpPr>
-        <p:spPr/>
-        <p:txBody>
-          <a:bodyPr/>
-          <a:lstStyle/>
-          <a:p>
-            <a:pPr marL="0" indent="0">
-              <a:buNone/>
-            </a:pPr>
-            <a:r>
-              <a:rPr lang="en-US" dirty="0"/>
-              <a:t>2D images most common</a:t>
-            </a:r>
-          </a:p>
-          <a:p>
-            <a:pPr marL="0" indent="0">
-              <a:buNone/>
-            </a:pPr>
-            <a:endParaRPr lang="en-US" dirty="0"/>
-          </a:p>
-          <a:p>
-            <a:pPr marL="0" indent="0">
-              <a:buNone/>
-            </a:pPr>
-            <a:r>
-              <a:rPr lang="en-US" dirty="0"/>
-              <a:t>https://en.wikipedia.org/wiki/VR_photography</a:t>
-            </a:r>
-          </a:p>
-          <a:p>
-            <a:pPr marL="0" indent="0">
-              <a:buNone/>
-            </a:pPr>
-            <a:endParaRPr lang="en-US" dirty="0"/>
-          </a:p>
-          <a:p>
-            <a:pPr marL="0" indent="0">
-              <a:buNone/>
-            </a:pPr>
-            <a:endParaRPr lang="en-US" dirty="0"/>
-          </a:p>
-        </p:txBody>
-      </p:sp>
-    </p:spTree>
-    <p:extLst>
-      <p:ext uri="{BB962C8B-B14F-4D97-AF65-F5344CB8AC3E}">
-        <p14:creationId xmlns:p14="http://schemas.microsoft.com/office/powerpoint/2010/main" val="1865343453"/>
-      </p:ext>
-    </p:extLst>
-  </p:cSld>
-  <p:clrMapOvr>
-    <a:masterClrMapping/>
-  </p:clrMapOvr>
-</p:sld>
-</file>
-
-<file path=ppt/slides/slide5.xml><?xml version="1.0" encoding="utf-8"?>
-<p:sld xmlns:a="http://schemas.openxmlformats.org/drawingml/2006/main" xmlns:r="http://schemas.openxmlformats.org/officeDocument/2006/relationships" xmlns:p="http://schemas.openxmlformats.org/presentationml/2006/main">
-  <p:cSld>
-    <p:spTree>
-      <p:nvGrpSpPr>
-        <p:cNvPr id="1" name=""/>
-        <p:cNvGrpSpPr/>
-        <p:nvPr/>
-      </p:nvGrpSpPr>
-      <p:grpSpPr>
-        <a:xfrm>
-          <a:off x="0" y="0"/>
-          <a:ext cx="0" cy="0"/>
-          <a:chOff x="0" y="0"/>
-          <a:chExt cx="0" cy="0"/>
-        </a:xfrm>
-      </p:grpSpPr>
-      <p:sp>
-        <p:nvSpPr>
-          <p:cNvPr id="2" name="Title 1">
-            <a:extLst>
-              <a:ext uri="{FF2B5EF4-FFF2-40B4-BE49-F238E27FC236}">
-                <a16:creationId xmlns:a16="http://schemas.microsoft.com/office/drawing/2014/main" id="{ABA6EE94-498E-8079-366A-C6321F49CAF0}"/>
-              </a:ext>
-            </a:extLst>
-          </p:cNvPr>
-          <p:cNvSpPr>
-            <a:spLocks noGrp="1"/>
-          </p:cNvSpPr>
-          <p:nvPr>
-            <p:ph type="title"/>
-          </p:nvPr>
-        </p:nvSpPr>
-        <p:spPr/>
-        <p:txBody>
-          <a:bodyPr/>
-          <a:lstStyle/>
-          <a:p>
-            <a:r>
-              <a:rPr lang="en-US" dirty="0">
-                <a:solidFill>
-                  <a:srgbClr val="0070C0"/>
-                </a:solidFill>
-              </a:rPr>
-              <a:t>VR Images</a:t>
-            </a:r>
-          </a:p>
-        </p:txBody>
-      </p:sp>
-      <p:pic>
-        <p:nvPicPr>
-          <p:cNvPr id="5" name="Picture 4">
-            <a:extLst>
-              <a:ext uri="{FF2B5EF4-FFF2-40B4-BE49-F238E27FC236}">
-                <a16:creationId xmlns:a16="http://schemas.microsoft.com/office/drawing/2014/main" id="{C6284B10-7BA7-B1B6-0679-5BE1F81814E6}"/>
-              </a:ext>
-            </a:extLst>
-          </p:cNvPr>
-          <p:cNvPicPr>
-            <a:picLocks noChangeAspect="1"/>
-          </p:cNvPicPr>
-          <p:nvPr/>
-        </p:nvPicPr>
-        <p:blipFill>
-          <a:blip r:embed="rId2"/>
-          <a:stretch>
-            <a:fillRect/>
-          </a:stretch>
-        </p:blipFill>
-        <p:spPr>
-          <a:xfrm>
-            <a:off x="2680855" y="2461739"/>
-            <a:ext cx="7367579" cy="3592079"/>
-          </a:xfrm>
-          <a:prstGeom prst="rect">
-            <a:avLst/>
-          </a:prstGeom>
-        </p:spPr>
-      </p:pic>
-    </p:spTree>
-    <p:extLst>
-      <p:ext uri="{BB962C8B-B14F-4D97-AF65-F5344CB8AC3E}">
-        <p14:creationId xmlns:p14="http://schemas.microsoft.com/office/powerpoint/2010/main" val="2106641008"/>
-      </p:ext>
-    </p:extLst>
-  </p:cSld>
-  <p:clrMapOvr>
-    <a:masterClrMapping/>
-  </p:clrMapOvr>
-</p:sld>
-</file>
-
-<file path=ppt/slides/slide6.xml><?xml version="1.0" encoding="utf-8"?>
-<p:sld xmlns:a="http://schemas.openxmlformats.org/drawingml/2006/main" xmlns:r="http://schemas.openxmlformats.org/officeDocument/2006/relationships" xmlns:p="http://schemas.openxmlformats.org/presentationml/2006/main">
-  <p:cSld>
-    <p:spTree>
-      <p:nvGrpSpPr>
-        <p:cNvPr id="1" name=""/>
-        <p:cNvGrpSpPr/>
-        <p:nvPr/>
-      </p:nvGrpSpPr>
-      <p:grpSpPr>
-        <a:xfrm>
-          <a:off x="0" y="0"/>
-          <a:ext cx="0" cy="0"/>
-          <a:chOff x="0" y="0"/>
-          <a:chExt cx="0" cy="0"/>
-        </a:xfrm>
-      </p:grpSpPr>
-      <p:sp>
-        <p:nvSpPr>
-          <p:cNvPr id="2" name="Title 1">
-            <a:extLst>
-              <a:ext uri="{FF2B5EF4-FFF2-40B4-BE49-F238E27FC236}">
-                <a16:creationId xmlns:a16="http://schemas.microsoft.com/office/drawing/2014/main" id="{44E42908-EAB8-F93F-3DF5-E3FEC9B1C03C}"/>
-              </a:ext>
-            </a:extLst>
-          </p:cNvPr>
-          <p:cNvSpPr>
-            <a:spLocks noGrp="1"/>
-          </p:cNvSpPr>
-          <p:nvPr>
-            <p:ph type="title"/>
-          </p:nvPr>
-        </p:nvSpPr>
-        <p:spPr/>
-        <p:txBody>
-          <a:bodyPr/>
-          <a:lstStyle/>
-          <a:p>
-            <a:r>
-              <a:rPr lang="en-US" dirty="0">
-                <a:solidFill>
-                  <a:srgbClr val="0070C0"/>
-                </a:solidFill>
-              </a:rPr>
-              <a:t>Scenes and geometric objects</a:t>
-            </a:r>
-          </a:p>
-        </p:txBody>
-      </p:sp>
-      <p:graphicFrame>
-        <p:nvGraphicFramePr>
-          <p:cNvPr id="3" name="Table 2">
-            <a:extLst>
-              <a:ext uri="{FF2B5EF4-FFF2-40B4-BE49-F238E27FC236}">
-                <a16:creationId xmlns:a16="http://schemas.microsoft.com/office/drawing/2014/main" id="{ABF39CF6-740C-F2D1-8FCE-DCD896246D3A}"/>
-              </a:ext>
-            </a:extLst>
-          </p:cNvPr>
-          <p:cNvGraphicFramePr>
-            <a:graphicFrameLocks noGrp="1"/>
-          </p:cNvGraphicFramePr>
-          <p:nvPr>
-            <p:extLst>
-              <p:ext uri="{D42A27DB-BD31-4B8C-83A1-F6EECF244321}">
-                <p14:modId xmlns:p14="http://schemas.microsoft.com/office/powerpoint/2010/main" val="3021981825"/>
-              </p:ext>
-            </p:extLst>
-          </p:nvPr>
-        </p:nvGraphicFramePr>
-        <p:xfrm>
-          <a:off x="446391" y="1690688"/>
-          <a:ext cx="11299218" cy="3845560"/>
-        </p:xfrm>
-        <a:graphic>
-          <a:graphicData uri="http://schemas.openxmlformats.org/drawingml/2006/table">
-            <a:tbl>
-              <a:tblPr firstRow="1" bandRow="1">
-                <a:tableStyleId>{5C22544A-7EE6-4342-B048-85BDC9FD1C3A}</a:tableStyleId>
-              </a:tblPr>
-              <a:tblGrid>
-                <a:gridCol w="1564313">
-                  <a:extLst>
-                    <a:ext uri="{9D8B030D-6E8A-4147-A177-3AD203B41FA5}">
-                      <a16:colId xmlns:a16="http://schemas.microsoft.com/office/drawing/2014/main" val="3046300315"/>
-                    </a:ext>
-                  </a:extLst>
-                </a:gridCol>
-                <a:gridCol w="2549986">
-                  <a:extLst>
-                    <a:ext uri="{9D8B030D-6E8A-4147-A177-3AD203B41FA5}">
-                      <a16:colId xmlns:a16="http://schemas.microsoft.com/office/drawing/2014/main" val="3310798745"/>
-                    </a:ext>
-                  </a:extLst>
-                </a:gridCol>
-                <a:gridCol w="7184919">
-                  <a:extLst>
-                    <a:ext uri="{9D8B030D-6E8A-4147-A177-3AD203B41FA5}">
-                      <a16:colId xmlns:a16="http://schemas.microsoft.com/office/drawing/2014/main" val="3908140871"/>
-                    </a:ext>
-                  </a:extLst>
-                </a:gridCol>
-              </a:tblGrid>
-              <a:tr h="370840">
-                <a:tc>
-                  <a:txBody>
-                    <a:bodyPr/>
-                    <a:lstStyle/>
-                    <a:p>
-                      <a:r>
-                        <a:rPr lang="en-US" dirty="0"/>
-                        <a:t>Primitive</a:t>
-                      </a:r>
-                    </a:p>
-                  </a:txBody>
-                  <a:tcPr/>
-                </a:tc>
-                <a:tc>
-                  <a:txBody>
-                    <a:bodyPr/>
-                    <a:lstStyle/>
-                    <a:p>
-                      <a:r>
-                        <a:rPr lang="en-US" dirty="0"/>
-                        <a:t>What</a:t>
-                      </a:r>
-                    </a:p>
-                  </a:txBody>
-                  <a:tcPr/>
-                </a:tc>
-                <a:tc>
-                  <a:txBody>
-                    <a:bodyPr/>
-                    <a:lstStyle/>
-                    <a:p>
-                      <a:r>
-                        <a:rPr lang="en-US" dirty="0"/>
-                        <a:t>Link</a:t>
-                      </a:r>
-                    </a:p>
-                  </a:txBody>
-                  <a:tcPr/>
-                </a:tc>
-                <a:extLst>
-                  <a:ext uri="{0D108BD9-81ED-4DB2-BD59-A6C34878D82A}">
-                    <a16:rowId xmlns:a16="http://schemas.microsoft.com/office/drawing/2014/main" val="2258720979"/>
-                  </a:ext>
-                </a:extLst>
-              </a:tr>
-              <a:tr h="370840">
-                <a:tc>
-                  <a:txBody>
-                    <a:bodyPr/>
-                    <a:lstStyle/>
-                    <a:p>
-                      <a:r>
-                        <a:rPr lang="en-US" sz="2400" dirty="0"/>
-                        <a:t>a-scene</a:t>
-                      </a:r>
-                    </a:p>
-                  </a:txBody>
-                  <a:tcPr/>
-                </a:tc>
-                <a:tc>
-                  <a:txBody>
-                    <a:bodyPr/>
-                    <a:lstStyle/>
-                    <a:p>
-                      <a:r>
-                        <a:rPr lang="en-US" sz="2400" dirty="0"/>
-                        <a:t>Global root object contains all entities </a:t>
-                      </a:r>
-                    </a:p>
-                  </a:txBody>
-                  <a:tcPr/>
-                </a:tc>
-                <a:tc>
-                  <a:txBody>
-                    <a:bodyPr/>
-                    <a:lstStyle/>
-                    <a:p>
-                      <a:pPr marL="0" marR="0" lvl="0" indent="0" algn="l" defTabSz="914400" rtl="0" eaLnBrk="1" fontAlgn="auto" latinLnBrk="0" hangingPunct="1">
-                        <a:lnSpc>
-                          <a:spcPct val="100000"/>
-                        </a:lnSpc>
-                        <a:spcBef>
-                          <a:spcPts val="0"/>
-                        </a:spcBef>
-                        <a:spcAft>
-                          <a:spcPts val="0"/>
-                        </a:spcAft>
-                        <a:buClrTx/>
-                        <a:buSzTx/>
-                        <a:buFontTx/>
-                        <a:buNone/>
-                        <a:tabLst/>
-                        <a:defRPr/>
-                      </a:pPr>
-                      <a:r>
-                        <a:rPr lang="en-US" sz="2400" dirty="0"/>
-                        <a:t>https://aframe.io/docs/1.4.0/core/scene.html</a:t>
-                      </a:r>
-                    </a:p>
-                  </a:txBody>
-                  <a:tcPr/>
-                </a:tc>
-                <a:extLst>
-                  <a:ext uri="{0D108BD9-81ED-4DB2-BD59-A6C34878D82A}">
-                    <a16:rowId xmlns:a16="http://schemas.microsoft.com/office/drawing/2014/main" val="3004776711"/>
-                  </a:ext>
-                </a:extLst>
-              </a:tr>
-              <a:tr h="370840">
-                <a:tc>
-                  <a:txBody>
-                    <a:bodyPr/>
-                    <a:lstStyle/>
-                    <a:p>
-                      <a:r>
-                        <a:rPr lang="en-US" sz="2400" dirty="0"/>
-                        <a:t>a-text</a:t>
-                      </a:r>
-                    </a:p>
-                  </a:txBody>
-                  <a:tcPr/>
-                </a:tc>
-                <a:tc>
-                  <a:txBody>
-                    <a:bodyPr/>
-                    <a:lstStyle/>
-                    <a:p>
-                      <a:r>
-                        <a:rPr lang="en-US" sz="2400" dirty="0"/>
-                        <a:t>Text</a:t>
-                      </a:r>
-                    </a:p>
-                  </a:txBody>
-                  <a:tcPr/>
-                </a:tc>
-                <a:tc>
-                  <a:txBody>
-                    <a:bodyPr/>
-                    <a:lstStyle/>
-                    <a:p>
-                      <a:r>
-                        <a:rPr lang="en-US" sz="2400" dirty="0"/>
-                        <a:t>https://aframe.io/docs/1.4.0/primitives/a-text.html</a:t>
-                      </a:r>
-                    </a:p>
-                  </a:txBody>
-                  <a:tcPr/>
-                </a:tc>
-                <a:extLst>
-                  <a:ext uri="{0D108BD9-81ED-4DB2-BD59-A6C34878D82A}">
-                    <a16:rowId xmlns:a16="http://schemas.microsoft.com/office/drawing/2014/main" val="3764464277"/>
-                  </a:ext>
-                </a:extLst>
-              </a:tr>
-              <a:tr h="370840">
-                <a:tc>
-                  <a:txBody>
-                    <a:bodyPr/>
-                    <a:lstStyle/>
-                    <a:p>
-                      <a:r>
-                        <a:rPr lang="en-US" sz="2400" dirty="0"/>
-                        <a:t>a-box</a:t>
-                      </a:r>
-                    </a:p>
-                  </a:txBody>
-                  <a:tcPr/>
-                </a:tc>
-                <a:tc>
-                  <a:txBody>
-                    <a:bodyPr/>
-                    <a:lstStyle/>
-                    <a:p>
-                      <a:r>
-                        <a:rPr lang="en-US" sz="2400" dirty="0"/>
-                        <a:t>3D Box</a:t>
-                      </a:r>
-                    </a:p>
-                  </a:txBody>
-                  <a:tcPr/>
-                </a:tc>
-                <a:tc>
-                  <a:txBody>
-                    <a:bodyPr/>
-                    <a:lstStyle/>
-                    <a:p>
-                      <a:r>
-                        <a:rPr lang="en-US" sz="2400" dirty="0"/>
-                        <a:t>https://aframe.io/docs/1.4.0/primitives/a-box.html</a:t>
-                      </a:r>
-                    </a:p>
-                  </a:txBody>
-                  <a:tcPr/>
-                </a:tc>
-                <a:extLst>
-                  <a:ext uri="{0D108BD9-81ED-4DB2-BD59-A6C34878D82A}">
-                    <a16:rowId xmlns:a16="http://schemas.microsoft.com/office/drawing/2014/main" val="2308483662"/>
-                  </a:ext>
-                </a:extLst>
-              </a:tr>
-              <a:tr h="370840">
-                <a:tc>
-                  <a:txBody>
-                    <a:bodyPr/>
-                    <a:lstStyle/>
-                    <a:p>
-                      <a:r>
-                        <a:rPr lang="en-US" sz="2400" dirty="0"/>
-                        <a:t>a-cylinder </a:t>
-                      </a:r>
-                    </a:p>
-                  </a:txBody>
-                  <a:tcPr/>
-                </a:tc>
-                <a:tc>
-                  <a:txBody>
-                    <a:bodyPr/>
-                    <a:lstStyle/>
-                    <a:p>
-                      <a:r>
-                        <a:rPr lang="en-US" sz="2400" dirty="0"/>
-                        <a:t>3D cylinder</a:t>
-                      </a:r>
-                    </a:p>
-                  </a:txBody>
-                  <a:tcPr/>
-                </a:tc>
-                <a:tc>
-                  <a:txBody>
-                    <a:bodyPr/>
-                    <a:lstStyle/>
-                    <a:p>
-                      <a:r>
-                        <a:rPr lang="en-US" sz="2400" dirty="0"/>
-                        <a:t>https://aframe.io/docs/1.5.0/primitives/a-cylinder.html</a:t>
-                      </a:r>
-                    </a:p>
-                  </a:txBody>
-                  <a:tcPr/>
-                </a:tc>
-                <a:extLst>
-                  <a:ext uri="{0D108BD9-81ED-4DB2-BD59-A6C34878D82A}">
-                    <a16:rowId xmlns:a16="http://schemas.microsoft.com/office/drawing/2014/main" val="4261858362"/>
-                  </a:ext>
-                </a:extLst>
-              </a:tr>
-              <a:tr h="370840">
-                <a:tc>
-                  <a:txBody>
-                    <a:bodyPr/>
-                    <a:lstStyle/>
-                    <a:p>
-                      <a:r>
-                        <a:rPr lang="en-US" sz="2400" dirty="0"/>
-                        <a:t>a-plane</a:t>
-                      </a:r>
-                    </a:p>
-                  </a:txBody>
-                  <a:tcPr/>
-                </a:tc>
-                <a:tc>
-                  <a:txBody>
-                    <a:bodyPr/>
-                    <a:lstStyle/>
-                    <a:p>
-                      <a:r>
-                        <a:rPr lang="en-US" sz="2400" dirty="0"/>
-                        <a:t>2D plane</a:t>
-                      </a:r>
-                    </a:p>
-                  </a:txBody>
-                  <a:tcPr/>
-                </a:tc>
-                <a:tc>
-                  <a:txBody>
-                    <a:bodyPr/>
-                    <a:lstStyle/>
-                    <a:p>
-                      <a:r>
-                        <a:rPr lang="en-US" sz="2400" dirty="0"/>
-                        <a:t>https://aframe.io/docs/1.5.0/primitives/a-plane.html</a:t>
-                      </a:r>
-                    </a:p>
-                  </a:txBody>
-                  <a:tcPr/>
-                </a:tc>
-                <a:extLst>
-                  <a:ext uri="{0D108BD9-81ED-4DB2-BD59-A6C34878D82A}">
-                    <a16:rowId xmlns:a16="http://schemas.microsoft.com/office/drawing/2014/main" val="914741282"/>
-                  </a:ext>
-                </a:extLst>
-              </a:tr>
-              <a:tr h="370840">
-                <a:tc>
-                  <a:txBody>
-                    <a:bodyPr/>
-                    <a:lstStyle/>
-                    <a:p>
-                      <a:r>
-                        <a:rPr lang="en-US" sz="2400" dirty="0"/>
-                        <a:t>a-sphere</a:t>
-                      </a:r>
-                    </a:p>
-                  </a:txBody>
-                  <a:tcPr/>
-                </a:tc>
-                <a:tc>
-                  <a:txBody>
-                    <a:bodyPr/>
-                    <a:lstStyle/>
-                    <a:p>
-                      <a:r>
-                        <a:rPr lang="en-US" sz="2400" dirty="0"/>
-                        <a:t>3D Sphere</a:t>
-                      </a:r>
-                    </a:p>
-                  </a:txBody>
-                  <a:tcPr/>
-                </a:tc>
-                <a:tc>
-                  <a:txBody>
-                    <a:bodyPr/>
-                    <a:lstStyle/>
-                    <a:p>
-                      <a:r>
-                        <a:rPr lang="en-US" sz="2400" dirty="0"/>
-                        <a:t>https://aframe.io/docs/1.4.0/primitives/a-sphere.html</a:t>
-                      </a:r>
-                    </a:p>
-                  </a:txBody>
-                  <a:tcPr/>
-                </a:tc>
-                <a:extLst>
-                  <a:ext uri="{0D108BD9-81ED-4DB2-BD59-A6C34878D82A}">
-                    <a16:rowId xmlns:a16="http://schemas.microsoft.com/office/drawing/2014/main" val="1058105725"/>
-                  </a:ext>
-                </a:extLst>
-              </a:tr>
-            </a:tbl>
-          </a:graphicData>
-        </a:graphic>
-      </p:graphicFrame>
-    </p:spTree>
-    <p:extLst>
-      <p:ext uri="{BB962C8B-B14F-4D97-AF65-F5344CB8AC3E}">
-        <p14:creationId xmlns:p14="http://schemas.microsoft.com/office/powerpoint/2010/main" val="2474904001"/>
-      </p:ext>
-    </p:extLst>
-  </p:cSld>
-  <p:clrMapOvr>
-    <a:masterClrMapping/>
-  </p:clrMapOvr>
-</p:sld>
-</file>
-
-<file path=ppt/slides/slide7.xml><?xml version="1.0" encoding="utf-8"?>
-<p:sld xmlns:a="http://schemas.openxmlformats.org/drawingml/2006/main" xmlns:r="http://schemas.openxmlformats.org/officeDocument/2006/relationships" xmlns:p="http://schemas.openxmlformats.org/presentationml/2006/main">
-  <p:cSld>
-    <p:spTree>
-      <p:nvGrpSpPr>
-        <p:cNvPr id="1" name=""/>
-        <p:cNvGrpSpPr/>
-        <p:nvPr/>
-      </p:nvGrpSpPr>
-      <p:grpSpPr>
-        <a:xfrm>
-          <a:off x="0" y="0"/>
-          <a:ext cx="0" cy="0"/>
-          <a:chOff x="0" y="0"/>
-          <a:chExt cx="0" cy="0"/>
-        </a:xfrm>
-      </p:grpSpPr>
-      <p:sp>
-        <p:nvSpPr>
-          <p:cNvPr id="2" name="Title 1">
-            <a:extLst>
-              <a:ext uri="{FF2B5EF4-FFF2-40B4-BE49-F238E27FC236}">
-                <a16:creationId xmlns:a16="http://schemas.microsoft.com/office/drawing/2014/main" id="{474B9155-D35B-C848-17BB-F51527874F46}"/>
-              </a:ext>
-            </a:extLst>
-          </p:cNvPr>
-          <p:cNvSpPr>
-            <a:spLocks noGrp="1"/>
-          </p:cNvSpPr>
-          <p:nvPr>
-            <p:ph type="title"/>
-          </p:nvPr>
-        </p:nvSpPr>
-        <p:spPr/>
-        <p:txBody>
-          <a:bodyPr/>
-          <a:lstStyle/>
-          <a:p>
-            <a:r>
-              <a:rPr lang="en-US" dirty="0">
-                <a:solidFill>
-                  <a:srgbClr val="0070C0"/>
-                </a:solidFill>
-              </a:rPr>
-              <a:t>Geometric terms</a:t>
-            </a:r>
-          </a:p>
-        </p:txBody>
-      </p:sp>
-      <p:sp>
-        <p:nvSpPr>
-          <p:cNvPr id="3" name="Content Placeholder 2">
-            <a:extLst>
-              <a:ext uri="{FF2B5EF4-FFF2-40B4-BE49-F238E27FC236}">
-                <a16:creationId xmlns:a16="http://schemas.microsoft.com/office/drawing/2014/main" id="{4BEC752A-9015-7C62-6AE4-AEB20169DA17}"/>
-              </a:ext>
-            </a:extLst>
-          </p:cNvPr>
-          <p:cNvSpPr>
-            <a:spLocks noGrp="1"/>
-          </p:cNvSpPr>
-          <p:nvPr>
-            <p:ph idx="1"/>
-          </p:nvPr>
-        </p:nvSpPr>
-        <p:spPr/>
-        <p:txBody>
-          <a:bodyPr/>
-          <a:lstStyle/>
-          <a:p>
-            <a:pPr marL="0" indent="0">
-              <a:buNone/>
-            </a:pPr>
-            <a:endParaRPr lang="en-US" dirty="0"/>
-          </a:p>
-          <a:p>
-            <a:pPr marL="0" indent="0">
-              <a:buNone/>
-            </a:pPr>
-            <a:r>
-              <a:rPr lang="en-US" dirty="0"/>
-              <a:t>Mesh or geometry</a:t>
-            </a:r>
-          </a:p>
-          <a:p>
-            <a:pPr marL="0" indent="0">
-              <a:buNone/>
-            </a:pPr>
-            <a:r>
-              <a:rPr lang="en-US" dirty="0"/>
-              <a:t>         Vertices, edges and faces defining a 3D object</a:t>
-            </a:r>
-          </a:p>
-          <a:p>
-            <a:pPr marL="0" indent="0">
-              <a:buNone/>
-            </a:pPr>
-            <a:endParaRPr lang="en-US" dirty="0"/>
-          </a:p>
-          <a:p>
-            <a:pPr marL="0" indent="0">
-              <a:buNone/>
-            </a:pPr>
-            <a:r>
-              <a:rPr lang="en-US" dirty="0"/>
-              <a:t>Texture</a:t>
-            </a:r>
-          </a:p>
-          <a:p>
-            <a:pPr marL="0" indent="0">
-              <a:buNone/>
-            </a:pPr>
-            <a:r>
-              <a:rPr lang="en-US" dirty="0"/>
-              <a:t>         Color and appearance of a surface</a:t>
-            </a:r>
-          </a:p>
-          <a:p>
-            <a:pPr marL="0" indent="0">
-              <a:buNone/>
-            </a:pPr>
-            <a:endParaRPr lang="en-US" dirty="0"/>
-          </a:p>
-          <a:p>
-            <a:pPr marL="0" indent="0">
-              <a:buNone/>
-            </a:pPr>
-            <a:r>
-              <a:rPr lang="en-US" dirty="0"/>
-              <a:t>Full representation: mesh and texture</a:t>
-            </a:r>
-          </a:p>
-          <a:p>
-            <a:pPr marL="0" indent="0">
-              <a:buNone/>
-            </a:pPr>
-            <a:endParaRPr lang="en-US" dirty="0"/>
-          </a:p>
-        </p:txBody>
-      </p:sp>
-    </p:spTree>
-    <p:extLst>
-      <p:ext uri="{BB962C8B-B14F-4D97-AF65-F5344CB8AC3E}">
-        <p14:creationId xmlns:p14="http://schemas.microsoft.com/office/powerpoint/2010/main" val="331694600"/>
-      </p:ext>
-    </p:extLst>
-  </p:cSld>
-  <p:clrMapOvr>
-    <a:masterClrMapping/>
-  </p:clrMapOvr>
-</p:sld>
-</file>
-
-<file path=ppt/slides/slide8.xml><?xml version="1.0" encoding="utf-8"?>
-<p:sld xmlns:a="http://schemas.openxmlformats.org/drawingml/2006/main" xmlns:r="http://schemas.openxmlformats.org/officeDocument/2006/relationships" xmlns:p="http://schemas.openxmlformats.org/presentationml/2006/main">
-  <p:cSld>
-    <p:spTree>
-      <p:nvGrpSpPr>
-        <p:cNvPr id="1" name=""/>
-        <p:cNvGrpSpPr/>
-        <p:nvPr/>
-      </p:nvGrpSpPr>
-      <p:grpSpPr>
-        <a:xfrm>
-          <a:off x="0" y="0"/>
-          <a:ext cx="0" cy="0"/>
-          <a:chOff x="0" y="0"/>
-          <a:chExt cx="0" cy="0"/>
-        </a:xfrm>
-      </p:grpSpPr>
-      <p:sp>
-        <p:nvSpPr>
-          <p:cNvPr id="2" name="Title 1">
-            <a:extLst>
-              <a:ext uri="{FF2B5EF4-FFF2-40B4-BE49-F238E27FC236}">
-                <a16:creationId xmlns:a16="http://schemas.microsoft.com/office/drawing/2014/main" id="{86A57BC5-3FDD-1DAF-88C5-EAEC45FEF576}"/>
-              </a:ext>
-            </a:extLst>
-          </p:cNvPr>
-          <p:cNvSpPr>
-            <a:spLocks noGrp="1"/>
-          </p:cNvSpPr>
-          <p:nvPr>
-            <p:ph type="title"/>
-          </p:nvPr>
-        </p:nvSpPr>
-        <p:spPr/>
-        <p:txBody>
-          <a:bodyPr/>
-          <a:lstStyle/>
-          <a:p>
-            <a:r>
-              <a:rPr lang="en-US" dirty="0"/>
-              <a:t>Pre-defined A-Frame geometries </a:t>
-            </a:r>
-          </a:p>
-        </p:txBody>
-      </p:sp>
-      <p:sp>
-        <p:nvSpPr>
-          <p:cNvPr id="3" name="Content Placeholder 2">
-            <a:extLst>
-              <a:ext uri="{FF2B5EF4-FFF2-40B4-BE49-F238E27FC236}">
-                <a16:creationId xmlns:a16="http://schemas.microsoft.com/office/drawing/2014/main" id="{D4698390-75C6-9012-6E4C-1D6177CC45BA}"/>
-              </a:ext>
-            </a:extLst>
-          </p:cNvPr>
-          <p:cNvSpPr>
-            <a:spLocks noGrp="1"/>
-          </p:cNvSpPr>
-          <p:nvPr>
-            <p:ph idx="1"/>
-          </p:nvPr>
-        </p:nvSpPr>
-        <p:spPr/>
-        <p:txBody>
-          <a:bodyPr/>
-          <a:lstStyle/>
-          <a:p>
-            <a:pPr marL="0" indent="0">
-              <a:buNone/>
-            </a:pPr>
-            <a:endParaRPr lang="en-US" dirty="0"/>
-          </a:p>
-          <a:p>
-            <a:pPr marL="0" indent="0">
-              <a:buNone/>
-            </a:pPr>
-            <a:endParaRPr lang="en-US" dirty="0"/>
-          </a:p>
-          <a:p>
-            <a:pPr marL="0" indent="0">
-              <a:buNone/>
-            </a:pPr>
-            <a:endParaRPr lang="en-US" dirty="0"/>
-          </a:p>
-        </p:txBody>
-      </p:sp>
-      <p:pic>
-        <p:nvPicPr>
-          <p:cNvPr id="5" name="Picture 4">
-            <a:extLst>
-              <a:ext uri="{FF2B5EF4-FFF2-40B4-BE49-F238E27FC236}">
-                <a16:creationId xmlns:a16="http://schemas.microsoft.com/office/drawing/2014/main" id="{E0ABA5CA-1762-AD6A-A287-464540917C0D}"/>
-              </a:ext>
-            </a:extLst>
-          </p:cNvPr>
-          <p:cNvPicPr>
-            <a:picLocks noChangeAspect="1"/>
-          </p:cNvPicPr>
-          <p:nvPr/>
-        </p:nvPicPr>
-        <p:blipFill>
-          <a:blip r:embed="rId3"/>
-          <a:stretch>
-            <a:fillRect/>
-          </a:stretch>
-        </p:blipFill>
-        <p:spPr>
-          <a:xfrm>
-            <a:off x="506027" y="2270341"/>
-            <a:ext cx="10447594" cy="4431220"/>
-          </a:xfrm>
-          <a:prstGeom prst="rect">
-            <a:avLst/>
-          </a:prstGeom>
-        </p:spPr>
-      </p:pic>
-    </p:spTree>
-    <p:extLst>
-      <p:ext uri="{BB962C8B-B14F-4D97-AF65-F5344CB8AC3E}">
-        <p14:creationId xmlns:p14="http://schemas.microsoft.com/office/powerpoint/2010/main" val="2035281295"/>
-      </p:ext>
-    </p:extLst>
-  </p:cSld>
-  <p:clrMapOvr>
-    <a:masterClrMapping/>
-  </p:clrMapOvr>
-</p:sld>
-</file>
-
-<file path=ppt/slides/slide9.xml><?xml version="1.0" encoding="utf-8"?>
-<p:sld xmlns:a="http://schemas.openxmlformats.org/drawingml/2006/main" xmlns:r="http://schemas.openxmlformats.org/officeDocument/2006/relationships" xmlns:p="http://schemas.openxmlformats.org/presentationml/2006/main">
-  <p:cSld>
-    <p:spTree>
-      <p:nvGrpSpPr>
-        <p:cNvPr id="1" name=""/>
-        <p:cNvGrpSpPr/>
-        <p:nvPr/>
-      </p:nvGrpSpPr>
-      <p:grpSpPr>
-        <a:xfrm>
-          <a:off x="0" y="0"/>
-          <a:ext cx="0" cy="0"/>
-          <a:chOff x="0" y="0"/>
-          <a:chExt cx="0" cy="0"/>
-        </a:xfrm>
-      </p:grpSpPr>
-      <p:sp>
-        <p:nvSpPr>
-          <p:cNvPr id="2" name="Title 1">
-            <a:extLst>
-              <a:ext uri="{FF2B5EF4-FFF2-40B4-BE49-F238E27FC236}">
-                <a16:creationId xmlns:a16="http://schemas.microsoft.com/office/drawing/2014/main" id="{E745A866-15E2-DE3C-5CE2-86809B89384A}"/>
-              </a:ext>
-            </a:extLst>
-          </p:cNvPr>
-          <p:cNvSpPr>
-            <a:spLocks noGrp="1"/>
-          </p:cNvSpPr>
-          <p:nvPr>
-            <p:ph type="title"/>
-          </p:nvPr>
-        </p:nvSpPr>
-        <p:spPr/>
-        <p:txBody>
-          <a:bodyPr/>
-          <a:lstStyle/>
-          <a:p>
-            <a:r>
-              <a:rPr lang="en-US" dirty="0">
-                <a:solidFill>
-                  <a:srgbClr val="0070C0"/>
-                </a:solidFill>
-              </a:rPr>
-              <a:t>Textures</a:t>
-            </a:r>
-          </a:p>
-        </p:txBody>
-      </p:sp>
-      <p:sp>
-        <p:nvSpPr>
-          <p:cNvPr id="3" name="Content Placeholder 2">
-            <a:extLst>
-              <a:ext uri="{FF2B5EF4-FFF2-40B4-BE49-F238E27FC236}">
-                <a16:creationId xmlns:a16="http://schemas.microsoft.com/office/drawing/2014/main" id="{0043848A-4F1B-16BA-1750-A6ACDC7FE72A}"/>
-              </a:ext>
-            </a:extLst>
-          </p:cNvPr>
-          <p:cNvSpPr>
-            <a:spLocks noGrp="1"/>
-          </p:cNvSpPr>
-          <p:nvPr>
-            <p:ph idx="1"/>
-          </p:nvPr>
-        </p:nvSpPr>
-        <p:spPr/>
-        <p:txBody>
-          <a:bodyPr>
-            <a:normAutofit/>
-          </a:bodyPr>
-          <a:lstStyle/>
-          <a:p>
-            <a:pPr marL="0" indent="0">
-              <a:buNone/>
-            </a:pPr>
-            <a:r>
-              <a:rPr lang="en-US" sz="2400" dirty="0"/>
-              <a:t>Another tab</a:t>
-            </a:r>
-          </a:p>
-          <a:p>
-            <a:pPr marL="0" indent="0">
-              <a:buNone/>
-            </a:pPr>
-            <a:endParaRPr lang="en-US" sz="2400" dirty="0"/>
-          </a:p>
-          <a:p>
-            <a:pPr marL="0" indent="0">
-              <a:buNone/>
-            </a:pPr>
-            <a:r>
-              <a:rPr lang="en-US" sz="2400" dirty="0">
-                <a:hlinkClick r:id="rId2"/>
-              </a:rPr>
-              <a:t>https://github.com/aframevr/sample-assets/tree/master/assets/images</a:t>
-            </a:r>
-            <a:endParaRPr lang="en-US" sz="2400" dirty="0"/>
-          </a:p>
-          <a:p>
-            <a:pPr marL="0" indent="0">
-              <a:buNone/>
-            </a:pPr>
-            <a:endParaRPr lang="en-US" sz="2400" dirty="0"/>
-          </a:p>
-          <a:p>
-            <a:pPr marL="0" indent="0">
-              <a:buNone/>
-            </a:pPr>
-            <a:endParaRPr lang="en-US" sz="2400" dirty="0"/>
-          </a:p>
-          <a:p>
-            <a:pPr marL="0" indent="0">
-              <a:buNone/>
-            </a:pPr>
-            <a:r>
-              <a:rPr lang="en-US" sz="2400" dirty="0"/>
-              <a:t>Make our own </a:t>
-            </a:r>
-            <a:r>
-              <a:rPr lang="en-US" sz="2400" dirty="0" err="1"/>
-              <a:t>src</a:t>
-            </a:r>
-            <a:r>
-              <a:rPr lang="en-US" sz="2400" dirty="0"/>
-              <a:t>=“…”</a:t>
-            </a:r>
-          </a:p>
-        </p:txBody>
-      </p:sp>
-    </p:spTree>
-    <p:extLst>
-      <p:ext uri="{BB962C8B-B14F-4D97-AF65-F5344CB8AC3E}">
-        <p14:creationId xmlns:p14="http://schemas.microsoft.com/office/powerpoint/2010/main" val="3508056237"/>
       </p:ext>
     </p:extLst>
   </p:cSld>

--- a/p02/A-frame-geometric-objects.pptx
+++ b/p02/A-frame-geometric-objects.pptx
@@ -5,25 +5,27 @@
     <p:sldMasterId id="2147483660" r:id="rId1"/>
   </p:sldMasterIdLst>
   <p:notesMasterIdLst>
-    <p:notesMasterId r:id="rId18"/>
+    <p:notesMasterId r:id="rId20"/>
   </p:notesMasterIdLst>
   <p:sldIdLst>
     <p:sldId id="296" r:id="rId2"/>
-    <p:sldId id="259" r:id="rId3"/>
-    <p:sldId id="290" r:id="rId4"/>
-    <p:sldId id="282" r:id="rId5"/>
-    <p:sldId id="270" r:id="rId6"/>
-    <p:sldId id="280" r:id="rId7"/>
-    <p:sldId id="284" r:id="rId8"/>
-    <p:sldId id="274" r:id="rId9"/>
-    <p:sldId id="272" r:id="rId10"/>
-    <p:sldId id="277" r:id="rId11"/>
-    <p:sldId id="285" r:id="rId12"/>
-    <p:sldId id="287" r:id="rId13"/>
-    <p:sldId id="288" r:id="rId14"/>
-    <p:sldId id="279" r:id="rId15"/>
-    <p:sldId id="283" r:id="rId16"/>
-    <p:sldId id="297" r:id="rId17"/>
+    <p:sldId id="298" r:id="rId3"/>
+    <p:sldId id="259" r:id="rId4"/>
+    <p:sldId id="290" r:id="rId5"/>
+    <p:sldId id="282" r:id="rId6"/>
+    <p:sldId id="299" r:id="rId7"/>
+    <p:sldId id="270" r:id="rId8"/>
+    <p:sldId id="280" r:id="rId9"/>
+    <p:sldId id="284" r:id="rId10"/>
+    <p:sldId id="274" r:id="rId11"/>
+    <p:sldId id="272" r:id="rId12"/>
+    <p:sldId id="277" r:id="rId13"/>
+    <p:sldId id="285" r:id="rId14"/>
+    <p:sldId id="287" r:id="rId15"/>
+    <p:sldId id="288" r:id="rId16"/>
+    <p:sldId id="279" r:id="rId17"/>
+    <p:sldId id="283" r:id="rId18"/>
+    <p:sldId id="297" r:id="rId19"/>
   </p:sldIdLst>
   <p:sldSz cx="12192000" cy="6858000"/>
   <p:notesSz cx="7019925" cy="9305925"/>
@@ -220,7 +222,7 @@
           <a:p>
             <a:fld id="{FA1E3CD0-6E24-4AC0-945A-82AEC1490673}" type="datetimeFigureOut">
               <a:rPr lang="en-US" smtClean="0"/>
-              <a:t>6/19/2024</a:t>
+              <a:t>6/21/2024</a:t>
             </a:fld>
             <a:endParaRPr lang="en-US"/>
           </a:p>
@@ -555,7 +557,7 @@
           <a:p>
             <a:fld id="{9BA6B424-CA33-4A3E-9131-9279D1BF9385}" type="slidenum">
               <a:rPr lang="en-US" smtClean="0"/>
-              <a:t>7</a:t>
+              <a:t>9</a:t>
             </a:fld>
             <a:endParaRPr lang="en-US"/>
           </a:p>
@@ -713,7 +715,7 @@
           <a:p>
             <a:fld id="{C168DB89-C76A-451A-996D-4E290BC9251E}" type="slidenum">
               <a:rPr lang="en-US" smtClean="0"/>
-              <a:t>12</a:t>
+              <a:t>14</a:t>
             </a:fld>
             <a:endParaRPr lang="en-US"/>
           </a:p>
@@ -871,7 +873,7 @@
           <a:p>
             <a:fld id="{C168DB89-C76A-451A-996D-4E290BC9251E}" type="slidenum">
               <a:rPr lang="en-US" smtClean="0"/>
-              <a:t>13</a:t>
+              <a:t>15</a:t>
             </a:fld>
             <a:endParaRPr lang="en-US"/>
           </a:p>
@@ -1021,7 +1023,7 @@
           <a:p>
             <a:fld id="{846CE7D5-CF57-46EF-B807-FDD0502418D4}" type="datetimeFigureOut">
               <a:rPr lang="en-US" smtClean="0"/>
-              <a:t>6/19/2024</a:t>
+              <a:t>6/21/2024</a:t>
             </a:fld>
             <a:endParaRPr lang="en-US"/>
           </a:p>
@@ -1191,7 +1193,7 @@
           <a:p>
             <a:fld id="{846CE7D5-CF57-46EF-B807-FDD0502418D4}" type="datetimeFigureOut">
               <a:rPr lang="en-US" smtClean="0"/>
-              <a:t>6/19/2024</a:t>
+              <a:t>6/21/2024</a:t>
             </a:fld>
             <a:endParaRPr lang="en-US"/>
           </a:p>
@@ -1371,7 +1373,7 @@
           <a:p>
             <a:fld id="{846CE7D5-CF57-46EF-B807-FDD0502418D4}" type="datetimeFigureOut">
               <a:rPr lang="en-US" smtClean="0"/>
-              <a:t>6/19/2024</a:t>
+              <a:t>6/21/2024</a:t>
             </a:fld>
             <a:endParaRPr lang="en-US"/>
           </a:p>
@@ -1541,7 +1543,7 @@
           <a:p>
             <a:fld id="{846CE7D5-CF57-46EF-B807-FDD0502418D4}" type="datetimeFigureOut">
               <a:rPr lang="en-US" smtClean="0"/>
-              <a:t>6/19/2024</a:t>
+              <a:t>6/21/2024</a:t>
             </a:fld>
             <a:endParaRPr lang="en-US"/>
           </a:p>
@@ -1787,7 +1789,7 @@
           <a:p>
             <a:fld id="{846CE7D5-CF57-46EF-B807-FDD0502418D4}" type="datetimeFigureOut">
               <a:rPr lang="en-US" smtClean="0"/>
-              <a:t>6/19/2024</a:t>
+              <a:t>6/21/2024</a:t>
             </a:fld>
             <a:endParaRPr lang="en-US"/>
           </a:p>
@@ -2019,7 +2021,7 @@
           <a:p>
             <a:fld id="{846CE7D5-CF57-46EF-B807-FDD0502418D4}" type="datetimeFigureOut">
               <a:rPr lang="en-US" smtClean="0"/>
-              <a:t>6/19/2024</a:t>
+              <a:t>6/21/2024</a:t>
             </a:fld>
             <a:endParaRPr lang="en-US"/>
           </a:p>
@@ -2386,7 +2388,7 @@
           <a:p>
             <a:fld id="{846CE7D5-CF57-46EF-B807-FDD0502418D4}" type="datetimeFigureOut">
               <a:rPr lang="en-US" smtClean="0"/>
-              <a:t>6/19/2024</a:t>
+              <a:t>6/21/2024</a:t>
             </a:fld>
             <a:endParaRPr lang="en-US"/>
           </a:p>
@@ -2504,7 +2506,7 @@
           <a:p>
             <a:fld id="{846CE7D5-CF57-46EF-B807-FDD0502418D4}" type="datetimeFigureOut">
               <a:rPr lang="en-US" smtClean="0"/>
-              <a:t>6/19/2024</a:t>
+              <a:t>6/21/2024</a:t>
             </a:fld>
             <a:endParaRPr lang="en-US"/>
           </a:p>
@@ -2599,7 +2601,7 @@
           <a:p>
             <a:fld id="{846CE7D5-CF57-46EF-B807-FDD0502418D4}" type="datetimeFigureOut">
               <a:rPr lang="en-US" smtClean="0"/>
-              <a:t>6/19/2024</a:t>
+              <a:t>6/21/2024</a:t>
             </a:fld>
             <a:endParaRPr lang="en-US"/>
           </a:p>
@@ -2876,7 +2878,7 @@
           <a:p>
             <a:fld id="{846CE7D5-CF57-46EF-B807-FDD0502418D4}" type="datetimeFigureOut">
               <a:rPr lang="en-US" smtClean="0"/>
-              <a:t>6/19/2024</a:t>
+              <a:t>6/21/2024</a:t>
             </a:fld>
             <a:endParaRPr lang="en-US"/>
           </a:p>
@@ -3133,7 +3135,7 @@
           <a:p>
             <a:fld id="{846CE7D5-CF57-46EF-B807-FDD0502418D4}" type="datetimeFigureOut">
               <a:rPr lang="en-US" smtClean="0"/>
-              <a:t>6/19/2024</a:t>
+              <a:t>6/21/2024</a:t>
             </a:fld>
             <a:endParaRPr lang="en-US"/>
           </a:p>
@@ -3346,7 +3348,7 @@
           <a:p>
             <a:fld id="{846CE7D5-CF57-46EF-B807-FDD0502418D4}" type="datetimeFigureOut">
               <a:rPr lang="en-US" smtClean="0"/>
-              <a:t>6/19/2024</a:t>
+              <a:t>6/21/2024</a:t>
             </a:fld>
             <a:endParaRPr lang="en-US"/>
           </a:p>
@@ -5234,2283 +5236,6 @@
           <p:cNvPr id="2" name="Title 1">
             <a:extLst>
               <a:ext uri="{FF2B5EF4-FFF2-40B4-BE49-F238E27FC236}">
-                <a16:creationId xmlns:a16="http://schemas.microsoft.com/office/drawing/2014/main" id="{2E3AF7C0-61C7-630C-2CFE-867FCA196582}"/>
-              </a:ext>
-            </a:extLst>
-          </p:cNvPr>
-          <p:cNvSpPr>
-            <a:spLocks noGrp="1"/>
-          </p:cNvSpPr>
-          <p:nvPr>
-            <p:ph type="title"/>
-          </p:nvPr>
-        </p:nvSpPr>
-        <p:spPr/>
-        <p:txBody>
-          <a:bodyPr/>
-          <a:lstStyle/>
-          <a:p>
-            <a:r>
-              <a:rPr lang="en-US" b="1" dirty="0">
-                <a:solidFill>
-                  <a:srgbClr val="0070C0"/>
-                </a:solidFill>
-              </a:rPr>
-              <a:t>A-box</a:t>
-            </a:r>
-          </a:p>
-        </p:txBody>
-      </p:sp>
-      <p:sp>
-        <p:nvSpPr>
-          <p:cNvPr id="3" name="Content Placeholder 2">
-            <a:extLst>
-              <a:ext uri="{FF2B5EF4-FFF2-40B4-BE49-F238E27FC236}">
-                <a16:creationId xmlns:a16="http://schemas.microsoft.com/office/drawing/2014/main" id="{6AAC67BA-BB43-8852-DE38-9E906D9918E4}"/>
-              </a:ext>
-            </a:extLst>
-          </p:cNvPr>
-          <p:cNvSpPr>
-            <a:spLocks noGrp="1"/>
-          </p:cNvSpPr>
-          <p:nvPr>
-            <p:ph idx="1"/>
-          </p:nvPr>
-        </p:nvSpPr>
-        <p:spPr/>
-        <p:txBody>
-          <a:bodyPr>
-            <a:normAutofit fontScale="92500" lnSpcReduction="20000"/>
-          </a:bodyPr>
-          <a:lstStyle/>
-          <a:p>
-            <a:pPr marL="0" indent="0">
-              <a:buNone/>
-            </a:pPr>
-            <a:r>
-              <a:rPr lang="en-US" dirty="0"/>
-              <a:t>&lt;html&gt;</a:t>
-            </a:r>
-          </a:p>
-          <a:p>
-            <a:pPr marL="0" indent="0">
-              <a:buNone/>
-            </a:pPr>
-            <a:r>
-              <a:rPr lang="en-US" dirty="0"/>
-              <a:t>  &lt;head&gt;</a:t>
-            </a:r>
-          </a:p>
-          <a:p>
-            <a:pPr marL="0" indent="0">
-              <a:buNone/>
-            </a:pPr>
-            <a:r>
-              <a:rPr lang="en-US" dirty="0"/>
-              <a:t>    &lt;script </a:t>
-            </a:r>
-            <a:r>
-              <a:rPr lang="en-US" dirty="0" err="1"/>
-              <a:t>src</a:t>
-            </a:r>
-            <a:r>
-              <a:rPr lang="en-US" dirty="0"/>
-              <a:t>="https://aframe.io/releases/1.4.1/aframe.min.js"&gt;&lt;/script&gt;</a:t>
-            </a:r>
-          </a:p>
-          <a:p>
-            <a:pPr marL="0" indent="0">
-              <a:buNone/>
-            </a:pPr>
-            <a:r>
-              <a:rPr lang="en-US" dirty="0"/>
-              <a:t>  &lt;/head&gt;</a:t>
-            </a:r>
-          </a:p>
-          <a:p>
-            <a:pPr marL="0" indent="0">
-              <a:buNone/>
-            </a:pPr>
-            <a:r>
-              <a:rPr lang="en-US" dirty="0"/>
-              <a:t>  &lt;body&gt;</a:t>
-            </a:r>
-          </a:p>
-          <a:p>
-            <a:pPr marL="0" indent="0">
-              <a:buNone/>
-            </a:pPr>
-            <a:r>
-              <a:rPr lang="en-US" dirty="0"/>
-              <a:t>    &lt;a-scene&gt;</a:t>
-            </a:r>
-          </a:p>
-          <a:p>
-            <a:pPr marL="0" indent="0">
-              <a:buNone/>
-            </a:pPr>
-            <a:r>
-              <a:rPr lang="en-US" dirty="0"/>
-              <a:t>      </a:t>
-            </a:r>
-            <a:r>
-              <a:rPr lang="en-US" b="1" dirty="0">
-                <a:solidFill>
-                  <a:srgbClr val="0070C0"/>
-                </a:solidFill>
-              </a:rPr>
-              <a:t>&lt;a-box position="</a:t>
-            </a:r>
-            <a:r>
-              <a:rPr lang="en-US" dirty="0">
-                <a:solidFill>
-                  <a:srgbClr val="FF0000"/>
-                </a:solidFill>
-              </a:rPr>
-              <a:t>1.5   </a:t>
-            </a:r>
-            <a:r>
-              <a:rPr lang="en-US" dirty="0">
-                <a:solidFill>
-                  <a:srgbClr val="7030A0"/>
-                </a:solidFill>
-              </a:rPr>
-              <a:t>1</a:t>
-            </a:r>
-            <a:r>
-              <a:rPr lang="en-US" dirty="0"/>
-              <a:t>   </a:t>
-            </a:r>
-            <a:r>
-              <a:rPr lang="en-US" dirty="0">
-                <a:solidFill>
-                  <a:schemeClr val="accent1"/>
-                </a:solidFill>
-              </a:rPr>
-              <a:t>-2.0</a:t>
-            </a:r>
-            <a:r>
-              <a:rPr lang="en-US" b="1" dirty="0">
-                <a:solidFill>
-                  <a:srgbClr val="0070C0"/>
-                </a:solidFill>
-              </a:rPr>
-              <a:t>" color=“red"&gt;&lt;/a-box&gt;</a:t>
-            </a:r>
-          </a:p>
-          <a:p>
-            <a:pPr marL="0" indent="0">
-              <a:buNone/>
-            </a:pPr>
-            <a:r>
-              <a:rPr lang="en-US" dirty="0"/>
-              <a:t>    &lt;/a-scene&gt;</a:t>
-            </a:r>
-          </a:p>
-          <a:p>
-            <a:pPr marL="0" indent="0">
-              <a:buNone/>
-            </a:pPr>
-            <a:r>
-              <a:rPr lang="en-US" dirty="0"/>
-              <a:t>  &lt;/body&gt;</a:t>
-            </a:r>
-          </a:p>
-          <a:p>
-            <a:pPr marL="0" indent="0">
-              <a:buNone/>
-            </a:pPr>
-            <a:r>
-              <a:rPr lang="en-US" dirty="0"/>
-              <a:t>&lt;/html&gt;</a:t>
-            </a:r>
-          </a:p>
-          <a:p>
-            <a:pPr marL="0" indent="0">
-              <a:buNone/>
-            </a:pPr>
-            <a:endParaRPr lang="en-US" dirty="0"/>
-          </a:p>
-        </p:txBody>
-      </p:sp>
-    </p:spTree>
-    <p:extLst>
-      <p:ext uri="{BB962C8B-B14F-4D97-AF65-F5344CB8AC3E}">
-        <p14:creationId xmlns:p14="http://schemas.microsoft.com/office/powerpoint/2010/main" val="524013220"/>
-      </p:ext>
-    </p:extLst>
-  </p:cSld>
-  <p:clrMapOvr>
-    <a:masterClrMapping/>
-  </p:clrMapOvr>
-</p:sld>
-</file>
-
-<file path=ppt/slides/slide11.xml><?xml version="1.0" encoding="utf-8"?>
-<p:sld xmlns:a="http://schemas.openxmlformats.org/drawingml/2006/main" xmlns:r="http://schemas.openxmlformats.org/officeDocument/2006/relationships" xmlns:p="http://schemas.openxmlformats.org/presentationml/2006/main">
-  <p:cSld>
-    <p:spTree>
-      <p:nvGrpSpPr>
-        <p:cNvPr id="1" name=""/>
-        <p:cNvGrpSpPr/>
-        <p:nvPr/>
-      </p:nvGrpSpPr>
-      <p:grpSpPr>
-        <a:xfrm>
-          <a:off x="0" y="0"/>
-          <a:ext cx="0" cy="0"/>
-          <a:chOff x="0" y="0"/>
-          <a:chExt cx="0" cy="0"/>
-        </a:xfrm>
-      </p:grpSpPr>
-      <p:sp>
-        <p:nvSpPr>
-          <p:cNvPr id="2" name="Title 1">
-            <a:extLst>
-              <a:ext uri="{FF2B5EF4-FFF2-40B4-BE49-F238E27FC236}">
-                <a16:creationId xmlns:a16="http://schemas.microsoft.com/office/drawing/2014/main" id="{B280A489-0DE0-2146-07AC-716FE366EB05}"/>
-              </a:ext>
-            </a:extLst>
-          </p:cNvPr>
-          <p:cNvSpPr>
-            <a:spLocks noGrp="1"/>
-          </p:cNvSpPr>
-          <p:nvPr>
-            <p:ph type="title"/>
-          </p:nvPr>
-        </p:nvSpPr>
-        <p:spPr/>
-        <p:txBody>
-          <a:bodyPr/>
-          <a:lstStyle/>
-          <a:p>
-            <a:r>
-              <a:rPr lang="en-US" dirty="0"/>
-              <a:t>Design/debug</a:t>
-            </a:r>
-          </a:p>
-        </p:txBody>
-      </p:sp>
-      <p:sp>
-        <p:nvSpPr>
-          <p:cNvPr id="4" name="Content Placeholder 3">
-            <a:extLst>
-              <a:ext uri="{FF2B5EF4-FFF2-40B4-BE49-F238E27FC236}">
-                <a16:creationId xmlns:a16="http://schemas.microsoft.com/office/drawing/2014/main" id="{66E58437-F02E-527F-5695-8726A6DF8F79}"/>
-              </a:ext>
-            </a:extLst>
-          </p:cNvPr>
-          <p:cNvSpPr txBox="1">
-            <a:spLocks noGrp="1"/>
-          </p:cNvSpPr>
-          <p:nvPr>
-            <p:ph idx="1"/>
-          </p:nvPr>
-        </p:nvSpPr>
-        <p:spPr>
-          <a:xfrm>
-            <a:off x="838200" y="1825625"/>
-            <a:ext cx="5818581" cy="480131"/>
-          </a:xfrm>
-          <a:prstGeom prst="rect">
-            <a:avLst/>
-          </a:prstGeom>
-          <a:noFill/>
-        </p:spPr>
-        <p:txBody>
-          <a:bodyPr wrap="none" rtlCol="0">
-            <a:spAutoFit/>
-          </a:bodyPr>
-          <a:lstStyle/>
-          <a:p>
-            <a:pPr marL="0" indent="0">
-              <a:buNone/>
-            </a:pPr>
-            <a:r>
-              <a:rPr lang="en-US" dirty="0">
-                <a:highlight>
-                  <a:srgbClr val="00FFFF"/>
-                </a:highlight>
-              </a:rPr>
-              <a:t>CTRL-ALT-I in browser</a:t>
-            </a:r>
-            <a:r>
-              <a:rPr lang="en-US" dirty="0"/>
-              <a:t>    for debugging</a:t>
-            </a:r>
-          </a:p>
-        </p:txBody>
-      </p:sp>
-      <p:pic>
-        <p:nvPicPr>
-          <p:cNvPr id="6" name="Picture 5">
-            <a:extLst>
-              <a:ext uri="{FF2B5EF4-FFF2-40B4-BE49-F238E27FC236}">
-                <a16:creationId xmlns:a16="http://schemas.microsoft.com/office/drawing/2014/main" id="{76C58D49-968F-F404-3361-8E985E5306EC}"/>
-              </a:ext>
-            </a:extLst>
-          </p:cNvPr>
-          <p:cNvPicPr>
-            <a:picLocks noChangeAspect="1"/>
-          </p:cNvPicPr>
-          <p:nvPr/>
-        </p:nvPicPr>
-        <p:blipFill>
-          <a:blip r:embed="rId2"/>
-          <a:stretch>
-            <a:fillRect/>
-          </a:stretch>
-        </p:blipFill>
-        <p:spPr>
-          <a:xfrm>
-            <a:off x="7276395" y="2909479"/>
-            <a:ext cx="3861612" cy="2754474"/>
-          </a:xfrm>
-          <a:prstGeom prst="rect">
-            <a:avLst/>
-          </a:prstGeom>
-        </p:spPr>
-      </p:pic>
-    </p:spTree>
-    <p:extLst>
-      <p:ext uri="{BB962C8B-B14F-4D97-AF65-F5344CB8AC3E}">
-        <p14:creationId xmlns:p14="http://schemas.microsoft.com/office/powerpoint/2010/main" val="1100561325"/>
-      </p:ext>
-    </p:extLst>
-  </p:cSld>
-  <p:clrMapOvr>
-    <a:masterClrMapping/>
-  </p:clrMapOvr>
-</p:sld>
-</file>
-
-<file path=ppt/slides/slide12.xml><?xml version="1.0" encoding="utf-8"?>
-<p:sld xmlns:a="http://schemas.openxmlformats.org/drawingml/2006/main" xmlns:r="http://schemas.openxmlformats.org/officeDocument/2006/relationships" xmlns:p="http://schemas.openxmlformats.org/presentationml/2006/main">
-  <p:cSld>
-    <p:spTree>
-      <p:nvGrpSpPr>
-        <p:cNvPr id="1" name=""/>
-        <p:cNvGrpSpPr/>
-        <p:nvPr/>
-      </p:nvGrpSpPr>
-      <p:grpSpPr>
-        <a:xfrm>
-          <a:off x="0" y="0"/>
-          <a:ext cx="0" cy="0"/>
-          <a:chOff x="0" y="0"/>
-          <a:chExt cx="0" cy="0"/>
-        </a:xfrm>
-      </p:grpSpPr>
-      <p:sp>
-        <p:nvSpPr>
-          <p:cNvPr id="2" name="Title 1">
-            <a:extLst>
-              <a:ext uri="{FF2B5EF4-FFF2-40B4-BE49-F238E27FC236}">
-                <a16:creationId xmlns:a16="http://schemas.microsoft.com/office/drawing/2014/main" id="{E6260739-36CE-BC4A-27C4-4FF2F0C3FBC4}"/>
-              </a:ext>
-            </a:extLst>
-          </p:cNvPr>
-          <p:cNvSpPr>
-            <a:spLocks noGrp="1"/>
-          </p:cNvSpPr>
-          <p:nvPr>
-            <p:ph type="title"/>
-          </p:nvPr>
-        </p:nvSpPr>
-        <p:spPr/>
-        <p:txBody>
-          <a:bodyPr/>
-          <a:lstStyle/>
-          <a:p>
-            <a:r>
-              <a:rPr lang="en-US" dirty="0"/>
-              <a:t>Full visual representation = mesh + texture</a:t>
-            </a:r>
-          </a:p>
-        </p:txBody>
-      </p:sp>
-      <p:sp>
-        <p:nvSpPr>
-          <p:cNvPr id="3" name="Content Placeholder 2">
-            <a:extLst>
-              <a:ext uri="{FF2B5EF4-FFF2-40B4-BE49-F238E27FC236}">
-                <a16:creationId xmlns:a16="http://schemas.microsoft.com/office/drawing/2014/main" id="{EB703B64-77DE-A506-1049-74E3492B36E0}"/>
-              </a:ext>
-            </a:extLst>
-          </p:cNvPr>
-          <p:cNvSpPr>
-            <a:spLocks noGrp="1"/>
-          </p:cNvSpPr>
-          <p:nvPr>
-            <p:ph idx="1"/>
-          </p:nvPr>
-        </p:nvSpPr>
-        <p:spPr/>
-        <p:txBody>
-          <a:bodyPr>
-            <a:normAutofit lnSpcReduction="10000"/>
-          </a:bodyPr>
-          <a:lstStyle/>
-          <a:p>
-            <a:pPr marL="0" indent="0">
-              <a:buNone/>
-            </a:pPr>
-            <a:r>
-              <a:rPr lang="en-US" dirty="0"/>
-              <a:t>https://www.shadedrelief.com/natural3/pages/textures.html</a:t>
-            </a:r>
-          </a:p>
-          <a:p>
-            <a:pPr marL="0" indent="0">
-              <a:buNone/>
-            </a:pPr>
-            <a:endParaRPr lang="en-US" dirty="0"/>
-          </a:p>
-          <a:p>
-            <a:pPr marL="0" indent="0">
-              <a:buNone/>
-            </a:pPr>
-            <a:r>
-              <a:rPr lang="en-US" u="sng" dirty="0"/>
-              <a:t>a-sphere.html</a:t>
-            </a:r>
-          </a:p>
-          <a:p>
-            <a:pPr marL="0" indent="0">
-              <a:buNone/>
-            </a:pPr>
-            <a:endParaRPr lang="en-US" dirty="0"/>
-          </a:p>
-          <a:p>
-            <a:pPr marL="0" indent="0">
-              <a:buNone/>
-            </a:pPr>
-            <a:r>
-              <a:rPr lang="en-US" dirty="0"/>
-              <a:t>&lt;a-scene&gt;</a:t>
-            </a:r>
-          </a:p>
-          <a:p>
-            <a:pPr marL="0" indent="0">
-              <a:buNone/>
-            </a:pPr>
-            <a:r>
-              <a:rPr lang="en-US" dirty="0"/>
-              <a:t>      &lt;a-sphere position="0 3 -5" </a:t>
-            </a:r>
-            <a:r>
-              <a:rPr lang="en-US" dirty="0" err="1"/>
-              <a:t>src</a:t>
-            </a:r>
-            <a:r>
-              <a:rPr lang="en-US" dirty="0"/>
-              <a:t>="./IMAGES/waternormals.jpg" 			  radius="1"&gt;</a:t>
-            </a:r>
-          </a:p>
-          <a:p>
-            <a:pPr marL="0" indent="0">
-              <a:spcBef>
-                <a:spcPts val="0"/>
-              </a:spcBef>
-              <a:buNone/>
-            </a:pPr>
-            <a:r>
-              <a:rPr lang="en-US" dirty="0"/>
-              <a:t>      &lt;/a-sphere&gt;</a:t>
-            </a:r>
-          </a:p>
-          <a:p>
-            <a:pPr marL="0" indent="0">
-              <a:spcBef>
-                <a:spcPts val="0"/>
-              </a:spcBef>
-              <a:buNone/>
-            </a:pPr>
-            <a:endParaRPr lang="en-US" dirty="0"/>
-          </a:p>
-          <a:p>
-            <a:pPr marL="0" indent="0">
-              <a:buNone/>
-            </a:pPr>
-            <a:r>
-              <a:rPr lang="en-US" dirty="0"/>
-              <a:t>&lt;/a-scene&gt;</a:t>
-            </a:r>
-          </a:p>
-        </p:txBody>
-      </p:sp>
-    </p:spTree>
-    <p:extLst>
-      <p:ext uri="{BB962C8B-B14F-4D97-AF65-F5344CB8AC3E}">
-        <p14:creationId xmlns:p14="http://schemas.microsoft.com/office/powerpoint/2010/main" val="3023118603"/>
-      </p:ext>
-    </p:extLst>
-  </p:cSld>
-  <p:clrMapOvr>
-    <a:masterClrMapping/>
-  </p:clrMapOvr>
-</p:sld>
-</file>
-
-<file path=ppt/slides/slide13.xml><?xml version="1.0" encoding="utf-8"?>
-<p:sld xmlns:a="http://schemas.openxmlformats.org/drawingml/2006/main" xmlns:r="http://schemas.openxmlformats.org/officeDocument/2006/relationships" xmlns:p="http://schemas.openxmlformats.org/presentationml/2006/main">
-  <p:cSld>
-    <p:spTree>
-      <p:nvGrpSpPr>
-        <p:cNvPr id="1" name=""/>
-        <p:cNvGrpSpPr/>
-        <p:nvPr/>
-      </p:nvGrpSpPr>
-      <p:grpSpPr>
-        <a:xfrm>
-          <a:off x="0" y="0"/>
-          <a:ext cx="0" cy="0"/>
-          <a:chOff x="0" y="0"/>
-          <a:chExt cx="0" cy="0"/>
-        </a:xfrm>
-      </p:grpSpPr>
-      <p:sp>
-        <p:nvSpPr>
-          <p:cNvPr id="2" name="Title 1">
-            <a:extLst>
-              <a:ext uri="{FF2B5EF4-FFF2-40B4-BE49-F238E27FC236}">
-                <a16:creationId xmlns:a16="http://schemas.microsoft.com/office/drawing/2014/main" id="{E6260739-36CE-BC4A-27C4-4FF2F0C3FBC4}"/>
-              </a:ext>
-            </a:extLst>
-          </p:cNvPr>
-          <p:cNvSpPr>
-            <a:spLocks noGrp="1"/>
-          </p:cNvSpPr>
-          <p:nvPr>
-            <p:ph type="title"/>
-          </p:nvPr>
-        </p:nvSpPr>
-        <p:spPr/>
-        <p:txBody>
-          <a:bodyPr/>
-          <a:lstStyle/>
-          <a:p>
-            <a:r>
-              <a:rPr lang="en-US" dirty="0"/>
-              <a:t>Full visual representation = mesh + texture</a:t>
-            </a:r>
-          </a:p>
-        </p:txBody>
-      </p:sp>
-      <p:sp>
-        <p:nvSpPr>
-          <p:cNvPr id="3" name="Content Placeholder 2">
-            <a:extLst>
-              <a:ext uri="{FF2B5EF4-FFF2-40B4-BE49-F238E27FC236}">
-                <a16:creationId xmlns:a16="http://schemas.microsoft.com/office/drawing/2014/main" id="{EB703B64-77DE-A506-1049-74E3492B36E0}"/>
-              </a:ext>
-            </a:extLst>
-          </p:cNvPr>
-          <p:cNvSpPr>
-            <a:spLocks noGrp="1"/>
-          </p:cNvSpPr>
-          <p:nvPr>
-            <p:ph idx="1"/>
-          </p:nvPr>
-        </p:nvSpPr>
-        <p:spPr/>
-        <p:txBody>
-          <a:bodyPr>
-            <a:normAutofit/>
-          </a:bodyPr>
-          <a:lstStyle/>
-          <a:p>
-            <a:pPr marL="0" indent="0">
-              <a:buNone/>
-            </a:pPr>
-            <a:r>
-              <a:rPr lang="en-US" dirty="0">
-                <a:solidFill>
-                  <a:schemeClr val="accent5">
-                    <a:lumMod val="50000"/>
-                  </a:schemeClr>
-                </a:solidFill>
-              </a:rPr>
-              <a:t>A-box</a:t>
-            </a:r>
-          </a:p>
-          <a:p>
-            <a:pPr marL="0" indent="0">
-              <a:buNone/>
-            </a:pPr>
-            <a:endParaRPr lang="en-US" dirty="0"/>
-          </a:p>
-          <a:p>
-            <a:pPr marL="0" indent="0">
-              <a:buNone/>
-            </a:pPr>
-            <a:r>
-              <a:rPr lang="en-US" dirty="0"/>
-              <a:t>&lt;a-scene&gt;</a:t>
-            </a:r>
-          </a:p>
-          <a:p>
-            <a:pPr marL="0" indent="0">
-              <a:lnSpc>
-                <a:spcPct val="100000"/>
-              </a:lnSpc>
-              <a:spcBef>
-                <a:spcPts val="0"/>
-              </a:spcBef>
-              <a:buNone/>
-            </a:pPr>
-            <a:r>
-              <a:rPr lang="en-US" sz="2800" dirty="0"/>
-              <a:t> &lt;a-assets&gt;</a:t>
-            </a:r>
-          </a:p>
-          <a:p>
-            <a:pPr marL="0" indent="0">
-              <a:lnSpc>
-                <a:spcPct val="100000"/>
-              </a:lnSpc>
-              <a:spcBef>
-                <a:spcPts val="0"/>
-              </a:spcBef>
-              <a:buNone/>
-            </a:pPr>
-            <a:r>
-              <a:rPr lang="en-US" sz="2800" dirty="0"/>
-              <a:t>	&lt;</a:t>
-            </a:r>
-            <a:r>
-              <a:rPr lang="en-US" sz="2800" dirty="0" err="1"/>
-              <a:t>img</a:t>
-            </a:r>
-            <a:r>
-              <a:rPr lang="en-US" sz="2800" dirty="0"/>
-              <a:t> id="</a:t>
-            </a:r>
-            <a:r>
-              <a:rPr lang="en-US" sz="2800" dirty="0" err="1"/>
-              <a:t>boxTexture</a:t>
-            </a:r>
-            <a:r>
-              <a:rPr lang="en-US" sz="2800" dirty="0"/>
-              <a:t>" </a:t>
-            </a:r>
-            <a:r>
-              <a:rPr lang="en-US" sz="2800" dirty="0" err="1"/>
-              <a:t>src</a:t>
-            </a:r>
-            <a:r>
-              <a:rPr lang="en-US" sz="2800" dirty="0"/>
-              <a:t>="</a:t>
-            </a:r>
-            <a:r>
-              <a:rPr lang="en-US" sz="2800" dirty="0">
-                <a:hlinkClick r:id="rId3"/>
-              </a:rPr>
-              <a:t>https://i.imgur.com/mYmmbrp.jpg</a:t>
-            </a:r>
-            <a:r>
-              <a:rPr lang="en-US" sz="2800" dirty="0"/>
-              <a:t>"</a:t>
-            </a:r>
-          </a:p>
-          <a:p>
-            <a:pPr marL="0" indent="0">
-              <a:lnSpc>
-                <a:spcPct val="100000"/>
-              </a:lnSpc>
-              <a:spcBef>
-                <a:spcPts val="0"/>
-              </a:spcBef>
-              <a:buNone/>
-            </a:pPr>
-            <a:r>
-              <a:rPr lang="en-US" sz="2800" dirty="0"/>
-              <a:t>&lt;/a-assets&gt;</a:t>
-            </a:r>
-            <a:endParaRPr lang="en-US" dirty="0"/>
-          </a:p>
-          <a:p>
-            <a:pPr marL="0" indent="0">
-              <a:buNone/>
-            </a:pPr>
-            <a:r>
-              <a:rPr lang="en-US" dirty="0"/>
-              <a:t>&lt;a-box position="0 3 -5" </a:t>
-            </a:r>
-            <a:r>
-              <a:rPr lang="en-US" dirty="0" err="1"/>
-              <a:t>src</a:t>
-            </a:r>
-            <a:r>
-              <a:rPr lang="en-US" dirty="0"/>
-              <a:t>= “#</a:t>
-            </a:r>
-            <a:r>
-              <a:rPr lang="en-US" sz="2800" dirty="0" err="1"/>
-              <a:t>boxTexture</a:t>
-            </a:r>
-            <a:r>
-              <a:rPr lang="en-US" dirty="0"/>
-              <a:t>" radius="1"&gt;&lt;/a-box&gt;</a:t>
-            </a:r>
-          </a:p>
-          <a:p>
-            <a:pPr marL="0" indent="0">
-              <a:spcBef>
-                <a:spcPts val="0"/>
-              </a:spcBef>
-              <a:buNone/>
-            </a:pPr>
-            <a:endParaRPr lang="en-US" dirty="0"/>
-          </a:p>
-          <a:p>
-            <a:pPr marL="0" indent="0">
-              <a:buNone/>
-            </a:pPr>
-            <a:r>
-              <a:rPr lang="en-US" dirty="0"/>
-              <a:t>&lt;/a-scene&gt;</a:t>
-            </a:r>
-          </a:p>
-        </p:txBody>
-      </p:sp>
-    </p:spTree>
-    <p:extLst>
-      <p:ext uri="{BB962C8B-B14F-4D97-AF65-F5344CB8AC3E}">
-        <p14:creationId xmlns:p14="http://schemas.microsoft.com/office/powerpoint/2010/main" val="968820903"/>
-      </p:ext>
-    </p:extLst>
-  </p:cSld>
-  <p:clrMapOvr>
-    <a:masterClrMapping/>
-  </p:clrMapOvr>
-</p:sld>
-</file>
-
-<file path=ppt/slides/slide14.xml><?xml version="1.0" encoding="utf-8"?>
-<p:sld xmlns:a="http://schemas.openxmlformats.org/drawingml/2006/main" xmlns:r="http://schemas.openxmlformats.org/officeDocument/2006/relationships" xmlns:p="http://schemas.openxmlformats.org/presentationml/2006/main">
-  <p:cSld>
-    <p:spTree>
-      <p:nvGrpSpPr>
-        <p:cNvPr id="1" name=""/>
-        <p:cNvGrpSpPr/>
-        <p:nvPr/>
-      </p:nvGrpSpPr>
-      <p:grpSpPr>
-        <a:xfrm>
-          <a:off x="0" y="0"/>
-          <a:ext cx="0" cy="0"/>
-          <a:chOff x="0" y="0"/>
-          <a:chExt cx="0" cy="0"/>
-        </a:xfrm>
-      </p:grpSpPr>
-      <p:sp>
-        <p:nvSpPr>
-          <p:cNvPr id="2" name="Title 1">
-            <a:extLst>
-              <a:ext uri="{FF2B5EF4-FFF2-40B4-BE49-F238E27FC236}">
-                <a16:creationId xmlns:a16="http://schemas.microsoft.com/office/drawing/2014/main" id="{DE859745-9910-DD37-8812-5CD4D7F20FC6}"/>
-              </a:ext>
-            </a:extLst>
-          </p:cNvPr>
-          <p:cNvSpPr>
-            <a:spLocks noGrp="1"/>
-          </p:cNvSpPr>
-          <p:nvPr>
-            <p:ph type="title"/>
-          </p:nvPr>
-        </p:nvSpPr>
-        <p:spPr/>
-        <p:txBody>
-          <a:bodyPr/>
-          <a:lstStyle/>
-          <a:p>
-            <a:r>
-              <a:rPr lang="en-US" b="1" dirty="0">
-                <a:solidFill>
-                  <a:srgbClr val="0070C0"/>
-                </a:solidFill>
-              </a:rPr>
-              <a:t>Several geometric components</a:t>
-            </a:r>
-          </a:p>
-        </p:txBody>
-      </p:sp>
-      <p:sp>
-        <p:nvSpPr>
-          <p:cNvPr id="3" name="Content Placeholder 2">
-            <a:extLst>
-              <a:ext uri="{FF2B5EF4-FFF2-40B4-BE49-F238E27FC236}">
-                <a16:creationId xmlns:a16="http://schemas.microsoft.com/office/drawing/2014/main" id="{8C1F06FB-1A25-3FB9-145E-D9CEB945C343}"/>
-              </a:ext>
-            </a:extLst>
-          </p:cNvPr>
-          <p:cNvSpPr>
-            <a:spLocks noGrp="1"/>
-          </p:cNvSpPr>
-          <p:nvPr>
-            <p:ph idx="1"/>
-          </p:nvPr>
-        </p:nvSpPr>
-        <p:spPr>
-          <a:xfrm>
-            <a:off x="419100" y="1838151"/>
-            <a:ext cx="11353800" cy="4654724"/>
-          </a:xfrm>
-        </p:spPr>
-        <p:txBody>
-          <a:bodyPr>
-            <a:normAutofit/>
-          </a:bodyPr>
-          <a:lstStyle/>
-          <a:p>
-            <a:pPr marL="0" indent="0">
-              <a:buNone/>
-            </a:pPr>
-            <a:r>
-              <a:rPr lang="en-US" dirty="0"/>
-              <a:t>&lt;a-box position="-1 0.5 -3" rotation="0 45 0" color=“red"&gt;&lt;/a-box&gt;</a:t>
-            </a:r>
-          </a:p>
-          <a:p>
-            <a:pPr marL="0" indent="0">
-              <a:buNone/>
-            </a:pPr>
-            <a:endParaRPr lang="en-US" dirty="0"/>
-          </a:p>
-          <a:p>
-            <a:pPr marL="0" indent="0">
-              <a:buNone/>
-            </a:pPr>
-            <a:r>
-              <a:rPr lang="en-US" dirty="0"/>
-              <a:t>&lt;a-sphere position="0 1.25 -5" radius="1.25" color=“blue“&gt;&lt;/a-sphere&gt;</a:t>
-            </a:r>
-          </a:p>
-          <a:p>
-            <a:pPr marL="0" indent="0">
-              <a:buNone/>
-            </a:pPr>
-            <a:endParaRPr lang="en-US" dirty="0"/>
-          </a:p>
-          <a:p>
-            <a:pPr marL="0" indent="0">
-              <a:buNone/>
-            </a:pPr>
-            <a:r>
-              <a:rPr lang="en-US" dirty="0"/>
-              <a:t>&lt;a-sky color="#e9f7ff "&gt;&lt;/a-sky&gt;</a:t>
-            </a:r>
-          </a:p>
-        </p:txBody>
-      </p:sp>
-    </p:spTree>
-    <p:extLst>
-      <p:ext uri="{BB962C8B-B14F-4D97-AF65-F5344CB8AC3E}">
-        <p14:creationId xmlns:p14="http://schemas.microsoft.com/office/powerpoint/2010/main" val="2157119807"/>
-      </p:ext>
-    </p:extLst>
-  </p:cSld>
-  <p:clrMapOvr>
-    <a:masterClrMapping/>
-  </p:clrMapOvr>
-</p:sld>
-</file>
-
-<file path=ppt/slides/slide15.xml><?xml version="1.0" encoding="utf-8"?>
-<p:sld xmlns:a="http://schemas.openxmlformats.org/drawingml/2006/main" xmlns:r="http://schemas.openxmlformats.org/officeDocument/2006/relationships" xmlns:p="http://schemas.openxmlformats.org/presentationml/2006/main">
-  <p:cSld>
-    <p:spTree>
-      <p:nvGrpSpPr>
-        <p:cNvPr id="1" name=""/>
-        <p:cNvGrpSpPr/>
-        <p:nvPr/>
-      </p:nvGrpSpPr>
-      <p:grpSpPr>
-        <a:xfrm>
-          <a:off x="0" y="0"/>
-          <a:ext cx="0" cy="0"/>
-          <a:chOff x="0" y="0"/>
-          <a:chExt cx="0" cy="0"/>
-        </a:xfrm>
-      </p:grpSpPr>
-      <p:sp>
-        <p:nvSpPr>
-          <p:cNvPr id="2" name="Title 1">
-            <a:extLst>
-              <a:ext uri="{FF2B5EF4-FFF2-40B4-BE49-F238E27FC236}">
-                <a16:creationId xmlns:a16="http://schemas.microsoft.com/office/drawing/2014/main" id="{DE859745-9910-DD37-8812-5CD4D7F20FC6}"/>
-              </a:ext>
-            </a:extLst>
-          </p:cNvPr>
-          <p:cNvSpPr>
-            <a:spLocks noGrp="1"/>
-          </p:cNvSpPr>
-          <p:nvPr>
-            <p:ph type="title"/>
-          </p:nvPr>
-        </p:nvSpPr>
-        <p:spPr/>
-        <p:txBody>
-          <a:bodyPr/>
-          <a:lstStyle/>
-          <a:p>
-            <a:r>
-              <a:rPr lang="en-US" b="1">
-                <a:solidFill>
-                  <a:srgbClr val="0070C0"/>
-                </a:solidFill>
-              </a:rPr>
-              <a:t>Famous: Several </a:t>
-            </a:r>
-            <a:r>
-              <a:rPr lang="en-US" b="1" dirty="0">
-                <a:solidFill>
-                  <a:srgbClr val="0070C0"/>
-                </a:solidFill>
-              </a:rPr>
-              <a:t>geometric components</a:t>
-            </a:r>
-          </a:p>
-        </p:txBody>
-      </p:sp>
-      <p:sp>
-        <p:nvSpPr>
-          <p:cNvPr id="3" name="Content Placeholder 2">
-            <a:extLst>
-              <a:ext uri="{FF2B5EF4-FFF2-40B4-BE49-F238E27FC236}">
-                <a16:creationId xmlns:a16="http://schemas.microsoft.com/office/drawing/2014/main" id="{8C1F06FB-1A25-3FB9-145E-D9CEB945C343}"/>
-              </a:ext>
-            </a:extLst>
-          </p:cNvPr>
-          <p:cNvSpPr>
-            <a:spLocks noGrp="1"/>
-          </p:cNvSpPr>
-          <p:nvPr>
-            <p:ph idx="1"/>
-          </p:nvPr>
-        </p:nvSpPr>
-        <p:spPr>
-          <a:xfrm>
-            <a:off x="419100" y="1838151"/>
-            <a:ext cx="11353800" cy="4654724"/>
-          </a:xfrm>
-        </p:spPr>
-        <p:txBody>
-          <a:bodyPr>
-            <a:normAutofit lnSpcReduction="10000"/>
-          </a:bodyPr>
-          <a:lstStyle/>
-          <a:p>
-            <a:pPr marL="0" indent="0">
-              <a:buNone/>
-            </a:pPr>
-            <a:r>
-              <a:rPr lang="en-US" dirty="0"/>
-              <a:t>&lt;a-box position="-1 0.5 -3" rotation="0 45 0" color=“red"&gt;</a:t>
-            </a:r>
-          </a:p>
-          <a:p>
-            <a:pPr marL="0" indent="0">
-              <a:buNone/>
-            </a:pPr>
-            <a:r>
-              <a:rPr lang="en-US" dirty="0"/>
-              <a:t>&lt;/a-box&gt;</a:t>
-            </a:r>
-          </a:p>
-          <a:p>
-            <a:pPr marL="0" indent="0">
-              <a:buNone/>
-            </a:pPr>
-            <a:r>
-              <a:rPr lang="en-US" dirty="0"/>
-              <a:t>&lt;a-sphere position="0 1.25 -5" radius="1.25" color=“blue“&gt;</a:t>
-            </a:r>
-          </a:p>
-          <a:p>
-            <a:pPr marL="0" indent="0">
-              <a:buNone/>
-            </a:pPr>
-            <a:r>
-              <a:rPr lang="en-US" dirty="0"/>
-              <a:t>&lt;/a-sphere&gt;</a:t>
-            </a:r>
-          </a:p>
-          <a:p>
-            <a:pPr marL="0" indent="0">
-              <a:buNone/>
-            </a:pPr>
-            <a:r>
-              <a:rPr lang="en-US" dirty="0"/>
-              <a:t>&lt;a-cylinder position="1 0.75 -3" radius="0.5" height="1.5" color=“purple"&gt;</a:t>
-            </a:r>
-          </a:p>
-          <a:p>
-            <a:pPr marL="0" indent="0">
-              <a:buNone/>
-            </a:pPr>
-            <a:r>
-              <a:rPr lang="en-US" dirty="0"/>
-              <a:t>&lt;/a-cylinder&gt;</a:t>
-            </a:r>
-          </a:p>
-          <a:p>
-            <a:pPr marL="0" indent="0">
-              <a:buNone/>
-            </a:pPr>
-            <a:r>
-              <a:rPr lang="en-US" dirty="0"/>
-              <a:t>&lt;a-plane position="0 0 -4" </a:t>
-            </a:r>
-            <a:r>
-              <a:rPr lang="en-US" dirty="0">
-                <a:solidFill>
-                  <a:schemeClr val="accent1"/>
-                </a:solidFill>
-              </a:rPr>
-              <a:t>rotation="-90 0 0" </a:t>
-            </a:r>
-            <a:r>
-              <a:rPr lang="en-US" dirty="0"/>
-              <a:t>width="4" height="4" color=“3cb371"&gt;&lt;/a-plane&gt;</a:t>
-            </a:r>
-          </a:p>
-          <a:p>
-            <a:pPr marL="0" indent="0">
-              <a:buNone/>
-            </a:pPr>
-            <a:endParaRPr lang="en-US" dirty="0"/>
-          </a:p>
-          <a:p>
-            <a:pPr marL="0" indent="0">
-              <a:buNone/>
-            </a:pPr>
-            <a:r>
-              <a:rPr lang="en-US" dirty="0"/>
-              <a:t>&lt;a-sky color="#e9f7ff "&gt;&lt;/a-sky&gt;</a:t>
-            </a:r>
-          </a:p>
-        </p:txBody>
-      </p:sp>
-    </p:spTree>
-    <p:extLst>
-      <p:ext uri="{BB962C8B-B14F-4D97-AF65-F5344CB8AC3E}">
-        <p14:creationId xmlns:p14="http://schemas.microsoft.com/office/powerpoint/2010/main" val="437460358"/>
-      </p:ext>
-    </p:extLst>
-  </p:cSld>
-  <p:clrMapOvr>
-    <a:masterClrMapping/>
-  </p:clrMapOvr>
-</p:sld>
-</file>
-
-<file path=ppt/slides/slide16.xml><?xml version="1.0" encoding="utf-8"?>
-<p:sld xmlns:a="http://schemas.openxmlformats.org/drawingml/2006/main" xmlns:r="http://schemas.openxmlformats.org/officeDocument/2006/relationships" xmlns:p="http://schemas.openxmlformats.org/presentationml/2006/main">
-  <p:cSld>
-    <p:spTree>
-      <p:nvGrpSpPr>
-        <p:cNvPr id="1" name=""/>
-        <p:cNvGrpSpPr/>
-        <p:nvPr/>
-      </p:nvGrpSpPr>
-      <p:grpSpPr>
-        <a:xfrm>
-          <a:off x="0" y="0"/>
-          <a:ext cx="0" cy="0"/>
-          <a:chOff x="0" y="0"/>
-          <a:chExt cx="0" cy="0"/>
-        </a:xfrm>
-      </p:grpSpPr>
-      <p:pic>
-        <p:nvPicPr>
-          <p:cNvPr id="2" name="Picture 1">
-            <a:extLst>
-              <a:ext uri="{FF2B5EF4-FFF2-40B4-BE49-F238E27FC236}">
-                <a16:creationId xmlns:a16="http://schemas.microsoft.com/office/drawing/2014/main" id="{CCC53F79-2BE7-9D02-E76B-9170C74561D1}"/>
-              </a:ext>
-            </a:extLst>
-          </p:cNvPr>
-          <p:cNvPicPr>
-            <a:picLocks noChangeAspect="1"/>
-          </p:cNvPicPr>
-          <p:nvPr/>
-        </p:nvPicPr>
-        <p:blipFill rotWithShape="1">
-          <a:blip r:embed="rId2"/>
-          <a:srcRect t="20475" r="-1" b="-1"/>
-          <a:stretch/>
-        </p:blipFill>
-        <p:spPr>
-          <a:xfrm>
-            <a:off x="1524" y="10"/>
-            <a:ext cx="12188952" cy="6857990"/>
-          </a:xfrm>
-          <a:prstGeom prst="rect">
-            <a:avLst/>
-          </a:prstGeom>
-        </p:spPr>
-      </p:pic>
-    </p:spTree>
-    <p:extLst>
-      <p:ext uri="{BB962C8B-B14F-4D97-AF65-F5344CB8AC3E}">
-        <p14:creationId xmlns:p14="http://schemas.microsoft.com/office/powerpoint/2010/main" val="1758179659"/>
-      </p:ext>
-    </p:extLst>
-  </p:cSld>
-  <p:clrMapOvr>
-    <a:masterClrMapping/>
-  </p:clrMapOvr>
-</p:sld>
-</file>
-
-<file path=ppt/slides/slide2.xml><?xml version="1.0" encoding="utf-8"?>
-<p:sld xmlns:a="http://schemas.openxmlformats.org/drawingml/2006/main" xmlns:r="http://schemas.openxmlformats.org/officeDocument/2006/relationships" xmlns:p="http://schemas.openxmlformats.org/presentationml/2006/main">
-  <p:cSld>
-    <p:spTree>
-      <p:nvGrpSpPr>
-        <p:cNvPr id="1" name=""/>
-        <p:cNvGrpSpPr/>
-        <p:nvPr/>
-      </p:nvGrpSpPr>
-      <p:grpSpPr>
-        <a:xfrm>
-          <a:off x="0" y="0"/>
-          <a:ext cx="0" cy="0"/>
-          <a:chOff x="0" y="0"/>
-          <a:chExt cx="0" cy="0"/>
-        </a:xfrm>
-      </p:grpSpPr>
-      <p:sp>
-        <p:nvSpPr>
-          <p:cNvPr id="2" name="Title 1">
-            <a:extLst>
-              <a:ext uri="{FF2B5EF4-FFF2-40B4-BE49-F238E27FC236}">
-                <a16:creationId xmlns:a16="http://schemas.microsoft.com/office/drawing/2014/main" id="{D0A32E1B-304C-70CA-4FE2-121036B45BBD}"/>
-              </a:ext>
-            </a:extLst>
-          </p:cNvPr>
-          <p:cNvSpPr>
-            <a:spLocks noGrp="1"/>
-          </p:cNvSpPr>
-          <p:nvPr>
-            <p:ph type="title"/>
-          </p:nvPr>
-        </p:nvSpPr>
-        <p:spPr/>
-        <p:txBody>
-          <a:bodyPr/>
-          <a:lstStyle/>
-          <a:p>
-            <a:r>
-              <a:rPr lang="en-US" dirty="0">
-                <a:solidFill>
-                  <a:srgbClr val="0070C0"/>
-                </a:solidFill>
-                <a:ea typeface="Calibri Light"/>
-                <a:cs typeface="Calibri Light"/>
-              </a:rPr>
-              <a:t>Outline</a:t>
-            </a:r>
-            <a:endParaRPr lang="en-US">
-              <a:solidFill>
-                <a:srgbClr val="0070C0"/>
-              </a:solidFill>
-              <a:ea typeface="Calibri Light"/>
-              <a:cs typeface="Calibri Light"/>
-            </a:endParaRPr>
-          </a:p>
-        </p:txBody>
-      </p:sp>
-      <p:sp>
-        <p:nvSpPr>
-          <p:cNvPr id="3" name="Content Placeholder 2">
-            <a:extLst>
-              <a:ext uri="{FF2B5EF4-FFF2-40B4-BE49-F238E27FC236}">
-                <a16:creationId xmlns:a16="http://schemas.microsoft.com/office/drawing/2014/main" id="{0F80D594-86CE-1ED4-994C-042A2971ED94}"/>
-              </a:ext>
-            </a:extLst>
-          </p:cNvPr>
-          <p:cNvSpPr>
-            <a:spLocks noGrp="1"/>
-          </p:cNvSpPr>
-          <p:nvPr>
-            <p:ph idx="1"/>
-          </p:nvPr>
-        </p:nvSpPr>
-        <p:spPr/>
-        <p:txBody>
-          <a:bodyPr vert="horz" lIns="91440" tIns="45720" rIns="91440" bIns="45720" rtlCol="0" anchor="t">
-            <a:normAutofit/>
-          </a:bodyPr>
-          <a:lstStyle/>
-          <a:p>
-            <a:pPr marL="0" indent="0">
-              <a:buNone/>
-            </a:pPr>
-            <a:endParaRPr lang="en-US" dirty="0">
-              <a:ea typeface="Calibri" panose="020F0502020204030204"/>
-              <a:cs typeface="Calibri" panose="020F0502020204030204"/>
-            </a:endParaRPr>
-          </a:p>
-          <a:p>
-            <a:pPr marL="0" indent="0">
-              <a:buNone/>
-            </a:pPr>
-            <a:r>
-              <a:rPr lang="en-US" dirty="0">
-                <a:ea typeface="Calibri" panose="020F0502020204030204"/>
-                <a:cs typeface="Calibri" panose="020F0502020204030204"/>
-              </a:rPr>
-              <a:t>A-frame scenes</a:t>
-            </a:r>
-          </a:p>
-          <a:p>
-            <a:pPr marL="0" indent="0">
-              <a:buNone/>
-            </a:pPr>
-            <a:endParaRPr lang="en-US" dirty="0">
-              <a:ea typeface="Calibri" panose="020F0502020204030204"/>
-              <a:cs typeface="Calibri" panose="020F0502020204030204"/>
-            </a:endParaRPr>
-          </a:p>
-          <a:p>
-            <a:pPr marL="0" indent="0">
-              <a:buNone/>
-            </a:pPr>
-            <a:r>
-              <a:rPr lang="en-US" dirty="0">
-                <a:ea typeface="Calibri" panose="020F0502020204030204"/>
-                <a:cs typeface="Calibri" panose="020F0502020204030204"/>
-              </a:rPr>
-              <a:t>Basic A-frame geometric objects</a:t>
-            </a:r>
-          </a:p>
-          <a:p>
-            <a:pPr marL="0" indent="0">
-              <a:buNone/>
-            </a:pPr>
-            <a:endParaRPr lang="en-US" dirty="0">
-              <a:ea typeface="Calibri" panose="020F0502020204030204"/>
-              <a:cs typeface="Calibri" panose="020F0502020204030204"/>
-            </a:endParaRPr>
-          </a:p>
-          <a:p>
-            <a:pPr marL="0" indent="0">
-              <a:buNone/>
-            </a:pPr>
-            <a:r>
-              <a:rPr lang="en-US" b="1" dirty="0">
-                <a:ea typeface="Calibri" panose="020F0502020204030204"/>
-                <a:cs typeface="Calibri" panose="020F0502020204030204"/>
-              </a:rPr>
-              <a:t>New web tab</a:t>
-            </a:r>
-            <a:r>
-              <a:rPr lang="en-US" dirty="0">
-                <a:ea typeface="Calibri" panose="020F0502020204030204"/>
-                <a:cs typeface="Calibri" panose="020F0502020204030204"/>
-              </a:rPr>
-              <a:t>:</a:t>
-            </a:r>
-          </a:p>
-          <a:p>
-            <a:pPr marL="0" indent="0">
-              <a:buNone/>
-            </a:pPr>
-            <a:r>
-              <a:rPr lang="en-US" dirty="0">
-                <a:ea typeface="Calibri" panose="020F0502020204030204"/>
-                <a:cs typeface="Calibri" panose="020F0502020204030204"/>
-              </a:rPr>
-              <a:t>https://www.w3schools.com/colors/colors_picker.asp</a:t>
-            </a:r>
-          </a:p>
-        </p:txBody>
-      </p:sp>
-    </p:spTree>
-    <p:extLst>
-      <p:ext uri="{BB962C8B-B14F-4D97-AF65-F5344CB8AC3E}">
-        <p14:creationId xmlns:p14="http://schemas.microsoft.com/office/powerpoint/2010/main" val="1169712265"/>
-      </p:ext>
-    </p:extLst>
-  </p:cSld>
-  <p:clrMapOvr>
-    <a:masterClrMapping/>
-  </p:clrMapOvr>
-</p:sld>
-</file>
-
-<file path=ppt/slides/slide3.xml><?xml version="1.0" encoding="utf-8"?>
-<p:sld xmlns:a="http://schemas.openxmlformats.org/drawingml/2006/main" xmlns:r="http://schemas.openxmlformats.org/officeDocument/2006/relationships" xmlns:p="http://schemas.openxmlformats.org/presentationml/2006/main">
-  <p:cSld>
-    <p:spTree>
-      <p:nvGrpSpPr>
-        <p:cNvPr id="1" name=""/>
-        <p:cNvGrpSpPr/>
-        <p:nvPr/>
-      </p:nvGrpSpPr>
-      <p:grpSpPr>
-        <a:xfrm>
-          <a:off x="0" y="0"/>
-          <a:ext cx="0" cy="0"/>
-          <a:chOff x="0" y="0"/>
-          <a:chExt cx="0" cy="0"/>
-        </a:xfrm>
-      </p:grpSpPr>
-      <p:sp>
-        <p:nvSpPr>
-          <p:cNvPr id="2" name="Title 1">
-            <a:extLst>
-              <a:ext uri="{FF2B5EF4-FFF2-40B4-BE49-F238E27FC236}">
-                <a16:creationId xmlns:a16="http://schemas.microsoft.com/office/drawing/2014/main" id="{E8A0CACB-31AD-38B8-D51C-B346653D6543}"/>
-              </a:ext>
-            </a:extLst>
-          </p:cNvPr>
-          <p:cNvSpPr>
-            <a:spLocks noGrp="1"/>
-          </p:cNvSpPr>
-          <p:nvPr>
-            <p:ph type="title"/>
-          </p:nvPr>
-        </p:nvSpPr>
-        <p:spPr/>
-        <p:txBody>
-          <a:bodyPr/>
-          <a:lstStyle/>
-          <a:p>
-            <a:r>
-              <a:rPr lang="en-US" dirty="0"/>
-              <a:t>3D images</a:t>
-            </a:r>
-          </a:p>
-        </p:txBody>
-      </p:sp>
-      <p:sp>
-        <p:nvSpPr>
-          <p:cNvPr id="3" name="Content Placeholder 2">
-            <a:extLst>
-              <a:ext uri="{FF2B5EF4-FFF2-40B4-BE49-F238E27FC236}">
-                <a16:creationId xmlns:a16="http://schemas.microsoft.com/office/drawing/2014/main" id="{BEC1C0D6-8B17-C175-C78B-DAA3DB295DB5}"/>
-              </a:ext>
-            </a:extLst>
-          </p:cNvPr>
-          <p:cNvSpPr>
-            <a:spLocks noGrp="1"/>
-          </p:cNvSpPr>
-          <p:nvPr>
-            <p:ph idx="1"/>
-          </p:nvPr>
-        </p:nvSpPr>
-        <p:spPr/>
-        <p:txBody>
-          <a:bodyPr/>
-          <a:lstStyle/>
-          <a:p>
-            <a:pPr marL="0" indent="0">
-              <a:buNone/>
-            </a:pPr>
-            <a:r>
-              <a:rPr lang="en-US" dirty="0"/>
-              <a:t>2D images most common</a:t>
-            </a:r>
-          </a:p>
-          <a:p>
-            <a:pPr marL="0" indent="0">
-              <a:buNone/>
-            </a:pPr>
-            <a:endParaRPr lang="en-US" dirty="0"/>
-          </a:p>
-          <a:p>
-            <a:pPr marL="0" indent="0">
-              <a:buNone/>
-            </a:pPr>
-            <a:r>
-              <a:rPr lang="en-US" dirty="0"/>
-              <a:t>https://en.wikipedia.org/wiki/VR_photography</a:t>
-            </a:r>
-          </a:p>
-          <a:p>
-            <a:pPr marL="0" indent="0">
-              <a:buNone/>
-            </a:pPr>
-            <a:endParaRPr lang="en-US" dirty="0"/>
-          </a:p>
-          <a:p>
-            <a:pPr marL="0" indent="0">
-              <a:buNone/>
-            </a:pPr>
-            <a:endParaRPr lang="en-US" dirty="0"/>
-          </a:p>
-        </p:txBody>
-      </p:sp>
-    </p:spTree>
-    <p:extLst>
-      <p:ext uri="{BB962C8B-B14F-4D97-AF65-F5344CB8AC3E}">
-        <p14:creationId xmlns:p14="http://schemas.microsoft.com/office/powerpoint/2010/main" val="1865343453"/>
-      </p:ext>
-    </p:extLst>
-  </p:cSld>
-  <p:clrMapOvr>
-    <a:masterClrMapping/>
-  </p:clrMapOvr>
-</p:sld>
-</file>
-
-<file path=ppt/slides/slide4.xml><?xml version="1.0" encoding="utf-8"?>
-<p:sld xmlns:a="http://schemas.openxmlformats.org/drawingml/2006/main" xmlns:r="http://schemas.openxmlformats.org/officeDocument/2006/relationships" xmlns:p="http://schemas.openxmlformats.org/presentationml/2006/main">
-  <p:cSld>
-    <p:spTree>
-      <p:nvGrpSpPr>
-        <p:cNvPr id="1" name=""/>
-        <p:cNvGrpSpPr/>
-        <p:nvPr/>
-      </p:nvGrpSpPr>
-      <p:grpSpPr>
-        <a:xfrm>
-          <a:off x="0" y="0"/>
-          <a:ext cx="0" cy="0"/>
-          <a:chOff x="0" y="0"/>
-          <a:chExt cx="0" cy="0"/>
-        </a:xfrm>
-      </p:grpSpPr>
-      <p:sp>
-        <p:nvSpPr>
-          <p:cNvPr id="2" name="Title 1">
-            <a:extLst>
-              <a:ext uri="{FF2B5EF4-FFF2-40B4-BE49-F238E27FC236}">
-                <a16:creationId xmlns:a16="http://schemas.microsoft.com/office/drawing/2014/main" id="{ABA6EE94-498E-8079-366A-C6321F49CAF0}"/>
-              </a:ext>
-            </a:extLst>
-          </p:cNvPr>
-          <p:cNvSpPr>
-            <a:spLocks noGrp="1"/>
-          </p:cNvSpPr>
-          <p:nvPr>
-            <p:ph type="title"/>
-          </p:nvPr>
-        </p:nvSpPr>
-        <p:spPr/>
-        <p:txBody>
-          <a:bodyPr/>
-          <a:lstStyle/>
-          <a:p>
-            <a:r>
-              <a:rPr lang="en-US" dirty="0">
-                <a:solidFill>
-                  <a:srgbClr val="0070C0"/>
-                </a:solidFill>
-              </a:rPr>
-              <a:t>VR Images</a:t>
-            </a:r>
-          </a:p>
-        </p:txBody>
-      </p:sp>
-      <p:pic>
-        <p:nvPicPr>
-          <p:cNvPr id="5" name="Picture 4">
-            <a:extLst>
-              <a:ext uri="{FF2B5EF4-FFF2-40B4-BE49-F238E27FC236}">
-                <a16:creationId xmlns:a16="http://schemas.microsoft.com/office/drawing/2014/main" id="{C6284B10-7BA7-B1B6-0679-5BE1F81814E6}"/>
-              </a:ext>
-            </a:extLst>
-          </p:cNvPr>
-          <p:cNvPicPr>
-            <a:picLocks noChangeAspect="1"/>
-          </p:cNvPicPr>
-          <p:nvPr/>
-        </p:nvPicPr>
-        <p:blipFill>
-          <a:blip r:embed="rId2"/>
-          <a:stretch>
-            <a:fillRect/>
-          </a:stretch>
-        </p:blipFill>
-        <p:spPr>
-          <a:xfrm>
-            <a:off x="2680855" y="2461739"/>
-            <a:ext cx="7367579" cy="3592079"/>
-          </a:xfrm>
-          <a:prstGeom prst="rect">
-            <a:avLst/>
-          </a:prstGeom>
-        </p:spPr>
-      </p:pic>
-    </p:spTree>
-    <p:extLst>
-      <p:ext uri="{BB962C8B-B14F-4D97-AF65-F5344CB8AC3E}">
-        <p14:creationId xmlns:p14="http://schemas.microsoft.com/office/powerpoint/2010/main" val="2106641008"/>
-      </p:ext>
-    </p:extLst>
-  </p:cSld>
-  <p:clrMapOvr>
-    <a:masterClrMapping/>
-  </p:clrMapOvr>
-</p:sld>
-</file>
-
-<file path=ppt/slides/slide5.xml><?xml version="1.0" encoding="utf-8"?>
-<p:sld xmlns:a="http://schemas.openxmlformats.org/drawingml/2006/main" xmlns:r="http://schemas.openxmlformats.org/officeDocument/2006/relationships" xmlns:p="http://schemas.openxmlformats.org/presentationml/2006/main">
-  <p:cSld>
-    <p:spTree>
-      <p:nvGrpSpPr>
-        <p:cNvPr id="1" name=""/>
-        <p:cNvGrpSpPr/>
-        <p:nvPr/>
-      </p:nvGrpSpPr>
-      <p:grpSpPr>
-        <a:xfrm>
-          <a:off x="0" y="0"/>
-          <a:ext cx="0" cy="0"/>
-          <a:chOff x="0" y="0"/>
-          <a:chExt cx="0" cy="0"/>
-        </a:xfrm>
-      </p:grpSpPr>
-      <p:sp>
-        <p:nvSpPr>
-          <p:cNvPr id="2" name="Title 1">
-            <a:extLst>
-              <a:ext uri="{FF2B5EF4-FFF2-40B4-BE49-F238E27FC236}">
-                <a16:creationId xmlns:a16="http://schemas.microsoft.com/office/drawing/2014/main" id="{44E42908-EAB8-F93F-3DF5-E3FEC9B1C03C}"/>
-              </a:ext>
-            </a:extLst>
-          </p:cNvPr>
-          <p:cNvSpPr>
-            <a:spLocks noGrp="1"/>
-          </p:cNvSpPr>
-          <p:nvPr>
-            <p:ph type="title"/>
-          </p:nvPr>
-        </p:nvSpPr>
-        <p:spPr/>
-        <p:txBody>
-          <a:bodyPr/>
-          <a:lstStyle/>
-          <a:p>
-            <a:r>
-              <a:rPr lang="en-US" dirty="0">
-                <a:solidFill>
-                  <a:srgbClr val="0070C0"/>
-                </a:solidFill>
-              </a:rPr>
-              <a:t>Scenes and geometric objects</a:t>
-            </a:r>
-          </a:p>
-        </p:txBody>
-      </p:sp>
-      <p:graphicFrame>
-        <p:nvGraphicFramePr>
-          <p:cNvPr id="3" name="Table 2">
-            <a:extLst>
-              <a:ext uri="{FF2B5EF4-FFF2-40B4-BE49-F238E27FC236}">
-                <a16:creationId xmlns:a16="http://schemas.microsoft.com/office/drawing/2014/main" id="{ABF39CF6-740C-F2D1-8FCE-DCD896246D3A}"/>
-              </a:ext>
-            </a:extLst>
-          </p:cNvPr>
-          <p:cNvGraphicFramePr>
-            <a:graphicFrameLocks noGrp="1"/>
-          </p:cNvGraphicFramePr>
-          <p:nvPr>
-            <p:extLst>
-              <p:ext uri="{D42A27DB-BD31-4B8C-83A1-F6EECF244321}">
-                <p14:modId xmlns:p14="http://schemas.microsoft.com/office/powerpoint/2010/main" val="3021981825"/>
-              </p:ext>
-            </p:extLst>
-          </p:nvPr>
-        </p:nvGraphicFramePr>
-        <p:xfrm>
-          <a:off x="446391" y="1690688"/>
-          <a:ext cx="11299218" cy="3845560"/>
-        </p:xfrm>
-        <a:graphic>
-          <a:graphicData uri="http://schemas.openxmlformats.org/drawingml/2006/table">
-            <a:tbl>
-              <a:tblPr firstRow="1" bandRow="1">
-                <a:tableStyleId>{5C22544A-7EE6-4342-B048-85BDC9FD1C3A}</a:tableStyleId>
-              </a:tblPr>
-              <a:tblGrid>
-                <a:gridCol w="1564313">
-                  <a:extLst>
-                    <a:ext uri="{9D8B030D-6E8A-4147-A177-3AD203B41FA5}">
-                      <a16:colId xmlns:a16="http://schemas.microsoft.com/office/drawing/2014/main" val="3046300315"/>
-                    </a:ext>
-                  </a:extLst>
-                </a:gridCol>
-                <a:gridCol w="2549986">
-                  <a:extLst>
-                    <a:ext uri="{9D8B030D-6E8A-4147-A177-3AD203B41FA5}">
-                      <a16:colId xmlns:a16="http://schemas.microsoft.com/office/drawing/2014/main" val="3310798745"/>
-                    </a:ext>
-                  </a:extLst>
-                </a:gridCol>
-                <a:gridCol w="7184919">
-                  <a:extLst>
-                    <a:ext uri="{9D8B030D-6E8A-4147-A177-3AD203B41FA5}">
-                      <a16:colId xmlns:a16="http://schemas.microsoft.com/office/drawing/2014/main" val="3908140871"/>
-                    </a:ext>
-                  </a:extLst>
-                </a:gridCol>
-              </a:tblGrid>
-              <a:tr h="370840">
-                <a:tc>
-                  <a:txBody>
-                    <a:bodyPr/>
-                    <a:lstStyle/>
-                    <a:p>
-                      <a:r>
-                        <a:rPr lang="en-US" dirty="0"/>
-                        <a:t>Primitive</a:t>
-                      </a:r>
-                    </a:p>
-                  </a:txBody>
-                  <a:tcPr/>
-                </a:tc>
-                <a:tc>
-                  <a:txBody>
-                    <a:bodyPr/>
-                    <a:lstStyle/>
-                    <a:p>
-                      <a:r>
-                        <a:rPr lang="en-US" dirty="0"/>
-                        <a:t>What</a:t>
-                      </a:r>
-                    </a:p>
-                  </a:txBody>
-                  <a:tcPr/>
-                </a:tc>
-                <a:tc>
-                  <a:txBody>
-                    <a:bodyPr/>
-                    <a:lstStyle/>
-                    <a:p>
-                      <a:r>
-                        <a:rPr lang="en-US" dirty="0"/>
-                        <a:t>Link</a:t>
-                      </a:r>
-                    </a:p>
-                  </a:txBody>
-                  <a:tcPr/>
-                </a:tc>
-                <a:extLst>
-                  <a:ext uri="{0D108BD9-81ED-4DB2-BD59-A6C34878D82A}">
-                    <a16:rowId xmlns:a16="http://schemas.microsoft.com/office/drawing/2014/main" val="2258720979"/>
-                  </a:ext>
-                </a:extLst>
-              </a:tr>
-              <a:tr h="370840">
-                <a:tc>
-                  <a:txBody>
-                    <a:bodyPr/>
-                    <a:lstStyle/>
-                    <a:p>
-                      <a:r>
-                        <a:rPr lang="en-US" sz="2400" dirty="0"/>
-                        <a:t>a-scene</a:t>
-                      </a:r>
-                    </a:p>
-                  </a:txBody>
-                  <a:tcPr/>
-                </a:tc>
-                <a:tc>
-                  <a:txBody>
-                    <a:bodyPr/>
-                    <a:lstStyle/>
-                    <a:p>
-                      <a:r>
-                        <a:rPr lang="en-US" sz="2400" dirty="0"/>
-                        <a:t>Global root object contains all entities </a:t>
-                      </a:r>
-                    </a:p>
-                  </a:txBody>
-                  <a:tcPr/>
-                </a:tc>
-                <a:tc>
-                  <a:txBody>
-                    <a:bodyPr/>
-                    <a:lstStyle/>
-                    <a:p>
-                      <a:pPr marL="0" marR="0" lvl="0" indent="0" algn="l" defTabSz="914400" rtl="0" eaLnBrk="1" fontAlgn="auto" latinLnBrk="0" hangingPunct="1">
-                        <a:lnSpc>
-                          <a:spcPct val="100000"/>
-                        </a:lnSpc>
-                        <a:spcBef>
-                          <a:spcPts val="0"/>
-                        </a:spcBef>
-                        <a:spcAft>
-                          <a:spcPts val="0"/>
-                        </a:spcAft>
-                        <a:buClrTx/>
-                        <a:buSzTx/>
-                        <a:buFontTx/>
-                        <a:buNone/>
-                        <a:tabLst/>
-                        <a:defRPr/>
-                      </a:pPr>
-                      <a:r>
-                        <a:rPr lang="en-US" sz="2400" dirty="0"/>
-                        <a:t>https://aframe.io/docs/1.4.0/core/scene.html</a:t>
-                      </a:r>
-                    </a:p>
-                  </a:txBody>
-                  <a:tcPr/>
-                </a:tc>
-                <a:extLst>
-                  <a:ext uri="{0D108BD9-81ED-4DB2-BD59-A6C34878D82A}">
-                    <a16:rowId xmlns:a16="http://schemas.microsoft.com/office/drawing/2014/main" val="3004776711"/>
-                  </a:ext>
-                </a:extLst>
-              </a:tr>
-              <a:tr h="370840">
-                <a:tc>
-                  <a:txBody>
-                    <a:bodyPr/>
-                    <a:lstStyle/>
-                    <a:p>
-                      <a:r>
-                        <a:rPr lang="en-US" sz="2400" dirty="0"/>
-                        <a:t>a-text</a:t>
-                      </a:r>
-                    </a:p>
-                  </a:txBody>
-                  <a:tcPr/>
-                </a:tc>
-                <a:tc>
-                  <a:txBody>
-                    <a:bodyPr/>
-                    <a:lstStyle/>
-                    <a:p>
-                      <a:r>
-                        <a:rPr lang="en-US" sz="2400" dirty="0"/>
-                        <a:t>Text</a:t>
-                      </a:r>
-                    </a:p>
-                  </a:txBody>
-                  <a:tcPr/>
-                </a:tc>
-                <a:tc>
-                  <a:txBody>
-                    <a:bodyPr/>
-                    <a:lstStyle/>
-                    <a:p>
-                      <a:r>
-                        <a:rPr lang="en-US" sz="2400" dirty="0"/>
-                        <a:t>https://aframe.io/docs/1.4.0/primitives/a-text.html</a:t>
-                      </a:r>
-                    </a:p>
-                  </a:txBody>
-                  <a:tcPr/>
-                </a:tc>
-                <a:extLst>
-                  <a:ext uri="{0D108BD9-81ED-4DB2-BD59-A6C34878D82A}">
-                    <a16:rowId xmlns:a16="http://schemas.microsoft.com/office/drawing/2014/main" val="3764464277"/>
-                  </a:ext>
-                </a:extLst>
-              </a:tr>
-              <a:tr h="370840">
-                <a:tc>
-                  <a:txBody>
-                    <a:bodyPr/>
-                    <a:lstStyle/>
-                    <a:p>
-                      <a:r>
-                        <a:rPr lang="en-US" sz="2400" dirty="0"/>
-                        <a:t>a-box</a:t>
-                      </a:r>
-                    </a:p>
-                  </a:txBody>
-                  <a:tcPr/>
-                </a:tc>
-                <a:tc>
-                  <a:txBody>
-                    <a:bodyPr/>
-                    <a:lstStyle/>
-                    <a:p>
-                      <a:r>
-                        <a:rPr lang="en-US" sz="2400" dirty="0"/>
-                        <a:t>3D Box</a:t>
-                      </a:r>
-                    </a:p>
-                  </a:txBody>
-                  <a:tcPr/>
-                </a:tc>
-                <a:tc>
-                  <a:txBody>
-                    <a:bodyPr/>
-                    <a:lstStyle/>
-                    <a:p>
-                      <a:r>
-                        <a:rPr lang="en-US" sz="2400" dirty="0"/>
-                        <a:t>https://aframe.io/docs/1.4.0/primitives/a-box.html</a:t>
-                      </a:r>
-                    </a:p>
-                  </a:txBody>
-                  <a:tcPr/>
-                </a:tc>
-                <a:extLst>
-                  <a:ext uri="{0D108BD9-81ED-4DB2-BD59-A6C34878D82A}">
-                    <a16:rowId xmlns:a16="http://schemas.microsoft.com/office/drawing/2014/main" val="2308483662"/>
-                  </a:ext>
-                </a:extLst>
-              </a:tr>
-              <a:tr h="370840">
-                <a:tc>
-                  <a:txBody>
-                    <a:bodyPr/>
-                    <a:lstStyle/>
-                    <a:p>
-                      <a:r>
-                        <a:rPr lang="en-US" sz="2400" dirty="0"/>
-                        <a:t>a-cylinder </a:t>
-                      </a:r>
-                    </a:p>
-                  </a:txBody>
-                  <a:tcPr/>
-                </a:tc>
-                <a:tc>
-                  <a:txBody>
-                    <a:bodyPr/>
-                    <a:lstStyle/>
-                    <a:p>
-                      <a:r>
-                        <a:rPr lang="en-US" sz="2400" dirty="0"/>
-                        <a:t>3D cylinder</a:t>
-                      </a:r>
-                    </a:p>
-                  </a:txBody>
-                  <a:tcPr/>
-                </a:tc>
-                <a:tc>
-                  <a:txBody>
-                    <a:bodyPr/>
-                    <a:lstStyle/>
-                    <a:p>
-                      <a:r>
-                        <a:rPr lang="en-US" sz="2400" dirty="0"/>
-                        <a:t>https://aframe.io/docs/1.5.0/primitives/a-cylinder.html</a:t>
-                      </a:r>
-                    </a:p>
-                  </a:txBody>
-                  <a:tcPr/>
-                </a:tc>
-                <a:extLst>
-                  <a:ext uri="{0D108BD9-81ED-4DB2-BD59-A6C34878D82A}">
-                    <a16:rowId xmlns:a16="http://schemas.microsoft.com/office/drawing/2014/main" val="4261858362"/>
-                  </a:ext>
-                </a:extLst>
-              </a:tr>
-              <a:tr h="370840">
-                <a:tc>
-                  <a:txBody>
-                    <a:bodyPr/>
-                    <a:lstStyle/>
-                    <a:p>
-                      <a:r>
-                        <a:rPr lang="en-US" sz="2400" dirty="0"/>
-                        <a:t>a-plane</a:t>
-                      </a:r>
-                    </a:p>
-                  </a:txBody>
-                  <a:tcPr/>
-                </a:tc>
-                <a:tc>
-                  <a:txBody>
-                    <a:bodyPr/>
-                    <a:lstStyle/>
-                    <a:p>
-                      <a:r>
-                        <a:rPr lang="en-US" sz="2400" dirty="0"/>
-                        <a:t>2D plane</a:t>
-                      </a:r>
-                    </a:p>
-                  </a:txBody>
-                  <a:tcPr/>
-                </a:tc>
-                <a:tc>
-                  <a:txBody>
-                    <a:bodyPr/>
-                    <a:lstStyle/>
-                    <a:p>
-                      <a:r>
-                        <a:rPr lang="en-US" sz="2400" dirty="0"/>
-                        <a:t>https://aframe.io/docs/1.5.0/primitives/a-plane.html</a:t>
-                      </a:r>
-                    </a:p>
-                  </a:txBody>
-                  <a:tcPr/>
-                </a:tc>
-                <a:extLst>
-                  <a:ext uri="{0D108BD9-81ED-4DB2-BD59-A6C34878D82A}">
-                    <a16:rowId xmlns:a16="http://schemas.microsoft.com/office/drawing/2014/main" val="914741282"/>
-                  </a:ext>
-                </a:extLst>
-              </a:tr>
-              <a:tr h="370840">
-                <a:tc>
-                  <a:txBody>
-                    <a:bodyPr/>
-                    <a:lstStyle/>
-                    <a:p>
-                      <a:r>
-                        <a:rPr lang="en-US" sz="2400" dirty="0"/>
-                        <a:t>a-sphere</a:t>
-                      </a:r>
-                    </a:p>
-                  </a:txBody>
-                  <a:tcPr/>
-                </a:tc>
-                <a:tc>
-                  <a:txBody>
-                    <a:bodyPr/>
-                    <a:lstStyle/>
-                    <a:p>
-                      <a:r>
-                        <a:rPr lang="en-US" sz="2400" dirty="0"/>
-                        <a:t>3D Sphere</a:t>
-                      </a:r>
-                    </a:p>
-                  </a:txBody>
-                  <a:tcPr/>
-                </a:tc>
-                <a:tc>
-                  <a:txBody>
-                    <a:bodyPr/>
-                    <a:lstStyle/>
-                    <a:p>
-                      <a:r>
-                        <a:rPr lang="en-US" sz="2400" dirty="0"/>
-                        <a:t>https://aframe.io/docs/1.4.0/primitives/a-sphere.html</a:t>
-                      </a:r>
-                    </a:p>
-                  </a:txBody>
-                  <a:tcPr/>
-                </a:tc>
-                <a:extLst>
-                  <a:ext uri="{0D108BD9-81ED-4DB2-BD59-A6C34878D82A}">
-                    <a16:rowId xmlns:a16="http://schemas.microsoft.com/office/drawing/2014/main" val="1058105725"/>
-                  </a:ext>
-                </a:extLst>
-              </a:tr>
-            </a:tbl>
-          </a:graphicData>
-        </a:graphic>
-      </p:graphicFrame>
-    </p:spTree>
-    <p:extLst>
-      <p:ext uri="{BB962C8B-B14F-4D97-AF65-F5344CB8AC3E}">
-        <p14:creationId xmlns:p14="http://schemas.microsoft.com/office/powerpoint/2010/main" val="2474904001"/>
-      </p:ext>
-    </p:extLst>
-  </p:cSld>
-  <p:clrMapOvr>
-    <a:masterClrMapping/>
-  </p:clrMapOvr>
-</p:sld>
-</file>
-
-<file path=ppt/slides/slide6.xml><?xml version="1.0" encoding="utf-8"?>
-<p:sld xmlns:a="http://schemas.openxmlformats.org/drawingml/2006/main" xmlns:r="http://schemas.openxmlformats.org/officeDocument/2006/relationships" xmlns:p="http://schemas.openxmlformats.org/presentationml/2006/main">
-  <p:cSld>
-    <p:spTree>
-      <p:nvGrpSpPr>
-        <p:cNvPr id="1" name=""/>
-        <p:cNvGrpSpPr/>
-        <p:nvPr/>
-      </p:nvGrpSpPr>
-      <p:grpSpPr>
-        <a:xfrm>
-          <a:off x="0" y="0"/>
-          <a:ext cx="0" cy="0"/>
-          <a:chOff x="0" y="0"/>
-          <a:chExt cx="0" cy="0"/>
-        </a:xfrm>
-      </p:grpSpPr>
-      <p:sp>
-        <p:nvSpPr>
-          <p:cNvPr id="2" name="Title 1">
-            <a:extLst>
-              <a:ext uri="{FF2B5EF4-FFF2-40B4-BE49-F238E27FC236}">
-                <a16:creationId xmlns:a16="http://schemas.microsoft.com/office/drawing/2014/main" id="{474B9155-D35B-C848-17BB-F51527874F46}"/>
-              </a:ext>
-            </a:extLst>
-          </p:cNvPr>
-          <p:cNvSpPr>
-            <a:spLocks noGrp="1"/>
-          </p:cNvSpPr>
-          <p:nvPr>
-            <p:ph type="title"/>
-          </p:nvPr>
-        </p:nvSpPr>
-        <p:spPr/>
-        <p:txBody>
-          <a:bodyPr/>
-          <a:lstStyle/>
-          <a:p>
-            <a:r>
-              <a:rPr lang="en-US" dirty="0">
-                <a:solidFill>
-                  <a:srgbClr val="0070C0"/>
-                </a:solidFill>
-              </a:rPr>
-              <a:t>Geometric terms</a:t>
-            </a:r>
-          </a:p>
-        </p:txBody>
-      </p:sp>
-      <p:sp>
-        <p:nvSpPr>
-          <p:cNvPr id="3" name="Content Placeholder 2">
-            <a:extLst>
-              <a:ext uri="{FF2B5EF4-FFF2-40B4-BE49-F238E27FC236}">
-                <a16:creationId xmlns:a16="http://schemas.microsoft.com/office/drawing/2014/main" id="{4BEC752A-9015-7C62-6AE4-AEB20169DA17}"/>
-              </a:ext>
-            </a:extLst>
-          </p:cNvPr>
-          <p:cNvSpPr>
-            <a:spLocks noGrp="1"/>
-          </p:cNvSpPr>
-          <p:nvPr>
-            <p:ph idx="1"/>
-          </p:nvPr>
-        </p:nvSpPr>
-        <p:spPr/>
-        <p:txBody>
-          <a:bodyPr/>
-          <a:lstStyle/>
-          <a:p>
-            <a:pPr marL="0" indent="0">
-              <a:buNone/>
-            </a:pPr>
-            <a:endParaRPr lang="en-US" dirty="0"/>
-          </a:p>
-          <a:p>
-            <a:pPr marL="0" indent="0">
-              <a:buNone/>
-            </a:pPr>
-            <a:r>
-              <a:rPr lang="en-US" dirty="0"/>
-              <a:t>Mesh or geometry</a:t>
-            </a:r>
-          </a:p>
-          <a:p>
-            <a:pPr marL="0" indent="0">
-              <a:buNone/>
-            </a:pPr>
-            <a:r>
-              <a:rPr lang="en-US" dirty="0"/>
-              <a:t>         Vertices, edges and faces defining a 3D object</a:t>
-            </a:r>
-          </a:p>
-          <a:p>
-            <a:pPr marL="0" indent="0">
-              <a:buNone/>
-            </a:pPr>
-            <a:endParaRPr lang="en-US" dirty="0"/>
-          </a:p>
-          <a:p>
-            <a:pPr marL="0" indent="0">
-              <a:buNone/>
-            </a:pPr>
-            <a:r>
-              <a:rPr lang="en-US" dirty="0"/>
-              <a:t>Texture</a:t>
-            </a:r>
-          </a:p>
-          <a:p>
-            <a:pPr marL="0" indent="0">
-              <a:buNone/>
-            </a:pPr>
-            <a:r>
-              <a:rPr lang="en-US" dirty="0"/>
-              <a:t>         Color and appearance of a surface</a:t>
-            </a:r>
-          </a:p>
-          <a:p>
-            <a:pPr marL="0" indent="0">
-              <a:buNone/>
-            </a:pPr>
-            <a:endParaRPr lang="en-US" dirty="0"/>
-          </a:p>
-          <a:p>
-            <a:pPr marL="0" indent="0">
-              <a:buNone/>
-            </a:pPr>
-            <a:r>
-              <a:rPr lang="en-US" dirty="0"/>
-              <a:t>Full representation: mesh and texture</a:t>
-            </a:r>
-          </a:p>
-          <a:p>
-            <a:pPr marL="0" indent="0">
-              <a:buNone/>
-            </a:pPr>
-            <a:endParaRPr lang="en-US" dirty="0"/>
-          </a:p>
-        </p:txBody>
-      </p:sp>
-    </p:spTree>
-    <p:extLst>
-      <p:ext uri="{BB962C8B-B14F-4D97-AF65-F5344CB8AC3E}">
-        <p14:creationId xmlns:p14="http://schemas.microsoft.com/office/powerpoint/2010/main" val="331694600"/>
-      </p:ext>
-    </p:extLst>
-  </p:cSld>
-  <p:clrMapOvr>
-    <a:masterClrMapping/>
-  </p:clrMapOvr>
-</p:sld>
-</file>
-
-<file path=ppt/slides/slide7.xml><?xml version="1.0" encoding="utf-8"?>
-<p:sld xmlns:a="http://schemas.openxmlformats.org/drawingml/2006/main" xmlns:r="http://schemas.openxmlformats.org/officeDocument/2006/relationships" xmlns:p="http://schemas.openxmlformats.org/presentationml/2006/main">
-  <p:cSld>
-    <p:spTree>
-      <p:nvGrpSpPr>
-        <p:cNvPr id="1" name=""/>
-        <p:cNvGrpSpPr/>
-        <p:nvPr/>
-      </p:nvGrpSpPr>
-      <p:grpSpPr>
-        <a:xfrm>
-          <a:off x="0" y="0"/>
-          <a:ext cx="0" cy="0"/>
-          <a:chOff x="0" y="0"/>
-          <a:chExt cx="0" cy="0"/>
-        </a:xfrm>
-      </p:grpSpPr>
-      <p:sp>
-        <p:nvSpPr>
-          <p:cNvPr id="2" name="Title 1">
-            <a:extLst>
-              <a:ext uri="{FF2B5EF4-FFF2-40B4-BE49-F238E27FC236}">
-                <a16:creationId xmlns:a16="http://schemas.microsoft.com/office/drawing/2014/main" id="{86A57BC5-3FDD-1DAF-88C5-EAEC45FEF576}"/>
-              </a:ext>
-            </a:extLst>
-          </p:cNvPr>
-          <p:cNvSpPr>
-            <a:spLocks noGrp="1"/>
-          </p:cNvSpPr>
-          <p:nvPr>
-            <p:ph type="title"/>
-          </p:nvPr>
-        </p:nvSpPr>
-        <p:spPr/>
-        <p:txBody>
-          <a:bodyPr/>
-          <a:lstStyle/>
-          <a:p>
-            <a:r>
-              <a:rPr lang="en-US" dirty="0"/>
-              <a:t>Pre-defined A-Frame geometries </a:t>
-            </a:r>
-          </a:p>
-        </p:txBody>
-      </p:sp>
-      <p:sp>
-        <p:nvSpPr>
-          <p:cNvPr id="3" name="Content Placeholder 2">
-            <a:extLst>
-              <a:ext uri="{FF2B5EF4-FFF2-40B4-BE49-F238E27FC236}">
-                <a16:creationId xmlns:a16="http://schemas.microsoft.com/office/drawing/2014/main" id="{D4698390-75C6-9012-6E4C-1D6177CC45BA}"/>
-              </a:ext>
-            </a:extLst>
-          </p:cNvPr>
-          <p:cNvSpPr>
-            <a:spLocks noGrp="1"/>
-          </p:cNvSpPr>
-          <p:nvPr>
-            <p:ph idx="1"/>
-          </p:nvPr>
-        </p:nvSpPr>
-        <p:spPr/>
-        <p:txBody>
-          <a:bodyPr/>
-          <a:lstStyle/>
-          <a:p>
-            <a:pPr marL="0" indent="0">
-              <a:buNone/>
-            </a:pPr>
-            <a:endParaRPr lang="en-US" dirty="0"/>
-          </a:p>
-          <a:p>
-            <a:pPr marL="0" indent="0">
-              <a:buNone/>
-            </a:pPr>
-            <a:endParaRPr lang="en-US" dirty="0"/>
-          </a:p>
-          <a:p>
-            <a:pPr marL="0" indent="0">
-              <a:buNone/>
-            </a:pPr>
-            <a:endParaRPr lang="en-US" dirty="0"/>
-          </a:p>
-        </p:txBody>
-      </p:sp>
-      <p:pic>
-        <p:nvPicPr>
-          <p:cNvPr id="5" name="Picture 4">
-            <a:extLst>
-              <a:ext uri="{FF2B5EF4-FFF2-40B4-BE49-F238E27FC236}">
-                <a16:creationId xmlns:a16="http://schemas.microsoft.com/office/drawing/2014/main" id="{E0ABA5CA-1762-AD6A-A287-464540917C0D}"/>
-              </a:ext>
-            </a:extLst>
-          </p:cNvPr>
-          <p:cNvPicPr>
-            <a:picLocks noChangeAspect="1"/>
-          </p:cNvPicPr>
-          <p:nvPr/>
-        </p:nvPicPr>
-        <p:blipFill>
-          <a:blip r:embed="rId3"/>
-          <a:stretch>
-            <a:fillRect/>
-          </a:stretch>
-        </p:blipFill>
-        <p:spPr>
-          <a:xfrm>
-            <a:off x="506027" y="2270341"/>
-            <a:ext cx="10447594" cy="4431220"/>
-          </a:xfrm>
-          <a:prstGeom prst="rect">
-            <a:avLst/>
-          </a:prstGeom>
-        </p:spPr>
-      </p:pic>
-    </p:spTree>
-    <p:extLst>
-      <p:ext uri="{BB962C8B-B14F-4D97-AF65-F5344CB8AC3E}">
-        <p14:creationId xmlns:p14="http://schemas.microsoft.com/office/powerpoint/2010/main" val="2035281295"/>
-      </p:ext>
-    </p:extLst>
-  </p:cSld>
-  <p:clrMapOvr>
-    <a:masterClrMapping/>
-  </p:clrMapOvr>
-</p:sld>
-</file>
-
-<file path=ppt/slides/slide8.xml><?xml version="1.0" encoding="utf-8"?>
-<p:sld xmlns:a="http://schemas.openxmlformats.org/drawingml/2006/main" xmlns:r="http://schemas.openxmlformats.org/officeDocument/2006/relationships" xmlns:p="http://schemas.openxmlformats.org/presentationml/2006/main">
-  <p:cSld>
-    <p:spTree>
-      <p:nvGrpSpPr>
-        <p:cNvPr id="1" name=""/>
-        <p:cNvGrpSpPr/>
-        <p:nvPr/>
-      </p:nvGrpSpPr>
-      <p:grpSpPr>
-        <a:xfrm>
-          <a:off x="0" y="0"/>
-          <a:ext cx="0" cy="0"/>
-          <a:chOff x="0" y="0"/>
-          <a:chExt cx="0" cy="0"/>
-        </a:xfrm>
-      </p:grpSpPr>
-      <p:sp>
-        <p:nvSpPr>
-          <p:cNvPr id="2" name="Title 1">
-            <a:extLst>
-              <a:ext uri="{FF2B5EF4-FFF2-40B4-BE49-F238E27FC236}">
                 <a16:creationId xmlns:a16="http://schemas.microsoft.com/office/drawing/2014/main" id="{E745A866-15E2-DE3C-5CE2-86809B89384A}"/>
               </a:ext>
             </a:extLst>
@@ -7631,7 +5356,7 @@
 </p:sld>
 </file>
 
-<file path=ppt/slides/slide9.xml><?xml version="1.0" encoding="utf-8"?>
+<file path=ppt/slides/slide11.xml><?xml version="1.0" encoding="utf-8"?>
 <p:sld xmlns:a="http://schemas.openxmlformats.org/drawingml/2006/main" xmlns:r="http://schemas.openxmlformats.org/officeDocument/2006/relationships" xmlns:p="http://schemas.openxmlformats.org/presentationml/2006/main">
   <p:cSld>
     <p:spTree>
@@ -8287,6 +6012,2687 @@
     <p:extLst>
       <p:ext uri="{BB962C8B-B14F-4D97-AF65-F5344CB8AC3E}">
         <p14:creationId xmlns:p14="http://schemas.microsoft.com/office/powerpoint/2010/main" val="1607885500"/>
+      </p:ext>
+    </p:extLst>
+  </p:cSld>
+  <p:clrMapOvr>
+    <a:masterClrMapping/>
+  </p:clrMapOvr>
+</p:sld>
+</file>
+
+<file path=ppt/slides/slide12.xml><?xml version="1.0" encoding="utf-8"?>
+<p:sld xmlns:a="http://schemas.openxmlformats.org/drawingml/2006/main" xmlns:r="http://schemas.openxmlformats.org/officeDocument/2006/relationships" xmlns:p="http://schemas.openxmlformats.org/presentationml/2006/main">
+  <p:cSld>
+    <p:spTree>
+      <p:nvGrpSpPr>
+        <p:cNvPr id="1" name=""/>
+        <p:cNvGrpSpPr/>
+        <p:nvPr/>
+      </p:nvGrpSpPr>
+      <p:grpSpPr>
+        <a:xfrm>
+          <a:off x="0" y="0"/>
+          <a:ext cx="0" cy="0"/>
+          <a:chOff x="0" y="0"/>
+          <a:chExt cx="0" cy="0"/>
+        </a:xfrm>
+      </p:grpSpPr>
+      <p:sp>
+        <p:nvSpPr>
+          <p:cNvPr id="2" name="Title 1">
+            <a:extLst>
+              <a:ext uri="{FF2B5EF4-FFF2-40B4-BE49-F238E27FC236}">
+                <a16:creationId xmlns:a16="http://schemas.microsoft.com/office/drawing/2014/main" id="{2E3AF7C0-61C7-630C-2CFE-867FCA196582}"/>
+              </a:ext>
+            </a:extLst>
+          </p:cNvPr>
+          <p:cNvSpPr>
+            <a:spLocks noGrp="1"/>
+          </p:cNvSpPr>
+          <p:nvPr>
+            <p:ph type="title"/>
+          </p:nvPr>
+        </p:nvSpPr>
+        <p:spPr/>
+        <p:txBody>
+          <a:bodyPr/>
+          <a:lstStyle/>
+          <a:p>
+            <a:r>
+              <a:rPr lang="en-US" b="1" dirty="0">
+                <a:solidFill>
+                  <a:srgbClr val="0070C0"/>
+                </a:solidFill>
+              </a:rPr>
+              <a:t>A-box</a:t>
+            </a:r>
+          </a:p>
+        </p:txBody>
+      </p:sp>
+      <p:sp>
+        <p:nvSpPr>
+          <p:cNvPr id="3" name="Content Placeholder 2">
+            <a:extLst>
+              <a:ext uri="{FF2B5EF4-FFF2-40B4-BE49-F238E27FC236}">
+                <a16:creationId xmlns:a16="http://schemas.microsoft.com/office/drawing/2014/main" id="{6AAC67BA-BB43-8852-DE38-9E906D9918E4}"/>
+              </a:ext>
+            </a:extLst>
+          </p:cNvPr>
+          <p:cNvSpPr>
+            <a:spLocks noGrp="1"/>
+          </p:cNvSpPr>
+          <p:nvPr>
+            <p:ph idx="1"/>
+          </p:nvPr>
+        </p:nvSpPr>
+        <p:spPr/>
+        <p:txBody>
+          <a:bodyPr>
+            <a:normAutofit fontScale="92500" lnSpcReduction="20000"/>
+          </a:bodyPr>
+          <a:lstStyle/>
+          <a:p>
+            <a:pPr marL="0" indent="0">
+              <a:buNone/>
+            </a:pPr>
+            <a:r>
+              <a:rPr lang="en-US" dirty="0"/>
+              <a:t>&lt;html&gt;</a:t>
+            </a:r>
+          </a:p>
+          <a:p>
+            <a:pPr marL="0" indent="0">
+              <a:buNone/>
+            </a:pPr>
+            <a:r>
+              <a:rPr lang="en-US" dirty="0"/>
+              <a:t>  &lt;head&gt;</a:t>
+            </a:r>
+          </a:p>
+          <a:p>
+            <a:pPr marL="0" indent="0">
+              <a:buNone/>
+            </a:pPr>
+            <a:r>
+              <a:rPr lang="en-US" dirty="0"/>
+              <a:t>    &lt;script </a:t>
+            </a:r>
+            <a:r>
+              <a:rPr lang="en-US" dirty="0" err="1"/>
+              <a:t>src</a:t>
+            </a:r>
+            <a:r>
+              <a:rPr lang="en-US" dirty="0"/>
+              <a:t>="https://aframe.io/releases/1.4.1/aframe.min.js"&gt;&lt;/script&gt;</a:t>
+            </a:r>
+          </a:p>
+          <a:p>
+            <a:pPr marL="0" indent="0">
+              <a:buNone/>
+            </a:pPr>
+            <a:r>
+              <a:rPr lang="en-US" dirty="0"/>
+              <a:t>  &lt;/head&gt;</a:t>
+            </a:r>
+          </a:p>
+          <a:p>
+            <a:pPr marL="0" indent="0">
+              <a:buNone/>
+            </a:pPr>
+            <a:r>
+              <a:rPr lang="en-US" dirty="0"/>
+              <a:t>  &lt;body&gt;</a:t>
+            </a:r>
+          </a:p>
+          <a:p>
+            <a:pPr marL="0" indent="0">
+              <a:buNone/>
+            </a:pPr>
+            <a:r>
+              <a:rPr lang="en-US" dirty="0"/>
+              <a:t>    &lt;a-scene&gt;</a:t>
+            </a:r>
+          </a:p>
+          <a:p>
+            <a:pPr marL="0" indent="0">
+              <a:buNone/>
+            </a:pPr>
+            <a:r>
+              <a:rPr lang="en-US" dirty="0"/>
+              <a:t>      </a:t>
+            </a:r>
+            <a:r>
+              <a:rPr lang="en-US" b="1" dirty="0">
+                <a:solidFill>
+                  <a:srgbClr val="0070C0"/>
+                </a:solidFill>
+              </a:rPr>
+              <a:t>&lt;a-box position="</a:t>
+            </a:r>
+            <a:r>
+              <a:rPr lang="en-US" dirty="0">
+                <a:solidFill>
+                  <a:srgbClr val="FF0000"/>
+                </a:solidFill>
+              </a:rPr>
+              <a:t>1.5   </a:t>
+            </a:r>
+            <a:r>
+              <a:rPr lang="en-US" dirty="0">
+                <a:solidFill>
+                  <a:srgbClr val="7030A0"/>
+                </a:solidFill>
+              </a:rPr>
+              <a:t>1</a:t>
+            </a:r>
+            <a:r>
+              <a:rPr lang="en-US" dirty="0"/>
+              <a:t>   </a:t>
+            </a:r>
+            <a:r>
+              <a:rPr lang="en-US" dirty="0">
+                <a:solidFill>
+                  <a:schemeClr val="accent1"/>
+                </a:solidFill>
+              </a:rPr>
+              <a:t>-2.0</a:t>
+            </a:r>
+            <a:r>
+              <a:rPr lang="en-US" b="1" dirty="0">
+                <a:solidFill>
+                  <a:srgbClr val="0070C0"/>
+                </a:solidFill>
+              </a:rPr>
+              <a:t>" color=“red"&gt;&lt;/a-box&gt;</a:t>
+            </a:r>
+          </a:p>
+          <a:p>
+            <a:pPr marL="0" indent="0">
+              <a:buNone/>
+            </a:pPr>
+            <a:r>
+              <a:rPr lang="en-US" dirty="0"/>
+              <a:t>    &lt;/a-scene&gt;</a:t>
+            </a:r>
+          </a:p>
+          <a:p>
+            <a:pPr marL="0" indent="0">
+              <a:buNone/>
+            </a:pPr>
+            <a:r>
+              <a:rPr lang="en-US" dirty="0"/>
+              <a:t>  &lt;/body&gt;</a:t>
+            </a:r>
+          </a:p>
+          <a:p>
+            <a:pPr marL="0" indent="0">
+              <a:buNone/>
+            </a:pPr>
+            <a:r>
+              <a:rPr lang="en-US" dirty="0"/>
+              <a:t>&lt;/html&gt;</a:t>
+            </a:r>
+          </a:p>
+          <a:p>
+            <a:pPr marL="0" indent="0">
+              <a:buNone/>
+            </a:pPr>
+            <a:endParaRPr lang="en-US" dirty="0"/>
+          </a:p>
+        </p:txBody>
+      </p:sp>
+    </p:spTree>
+    <p:extLst>
+      <p:ext uri="{BB962C8B-B14F-4D97-AF65-F5344CB8AC3E}">
+        <p14:creationId xmlns:p14="http://schemas.microsoft.com/office/powerpoint/2010/main" val="524013220"/>
+      </p:ext>
+    </p:extLst>
+  </p:cSld>
+  <p:clrMapOvr>
+    <a:masterClrMapping/>
+  </p:clrMapOvr>
+</p:sld>
+</file>
+
+<file path=ppt/slides/slide13.xml><?xml version="1.0" encoding="utf-8"?>
+<p:sld xmlns:a="http://schemas.openxmlformats.org/drawingml/2006/main" xmlns:r="http://schemas.openxmlformats.org/officeDocument/2006/relationships" xmlns:p="http://schemas.openxmlformats.org/presentationml/2006/main">
+  <p:cSld>
+    <p:spTree>
+      <p:nvGrpSpPr>
+        <p:cNvPr id="1" name=""/>
+        <p:cNvGrpSpPr/>
+        <p:nvPr/>
+      </p:nvGrpSpPr>
+      <p:grpSpPr>
+        <a:xfrm>
+          <a:off x="0" y="0"/>
+          <a:ext cx="0" cy="0"/>
+          <a:chOff x="0" y="0"/>
+          <a:chExt cx="0" cy="0"/>
+        </a:xfrm>
+      </p:grpSpPr>
+      <p:sp>
+        <p:nvSpPr>
+          <p:cNvPr id="2" name="Title 1">
+            <a:extLst>
+              <a:ext uri="{FF2B5EF4-FFF2-40B4-BE49-F238E27FC236}">
+                <a16:creationId xmlns:a16="http://schemas.microsoft.com/office/drawing/2014/main" id="{B280A489-0DE0-2146-07AC-716FE366EB05}"/>
+              </a:ext>
+            </a:extLst>
+          </p:cNvPr>
+          <p:cNvSpPr>
+            <a:spLocks noGrp="1"/>
+          </p:cNvSpPr>
+          <p:nvPr>
+            <p:ph type="title"/>
+          </p:nvPr>
+        </p:nvSpPr>
+        <p:spPr/>
+        <p:txBody>
+          <a:bodyPr/>
+          <a:lstStyle/>
+          <a:p>
+            <a:r>
+              <a:rPr lang="en-US" dirty="0"/>
+              <a:t>Design/debug</a:t>
+            </a:r>
+          </a:p>
+        </p:txBody>
+      </p:sp>
+      <p:sp>
+        <p:nvSpPr>
+          <p:cNvPr id="4" name="Content Placeholder 3">
+            <a:extLst>
+              <a:ext uri="{FF2B5EF4-FFF2-40B4-BE49-F238E27FC236}">
+                <a16:creationId xmlns:a16="http://schemas.microsoft.com/office/drawing/2014/main" id="{66E58437-F02E-527F-5695-8726A6DF8F79}"/>
+              </a:ext>
+            </a:extLst>
+          </p:cNvPr>
+          <p:cNvSpPr txBox="1">
+            <a:spLocks noGrp="1"/>
+          </p:cNvSpPr>
+          <p:nvPr>
+            <p:ph idx="1"/>
+          </p:nvPr>
+        </p:nvSpPr>
+        <p:spPr>
+          <a:xfrm>
+            <a:off x="838200" y="1825625"/>
+            <a:ext cx="5818581" cy="480131"/>
+          </a:xfrm>
+          <a:prstGeom prst="rect">
+            <a:avLst/>
+          </a:prstGeom>
+          <a:noFill/>
+        </p:spPr>
+        <p:txBody>
+          <a:bodyPr wrap="none" rtlCol="0">
+            <a:spAutoFit/>
+          </a:bodyPr>
+          <a:lstStyle/>
+          <a:p>
+            <a:pPr marL="0" indent="0">
+              <a:buNone/>
+            </a:pPr>
+            <a:r>
+              <a:rPr lang="en-US" dirty="0">
+                <a:highlight>
+                  <a:srgbClr val="00FFFF"/>
+                </a:highlight>
+              </a:rPr>
+              <a:t>CTRL-ALT-I in browser</a:t>
+            </a:r>
+            <a:r>
+              <a:rPr lang="en-US" dirty="0"/>
+              <a:t>    for debugging</a:t>
+            </a:r>
+          </a:p>
+        </p:txBody>
+      </p:sp>
+      <p:pic>
+        <p:nvPicPr>
+          <p:cNvPr id="6" name="Picture 5">
+            <a:extLst>
+              <a:ext uri="{FF2B5EF4-FFF2-40B4-BE49-F238E27FC236}">
+                <a16:creationId xmlns:a16="http://schemas.microsoft.com/office/drawing/2014/main" id="{76C58D49-968F-F404-3361-8E985E5306EC}"/>
+              </a:ext>
+            </a:extLst>
+          </p:cNvPr>
+          <p:cNvPicPr>
+            <a:picLocks noChangeAspect="1"/>
+          </p:cNvPicPr>
+          <p:nvPr/>
+        </p:nvPicPr>
+        <p:blipFill>
+          <a:blip r:embed="rId2"/>
+          <a:stretch>
+            <a:fillRect/>
+          </a:stretch>
+        </p:blipFill>
+        <p:spPr>
+          <a:xfrm>
+            <a:off x="7276395" y="2909479"/>
+            <a:ext cx="3861612" cy="2754474"/>
+          </a:xfrm>
+          <a:prstGeom prst="rect">
+            <a:avLst/>
+          </a:prstGeom>
+        </p:spPr>
+      </p:pic>
+    </p:spTree>
+    <p:extLst>
+      <p:ext uri="{BB962C8B-B14F-4D97-AF65-F5344CB8AC3E}">
+        <p14:creationId xmlns:p14="http://schemas.microsoft.com/office/powerpoint/2010/main" val="1100561325"/>
+      </p:ext>
+    </p:extLst>
+  </p:cSld>
+  <p:clrMapOvr>
+    <a:masterClrMapping/>
+  </p:clrMapOvr>
+</p:sld>
+</file>
+
+<file path=ppt/slides/slide14.xml><?xml version="1.0" encoding="utf-8"?>
+<p:sld xmlns:a="http://schemas.openxmlformats.org/drawingml/2006/main" xmlns:r="http://schemas.openxmlformats.org/officeDocument/2006/relationships" xmlns:p="http://schemas.openxmlformats.org/presentationml/2006/main">
+  <p:cSld>
+    <p:spTree>
+      <p:nvGrpSpPr>
+        <p:cNvPr id="1" name=""/>
+        <p:cNvGrpSpPr/>
+        <p:nvPr/>
+      </p:nvGrpSpPr>
+      <p:grpSpPr>
+        <a:xfrm>
+          <a:off x="0" y="0"/>
+          <a:ext cx="0" cy="0"/>
+          <a:chOff x="0" y="0"/>
+          <a:chExt cx="0" cy="0"/>
+        </a:xfrm>
+      </p:grpSpPr>
+      <p:sp>
+        <p:nvSpPr>
+          <p:cNvPr id="2" name="Title 1">
+            <a:extLst>
+              <a:ext uri="{FF2B5EF4-FFF2-40B4-BE49-F238E27FC236}">
+                <a16:creationId xmlns:a16="http://schemas.microsoft.com/office/drawing/2014/main" id="{E6260739-36CE-BC4A-27C4-4FF2F0C3FBC4}"/>
+              </a:ext>
+            </a:extLst>
+          </p:cNvPr>
+          <p:cNvSpPr>
+            <a:spLocks noGrp="1"/>
+          </p:cNvSpPr>
+          <p:nvPr>
+            <p:ph type="title"/>
+          </p:nvPr>
+        </p:nvSpPr>
+        <p:spPr/>
+        <p:txBody>
+          <a:bodyPr/>
+          <a:lstStyle/>
+          <a:p>
+            <a:r>
+              <a:rPr lang="en-US" dirty="0"/>
+              <a:t>Full visual representation = mesh + texture</a:t>
+            </a:r>
+          </a:p>
+        </p:txBody>
+      </p:sp>
+      <p:sp>
+        <p:nvSpPr>
+          <p:cNvPr id="3" name="Content Placeholder 2">
+            <a:extLst>
+              <a:ext uri="{FF2B5EF4-FFF2-40B4-BE49-F238E27FC236}">
+                <a16:creationId xmlns:a16="http://schemas.microsoft.com/office/drawing/2014/main" id="{EB703B64-77DE-A506-1049-74E3492B36E0}"/>
+              </a:ext>
+            </a:extLst>
+          </p:cNvPr>
+          <p:cNvSpPr>
+            <a:spLocks noGrp="1"/>
+          </p:cNvSpPr>
+          <p:nvPr>
+            <p:ph idx="1"/>
+          </p:nvPr>
+        </p:nvSpPr>
+        <p:spPr/>
+        <p:txBody>
+          <a:bodyPr>
+            <a:normAutofit lnSpcReduction="10000"/>
+          </a:bodyPr>
+          <a:lstStyle/>
+          <a:p>
+            <a:pPr marL="0" indent="0">
+              <a:buNone/>
+            </a:pPr>
+            <a:r>
+              <a:rPr lang="en-US" dirty="0"/>
+              <a:t>https://www.shadedrelief.com/natural3/pages/textures.html</a:t>
+            </a:r>
+          </a:p>
+          <a:p>
+            <a:pPr marL="0" indent="0">
+              <a:buNone/>
+            </a:pPr>
+            <a:endParaRPr lang="en-US" dirty="0"/>
+          </a:p>
+          <a:p>
+            <a:pPr marL="0" indent="0">
+              <a:buNone/>
+            </a:pPr>
+            <a:r>
+              <a:rPr lang="en-US" u="sng" dirty="0"/>
+              <a:t>a-sphere.html</a:t>
+            </a:r>
+          </a:p>
+          <a:p>
+            <a:pPr marL="0" indent="0">
+              <a:buNone/>
+            </a:pPr>
+            <a:endParaRPr lang="en-US" dirty="0"/>
+          </a:p>
+          <a:p>
+            <a:pPr marL="0" indent="0">
+              <a:buNone/>
+            </a:pPr>
+            <a:r>
+              <a:rPr lang="en-US" dirty="0"/>
+              <a:t>&lt;a-scene&gt;</a:t>
+            </a:r>
+          </a:p>
+          <a:p>
+            <a:pPr marL="0" indent="0">
+              <a:buNone/>
+            </a:pPr>
+            <a:r>
+              <a:rPr lang="en-US" dirty="0"/>
+              <a:t>      &lt;a-sphere position="0 3 -5" </a:t>
+            </a:r>
+            <a:r>
+              <a:rPr lang="en-US" dirty="0" err="1"/>
+              <a:t>src</a:t>
+            </a:r>
+            <a:r>
+              <a:rPr lang="en-US" dirty="0"/>
+              <a:t>="./IMAGES/waternormals.jpg" 			  radius="1"&gt;</a:t>
+            </a:r>
+          </a:p>
+          <a:p>
+            <a:pPr marL="0" indent="0">
+              <a:spcBef>
+                <a:spcPts val="0"/>
+              </a:spcBef>
+              <a:buNone/>
+            </a:pPr>
+            <a:r>
+              <a:rPr lang="en-US" dirty="0"/>
+              <a:t>      &lt;/a-sphere&gt;</a:t>
+            </a:r>
+          </a:p>
+          <a:p>
+            <a:pPr marL="0" indent="0">
+              <a:spcBef>
+                <a:spcPts val="0"/>
+              </a:spcBef>
+              <a:buNone/>
+            </a:pPr>
+            <a:endParaRPr lang="en-US" dirty="0"/>
+          </a:p>
+          <a:p>
+            <a:pPr marL="0" indent="0">
+              <a:buNone/>
+            </a:pPr>
+            <a:r>
+              <a:rPr lang="en-US" dirty="0"/>
+              <a:t>&lt;/a-scene&gt;</a:t>
+            </a:r>
+          </a:p>
+        </p:txBody>
+      </p:sp>
+    </p:spTree>
+    <p:extLst>
+      <p:ext uri="{BB962C8B-B14F-4D97-AF65-F5344CB8AC3E}">
+        <p14:creationId xmlns:p14="http://schemas.microsoft.com/office/powerpoint/2010/main" val="3023118603"/>
+      </p:ext>
+    </p:extLst>
+  </p:cSld>
+  <p:clrMapOvr>
+    <a:masterClrMapping/>
+  </p:clrMapOvr>
+</p:sld>
+</file>
+
+<file path=ppt/slides/slide15.xml><?xml version="1.0" encoding="utf-8"?>
+<p:sld xmlns:a="http://schemas.openxmlformats.org/drawingml/2006/main" xmlns:r="http://schemas.openxmlformats.org/officeDocument/2006/relationships" xmlns:p="http://schemas.openxmlformats.org/presentationml/2006/main">
+  <p:cSld>
+    <p:spTree>
+      <p:nvGrpSpPr>
+        <p:cNvPr id="1" name=""/>
+        <p:cNvGrpSpPr/>
+        <p:nvPr/>
+      </p:nvGrpSpPr>
+      <p:grpSpPr>
+        <a:xfrm>
+          <a:off x="0" y="0"/>
+          <a:ext cx="0" cy="0"/>
+          <a:chOff x="0" y="0"/>
+          <a:chExt cx="0" cy="0"/>
+        </a:xfrm>
+      </p:grpSpPr>
+      <p:sp>
+        <p:nvSpPr>
+          <p:cNvPr id="2" name="Title 1">
+            <a:extLst>
+              <a:ext uri="{FF2B5EF4-FFF2-40B4-BE49-F238E27FC236}">
+                <a16:creationId xmlns:a16="http://schemas.microsoft.com/office/drawing/2014/main" id="{E6260739-36CE-BC4A-27C4-4FF2F0C3FBC4}"/>
+              </a:ext>
+            </a:extLst>
+          </p:cNvPr>
+          <p:cNvSpPr>
+            <a:spLocks noGrp="1"/>
+          </p:cNvSpPr>
+          <p:nvPr>
+            <p:ph type="title"/>
+          </p:nvPr>
+        </p:nvSpPr>
+        <p:spPr/>
+        <p:txBody>
+          <a:bodyPr/>
+          <a:lstStyle/>
+          <a:p>
+            <a:r>
+              <a:rPr lang="en-US" dirty="0"/>
+              <a:t>Full visual representation = mesh + texture</a:t>
+            </a:r>
+          </a:p>
+        </p:txBody>
+      </p:sp>
+      <p:sp>
+        <p:nvSpPr>
+          <p:cNvPr id="3" name="Content Placeholder 2">
+            <a:extLst>
+              <a:ext uri="{FF2B5EF4-FFF2-40B4-BE49-F238E27FC236}">
+                <a16:creationId xmlns:a16="http://schemas.microsoft.com/office/drawing/2014/main" id="{EB703B64-77DE-A506-1049-74E3492B36E0}"/>
+              </a:ext>
+            </a:extLst>
+          </p:cNvPr>
+          <p:cNvSpPr>
+            <a:spLocks noGrp="1"/>
+          </p:cNvSpPr>
+          <p:nvPr>
+            <p:ph idx="1"/>
+          </p:nvPr>
+        </p:nvSpPr>
+        <p:spPr/>
+        <p:txBody>
+          <a:bodyPr>
+            <a:normAutofit/>
+          </a:bodyPr>
+          <a:lstStyle/>
+          <a:p>
+            <a:pPr marL="0" indent="0">
+              <a:buNone/>
+            </a:pPr>
+            <a:r>
+              <a:rPr lang="en-US" dirty="0">
+                <a:solidFill>
+                  <a:schemeClr val="accent5">
+                    <a:lumMod val="50000"/>
+                  </a:schemeClr>
+                </a:solidFill>
+              </a:rPr>
+              <a:t>A-box</a:t>
+            </a:r>
+          </a:p>
+          <a:p>
+            <a:pPr marL="0" indent="0">
+              <a:buNone/>
+            </a:pPr>
+            <a:endParaRPr lang="en-US" dirty="0"/>
+          </a:p>
+          <a:p>
+            <a:pPr marL="0" indent="0">
+              <a:buNone/>
+            </a:pPr>
+            <a:r>
+              <a:rPr lang="en-US" dirty="0"/>
+              <a:t>&lt;a-scene&gt;</a:t>
+            </a:r>
+          </a:p>
+          <a:p>
+            <a:pPr marL="0" indent="0">
+              <a:lnSpc>
+                <a:spcPct val="100000"/>
+              </a:lnSpc>
+              <a:spcBef>
+                <a:spcPts val="0"/>
+              </a:spcBef>
+              <a:buNone/>
+            </a:pPr>
+            <a:r>
+              <a:rPr lang="en-US" sz="2800" dirty="0"/>
+              <a:t> &lt;a-assets&gt;</a:t>
+            </a:r>
+          </a:p>
+          <a:p>
+            <a:pPr marL="0" indent="0">
+              <a:lnSpc>
+                <a:spcPct val="100000"/>
+              </a:lnSpc>
+              <a:spcBef>
+                <a:spcPts val="0"/>
+              </a:spcBef>
+              <a:buNone/>
+            </a:pPr>
+            <a:r>
+              <a:rPr lang="en-US" sz="2800" dirty="0"/>
+              <a:t>	&lt;</a:t>
+            </a:r>
+            <a:r>
+              <a:rPr lang="en-US" sz="2800" dirty="0" err="1"/>
+              <a:t>img</a:t>
+            </a:r>
+            <a:r>
+              <a:rPr lang="en-US" sz="2800" dirty="0"/>
+              <a:t> id="</a:t>
+            </a:r>
+            <a:r>
+              <a:rPr lang="en-US" sz="2800" dirty="0" err="1"/>
+              <a:t>boxTexture</a:t>
+            </a:r>
+            <a:r>
+              <a:rPr lang="en-US" sz="2800" dirty="0"/>
+              <a:t>" </a:t>
+            </a:r>
+            <a:r>
+              <a:rPr lang="en-US" sz="2800" dirty="0" err="1"/>
+              <a:t>src</a:t>
+            </a:r>
+            <a:r>
+              <a:rPr lang="en-US" sz="2800" dirty="0"/>
+              <a:t>="</a:t>
+            </a:r>
+            <a:r>
+              <a:rPr lang="en-US" sz="2800" dirty="0">
+                <a:hlinkClick r:id="rId3"/>
+              </a:rPr>
+              <a:t>https://i.imgur.com/mYmmbrp.jpg</a:t>
+            </a:r>
+            <a:r>
+              <a:rPr lang="en-US" sz="2800" dirty="0"/>
+              <a:t>"</a:t>
+            </a:r>
+          </a:p>
+          <a:p>
+            <a:pPr marL="0" indent="0">
+              <a:lnSpc>
+                <a:spcPct val="100000"/>
+              </a:lnSpc>
+              <a:spcBef>
+                <a:spcPts val="0"/>
+              </a:spcBef>
+              <a:buNone/>
+            </a:pPr>
+            <a:r>
+              <a:rPr lang="en-US" sz="2800" dirty="0"/>
+              <a:t>&lt;/a-assets&gt;</a:t>
+            </a:r>
+            <a:endParaRPr lang="en-US" dirty="0"/>
+          </a:p>
+          <a:p>
+            <a:pPr marL="0" indent="0">
+              <a:buNone/>
+            </a:pPr>
+            <a:r>
+              <a:rPr lang="en-US" dirty="0"/>
+              <a:t>&lt;a-box position="0 3 -5" </a:t>
+            </a:r>
+            <a:r>
+              <a:rPr lang="en-US" dirty="0" err="1"/>
+              <a:t>src</a:t>
+            </a:r>
+            <a:r>
+              <a:rPr lang="en-US" dirty="0"/>
+              <a:t>= “#</a:t>
+            </a:r>
+            <a:r>
+              <a:rPr lang="en-US" sz="2800" dirty="0" err="1"/>
+              <a:t>boxTexture</a:t>
+            </a:r>
+            <a:r>
+              <a:rPr lang="en-US" dirty="0"/>
+              <a:t>" radius="1"&gt;&lt;/a-box&gt;</a:t>
+            </a:r>
+          </a:p>
+          <a:p>
+            <a:pPr marL="0" indent="0">
+              <a:spcBef>
+                <a:spcPts val="0"/>
+              </a:spcBef>
+              <a:buNone/>
+            </a:pPr>
+            <a:endParaRPr lang="en-US" dirty="0"/>
+          </a:p>
+          <a:p>
+            <a:pPr marL="0" indent="0">
+              <a:buNone/>
+            </a:pPr>
+            <a:r>
+              <a:rPr lang="en-US" dirty="0"/>
+              <a:t>&lt;/a-scene&gt;</a:t>
+            </a:r>
+          </a:p>
+        </p:txBody>
+      </p:sp>
+    </p:spTree>
+    <p:extLst>
+      <p:ext uri="{BB962C8B-B14F-4D97-AF65-F5344CB8AC3E}">
+        <p14:creationId xmlns:p14="http://schemas.microsoft.com/office/powerpoint/2010/main" val="968820903"/>
+      </p:ext>
+    </p:extLst>
+  </p:cSld>
+  <p:clrMapOvr>
+    <a:masterClrMapping/>
+  </p:clrMapOvr>
+</p:sld>
+</file>
+
+<file path=ppt/slides/slide16.xml><?xml version="1.0" encoding="utf-8"?>
+<p:sld xmlns:a="http://schemas.openxmlformats.org/drawingml/2006/main" xmlns:r="http://schemas.openxmlformats.org/officeDocument/2006/relationships" xmlns:p="http://schemas.openxmlformats.org/presentationml/2006/main">
+  <p:cSld>
+    <p:spTree>
+      <p:nvGrpSpPr>
+        <p:cNvPr id="1" name=""/>
+        <p:cNvGrpSpPr/>
+        <p:nvPr/>
+      </p:nvGrpSpPr>
+      <p:grpSpPr>
+        <a:xfrm>
+          <a:off x="0" y="0"/>
+          <a:ext cx="0" cy="0"/>
+          <a:chOff x="0" y="0"/>
+          <a:chExt cx="0" cy="0"/>
+        </a:xfrm>
+      </p:grpSpPr>
+      <p:sp>
+        <p:nvSpPr>
+          <p:cNvPr id="2" name="Title 1">
+            <a:extLst>
+              <a:ext uri="{FF2B5EF4-FFF2-40B4-BE49-F238E27FC236}">
+                <a16:creationId xmlns:a16="http://schemas.microsoft.com/office/drawing/2014/main" id="{DE859745-9910-DD37-8812-5CD4D7F20FC6}"/>
+              </a:ext>
+            </a:extLst>
+          </p:cNvPr>
+          <p:cNvSpPr>
+            <a:spLocks noGrp="1"/>
+          </p:cNvSpPr>
+          <p:nvPr>
+            <p:ph type="title"/>
+          </p:nvPr>
+        </p:nvSpPr>
+        <p:spPr/>
+        <p:txBody>
+          <a:bodyPr/>
+          <a:lstStyle/>
+          <a:p>
+            <a:r>
+              <a:rPr lang="en-US" b="1" dirty="0">
+                <a:solidFill>
+                  <a:srgbClr val="0070C0"/>
+                </a:solidFill>
+              </a:rPr>
+              <a:t>Several geometric components</a:t>
+            </a:r>
+          </a:p>
+        </p:txBody>
+      </p:sp>
+      <p:sp>
+        <p:nvSpPr>
+          <p:cNvPr id="3" name="Content Placeholder 2">
+            <a:extLst>
+              <a:ext uri="{FF2B5EF4-FFF2-40B4-BE49-F238E27FC236}">
+                <a16:creationId xmlns:a16="http://schemas.microsoft.com/office/drawing/2014/main" id="{8C1F06FB-1A25-3FB9-145E-D9CEB945C343}"/>
+              </a:ext>
+            </a:extLst>
+          </p:cNvPr>
+          <p:cNvSpPr>
+            <a:spLocks noGrp="1"/>
+          </p:cNvSpPr>
+          <p:nvPr>
+            <p:ph idx="1"/>
+          </p:nvPr>
+        </p:nvSpPr>
+        <p:spPr>
+          <a:xfrm>
+            <a:off x="419100" y="1838151"/>
+            <a:ext cx="11353800" cy="4654724"/>
+          </a:xfrm>
+        </p:spPr>
+        <p:txBody>
+          <a:bodyPr>
+            <a:normAutofit/>
+          </a:bodyPr>
+          <a:lstStyle/>
+          <a:p>
+            <a:pPr marL="0" indent="0">
+              <a:buNone/>
+            </a:pPr>
+            <a:r>
+              <a:rPr lang="en-US" dirty="0"/>
+              <a:t>&lt;a-box position="-1 0.5 -3" rotation="0 45 0" color=“red"&gt;&lt;/a-box&gt;</a:t>
+            </a:r>
+          </a:p>
+          <a:p>
+            <a:pPr marL="0" indent="0">
+              <a:buNone/>
+            </a:pPr>
+            <a:endParaRPr lang="en-US" dirty="0"/>
+          </a:p>
+          <a:p>
+            <a:pPr marL="0" indent="0">
+              <a:buNone/>
+            </a:pPr>
+            <a:r>
+              <a:rPr lang="en-US" dirty="0"/>
+              <a:t>&lt;a-sphere position="0 1.25 -5" radius="1.25" color=“blue“&gt;&lt;/a-sphere&gt;</a:t>
+            </a:r>
+          </a:p>
+          <a:p>
+            <a:pPr marL="0" indent="0">
+              <a:buNone/>
+            </a:pPr>
+            <a:endParaRPr lang="en-US" dirty="0"/>
+          </a:p>
+          <a:p>
+            <a:pPr marL="0" indent="0">
+              <a:buNone/>
+            </a:pPr>
+            <a:r>
+              <a:rPr lang="en-US" dirty="0"/>
+              <a:t>&lt;a-sky color="#e9f7ff "&gt;&lt;/a-sky&gt;</a:t>
+            </a:r>
+          </a:p>
+        </p:txBody>
+      </p:sp>
+    </p:spTree>
+    <p:extLst>
+      <p:ext uri="{BB962C8B-B14F-4D97-AF65-F5344CB8AC3E}">
+        <p14:creationId xmlns:p14="http://schemas.microsoft.com/office/powerpoint/2010/main" val="2157119807"/>
+      </p:ext>
+    </p:extLst>
+  </p:cSld>
+  <p:clrMapOvr>
+    <a:masterClrMapping/>
+  </p:clrMapOvr>
+</p:sld>
+</file>
+
+<file path=ppt/slides/slide17.xml><?xml version="1.0" encoding="utf-8"?>
+<p:sld xmlns:a="http://schemas.openxmlformats.org/drawingml/2006/main" xmlns:r="http://schemas.openxmlformats.org/officeDocument/2006/relationships" xmlns:p="http://schemas.openxmlformats.org/presentationml/2006/main">
+  <p:cSld>
+    <p:spTree>
+      <p:nvGrpSpPr>
+        <p:cNvPr id="1" name=""/>
+        <p:cNvGrpSpPr/>
+        <p:nvPr/>
+      </p:nvGrpSpPr>
+      <p:grpSpPr>
+        <a:xfrm>
+          <a:off x="0" y="0"/>
+          <a:ext cx="0" cy="0"/>
+          <a:chOff x="0" y="0"/>
+          <a:chExt cx="0" cy="0"/>
+        </a:xfrm>
+      </p:grpSpPr>
+      <p:sp>
+        <p:nvSpPr>
+          <p:cNvPr id="2" name="Title 1">
+            <a:extLst>
+              <a:ext uri="{FF2B5EF4-FFF2-40B4-BE49-F238E27FC236}">
+                <a16:creationId xmlns:a16="http://schemas.microsoft.com/office/drawing/2014/main" id="{DE859745-9910-DD37-8812-5CD4D7F20FC6}"/>
+              </a:ext>
+            </a:extLst>
+          </p:cNvPr>
+          <p:cNvSpPr>
+            <a:spLocks noGrp="1"/>
+          </p:cNvSpPr>
+          <p:nvPr>
+            <p:ph type="title"/>
+          </p:nvPr>
+        </p:nvSpPr>
+        <p:spPr/>
+        <p:txBody>
+          <a:bodyPr/>
+          <a:lstStyle/>
+          <a:p>
+            <a:r>
+              <a:rPr lang="en-US" b="1">
+                <a:solidFill>
+                  <a:srgbClr val="0070C0"/>
+                </a:solidFill>
+              </a:rPr>
+              <a:t>Famous: Several </a:t>
+            </a:r>
+            <a:r>
+              <a:rPr lang="en-US" b="1" dirty="0">
+                <a:solidFill>
+                  <a:srgbClr val="0070C0"/>
+                </a:solidFill>
+              </a:rPr>
+              <a:t>geometric components</a:t>
+            </a:r>
+          </a:p>
+        </p:txBody>
+      </p:sp>
+      <p:sp>
+        <p:nvSpPr>
+          <p:cNvPr id="3" name="Content Placeholder 2">
+            <a:extLst>
+              <a:ext uri="{FF2B5EF4-FFF2-40B4-BE49-F238E27FC236}">
+                <a16:creationId xmlns:a16="http://schemas.microsoft.com/office/drawing/2014/main" id="{8C1F06FB-1A25-3FB9-145E-D9CEB945C343}"/>
+              </a:ext>
+            </a:extLst>
+          </p:cNvPr>
+          <p:cNvSpPr>
+            <a:spLocks noGrp="1"/>
+          </p:cNvSpPr>
+          <p:nvPr>
+            <p:ph idx="1"/>
+          </p:nvPr>
+        </p:nvSpPr>
+        <p:spPr>
+          <a:xfrm>
+            <a:off x="419100" y="1838151"/>
+            <a:ext cx="11353800" cy="4654724"/>
+          </a:xfrm>
+        </p:spPr>
+        <p:txBody>
+          <a:bodyPr>
+            <a:normAutofit lnSpcReduction="10000"/>
+          </a:bodyPr>
+          <a:lstStyle/>
+          <a:p>
+            <a:pPr marL="0" indent="0">
+              <a:buNone/>
+            </a:pPr>
+            <a:r>
+              <a:rPr lang="en-US" dirty="0"/>
+              <a:t>&lt;a-box position="-1 0.5 -3" rotation="0 45 0" color=“red"&gt;</a:t>
+            </a:r>
+          </a:p>
+          <a:p>
+            <a:pPr marL="0" indent="0">
+              <a:buNone/>
+            </a:pPr>
+            <a:r>
+              <a:rPr lang="en-US" dirty="0"/>
+              <a:t>&lt;/a-box&gt;</a:t>
+            </a:r>
+          </a:p>
+          <a:p>
+            <a:pPr marL="0" indent="0">
+              <a:buNone/>
+            </a:pPr>
+            <a:r>
+              <a:rPr lang="en-US" dirty="0"/>
+              <a:t>&lt;a-sphere position="0 1.25 -5" radius="1.25" color=“blue“&gt;</a:t>
+            </a:r>
+          </a:p>
+          <a:p>
+            <a:pPr marL="0" indent="0">
+              <a:buNone/>
+            </a:pPr>
+            <a:r>
+              <a:rPr lang="en-US" dirty="0"/>
+              <a:t>&lt;/a-sphere&gt;</a:t>
+            </a:r>
+          </a:p>
+          <a:p>
+            <a:pPr marL="0" indent="0">
+              <a:buNone/>
+            </a:pPr>
+            <a:r>
+              <a:rPr lang="en-US" dirty="0"/>
+              <a:t>&lt;a-cylinder position="1 0.75 -3" radius="0.5" height="1.5" color=“purple"&gt;</a:t>
+            </a:r>
+          </a:p>
+          <a:p>
+            <a:pPr marL="0" indent="0">
+              <a:buNone/>
+            </a:pPr>
+            <a:r>
+              <a:rPr lang="en-US" dirty="0"/>
+              <a:t>&lt;/a-cylinder&gt;</a:t>
+            </a:r>
+          </a:p>
+          <a:p>
+            <a:pPr marL="0" indent="0">
+              <a:buNone/>
+            </a:pPr>
+            <a:r>
+              <a:rPr lang="en-US" dirty="0"/>
+              <a:t>&lt;a-plane position="0 0 -4" </a:t>
+            </a:r>
+            <a:r>
+              <a:rPr lang="en-US" dirty="0">
+                <a:solidFill>
+                  <a:schemeClr val="accent1"/>
+                </a:solidFill>
+              </a:rPr>
+              <a:t>rotation="-90 0 0" </a:t>
+            </a:r>
+            <a:r>
+              <a:rPr lang="en-US" dirty="0"/>
+              <a:t>width="4" height="4" color=“3cb371"&gt;&lt;/a-plane&gt;</a:t>
+            </a:r>
+          </a:p>
+          <a:p>
+            <a:pPr marL="0" indent="0">
+              <a:buNone/>
+            </a:pPr>
+            <a:endParaRPr lang="en-US" dirty="0"/>
+          </a:p>
+          <a:p>
+            <a:pPr marL="0" indent="0">
+              <a:buNone/>
+            </a:pPr>
+            <a:r>
+              <a:rPr lang="en-US" dirty="0"/>
+              <a:t>&lt;a-sky color="#e9f7ff "&gt;&lt;/a-sky&gt;</a:t>
+            </a:r>
+          </a:p>
+        </p:txBody>
+      </p:sp>
+    </p:spTree>
+    <p:extLst>
+      <p:ext uri="{BB962C8B-B14F-4D97-AF65-F5344CB8AC3E}">
+        <p14:creationId xmlns:p14="http://schemas.microsoft.com/office/powerpoint/2010/main" val="437460358"/>
+      </p:ext>
+    </p:extLst>
+  </p:cSld>
+  <p:clrMapOvr>
+    <a:masterClrMapping/>
+  </p:clrMapOvr>
+</p:sld>
+</file>
+
+<file path=ppt/slides/slide18.xml><?xml version="1.0" encoding="utf-8"?>
+<p:sld xmlns:a="http://schemas.openxmlformats.org/drawingml/2006/main" xmlns:r="http://schemas.openxmlformats.org/officeDocument/2006/relationships" xmlns:p="http://schemas.openxmlformats.org/presentationml/2006/main">
+  <p:cSld>
+    <p:spTree>
+      <p:nvGrpSpPr>
+        <p:cNvPr id="1" name=""/>
+        <p:cNvGrpSpPr/>
+        <p:nvPr/>
+      </p:nvGrpSpPr>
+      <p:grpSpPr>
+        <a:xfrm>
+          <a:off x="0" y="0"/>
+          <a:ext cx="0" cy="0"/>
+          <a:chOff x="0" y="0"/>
+          <a:chExt cx="0" cy="0"/>
+        </a:xfrm>
+      </p:grpSpPr>
+      <p:pic>
+        <p:nvPicPr>
+          <p:cNvPr id="2" name="Picture 1">
+            <a:extLst>
+              <a:ext uri="{FF2B5EF4-FFF2-40B4-BE49-F238E27FC236}">
+                <a16:creationId xmlns:a16="http://schemas.microsoft.com/office/drawing/2014/main" id="{CCC53F79-2BE7-9D02-E76B-9170C74561D1}"/>
+              </a:ext>
+            </a:extLst>
+          </p:cNvPr>
+          <p:cNvPicPr>
+            <a:picLocks noChangeAspect="1"/>
+          </p:cNvPicPr>
+          <p:nvPr/>
+        </p:nvPicPr>
+        <p:blipFill rotWithShape="1">
+          <a:blip r:embed="rId2"/>
+          <a:srcRect t="20475" r="-1" b="-1"/>
+          <a:stretch/>
+        </p:blipFill>
+        <p:spPr>
+          <a:xfrm>
+            <a:off x="1524" y="10"/>
+            <a:ext cx="12188952" cy="6857990"/>
+          </a:xfrm>
+          <a:prstGeom prst="rect">
+            <a:avLst/>
+          </a:prstGeom>
+        </p:spPr>
+      </p:pic>
+    </p:spTree>
+    <p:extLst>
+      <p:ext uri="{BB962C8B-B14F-4D97-AF65-F5344CB8AC3E}">
+        <p14:creationId xmlns:p14="http://schemas.microsoft.com/office/powerpoint/2010/main" val="1758179659"/>
+      </p:ext>
+    </p:extLst>
+  </p:cSld>
+  <p:clrMapOvr>
+    <a:masterClrMapping/>
+  </p:clrMapOvr>
+</p:sld>
+</file>
+
+<file path=ppt/slides/slide2.xml><?xml version="1.0" encoding="utf-8"?>
+<p:sld xmlns:a="http://schemas.openxmlformats.org/drawingml/2006/main" xmlns:r="http://schemas.openxmlformats.org/officeDocument/2006/relationships" xmlns:p="http://schemas.openxmlformats.org/presentationml/2006/main">
+  <p:cSld>
+    <p:spTree>
+      <p:nvGrpSpPr>
+        <p:cNvPr id="1" name=""/>
+        <p:cNvGrpSpPr/>
+        <p:nvPr/>
+      </p:nvGrpSpPr>
+      <p:grpSpPr>
+        <a:xfrm>
+          <a:off x="0" y="0"/>
+          <a:ext cx="0" cy="0"/>
+          <a:chOff x="0" y="0"/>
+          <a:chExt cx="0" cy="0"/>
+        </a:xfrm>
+      </p:grpSpPr>
+      <p:sp>
+        <p:nvSpPr>
+          <p:cNvPr id="2" name="Title 1">
+            <a:extLst>
+              <a:ext uri="{FF2B5EF4-FFF2-40B4-BE49-F238E27FC236}">
+                <a16:creationId xmlns:a16="http://schemas.microsoft.com/office/drawing/2014/main" id="{41F7B586-F32E-B371-228B-B293195BC80E}"/>
+              </a:ext>
+            </a:extLst>
+          </p:cNvPr>
+          <p:cNvSpPr>
+            <a:spLocks noGrp="1"/>
+          </p:cNvSpPr>
+          <p:nvPr>
+            <p:ph type="title"/>
+          </p:nvPr>
+        </p:nvSpPr>
+        <p:spPr/>
+        <p:txBody>
+          <a:bodyPr/>
+          <a:lstStyle/>
+          <a:p>
+            <a:r>
+              <a:rPr lang="en-US" dirty="0"/>
+              <a:t>Module demo highlights: 3D geometric shapes </a:t>
+            </a:r>
+          </a:p>
+        </p:txBody>
+      </p:sp>
+      <p:pic>
+        <p:nvPicPr>
+          <p:cNvPr id="5" name="Picture 4">
+            <a:hlinkClick r:id="rId2"/>
+            <a:extLst>
+              <a:ext uri="{FF2B5EF4-FFF2-40B4-BE49-F238E27FC236}">
+                <a16:creationId xmlns:a16="http://schemas.microsoft.com/office/drawing/2014/main" id="{25731D18-368D-9CE8-9C6A-80CB9B3E7173}"/>
+              </a:ext>
+            </a:extLst>
+          </p:cNvPr>
+          <p:cNvPicPr>
+            <a:picLocks noChangeAspect="1"/>
+          </p:cNvPicPr>
+          <p:nvPr/>
+        </p:nvPicPr>
+        <p:blipFill>
+          <a:blip r:embed="rId3"/>
+          <a:stretch>
+            <a:fillRect/>
+          </a:stretch>
+        </p:blipFill>
+        <p:spPr>
+          <a:xfrm>
+            <a:off x="3116688" y="1576634"/>
+            <a:ext cx="4255138" cy="4522515"/>
+          </a:xfrm>
+          <a:prstGeom prst="rect">
+            <a:avLst/>
+          </a:prstGeom>
+        </p:spPr>
+      </p:pic>
+    </p:spTree>
+    <p:extLst>
+      <p:ext uri="{BB962C8B-B14F-4D97-AF65-F5344CB8AC3E}">
+        <p14:creationId xmlns:p14="http://schemas.microsoft.com/office/powerpoint/2010/main" val="3500414449"/>
+      </p:ext>
+    </p:extLst>
+  </p:cSld>
+  <p:clrMapOvr>
+    <a:masterClrMapping/>
+  </p:clrMapOvr>
+</p:sld>
+</file>
+
+<file path=ppt/slides/slide3.xml><?xml version="1.0" encoding="utf-8"?>
+<p:sld xmlns:a="http://schemas.openxmlformats.org/drawingml/2006/main" xmlns:r="http://schemas.openxmlformats.org/officeDocument/2006/relationships" xmlns:p="http://schemas.openxmlformats.org/presentationml/2006/main">
+  <p:cSld>
+    <p:spTree>
+      <p:nvGrpSpPr>
+        <p:cNvPr id="1" name=""/>
+        <p:cNvGrpSpPr/>
+        <p:nvPr/>
+      </p:nvGrpSpPr>
+      <p:grpSpPr>
+        <a:xfrm>
+          <a:off x="0" y="0"/>
+          <a:ext cx="0" cy="0"/>
+          <a:chOff x="0" y="0"/>
+          <a:chExt cx="0" cy="0"/>
+        </a:xfrm>
+      </p:grpSpPr>
+      <p:sp>
+        <p:nvSpPr>
+          <p:cNvPr id="2" name="Title 1">
+            <a:extLst>
+              <a:ext uri="{FF2B5EF4-FFF2-40B4-BE49-F238E27FC236}">
+                <a16:creationId xmlns:a16="http://schemas.microsoft.com/office/drawing/2014/main" id="{D0A32E1B-304C-70CA-4FE2-121036B45BBD}"/>
+              </a:ext>
+            </a:extLst>
+          </p:cNvPr>
+          <p:cNvSpPr>
+            <a:spLocks noGrp="1"/>
+          </p:cNvSpPr>
+          <p:nvPr>
+            <p:ph type="title"/>
+          </p:nvPr>
+        </p:nvSpPr>
+        <p:spPr/>
+        <p:txBody>
+          <a:bodyPr/>
+          <a:lstStyle/>
+          <a:p>
+            <a:r>
+              <a:rPr lang="en-US" dirty="0">
+                <a:solidFill>
+                  <a:srgbClr val="0070C0"/>
+                </a:solidFill>
+                <a:ea typeface="Calibri Light"/>
+                <a:cs typeface="Calibri Light"/>
+              </a:rPr>
+              <a:t>Outline</a:t>
+            </a:r>
+            <a:endParaRPr lang="en-US">
+              <a:solidFill>
+                <a:srgbClr val="0070C0"/>
+              </a:solidFill>
+              <a:ea typeface="Calibri Light"/>
+              <a:cs typeface="Calibri Light"/>
+            </a:endParaRPr>
+          </a:p>
+        </p:txBody>
+      </p:sp>
+      <p:sp>
+        <p:nvSpPr>
+          <p:cNvPr id="3" name="Content Placeholder 2">
+            <a:extLst>
+              <a:ext uri="{FF2B5EF4-FFF2-40B4-BE49-F238E27FC236}">
+                <a16:creationId xmlns:a16="http://schemas.microsoft.com/office/drawing/2014/main" id="{0F80D594-86CE-1ED4-994C-042A2971ED94}"/>
+              </a:ext>
+            </a:extLst>
+          </p:cNvPr>
+          <p:cNvSpPr>
+            <a:spLocks noGrp="1"/>
+          </p:cNvSpPr>
+          <p:nvPr>
+            <p:ph idx="1"/>
+          </p:nvPr>
+        </p:nvSpPr>
+        <p:spPr/>
+        <p:txBody>
+          <a:bodyPr vert="horz" lIns="91440" tIns="45720" rIns="91440" bIns="45720" rtlCol="0" anchor="t">
+            <a:normAutofit/>
+          </a:bodyPr>
+          <a:lstStyle/>
+          <a:p>
+            <a:pPr marL="0" indent="0">
+              <a:buNone/>
+            </a:pPr>
+            <a:endParaRPr lang="en-US" dirty="0">
+              <a:ea typeface="Calibri" panose="020F0502020204030204"/>
+              <a:cs typeface="Calibri" panose="020F0502020204030204"/>
+            </a:endParaRPr>
+          </a:p>
+          <a:p>
+            <a:pPr marL="0" indent="0">
+              <a:buNone/>
+            </a:pPr>
+            <a:r>
+              <a:rPr lang="en-US" dirty="0">
+                <a:ea typeface="Calibri" panose="020F0502020204030204"/>
+                <a:cs typeface="Calibri" panose="020F0502020204030204"/>
+              </a:rPr>
+              <a:t>A-frame scenes</a:t>
+            </a:r>
+          </a:p>
+          <a:p>
+            <a:pPr marL="0" indent="0">
+              <a:buNone/>
+            </a:pPr>
+            <a:endParaRPr lang="en-US" dirty="0">
+              <a:ea typeface="Calibri" panose="020F0502020204030204"/>
+              <a:cs typeface="Calibri" panose="020F0502020204030204"/>
+            </a:endParaRPr>
+          </a:p>
+          <a:p>
+            <a:pPr marL="0" indent="0">
+              <a:buNone/>
+            </a:pPr>
+            <a:r>
+              <a:rPr lang="en-US" dirty="0">
+                <a:ea typeface="Calibri" panose="020F0502020204030204"/>
+                <a:cs typeface="Calibri" panose="020F0502020204030204"/>
+              </a:rPr>
+              <a:t>Basic A-frame geometric objects</a:t>
+            </a:r>
+          </a:p>
+          <a:p>
+            <a:pPr marL="0" indent="0">
+              <a:buNone/>
+            </a:pPr>
+            <a:endParaRPr lang="en-US" dirty="0">
+              <a:ea typeface="Calibri" panose="020F0502020204030204"/>
+              <a:cs typeface="Calibri" panose="020F0502020204030204"/>
+            </a:endParaRPr>
+          </a:p>
+          <a:p>
+            <a:pPr marL="0" indent="0">
+              <a:buNone/>
+            </a:pPr>
+            <a:r>
+              <a:rPr lang="en-US" b="1" dirty="0">
+                <a:ea typeface="Calibri" panose="020F0502020204030204"/>
+                <a:cs typeface="Calibri" panose="020F0502020204030204"/>
+              </a:rPr>
+              <a:t>New web tab</a:t>
+            </a:r>
+            <a:r>
+              <a:rPr lang="en-US" dirty="0">
+                <a:ea typeface="Calibri" panose="020F0502020204030204"/>
+                <a:cs typeface="Calibri" panose="020F0502020204030204"/>
+              </a:rPr>
+              <a:t>:</a:t>
+            </a:r>
+          </a:p>
+          <a:p>
+            <a:pPr marL="0" indent="0">
+              <a:buNone/>
+            </a:pPr>
+            <a:r>
+              <a:rPr lang="en-US" dirty="0">
+                <a:ea typeface="Calibri" panose="020F0502020204030204"/>
+                <a:cs typeface="Calibri" panose="020F0502020204030204"/>
+              </a:rPr>
+              <a:t>https://www.w3schools.com/colors/colors_picker.asp</a:t>
+            </a:r>
+          </a:p>
+        </p:txBody>
+      </p:sp>
+    </p:spTree>
+    <p:extLst>
+      <p:ext uri="{BB962C8B-B14F-4D97-AF65-F5344CB8AC3E}">
+        <p14:creationId xmlns:p14="http://schemas.microsoft.com/office/powerpoint/2010/main" val="1169712265"/>
+      </p:ext>
+    </p:extLst>
+  </p:cSld>
+  <p:clrMapOvr>
+    <a:masterClrMapping/>
+  </p:clrMapOvr>
+</p:sld>
+</file>
+
+<file path=ppt/slides/slide4.xml><?xml version="1.0" encoding="utf-8"?>
+<p:sld xmlns:a="http://schemas.openxmlformats.org/drawingml/2006/main" xmlns:r="http://schemas.openxmlformats.org/officeDocument/2006/relationships" xmlns:p="http://schemas.openxmlformats.org/presentationml/2006/main">
+  <p:cSld>
+    <p:spTree>
+      <p:nvGrpSpPr>
+        <p:cNvPr id="1" name=""/>
+        <p:cNvGrpSpPr/>
+        <p:nvPr/>
+      </p:nvGrpSpPr>
+      <p:grpSpPr>
+        <a:xfrm>
+          <a:off x="0" y="0"/>
+          <a:ext cx="0" cy="0"/>
+          <a:chOff x="0" y="0"/>
+          <a:chExt cx="0" cy="0"/>
+        </a:xfrm>
+      </p:grpSpPr>
+      <p:sp>
+        <p:nvSpPr>
+          <p:cNvPr id="2" name="Title 1">
+            <a:extLst>
+              <a:ext uri="{FF2B5EF4-FFF2-40B4-BE49-F238E27FC236}">
+                <a16:creationId xmlns:a16="http://schemas.microsoft.com/office/drawing/2014/main" id="{E8A0CACB-31AD-38B8-D51C-B346653D6543}"/>
+              </a:ext>
+            </a:extLst>
+          </p:cNvPr>
+          <p:cNvSpPr>
+            <a:spLocks noGrp="1"/>
+          </p:cNvSpPr>
+          <p:nvPr>
+            <p:ph type="title"/>
+          </p:nvPr>
+        </p:nvSpPr>
+        <p:spPr/>
+        <p:txBody>
+          <a:bodyPr/>
+          <a:lstStyle/>
+          <a:p>
+            <a:r>
+              <a:rPr lang="en-US" dirty="0"/>
+              <a:t>3D images</a:t>
+            </a:r>
+          </a:p>
+        </p:txBody>
+      </p:sp>
+      <p:sp>
+        <p:nvSpPr>
+          <p:cNvPr id="3" name="Content Placeholder 2">
+            <a:extLst>
+              <a:ext uri="{FF2B5EF4-FFF2-40B4-BE49-F238E27FC236}">
+                <a16:creationId xmlns:a16="http://schemas.microsoft.com/office/drawing/2014/main" id="{BEC1C0D6-8B17-C175-C78B-DAA3DB295DB5}"/>
+              </a:ext>
+            </a:extLst>
+          </p:cNvPr>
+          <p:cNvSpPr>
+            <a:spLocks noGrp="1"/>
+          </p:cNvSpPr>
+          <p:nvPr>
+            <p:ph idx="1"/>
+          </p:nvPr>
+        </p:nvSpPr>
+        <p:spPr/>
+        <p:txBody>
+          <a:bodyPr/>
+          <a:lstStyle/>
+          <a:p>
+            <a:pPr marL="0" indent="0">
+              <a:buNone/>
+            </a:pPr>
+            <a:r>
+              <a:rPr lang="en-US" dirty="0"/>
+              <a:t>2D images most common</a:t>
+            </a:r>
+          </a:p>
+          <a:p>
+            <a:pPr marL="0" indent="0">
+              <a:buNone/>
+            </a:pPr>
+            <a:endParaRPr lang="en-US" dirty="0"/>
+          </a:p>
+          <a:p>
+            <a:pPr marL="0" indent="0">
+              <a:buNone/>
+            </a:pPr>
+            <a:r>
+              <a:rPr lang="en-US" dirty="0"/>
+              <a:t>https://en.wikipedia.org/wiki/VR_photography</a:t>
+            </a:r>
+          </a:p>
+          <a:p>
+            <a:pPr marL="0" indent="0">
+              <a:buNone/>
+            </a:pPr>
+            <a:endParaRPr lang="en-US" dirty="0"/>
+          </a:p>
+          <a:p>
+            <a:pPr marL="0" indent="0">
+              <a:buNone/>
+            </a:pPr>
+            <a:endParaRPr lang="en-US" dirty="0"/>
+          </a:p>
+        </p:txBody>
+      </p:sp>
+    </p:spTree>
+    <p:extLst>
+      <p:ext uri="{BB962C8B-B14F-4D97-AF65-F5344CB8AC3E}">
+        <p14:creationId xmlns:p14="http://schemas.microsoft.com/office/powerpoint/2010/main" val="1865343453"/>
+      </p:ext>
+    </p:extLst>
+  </p:cSld>
+  <p:clrMapOvr>
+    <a:masterClrMapping/>
+  </p:clrMapOvr>
+</p:sld>
+</file>
+
+<file path=ppt/slides/slide5.xml><?xml version="1.0" encoding="utf-8"?>
+<p:sld xmlns:a="http://schemas.openxmlformats.org/drawingml/2006/main" xmlns:r="http://schemas.openxmlformats.org/officeDocument/2006/relationships" xmlns:p="http://schemas.openxmlformats.org/presentationml/2006/main">
+  <p:cSld>
+    <p:spTree>
+      <p:nvGrpSpPr>
+        <p:cNvPr id="1" name=""/>
+        <p:cNvGrpSpPr/>
+        <p:nvPr/>
+      </p:nvGrpSpPr>
+      <p:grpSpPr>
+        <a:xfrm>
+          <a:off x="0" y="0"/>
+          <a:ext cx="0" cy="0"/>
+          <a:chOff x="0" y="0"/>
+          <a:chExt cx="0" cy="0"/>
+        </a:xfrm>
+      </p:grpSpPr>
+      <p:sp>
+        <p:nvSpPr>
+          <p:cNvPr id="2" name="Title 1">
+            <a:extLst>
+              <a:ext uri="{FF2B5EF4-FFF2-40B4-BE49-F238E27FC236}">
+                <a16:creationId xmlns:a16="http://schemas.microsoft.com/office/drawing/2014/main" id="{ABA6EE94-498E-8079-366A-C6321F49CAF0}"/>
+              </a:ext>
+            </a:extLst>
+          </p:cNvPr>
+          <p:cNvSpPr>
+            <a:spLocks noGrp="1"/>
+          </p:cNvSpPr>
+          <p:nvPr>
+            <p:ph type="title"/>
+          </p:nvPr>
+        </p:nvSpPr>
+        <p:spPr/>
+        <p:txBody>
+          <a:bodyPr/>
+          <a:lstStyle/>
+          <a:p>
+            <a:r>
+              <a:rPr lang="en-US" dirty="0">
+                <a:solidFill>
+                  <a:srgbClr val="0070C0"/>
+                </a:solidFill>
+              </a:rPr>
+              <a:t>VR Images</a:t>
+            </a:r>
+          </a:p>
+        </p:txBody>
+      </p:sp>
+      <p:pic>
+        <p:nvPicPr>
+          <p:cNvPr id="5" name="Picture 4">
+            <a:extLst>
+              <a:ext uri="{FF2B5EF4-FFF2-40B4-BE49-F238E27FC236}">
+                <a16:creationId xmlns:a16="http://schemas.microsoft.com/office/drawing/2014/main" id="{C6284B10-7BA7-B1B6-0679-5BE1F81814E6}"/>
+              </a:ext>
+            </a:extLst>
+          </p:cNvPr>
+          <p:cNvPicPr>
+            <a:picLocks noChangeAspect="1"/>
+          </p:cNvPicPr>
+          <p:nvPr/>
+        </p:nvPicPr>
+        <p:blipFill>
+          <a:blip r:embed="rId2"/>
+          <a:stretch>
+            <a:fillRect/>
+          </a:stretch>
+        </p:blipFill>
+        <p:spPr>
+          <a:xfrm>
+            <a:off x="2680855" y="2461739"/>
+            <a:ext cx="7367579" cy="3592079"/>
+          </a:xfrm>
+          <a:prstGeom prst="rect">
+            <a:avLst/>
+          </a:prstGeom>
+        </p:spPr>
+      </p:pic>
+    </p:spTree>
+    <p:extLst>
+      <p:ext uri="{BB962C8B-B14F-4D97-AF65-F5344CB8AC3E}">
+        <p14:creationId xmlns:p14="http://schemas.microsoft.com/office/powerpoint/2010/main" val="2106641008"/>
+      </p:ext>
+    </p:extLst>
+  </p:cSld>
+  <p:clrMapOvr>
+    <a:masterClrMapping/>
+  </p:clrMapOvr>
+</p:sld>
+</file>
+
+<file path=ppt/slides/slide6.xml><?xml version="1.0" encoding="utf-8"?>
+<p:sld xmlns:a="http://schemas.openxmlformats.org/drawingml/2006/main" xmlns:r="http://schemas.openxmlformats.org/officeDocument/2006/relationships" xmlns:p="http://schemas.openxmlformats.org/presentationml/2006/main">
+  <p:cSld>
+    <p:spTree>
+      <p:nvGrpSpPr>
+        <p:cNvPr id="1" name=""/>
+        <p:cNvGrpSpPr/>
+        <p:nvPr/>
+      </p:nvGrpSpPr>
+      <p:grpSpPr>
+        <a:xfrm>
+          <a:off x="0" y="0"/>
+          <a:ext cx="0" cy="0"/>
+          <a:chOff x="0" y="0"/>
+          <a:chExt cx="0" cy="0"/>
+        </a:xfrm>
+      </p:grpSpPr>
+      <p:sp>
+        <p:nvSpPr>
+          <p:cNvPr id="2" name="Title 1">
+            <a:extLst>
+              <a:ext uri="{FF2B5EF4-FFF2-40B4-BE49-F238E27FC236}">
+                <a16:creationId xmlns:a16="http://schemas.microsoft.com/office/drawing/2014/main" id="{ABA6EE94-498E-8079-366A-C6321F49CAF0}"/>
+              </a:ext>
+            </a:extLst>
+          </p:cNvPr>
+          <p:cNvSpPr>
+            <a:spLocks noGrp="1"/>
+          </p:cNvSpPr>
+          <p:nvPr>
+            <p:ph type="title"/>
+          </p:nvPr>
+        </p:nvSpPr>
+        <p:spPr/>
+        <p:txBody>
+          <a:bodyPr/>
+          <a:lstStyle/>
+          <a:p>
+            <a:r>
+              <a:rPr lang="en-US" dirty="0">
+                <a:solidFill>
+                  <a:srgbClr val="0070C0"/>
+                </a:solidFill>
+              </a:rPr>
+              <a:t>Viewing VR Images</a:t>
+            </a:r>
+          </a:p>
+        </p:txBody>
+      </p:sp>
+      <p:pic>
+        <p:nvPicPr>
+          <p:cNvPr id="3" name="Graphic 2" descr="3d Glasses outline">
+            <a:extLst>
+              <a:ext uri="{FF2B5EF4-FFF2-40B4-BE49-F238E27FC236}">
+                <a16:creationId xmlns:a16="http://schemas.microsoft.com/office/drawing/2014/main" id="{2992276D-8FBE-B2C3-6595-CEBF58E9D4B9}"/>
+              </a:ext>
+            </a:extLst>
+          </p:cNvPr>
+          <p:cNvPicPr>
+            <a:picLocks noChangeAspect="1"/>
+          </p:cNvPicPr>
+          <p:nvPr/>
+        </p:nvPicPr>
+        <p:blipFill>
+          <a:blip r:embed="rId2">
+            <a:extLst>
+              <a:ext uri="{28A0092B-C50C-407E-A947-70E740481C1C}">
+                <a14:useLocalDpi xmlns:a14="http://schemas.microsoft.com/office/drawing/2010/main" val="0"/>
+              </a:ext>
+              <a:ext uri="{96DAC541-7B7A-43D3-8B79-37D633B846F1}">
+                <asvg:svgBlip xmlns:asvg="http://schemas.microsoft.com/office/drawing/2016/SVG/main" r:embed="rId3"/>
+              </a:ext>
+            </a:extLst>
+          </a:blip>
+          <a:stretch>
+            <a:fillRect/>
+          </a:stretch>
+        </p:blipFill>
+        <p:spPr>
+          <a:xfrm>
+            <a:off x="7010400" y="553304"/>
+            <a:ext cx="2927211" cy="2927211"/>
+          </a:xfrm>
+          <a:prstGeom prst="rect">
+            <a:avLst/>
+          </a:prstGeom>
+        </p:spPr>
+      </p:pic>
+      <p:sp>
+        <p:nvSpPr>
+          <p:cNvPr id="4" name="Flowchart: Extract 3">
+            <a:extLst>
+              <a:ext uri="{FF2B5EF4-FFF2-40B4-BE49-F238E27FC236}">
+                <a16:creationId xmlns:a16="http://schemas.microsoft.com/office/drawing/2014/main" id="{731E0BA1-9A45-579E-E6C3-DE44B1333C52}"/>
+              </a:ext>
+            </a:extLst>
+          </p:cNvPr>
+          <p:cNvSpPr/>
+          <p:nvPr/>
+        </p:nvSpPr>
+        <p:spPr>
+          <a:xfrm rot="2295461">
+            <a:off x="6256745" y="1887378"/>
+            <a:ext cx="1506828" cy="1741034"/>
+          </a:xfrm>
+          <a:prstGeom prst="flowChartExtract">
+            <a:avLst/>
+          </a:prstGeom>
+        </p:spPr>
+        <p:style>
+          <a:lnRef idx="2">
+            <a:schemeClr val="accent1">
+              <a:shade val="15000"/>
+            </a:schemeClr>
+          </a:lnRef>
+          <a:fillRef idx="1">
+            <a:schemeClr val="accent1"/>
+          </a:fillRef>
+          <a:effectRef idx="0">
+            <a:schemeClr val="accent1"/>
+          </a:effectRef>
+          <a:fontRef idx="minor">
+            <a:schemeClr val="lt1"/>
+          </a:fontRef>
+        </p:style>
+        <p:txBody>
+          <a:bodyPr rtlCol="0" anchor="ctr"/>
+          <a:lstStyle/>
+          <a:p>
+            <a:pPr algn="ctr"/>
+            <a:endParaRPr lang="en-US"/>
+          </a:p>
+        </p:txBody>
+      </p:sp>
+      <p:sp>
+        <p:nvSpPr>
+          <p:cNvPr id="6" name="Flowchart: Extract 5">
+            <a:extLst>
+              <a:ext uri="{FF2B5EF4-FFF2-40B4-BE49-F238E27FC236}">
+                <a16:creationId xmlns:a16="http://schemas.microsoft.com/office/drawing/2014/main" id="{D4D614F6-46CB-46B0-519F-A0FA6EDA5810}"/>
+              </a:ext>
+            </a:extLst>
+          </p:cNvPr>
+          <p:cNvSpPr/>
+          <p:nvPr/>
+        </p:nvSpPr>
+        <p:spPr>
+          <a:xfrm rot="2295461">
+            <a:off x="6929869" y="2245700"/>
+            <a:ext cx="1506828" cy="1853988"/>
+          </a:xfrm>
+          <a:prstGeom prst="flowChartExtract">
+            <a:avLst/>
+          </a:prstGeom>
+        </p:spPr>
+        <p:style>
+          <a:lnRef idx="2">
+            <a:schemeClr val="accent1">
+              <a:shade val="15000"/>
+            </a:schemeClr>
+          </a:lnRef>
+          <a:fillRef idx="1">
+            <a:schemeClr val="accent1"/>
+          </a:fillRef>
+          <a:effectRef idx="0">
+            <a:schemeClr val="accent1"/>
+          </a:effectRef>
+          <a:fontRef idx="minor">
+            <a:schemeClr val="lt1"/>
+          </a:fontRef>
+        </p:style>
+        <p:txBody>
+          <a:bodyPr rtlCol="0" anchor="ctr"/>
+          <a:lstStyle/>
+          <a:p>
+            <a:pPr algn="ctr"/>
+            <a:endParaRPr lang="en-US"/>
+          </a:p>
+        </p:txBody>
+      </p:sp>
+      <p:sp>
+        <p:nvSpPr>
+          <p:cNvPr id="7" name="Flowchart: Extract 6">
+            <a:extLst>
+              <a:ext uri="{FF2B5EF4-FFF2-40B4-BE49-F238E27FC236}">
+                <a16:creationId xmlns:a16="http://schemas.microsoft.com/office/drawing/2014/main" id="{AAE8A58E-92BC-307C-9B53-8B2F40797660}"/>
+              </a:ext>
+            </a:extLst>
+          </p:cNvPr>
+          <p:cNvSpPr/>
+          <p:nvPr/>
+        </p:nvSpPr>
+        <p:spPr>
+          <a:xfrm rot="2295461">
+            <a:off x="6676171" y="2888528"/>
+            <a:ext cx="775781" cy="901998"/>
+          </a:xfrm>
+          <a:prstGeom prst="flowChartExtract">
+            <a:avLst/>
+          </a:prstGeom>
+          <a:solidFill>
+            <a:schemeClr val="accent2"/>
+          </a:solidFill>
+        </p:spPr>
+        <p:style>
+          <a:lnRef idx="2">
+            <a:schemeClr val="accent1">
+              <a:shade val="15000"/>
+            </a:schemeClr>
+          </a:lnRef>
+          <a:fillRef idx="1">
+            <a:schemeClr val="accent1"/>
+          </a:fillRef>
+          <a:effectRef idx="0">
+            <a:schemeClr val="accent1"/>
+          </a:effectRef>
+          <a:fontRef idx="minor">
+            <a:schemeClr val="lt1"/>
+          </a:fontRef>
+        </p:style>
+        <p:txBody>
+          <a:bodyPr rtlCol="0" anchor="ctr"/>
+          <a:lstStyle/>
+          <a:p>
+            <a:pPr algn="ctr"/>
+            <a:endParaRPr lang="en-US"/>
+          </a:p>
+        </p:txBody>
+      </p:sp>
+      <p:sp>
+        <p:nvSpPr>
+          <p:cNvPr id="8" name="TextBox 7">
+            <a:extLst>
+              <a:ext uri="{FF2B5EF4-FFF2-40B4-BE49-F238E27FC236}">
+                <a16:creationId xmlns:a16="http://schemas.microsoft.com/office/drawing/2014/main" id="{CD3EF467-9105-1D36-FAC8-2353B6FDBF79}"/>
+              </a:ext>
+            </a:extLst>
+          </p:cNvPr>
+          <p:cNvSpPr txBox="1"/>
+          <p:nvPr/>
+        </p:nvSpPr>
+        <p:spPr>
+          <a:xfrm>
+            <a:off x="858539" y="4781333"/>
+            <a:ext cx="8268033" cy="954107"/>
+          </a:xfrm>
+          <a:prstGeom prst="rect">
+            <a:avLst/>
+          </a:prstGeom>
+          <a:noFill/>
+        </p:spPr>
+        <p:txBody>
+          <a:bodyPr wrap="none" rtlCol="0">
+            <a:spAutoFit/>
+          </a:bodyPr>
+          <a:lstStyle/>
+          <a:p>
+            <a:r>
+              <a:rPr lang="en-US" sz="2800" dirty="0"/>
+              <a:t>Field-of-vision intersection 60</a:t>
+            </a:r>
+            <a:r>
+              <a:rPr lang="en-US" sz="2800" baseline="30000" dirty="0"/>
+              <a:t>o</a:t>
+            </a:r>
+            <a:r>
+              <a:rPr lang="en-US" sz="2800" dirty="0"/>
+              <a:t> </a:t>
+            </a:r>
+          </a:p>
+          <a:p>
+            <a:r>
+              <a:rPr lang="en-US" sz="2800" dirty="0"/>
+              <a:t>Field-of-vision = 110</a:t>
+            </a:r>
+            <a:r>
+              <a:rPr lang="en-US" sz="2800" baseline="30000" dirty="0"/>
+              <a:t>o</a:t>
+            </a:r>
+            <a:r>
+              <a:rPr lang="en-US" sz="2800" dirty="0"/>
+              <a:t> left  110</a:t>
+            </a:r>
+            <a:r>
+              <a:rPr lang="en-US" sz="2800" baseline="30000" dirty="0"/>
+              <a:t>o</a:t>
+            </a:r>
+            <a:r>
+              <a:rPr lang="en-US" sz="2800" dirty="0"/>
+              <a:t> right – 60</a:t>
+            </a:r>
+            <a:r>
+              <a:rPr lang="en-US" sz="2800" baseline="30000" dirty="0"/>
+              <a:t>o</a:t>
+            </a:r>
+            <a:r>
+              <a:rPr lang="en-US" sz="2800" dirty="0"/>
+              <a:t> intersection</a:t>
+            </a:r>
+          </a:p>
+        </p:txBody>
+      </p:sp>
+    </p:spTree>
+    <p:extLst>
+      <p:ext uri="{BB962C8B-B14F-4D97-AF65-F5344CB8AC3E}">
+        <p14:creationId xmlns:p14="http://schemas.microsoft.com/office/powerpoint/2010/main" val="2635693023"/>
+      </p:ext>
+    </p:extLst>
+  </p:cSld>
+  <p:clrMapOvr>
+    <a:masterClrMapping/>
+  </p:clrMapOvr>
+</p:sld>
+</file>
+
+<file path=ppt/slides/slide7.xml><?xml version="1.0" encoding="utf-8"?>
+<p:sld xmlns:a="http://schemas.openxmlformats.org/drawingml/2006/main" xmlns:r="http://schemas.openxmlformats.org/officeDocument/2006/relationships" xmlns:p="http://schemas.openxmlformats.org/presentationml/2006/main">
+  <p:cSld>
+    <p:spTree>
+      <p:nvGrpSpPr>
+        <p:cNvPr id="1" name=""/>
+        <p:cNvGrpSpPr/>
+        <p:nvPr/>
+      </p:nvGrpSpPr>
+      <p:grpSpPr>
+        <a:xfrm>
+          <a:off x="0" y="0"/>
+          <a:ext cx="0" cy="0"/>
+          <a:chOff x="0" y="0"/>
+          <a:chExt cx="0" cy="0"/>
+        </a:xfrm>
+      </p:grpSpPr>
+      <p:sp>
+        <p:nvSpPr>
+          <p:cNvPr id="2" name="Title 1">
+            <a:extLst>
+              <a:ext uri="{FF2B5EF4-FFF2-40B4-BE49-F238E27FC236}">
+                <a16:creationId xmlns:a16="http://schemas.microsoft.com/office/drawing/2014/main" id="{44E42908-EAB8-F93F-3DF5-E3FEC9B1C03C}"/>
+              </a:ext>
+            </a:extLst>
+          </p:cNvPr>
+          <p:cNvSpPr>
+            <a:spLocks noGrp="1"/>
+          </p:cNvSpPr>
+          <p:nvPr>
+            <p:ph type="title"/>
+          </p:nvPr>
+        </p:nvSpPr>
+        <p:spPr/>
+        <p:txBody>
+          <a:bodyPr/>
+          <a:lstStyle/>
+          <a:p>
+            <a:r>
+              <a:rPr lang="en-US" dirty="0">
+                <a:solidFill>
+                  <a:srgbClr val="0070C0"/>
+                </a:solidFill>
+              </a:rPr>
+              <a:t>Scenes and geometric objects</a:t>
+            </a:r>
+          </a:p>
+        </p:txBody>
+      </p:sp>
+      <p:graphicFrame>
+        <p:nvGraphicFramePr>
+          <p:cNvPr id="3" name="Table 2">
+            <a:extLst>
+              <a:ext uri="{FF2B5EF4-FFF2-40B4-BE49-F238E27FC236}">
+                <a16:creationId xmlns:a16="http://schemas.microsoft.com/office/drawing/2014/main" id="{ABF39CF6-740C-F2D1-8FCE-DCD896246D3A}"/>
+              </a:ext>
+            </a:extLst>
+          </p:cNvPr>
+          <p:cNvGraphicFramePr>
+            <a:graphicFrameLocks noGrp="1"/>
+          </p:cNvGraphicFramePr>
+          <p:nvPr>
+            <p:extLst>
+              <p:ext uri="{D42A27DB-BD31-4B8C-83A1-F6EECF244321}">
+                <p14:modId xmlns:p14="http://schemas.microsoft.com/office/powerpoint/2010/main" val="3021981825"/>
+              </p:ext>
+            </p:extLst>
+          </p:nvPr>
+        </p:nvGraphicFramePr>
+        <p:xfrm>
+          <a:off x="446391" y="1690688"/>
+          <a:ext cx="11299218" cy="3845560"/>
+        </p:xfrm>
+        <a:graphic>
+          <a:graphicData uri="http://schemas.openxmlformats.org/drawingml/2006/table">
+            <a:tbl>
+              <a:tblPr firstRow="1" bandRow="1">
+                <a:tableStyleId>{5C22544A-7EE6-4342-B048-85BDC9FD1C3A}</a:tableStyleId>
+              </a:tblPr>
+              <a:tblGrid>
+                <a:gridCol w="1564313">
+                  <a:extLst>
+                    <a:ext uri="{9D8B030D-6E8A-4147-A177-3AD203B41FA5}">
+                      <a16:colId xmlns:a16="http://schemas.microsoft.com/office/drawing/2014/main" val="3046300315"/>
+                    </a:ext>
+                  </a:extLst>
+                </a:gridCol>
+                <a:gridCol w="2549986">
+                  <a:extLst>
+                    <a:ext uri="{9D8B030D-6E8A-4147-A177-3AD203B41FA5}">
+                      <a16:colId xmlns:a16="http://schemas.microsoft.com/office/drawing/2014/main" val="3310798745"/>
+                    </a:ext>
+                  </a:extLst>
+                </a:gridCol>
+                <a:gridCol w="7184919">
+                  <a:extLst>
+                    <a:ext uri="{9D8B030D-6E8A-4147-A177-3AD203B41FA5}">
+                      <a16:colId xmlns:a16="http://schemas.microsoft.com/office/drawing/2014/main" val="3908140871"/>
+                    </a:ext>
+                  </a:extLst>
+                </a:gridCol>
+              </a:tblGrid>
+              <a:tr h="370840">
+                <a:tc>
+                  <a:txBody>
+                    <a:bodyPr/>
+                    <a:lstStyle/>
+                    <a:p>
+                      <a:r>
+                        <a:rPr lang="en-US" dirty="0"/>
+                        <a:t>Primitive</a:t>
+                      </a:r>
+                    </a:p>
+                  </a:txBody>
+                  <a:tcPr/>
+                </a:tc>
+                <a:tc>
+                  <a:txBody>
+                    <a:bodyPr/>
+                    <a:lstStyle/>
+                    <a:p>
+                      <a:r>
+                        <a:rPr lang="en-US" dirty="0"/>
+                        <a:t>What</a:t>
+                      </a:r>
+                    </a:p>
+                  </a:txBody>
+                  <a:tcPr/>
+                </a:tc>
+                <a:tc>
+                  <a:txBody>
+                    <a:bodyPr/>
+                    <a:lstStyle/>
+                    <a:p>
+                      <a:r>
+                        <a:rPr lang="en-US" dirty="0"/>
+                        <a:t>Link</a:t>
+                      </a:r>
+                    </a:p>
+                  </a:txBody>
+                  <a:tcPr/>
+                </a:tc>
+                <a:extLst>
+                  <a:ext uri="{0D108BD9-81ED-4DB2-BD59-A6C34878D82A}">
+                    <a16:rowId xmlns:a16="http://schemas.microsoft.com/office/drawing/2014/main" val="2258720979"/>
+                  </a:ext>
+                </a:extLst>
+              </a:tr>
+              <a:tr h="370840">
+                <a:tc>
+                  <a:txBody>
+                    <a:bodyPr/>
+                    <a:lstStyle/>
+                    <a:p>
+                      <a:r>
+                        <a:rPr lang="en-US" sz="2400" dirty="0"/>
+                        <a:t>a-scene</a:t>
+                      </a:r>
+                    </a:p>
+                  </a:txBody>
+                  <a:tcPr/>
+                </a:tc>
+                <a:tc>
+                  <a:txBody>
+                    <a:bodyPr/>
+                    <a:lstStyle/>
+                    <a:p>
+                      <a:r>
+                        <a:rPr lang="en-US" sz="2400" dirty="0"/>
+                        <a:t>Global root object contains all entities </a:t>
+                      </a:r>
+                    </a:p>
+                  </a:txBody>
+                  <a:tcPr/>
+                </a:tc>
+                <a:tc>
+                  <a:txBody>
+                    <a:bodyPr/>
+                    <a:lstStyle/>
+                    <a:p>
+                      <a:pPr marL="0" marR="0" lvl="0" indent="0" algn="l" defTabSz="914400" rtl="0" eaLnBrk="1" fontAlgn="auto" latinLnBrk="0" hangingPunct="1">
+                        <a:lnSpc>
+                          <a:spcPct val="100000"/>
+                        </a:lnSpc>
+                        <a:spcBef>
+                          <a:spcPts val="0"/>
+                        </a:spcBef>
+                        <a:spcAft>
+                          <a:spcPts val="0"/>
+                        </a:spcAft>
+                        <a:buClrTx/>
+                        <a:buSzTx/>
+                        <a:buFontTx/>
+                        <a:buNone/>
+                        <a:tabLst/>
+                        <a:defRPr/>
+                      </a:pPr>
+                      <a:r>
+                        <a:rPr lang="en-US" sz="2400" dirty="0"/>
+                        <a:t>https://aframe.io/docs/1.4.0/core/scene.html</a:t>
+                      </a:r>
+                    </a:p>
+                  </a:txBody>
+                  <a:tcPr/>
+                </a:tc>
+                <a:extLst>
+                  <a:ext uri="{0D108BD9-81ED-4DB2-BD59-A6C34878D82A}">
+                    <a16:rowId xmlns:a16="http://schemas.microsoft.com/office/drawing/2014/main" val="3004776711"/>
+                  </a:ext>
+                </a:extLst>
+              </a:tr>
+              <a:tr h="370840">
+                <a:tc>
+                  <a:txBody>
+                    <a:bodyPr/>
+                    <a:lstStyle/>
+                    <a:p>
+                      <a:r>
+                        <a:rPr lang="en-US" sz="2400" dirty="0"/>
+                        <a:t>a-text</a:t>
+                      </a:r>
+                    </a:p>
+                  </a:txBody>
+                  <a:tcPr/>
+                </a:tc>
+                <a:tc>
+                  <a:txBody>
+                    <a:bodyPr/>
+                    <a:lstStyle/>
+                    <a:p>
+                      <a:r>
+                        <a:rPr lang="en-US" sz="2400" dirty="0"/>
+                        <a:t>Text</a:t>
+                      </a:r>
+                    </a:p>
+                  </a:txBody>
+                  <a:tcPr/>
+                </a:tc>
+                <a:tc>
+                  <a:txBody>
+                    <a:bodyPr/>
+                    <a:lstStyle/>
+                    <a:p>
+                      <a:r>
+                        <a:rPr lang="en-US" sz="2400" dirty="0"/>
+                        <a:t>https://aframe.io/docs/1.4.0/primitives/a-text.html</a:t>
+                      </a:r>
+                    </a:p>
+                  </a:txBody>
+                  <a:tcPr/>
+                </a:tc>
+                <a:extLst>
+                  <a:ext uri="{0D108BD9-81ED-4DB2-BD59-A6C34878D82A}">
+                    <a16:rowId xmlns:a16="http://schemas.microsoft.com/office/drawing/2014/main" val="3764464277"/>
+                  </a:ext>
+                </a:extLst>
+              </a:tr>
+              <a:tr h="370840">
+                <a:tc>
+                  <a:txBody>
+                    <a:bodyPr/>
+                    <a:lstStyle/>
+                    <a:p>
+                      <a:r>
+                        <a:rPr lang="en-US" sz="2400" dirty="0"/>
+                        <a:t>a-box</a:t>
+                      </a:r>
+                    </a:p>
+                  </a:txBody>
+                  <a:tcPr/>
+                </a:tc>
+                <a:tc>
+                  <a:txBody>
+                    <a:bodyPr/>
+                    <a:lstStyle/>
+                    <a:p>
+                      <a:r>
+                        <a:rPr lang="en-US" sz="2400" dirty="0"/>
+                        <a:t>3D Box</a:t>
+                      </a:r>
+                    </a:p>
+                  </a:txBody>
+                  <a:tcPr/>
+                </a:tc>
+                <a:tc>
+                  <a:txBody>
+                    <a:bodyPr/>
+                    <a:lstStyle/>
+                    <a:p>
+                      <a:r>
+                        <a:rPr lang="en-US" sz="2400" dirty="0"/>
+                        <a:t>https://aframe.io/docs/1.4.0/primitives/a-box.html</a:t>
+                      </a:r>
+                    </a:p>
+                  </a:txBody>
+                  <a:tcPr/>
+                </a:tc>
+                <a:extLst>
+                  <a:ext uri="{0D108BD9-81ED-4DB2-BD59-A6C34878D82A}">
+                    <a16:rowId xmlns:a16="http://schemas.microsoft.com/office/drawing/2014/main" val="2308483662"/>
+                  </a:ext>
+                </a:extLst>
+              </a:tr>
+              <a:tr h="370840">
+                <a:tc>
+                  <a:txBody>
+                    <a:bodyPr/>
+                    <a:lstStyle/>
+                    <a:p>
+                      <a:r>
+                        <a:rPr lang="en-US" sz="2400" dirty="0"/>
+                        <a:t>a-cylinder </a:t>
+                      </a:r>
+                    </a:p>
+                  </a:txBody>
+                  <a:tcPr/>
+                </a:tc>
+                <a:tc>
+                  <a:txBody>
+                    <a:bodyPr/>
+                    <a:lstStyle/>
+                    <a:p>
+                      <a:r>
+                        <a:rPr lang="en-US" sz="2400" dirty="0"/>
+                        <a:t>3D cylinder</a:t>
+                      </a:r>
+                    </a:p>
+                  </a:txBody>
+                  <a:tcPr/>
+                </a:tc>
+                <a:tc>
+                  <a:txBody>
+                    <a:bodyPr/>
+                    <a:lstStyle/>
+                    <a:p>
+                      <a:r>
+                        <a:rPr lang="en-US" sz="2400" dirty="0"/>
+                        <a:t>https://aframe.io/docs/1.5.0/primitives/a-cylinder.html</a:t>
+                      </a:r>
+                    </a:p>
+                  </a:txBody>
+                  <a:tcPr/>
+                </a:tc>
+                <a:extLst>
+                  <a:ext uri="{0D108BD9-81ED-4DB2-BD59-A6C34878D82A}">
+                    <a16:rowId xmlns:a16="http://schemas.microsoft.com/office/drawing/2014/main" val="4261858362"/>
+                  </a:ext>
+                </a:extLst>
+              </a:tr>
+              <a:tr h="370840">
+                <a:tc>
+                  <a:txBody>
+                    <a:bodyPr/>
+                    <a:lstStyle/>
+                    <a:p>
+                      <a:r>
+                        <a:rPr lang="en-US" sz="2400" dirty="0"/>
+                        <a:t>a-plane</a:t>
+                      </a:r>
+                    </a:p>
+                  </a:txBody>
+                  <a:tcPr/>
+                </a:tc>
+                <a:tc>
+                  <a:txBody>
+                    <a:bodyPr/>
+                    <a:lstStyle/>
+                    <a:p>
+                      <a:r>
+                        <a:rPr lang="en-US" sz="2400" dirty="0"/>
+                        <a:t>2D plane</a:t>
+                      </a:r>
+                    </a:p>
+                  </a:txBody>
+                  <a:tcPr/>
+                </a:tc>
+                <a:tc>
+                  <a:txBody>
+                    <a:bodyPr/>
+                    <a:lstStyle/>
+                    <a:p>
+                      <a:r>
+                        <a:rPr lang="en-US" sz="2400" dirty="0"/>
+                        <a:t>https://aframe.io/docs/1.5.0/primitives/a-plane.html</a:t>
+                      </a:r>
+                    </a:p>
+                  </a:txBody>
+                  <a:tcPr/>
+                </a:tc>
+                <a:extLst>
+                  <a:ext uri="{0D108BD9-81ED-4DB2-BD59-A6C34878D82A}">
+                    <a16:rowId xmlns:a16="http://schemas.microsoft.com/office/drawing/2014/main" val="914741282"/>
+                  </a:ext>
+                </a:extLst>
+              </a:tr>
+              <a:tr h="370840">
+                <a:tc>
+                  <a:txBody>
+                    <a:bodyPr/>
+                    <a:lstStyle/>
+                    <a:p>
+                      <a:r>
+                        <a:rPr lang="en-US" sz="2400" dirty="0"/>
+                        <a:t>a-sphere</a:t>
+                      </a:r>
+                    </a:p>
+                  </a:txBody>
+                  <a:tcPr/>
+                </a:tc>
+                <a:tc>
+                  <a:txBody>
+                    <a:bodyPr/>
+                    <a:lstStyle/>
+                    <a:p>
+                      <a:r>
+                        <a:rPr lang="en-US" sz="2400" dirty="0"/>
+                        <a:t>3D Sphere</a:t>
+                      </a:r>
+                    </a:p>
+                  </a:txBody>
+                  <a:tcPr/>
+                </a:tc>
+                <a:tc>
+                  <a:txBody>
+                    <a:bodyPr/>
+                    <a:lstStyle/>
+                    <a:p>
+                      <a:r>
+                        <a:rPr lang="en-US" sz="2400" dirty="0"/>
+                        <a:t>https://aframe.io/docs/1.4.0/primitives/a-sphere.html</a:t>
+                      </a:r>
+                    </a:p>
+                  </a:txBody>
+                  <a:tcPr/>
+                </a:tc>
+                <a:extLst>
+                  <a:ext uri="{0D108BD9-81ED-4DB2-BD59-A6C34878D82A}">
+                    <a16:rowId xmlns:a16="http://schemas.microsoft.com/office/drawing/2014/main" val="1058105725"/>
+                  </a:ext>
+                </a:extLst>
+              </a:tr>
+            </a:tbl>
+          </a:graphicData>
+        </a:graphic>
+      </p:graphicFrame>
+    </p:spTree>
+    <p:extLst>
+      <p:ext uri="{BB962C8B-B14F-4D97-AF65-F5344CB8AC3E}">
+        <p14:creationId xmlns:p14="http://schemas.microsoft.com/office/powerpoint/2010/main" val="2474904001"/>
+      </p:ext>
+    </p:extLst>
+  </p:cSld>
+  <p:clrMapOvr>
+    <a:masterClrMapping/>
+  </p:clrMapOvr>
+</p:sld>
+</file>
+
+<file path=ppt/slides/slide8.xml><?xml version="1.0" encoding="utf-8"?>
+<p:sld xmlns:a="http://schemas.openxmlformats.org/drawingml/2006/main" xmlns:r="http://schemas.openxmlformats.org/officeDocument/2006/relationships" xmlns:p="http://schemas.openxmlformats.org/presentationml/2006/main">
+  <p:cSld>
+    <p:spTree>
+      <p:nvGrpSpPr>
+        <p:cNvPr id="1" name=""/>
+        <p:cNvGrpSpPr/>
+        <p:nvPr/>
+      </p:nvGrpSpPr>
+      <p:grpSpPr>
+        <a:xfrm>
+          <a:off x="0" y="0"/>
+          <a:ext cx="0" cy="0"/>
+          <a:chOff x="0" y="0"/>
+          <a:chExt cx="0" cy="0"/>
+        </a:xfrm>
+      </p:grpSpPr>
+      <p:sp>
+        <p:nvSpPr>
+          <p:cNvPr id="2" name="Title 1">
+            <a:extLst>
+              <a:ext uri="{FF2B5EF4-FFF2-40B4-BE49-F238E27FC236}">
+                <a16:creationId xmlns:a16="http://schemas.microsoft.com/office/drawing/2014/main" id="{474B9155-D35B-C848-17BB-F51527874F46}"/>
+              </a:ext>
+            </a:extLst>
+          </p:cNvPr>
+          <p:cNvSpPr>
+            <a:spLocks noGrp="1"/>
+          </p:cNvSpPr>
+          <p:nvPr>
+            <p:ph type="title"/>
+          </p:nvPr>
+        </p:nvSpPr>
+        <p:spPr/>
+        <p:txBody>
+          <a:bodyPr/>
+          <a:lstStyle/>
+          <a:p>
+            <a:r>
+              <a:rPr lang="en-US" dirty="0">
+                <a:solidFill>
+                  <a:srgbClr val="0070C0"/>
+                </a:solidFill>
+              </a:rPr>
+              <a:t>Geometric terms</a:t>
+            </a:r>
+          </a:p>
+        </p:txBody>
+      </p:sp>
+      <p:sp>
+        <p:nvSpPr>
+          <p:cNvPr id="3" name="Content Placeholder 2">
+            <a:extLst>
+              <a:ext uri="{FF2B5EF4-FFF2-40B4-BE49-F238E27FC236}">
+                <a16:creationId xmlns:a16="http://schemas.microsoft.com/office/drawing/2014/main" id="{4BEC752A-9015-7C62-6AE4-AEB20169DA17}"/>
+              </a:ext>
+            </a:extLst>
+          </p:cNvPr>
+          <p:cNvSpPr>
+            <a:spLocks noGrp="1"/>
+          </p:cNvSpPr>
+          <p:nvPr>
+            <p:ph idx="1"/>
+          </p:nvPr>
+        </p:nvSpPr>
+        <p:spPr/>
+        <p:txBody>
+          <a:bodyPr/>
+          <a:lstStyle/>
+          <a:p>
+            <a:pPr marL="0" indent="0">
+              <a:buNone/>
+            </a:pPr>
+            <a:endParaRPr lang="en-US" dirty="0"/>
+          </a:p>
+          <a:p>
+            <a:pPr marL="0" indent="0">
+              <a:buNone/>
+            </a:pPr>
+            <a:r>
+              <a:rPr lang="en-US" dirty="0"/>
+              <a:t>Mesh or geometry</a:t>
+            </a:r>
+          </a:p>
+          <a:p>
+            <a:pPr marL="0" indent="0">
+              <a:buNone/>
+            </a:pPr>
+            <a:r>
+              <a:rPr lang="en-US" dirty="0"/>
+              <a:t>         Vertices, edges and faces defining a 3D object</a:t>
+            </a:r>
+          </a:p>
+          <a:p>
+            <a:pPr marL="0" indent="0">
+              <a:buNone/>
+            </a:pPr>
+            <a:endParaRPr lang="en-US" dirty="0"/>
+          </a:p>
+          <a:p>
+            <a:pPr marL="0" indent="0">
+              <a:buNone/>
+            </a:pPr>
+            <a:r>
+              <a:rPr lang="en-US" dirty="0"/>
+              <a:t>Texture</a:t>
+            </a:r>
+          </a:p>
+          <a:p>
+            <a:pPr marL="0" indent="0">
+              <a:buNone/>
+            </a:pPr>
+            <a:r>
+              <a:rPr lang="en-US" dirty="0"/>
+              <a:t>         Color and appearance of a surface</a:t>
+            </a:r>
+          </a:p>
+          <a:p>
+            <a:pPr marL="0" indent="0">
+              <a:buNone/>
+            </a:pPr>
+            <a:endParaRPr lang="en-US" dirty="0"/>
+          </a:p>
+          <a:p>
+            <a:pPr marL="0" indent="0">
+              <a:buNone/>
+            </a:pPr>
+            <a:r>
+              <a:rPr lang="en-US" dirty="0"/>
+              <a:t>Full representation: mesh and texture</a:t>
+            </a:r>
+          </a:p>
+          <a:p>
+            <a:pPr marL="0" indent="0">
+              <a:buNone/>
+            </a:pPr>
+            <a:endParaRPr lang="en-US" dirty="0"/>
+          </a:p>
+        </p:txBody>
+      </p:sp>
+    </p:spTree>
+    <p:extLst>
+      <p:ext uri="{BB962C8B-B14F-4D97-AF65-F5344CB8AC3E}">
+        <p14:creationId xmlns:p14="http://schemas.microsoft.com/office/powerpoint/2010/main" val="331694600"/>
+      </p:ext>
+    </p:extLst>
+  </p:cSld>
+  <p:clrMapOvr>
+    <a:masterClrMapping/>
+  </p:clrMapOvr>
+</p:sld>
+</file>
+
+<file path=ppt/slides/slide9.xml><?xml version="1.0" encoding="utf-8"?>
+<p:sld xmlns:a="http://schemas.openxmlformats.org/drawingml/2006/main" xmlns:r="http://schemas.openxmlformats.org/officeDocument/2006/relationships" xmlns:p="http://schemas.openxmlformats.org/presentationml/2006/main">
+  <p:cSld>
+    <p:spTree>
+      <p:nvGrpSpPr>
+        <p:cNvPr id="1" name=""/>
+        <p:cNvGrpSpPr/>
+        <p:nvPr/>
+      </p:nvGrpSpPr>
+      <p:grpSpPr>
+        <a:xfrm>
+          <a:off x="0" y="0"/>
+          <a:ext cx="0" cy="0"/>
+          <a:chOff x="0" y="0"/>
+          <a:chExt cx="0" cy="0"/>
+        </a:xfrm>
+      </p:grpSpPr>
+      <p:sp>
+        <p:nvSpPr>
+          <p:cNvPr id="2" name="Title 1">
+            <a:extLst>
+              <a:ext uri="{FF2B5EF4-FFF2-40B4-BE49-F238E27FC236}">
+                <a16:creationId xmlns:a16="http://schemas.microsoft.com/office/drawing/2014/main" id="{86A57BC5-3FDD-1DAF-88C5-EAEC45FEF576}"/>
+              </a:ext>
+            </a:extLst>
+          </p:cNvPr>
+          <p:cNvSpPr>
+            <a:spLocks noGrp="1"/>
+          </p:cNvSpPr>
+          <p:nvPr>
+            <p:ph type="title"/>
+          </p:nvPr>
+        </p:nvSpPr>
+        <p:spPr/>
+        <p:txBody>
+          <a:bodyPr/>
+          <a:lstStyle/>
+          <a:p>
+            <a:r>
+              <a:rPr lang="en-US" dirty="0"/>
+              <a:t>Pre-defined A-Frame geometries </a:t>
+            </a:r>
+          </a:p>
+        </p:txBody>
+      </p:sp>
+      <p:sp>
+        <p:nvSpPr>
+          <p:cNvPr id="3" name="Content Placeholder 2">
+            <a:extLst>
+              <a:ext uri="{FF2B5EF4-FFF2-40B4-BE49-F238E27FC236}">
+                <a16:creationId xmlns:a16="http://schemas.microsoft.com/office/drawing/2014/main" id="{D4698390-75C6-9012-6E4C-1D6177CC45BA}"/>
+              </a:ext>
+            </a:extLst>
+          </p:cNvPr>
+          <p:cNvSpPr>
+            <a:spLocks noGrp="1"/>
+          </p:cNvSpPr>
+          <p:nvPr>
+            <p:ph idx="1"/>
+          </p:nvPr>
+        </p:nvSpPr>
+        <p:spPr/>
+        <p:txBody>
+          <a:bodyPr/>
+          <a:lstStyle/>
+          <a:p>
+            <a:pPr marL="0" indent="0">
+              <a:buNone/>
+            </a:pPr>
+            <a:endParaRPr lang="en-US" dirty="0"/>
+          </a:p>
+          <a:p>
+            <a:pPr marL="0" indent="0">
+              <a:buNone/>
+            </a:pPr>
+            <a:endParaRPr lang="en-US" dirty="0"/>
+          </a:p>
+          <a:p>
+            <a:pPr marL="0" indent="0">
+              <a:buNone/>
+            </a:pPr>
+            <a:endParaRPr lang="en-US" dirty="0"/>
+          </a:p>
+        </p:txBody>
+      </p:sp>
+      <p:pic>
+        <p:nvPicPr>
+          <p:cNvPr id="5" name="Picture 4">
+            <a:extLst>
+              <a:ext uri="{FF2B5EF4-FFF2-40B4-BE49-F238E27FC236}">
+                <a16:creationId xmlns:a16="http://schemas.microsoft.com/office/drawing/2014/main" id="{E0ABA5CA-1762-AD6A-A287-464540917C0D}"/>
+              </a:ext>
+            </a:extLst>
+          </p:cNvPr>
+          <p:cNvPicPr>
+            <a:picLocks noChangeAspect="1"/>
+          </p:cNvPicPr>
+          <p:nvPr/>
+        </p:nvPicPr>
+        <p:blipFill>
+          <a:blip r:embed="rId3"/>
+          <a:stretch>
+            <a:fillRect/>
+          </a:stretch>
+        </p:blipFill>
+        <p:spPr>
+          <a:xfrm>
+            <a:off x="506027" y="2270341"/>
+            <a:ext cx="10447594" cy="4431220"/>
+          </a:xfrm>
+          <a:prstGeom prst="rect">
+            <a:avLst/>
+          </a:prstGeom>
+        </p:spPr>
+      </p:pic>
+    </p:spTree>
+    <p:extLst>
+      <p:ext uri="{BB962C8B-B14F-4D97-AF65-F5344CB8AC3E}">
+        <p14:creationId xmlns:p14="http://schemas.microsoft.com/office/powerpoint/2010/main" val="2035281295"/>
       </p:ext>
     </p:extLst>
   </p:cSld>
